--- a/非受控文档/过程文档/UML工具/UML工具.pptx
+++ b/非受控文档/过程文档/UML工具/UML工具.pptx
@@ -8,62 +8,63 @@
     <p:notesMasterId r:id="rId62"/>
   </p:notesMasterIdLst>
   <p:sldIdLst>
-    <p:sldId id="256" r:id="rId3"/>
-    <p:sldId id="257" r:id="rId4"/>
-    <p:sldId id="258" r:id="rId5"/>
-    <p:sldId id="280" r:id="rId6"/>
-    <p:sldId id="297" r:id="rId7"/>
-    <p:sldId id="281" r:id="rId8"/>
-    <p:sldId id="298" r:id="rId9"/>
-    <p:sldId id="282" r:id="rId10"/>
-    <p:sldId id="283" r:id="rId11"/>
-    <p:sldId id="284" r:id="rId12"/>
-    <p:sldId id="285" r:id="rId13"/>
-    <p:sldId id="286" r:id="rId14"/>
-    <p:sldId id="287" r:id="rId15"/>
-    <p:sldId id="288" r:id="rId16"/>
-    <p:sldId id="299" r:id="rId17"/>
-    <p:sldId id="294" r:id="rId18"/>
-    <p:sldId id="295" r:id="rId19"/>
-    <p:sldId id="296" r:id="rId20"/>
-    <p:sldId id="259" r:id="rId21"/>
-    <p:sldId id="302" r:id="rId22"/>
-    <p:sldId id="303" r:id="rId23"/>
-    <p:sldId id="304" r:id="rId24"/>
-    <p:sldId id="305" r:id="rId25"/>
-    <p:sldId id="300" r:id="rId26"/>
-    <p:sldId id="292" r:id="rId27"/>
-    <p:sldId id="293" r:id="rId28"/>
-    <p:sldId id="301" r:id="rId29"/>
-    <p:sldId id="340" r:id="rId30"/>
-    <p:sldId id="341" r:id="rId31"/>
-    <p:sldId id="342" r:id="rId32"/>
-    <p:sldId id="336" r:id="rId33"/>
-    <p:sldId id="337" r:id="rId34"/>
-    <p:sldId id="338" r:id="rId35"/>
-    <p:sldId id="334" r:id="rId36"/>
-    <p:sldId id="365" r:id="rId37"/>
-    <p:sldId id="344" r:id="rId38"/>
-    <p:sldId id="345" r:id="rId39"/>
-    <p:sldId id="346" r:id="rId40"/>
-    <p:sldId id="347" r:id="rId41"/>
-    <p:sldId id="348" r:id="rId42"/>
-    <p:sldId id="349" r:id="rId43"/>
-    <p:sldId id="350" r:id="rId44"/>
-    <p:sldId id="366" r:id="rId45"/>
-    <p:sldId id="351" r:id="rId46"/>
-    <p:sldId id="352" r:id="rId47"/>
-    <p:sldId id="353" r:id="rId48"/>
-    <p:sldId id="354" r:id="rId49"/>
-    <p:sldId id="355" r:id="rId50"/>
-    <p:sldId id="356" r:id="rId51"/>
-    <p:sldId id="357" r:id="rId52"/>
-    <p:sldId id="358" r:id="rId53"/>
-    <p:sldId id="359" r:id="rId54"/>
-    <p:sldId id="360" r:id="rId55"/>
-    <p:sldId id="361" r:id="rId56"/>
-    <p:sldId id="339" r:id="rId57"/>
-    <p:sldId id="343" r:id="rId58"/>
+    <p:sldId id="256" r:id="rId2"/>
+    <p:sldId id="257" r:id="rId3"/>
+    <p:sldId id="258" r:id="rId4"/>
+    <p:sldId id="280" r:id="rId5"/>
+    <p:sldId id="297" r:id="rId6"/>
+    <p:sldId id="281" r:id="rId7"/>
+    <p:sldId id="298" r:id="rId8"/>
+    <p:sldId id="282" r:id="rId9"/>
+    <p:sldId id="283" r:id="rId10"/>
+    <p:sldId id="284" r:id="rId11"/>
+    <p:sldId id="285" r:id="rId12"/>
+    <p:sldId id="286" r:id="rId13"/>
+    <p:sldId id="287" r:id="rId14"/>
+    <p:sldId id="288" r:id="rId15"/>
+    <p:sldId id="299" r:id="rId16"/>
+    <p:sldId id="294" r:id="rId17"/>
+    <p:sldId id="295" r:id="rId18"/>
+    <p:sldId id="296" r:id="rId19"/>
+    <p:sldId id="259" r:id="rId20"/>
+    <p:sldId id="302" r:id="rId21"/>
+    <p:sldId id="303" r:id="rId22"/>
+    <p:sldId id="304" r:id="rId23"/>
+    <p:sldId id="305" r:id="rId24"/>
+    <p:sldId id="300" r:id="rId25"/>
+    <p:sldId id="292" r:id="rId26"/>
+    <p:sldId id="293" r:id="rId27"/>
+    <p:sldId id="301" r:id="rId28"/>
+    <p:sldId id="340" r:id="rId29"/>
+    <p:sldId id="341" r:id="rId30"/>
+    <p:sldId id="342" r:id="rId31"/>
+    <p:sldId id="336" r:id="rId32"/>
+    <p:sldId id="337" r:id="rId33"/>
+    <p:sldId id="338" r:id="rId34"/>
+    <p:sldId id="334" r:id="rId35"/>
+    <p:sldId id="365" r:id="rId36"/>
+    <p:sldId id="344" r:id="rId37"/>
+    <p:sldId id="345" r:id="rId38"/>
+    <p:sldId id="346" r:id="rId39"/>
+    <p:sldId id="347" r:id="rId40"/>
+    <p:sldId id="348" r:id="rId41"/>
+    <p:sldId id="349" r:id="rId42"/>
+    <p:sldId id="350" r:id="rId43"/>
+    <p:sldId id="366" r:id="rId44"/>
+    <p:sldId id="351" r:id="rId45"/>
+    <p:sldId id="352" r:id="rId46"/>
+    <p:sldId id="353" r:id="rId47"/>
+    <p:sldId id="354" r:id="rId48"/>
+    <p:sldId id="355" r:id="rId49"/>
+    <p:sldId id="356" r:id="rId50"/>
+    <p:sldId id="357" r:id="rId51"/>
+    <p:sldId id="358" r:id="rId52"/>
+    <p:sldId id="359" r:id="rId53"/>
+    <p:sldId id="360" r:id="rId54"/>
+    <p:sldId id="361" r:id="rId55"/>
+    <p:sldId id="339" r:id="rId56"/>
+    <p:sldId id="343" r:id="rId57"/>
+    <p:sldId id="370" r:id="rId58"/>
     <p:sldId id="368" r:id="rId59"/>
     <p:sldId id="369" r:id="rId60"/>
     <p:sldId id="279" r:id="rId61"/>
@@ -165,6 +166,22 @@
       </a:defRPr>
     </a:lvl9pPr>
   </p:defaultTextStyle>
+  <p:extLst>
+    <p:ext uri="{EFAFB233-063F-42B5-8137-9DF3F51BA10A}">
+      <p15:sldGuideLst xmlns:p15="http://schemas.microsoft.com/office/powerpoint/2012/main">
+        <p15:guide id="1" orient="horz" pos="2132">
+          <p15:clr>
+            <a:srgbClr val="A4A3A4"/>
+          </p15:clr>
+        </p15:guide>
+        <p15:guide id="2" pos="3840">
+          <p15:clr>
+            <a:srgbClr val="A4A3A4"/>
+          </p15:clr>
+        </p15:guide>
+      </p15:sldGuideLst>
+    </p:ext>
+  </p:extLst>
 </p:presentation>
 </file>
 
@@ -250,6 +267,7 @@
           <a:p>
             <a:fld id="{959EEDEB-74DD-4590-ADB0-3BDFBC7AA6C1}" type="datetimeFigureOut">
               <a:rPr lang="zh-CN" altLang="en-US" smtClean="0"/>
+              <a:t>2018/10/21</a:t>
             </a:fld>
             <a:endParaRPr lang="zh-CN" altLang="en-US"/>
           </a:p>
@@ -313,42 +331,37 @@
           <a:p>
             <a:pPr lvl="0"/>
             <a:r>
-              <a:rPr lang="zh-CN" altLang="en-US" smtClean="0"/>
+              <a:rPr lang="zh-CN" altLang="en-US"/>
               <a:t>单击此处编辑母版文本样式</a:t>
             </a:r>
-            <a:endParaRPr lang="zh-CN" altLang="en-US" smtClean="0"/>
           </a:p>
           <a:p>
             <a:pPr lvl="1"/>
             <a:r>
-              <a:rPr lang="zh-CN" altLang="en-US" smtClean="0"/>
+              <a:rPr lang="zh-CN" altLang="en-US"/>
               <a:t>第二级</a:t>
             </a:r>
-            <a:endParaRPr lang="zh-CN" altLang="en-US" smtClean="0"/>
           </a:p>
           <a:p>
             <a:pPr lvl="2"/>
             <a:r>
-              <a:rPr lang="zh-CN" altLang="en-US" smtClean="0"/>
+              <a:rPr lang="zh-CN" altLang="en-US"/>
               <a:t>第三级</a:t>
             </a:r>
-            <a:endParaRPr lang="zh-CN" altLang="en-US" smtClean="0"/>
           </a:p>
           <a:p>
             <a:pPr lvl="3"/>
             <a:r>
-              <a:rPr lang="zh-CN" altLang="en-US" smtClean="0"/>
+              <a:rPr lang="zh-CN" altLang="en-US"/>
               <a:t>第四级</a:t>
             </a:r>
-            <a:endParaRPr lang="zh-CN" altLang="en-US" smtClean="0"/>
           </a:p>
           <a:p>
             <a:pPr lvl="4"/>
             <a:r>
-              <a:rPr lang="zh-CN" altLang="en-US" smtClean="0"/>
+              <a:rPr lang="zh-CN" altLang="en-US"/>
               <a:t>第五级</a:t>
             </a:r>
-            <a:endParaRPr lang="zh-CN" altLang="en-US"/>
           </a:p>
         </p:txBody>
       </p:sp>
@@ -412,6 +425,7 @@
           <a:p>
             <a:fld id="{195043DD-9C8A-432D-8FD9-15B0804A3EB1}" type="slidenum">
               <a:rPr lang="zh-CN" altLang="en-US" smtClean="0"/>
+              <a:t>‹#›</a:t>
             </a:fld>
             <a:endParaRPr lang="zh-CN" altLang="en-US"/>
           </a:p>
@@ -557,10 +571,9 @@
           </a:lstStyle>
           <a:p>
             <a:r>
-              <a:rPr lang="zh-CN" altLang="en-US" smtClean="0"/>
+              <a:rPr lang="zh-CN" altLang="en-US"/>
               <a:t>单击此处编辑母版标题样式</a:t>
             </a:r>
-            <a:endParaRPr lang="zh-CN" altLang="en-US"/>
           </a:p>
         </p:txBody>
       </p:sp>
@@ -622,10 +635,9 @@
           </a:lstStyle>
           <a:p>
             <a:r>
-              <a:rPr lang="zh-CN" altLang="en-US" smtClean="0"/>
+              <a:rPr lang="zh-CN" altLang="en-US"/>
               <a:t>单击此处编辑母版副标题样式</a:t>
             </a:r>
-            <a:endParaRPr lang="zh-CN" altLang="en-US"/>
           </a:p>
         </p:txBody>
       </p:sp>
@@ -646,6 +658,7 @@
           <a:p>
             <a:fld id="{698485DF-3FAB-45E9-A642-7745AB3E3AFD}" type="datetimeFigureOut">
               <a:rPr lang="zh-CN" altLang="en-US" smtClean="0"/>
+              <a:t>2018/10/21</a:t>
             </a:fld>
             <a:endParaRPr lang="zh-CN" altLang="en-US"/>
           </a:p>
@@ -687,6 +700,7 @@
           <a:p>
             <a:fld id="{9C0BAE56-5081-45C8-9882-C35F39B69EBE}" type="slidenum">
               <a:rPr lang="zh-CN" altLang="en-US" smtClean="0"/>
+              <a:t>‹#›</a:t>
             </a:fld>
             <a:endParaRPr lang="zh-CN" altLang="en-US"/>
           </a:p>
@@ -733,10 +747,9 @@
           <a:lstStyle/>
           <a:p>
             <a:r>
-              <a:rPr lang="zh-CN" altLang="en-US" smtClean="0"/>
+              <a:rPr lang="zh-CN" altLang="en-US"/>
               <a:t>单击此处编辑母版标题样式</a:t>
             </a:r>
-            <a:endParaRPr lang="zh-CN" altLang="en-US"/>
           </a:p>
         </p:txBody>
       </p:sp>
@@ -757,42 +770,37 @@
           <a:p>
             <a:pPr lvl="0"/>
             <a:r>
-              <a:rPr lang="zh-CN" altLang="en-US" smtClean="0"/>
+              <a:rPr lang="zh-CN" altLang="en-US"/>
               <a:t>单击此处编辑母版文本样式</a:t>
             </a:r>
-            <a:endParaRPr lang="zh-CN" altLang="en-US" smtClean="0"/>
           </a:p>
           <a:p>
             <a:pPr lvl="1"/>
             <a:r>
-              <a:rPr lang="zh-CN" altLang="en-US" smtClean="0"/>
+              <a:rPr lang="zh-CN" altLang="en-US"/>
               <a:t>第二级</a:t>
             </a:r>
-            <a:endParaRPr lang="zh-CN" altLang="en-US" smtClean="0"/>
           </a:p>
           <a:p>
             <a:pPr lvl="2"/>
             <a:r>
-              <a:rPr lang="zh-CN" altLang="en-US" smtClean="0"/>
+              <a:rPr lang="zh-CN" altLang="en-US"/>
               <a:t>第三级</a:t>
             </a:r>
-            <a:endParaRPr lang="zh-CN" altLang="en-US" smtClean="0"/>
           </a:p>
           <a:p>
             <a:pPr lvl="3"/>
             <a:r>
-              <a:rPr lang="zh-CN" altLang="en-US" smtClean="0"/>
+              <a:rPr lang="zh-CN" altLang="en-US"/>
               <a:t>第四级</a:t>
             </a:r>
-            <a:endParaRPr lang="zh-CN" altLang="en-US" smtClean="0"/>
           </a:p>
           <a:p>
             <a:pPr lvl="4"/>
             <a:r>
-              <a:rPr lang="zh-CN" altLang="en-US" smtClean="0"/>
+              <a:rPr lang="zh-CN" altLang="en-US"/>
               <a:t>第五级</a:t>
             </a:r>
-            <a:endParaRPr lang="zh-CN" altLang="en-US"/>
           </a:p>
         </p:txBody>
       </p:sp>
@@ -813,6 +821,7 @@
           <a:p>
             <a:fld id="{698485DF-3FAB-45E9-A642-7745AB3E3AFD}" type="datetimeFigureOut">
               <a:rPr lang="zh-CN" altLang="en-US" smtClean="0"/>
+              <a:t>2018/10/21</a:t>
             </a:fld>
             <a:endParaRPr lang="zh-CN" altLang="en-US"/>
           </a:p>
@@ -854,6 +863,7 @@
           <a:p>
             <a:fld id="{9C0BAE56-5081-45C8-9882-C35F39B69EBE}" type="slidenum">
               <a:rPr lang="zh-CN" altLang="en-US" smtClean="0"/>
+              <a:t>‹#›</a:t>
             </a:fld>
             <a:endParaRPr lang="zh-CN" altLang="en-US"/>
           </a:p>
@@ -905,10 +915,9 @@
           <a:lstStyle/>
           <a:p>
             <a:r>
-              <a:rPr lang="zh-CN" altLang="en-US" smtClean="0"/>
+              <a:rPr lang="zh-CN" altLang="en-US"/>
               <a:t>单击此处编辑母版标题样式</a:t>
             </a:r>
-            <a:endParaRPr lang="zh-CN" altLang="en-US"/>
           </a:p>
         </p:txBody>
       </p:sp>
@@ -934,42 +943,37 @@
           <a:p>
             <a:pPr lvl="0"/>
             <a:r>
-              <a:rPr lang="zh-CN" altLang="en-US" smtClean="0"/>
+              <a:rPr lang="zh-CN" altLang="en-US"/>
               <a:t>单击此处编辑母版文本样式</a:t>
             </a:r>
-            <a:endParaRPr lang="zh-CN" altLang="en-US" smtClean="0"/>
           </a:p>
           <a:p>
             <a:pPr lvl="1"/>
             <a:r>
-              <a:rPr lang="zh-CN" altLang="en-US" smtClean="0"/>
+              <a:rPr lang="zh-CN" altLang="en-US"/>
               <a:t>第二级</a:t>
             </a:r>
-            <a:endParaRPr lang="zh-CN" altLang="en-US" smtClean="0"/>
           </a:p>
           <a:p>
             <a:pPr lvl="2"/>
             <a:r>
-              <a:rPr lang="zh-CN" altLang="en-US" smtClean="0"/>
+              <a:rPr lang="zh-CN" altLang="en-US"/>
               <a:t>第三级</a:t>
             </a:r>
-            <a:endParaRPr lang="zh-CN" altLang="en-US" smtClean="0"/>
           </a:p>
           <a:p>
             <a:pPr lvl="3"/>
             <a:r>
-              <a:rPr lang="zh-CN" altLang="en-US" smtClean="0"/>
+              <a:rPr lang="zh-CN" altLang="en-US"/>
               <a:t>第四级</a:t>
             </a:r>
-            <a:endParaRPr lang="zh-CN" altLang="en-US" smtClean="0"/>
           </a:p>
           <a:p>
             <a:pPr lvl="4"/>
             <a:r>
-              <a:rPr lang="zh-CN" altLang="en-US" smtClean="0"/>
+              <a:rPr lang="zh-CN" altLang="en-US"/>
               <a:t>第五级</a:t>
             </a:r>
-            <a:endParaRPr lang="zh-CN" altLang="en-US"/>
           </a:p>
         </p:txBody>
       </p:sp>
@@ -990,6 +994,7 @@
           <a:p>
             <a:fld id="{698485DF-3FAB-45E9-A642-7745AB3E3AFD}" type="datetimeFigureOut">
               <a:rPr lang="zh-CN" altLang="en-US" smtClean="0"/>
+              <a:t>2018/10/21</a:t>
             </a:fld>
             <a:endParaRPr lang="zh-CN" altLang="en-US"/>
           </a:p>
@@ -1031,6 +1036,7 @@
           <a:p>
             <a:fld id="{9C0BAE56-5081-45C8-9882-C35F39B69EBE}" type="slidenum">
               <a:rPr lang="zh-CN" altLang="en-US" smtClean="0"/>
+              <a:t>‹#›</a:t>
             </a:fld>
             <a:endParaRPr lang="zh-CN" altLang="en-US"/>
           </a:p>
@@ -1077,10 +1083,9 @@
           <a:lstStyle/>
           <a:p>
             <a:r>
-              <a:rPr lang="zh-CN" altLang="en-US" smtClean="0"/>
+              <a:rPr lang="zh-CN" altLang="en-US"/>
               <a:t>单击此处编辑母版标题样式</a:t>
             </a:r>
-            <a:endParaRPr lang="zh-CN" altLang="en-US"/>
           </a:p>
         </p:txBody>
       </p:sp>
@@ -1101,6 +1106,7 @@
           <a:p>
             <a:fld id="{698485DF-3FAB-45E9-A642-7745AB3E3AFD}" type="datetimeFigureOut">
               <a:rPr lang="zh-CN" altLang="en-US" smtClean="0"/>
+              <a:t>2018/10/21</a:t>
             </a:fld>
             <a:endParaRPr lang="zh-CN" altLang="en-US"/>
           </a:p>
@@ -1142,6 +1148,7 @@
           <a:p>
             <a:fld id="{9C0BAE56-5081-45C8-9882-C35F39B69EBE}" type="slidenum">
               <a:rPr lang="zh-CN" altLang="en-US" smtClean="0"/>
+              <a:t>‹#›</a:t>
             </a:fld>
             <a:endParaRPr lang="zh-CN" altLang="en-US"/>
           </a:p>
@@ -1185,7 +1192,7 @@
               <a:defRPr/>
             </a:pPr>
             <a:r>
-              <a:rPr kumimoji="0" lang="en-US" altLang="zh-CN" sz="100" b="0" i="0" u="none" strike="noStrike" kern="0" cap="none" spc="0" normalizeH="0" baseline="0" noProof="0" dirty="0" smtClean="0">
+              <a:rPr kumimoji="0" lang="en-US" altLang="zh-CN" sz="100" b="0" i="0" u="none" strike="noStrike" kern="0" cap="none" spc="0" normalizeH="0" baseline="0" noProof="0" dirty="0">
                 <a:ln>
                   <a:noFill/>
                 </a:ln>
@@ -1199,7 +1206,7 @@
               <a:t>PPT</a:t>
             </a:r>
             <a:r>
-              <a:rPr kumimoji="0" lang="zh-CN" altLang="en-US" sz="100" b="0" i="0" u="none" strike="noStrike" kern="0" cap="none" spc="0" normalizeH="0" baseline="0" noProof="0" dirty="0" smtClean="0">
+              <a:rPr kumimoji="0" lang="zh-CN" altLang="en-US" sz="100" b="0" i="0" u="none" strike="noStrike" kern="0" cap="none" spc="0" normalizeH="0" baseline="0" noProof="0" dirty="0">
                 <a:ln>
                   <a:noFill/>
                 </a:ln>
@@ -1213,7 +1220,7 @@
               <a:t>模板下载：</a:t>
             </a:r>
             <a:r>
-              <a:rPr kumimoji="0" lang="en-US" altLang="zh-CN" sz="100" b="0" i="0" u="none" strike="noStrike" kern="0" cap="none" spc="0" normalizeH="0" baseline="0" noProof="0" dirty="0" smtClean="0">
+              <a:rPr kumimoji="0" lang="en-US" altLang="zh-CN" sz="100" b="0" i="0" u="none" strike="noStrike" kern="0" cap="none" spc="0" normalizeH="0" baseline="0" noProof="0" dirty="0">
                 <a:ln>
                   <a:noFill/>
                 </a:ln>
@@ -1227,7 +1234,7 @@
               <a:t>www.1ppt.com/moban/     </a:t>
             </a:r>
             <a:r>
-              <a:rPr kumimoji="0" lang="zh-CN" altLang="en-US" sz="100" b="0" i="0" u="none" strike="noStrike" kern="0" cap="none" spc="0" normalizeH="0" baseline="0" noProof="0" dirty="0" smtClean="0">
+              <a:rPr kumimoji="0" lang="zh-CN" altLang="en-US" sz="100" b="0" i="0" u="none" strike="noStrike" kern="0" cap="none" spc="0" normalizeH="0" baseline="0" noProof="0" dirty="0">
                 <a:ln>
                   <a:noFill/>
                 </a:ln>
@@ -1241,7 +1248,7 @@
               <a:t>行业</a:t>
             </a:r>
             <a:r>
-              <a:rPr kumimoji="0" lang="en-US" altLang="zh-CN" sz="100" b="0" i="0" u="none" strike="noStrike" kern="0" cap="none" spc="0" normalizeH="0" baseline="0" noProof="0" dirty="0" smtClean="0">
+              <a:rPr kumimoji="0" lang="en-US" altLang="zh-CN" sz="100" b="0" i="0" u="none" strike="noStrike" kern="0" cap="none" spc="0" normalizeH="0" baseline="0" noProof="0" dirty="0">
                 <a:ln>
                   <a:noFill/>
                 </a:ln>
@@ -1255,7 +1262,7 @@
               <a:t>PPT</a:t>
             </a:r>
             <a:r>
-              <a:rPr kumimoji="0" lang="zh-CN" altLang="en-US" sz="100" b="0" i="0" u="none" strike="noStrike" kern="0" cap="none" spc="0" normalizeH="0" baseline="0" noProof="0" dirty="0" smtClean="0">
+              <a:rPr kumimoji="0" lang="zh-CN" altLang="en-US" sz="100" b="0" i="0" u="none" strike="noStrike" kern="0" cap="none" spc="0" normalizeH="0" baseline="0" noProof="0" dirty="0">
                 <a:ln>
                   <a:noFill/>
                 </a:ln>
@@ -1269,7 +1276,7 @@
               <a:t>模板：</a:t>
             </a:r>
             <a:r>
-              <a:rPr kumimoji="0" lang="en-US" altLang="zh-CN" sz="100" b="0" i="0" u="none" strike="noStrike" kern="0" cap="none" spc="0" normalizeH="0" baseline="0" noProof="0" dirty="0" smtClean="0">
+              <a:rPr kumimoji="0" lang="en-US" altLang="zh-CN" sz="100" b="0" i="0" u="none" strike="noStrike" kern="0" cap="none" spc="0" normalizeH="0" baseline="0" noProof="0" dirty="0">
                 <a:ln>
                   <a:noFill/>
                 </a:ln>
@@ -1282,17 +1289,6 @@
               </a:rPr>
               <a:t>www.1ppt.com/hangye/ </a:t>
             </a:r>
-            <a:endParaRPr kumimoji="0" lang="en-US" altLang="zh-CN" sz="100" b="0" i="0" u="none" strike="noStrike" kern="0" cap="none" spc="0" normalizeH="0" baseline="0" noProof="0" dirty="0" smtClean="0">
-              <a:ln>
-                <a:noFill/>
-              </a:ln>
-              <a:solidFill>
-                <a:prstClr val="white"/>
-              </a:solidFill>
-              <a:effectLst/>
-              <a:uLnTx/>
-              <a:uFillTx/>
-            </a:endParaRPr>
           </a:p>
           <a:p>
             <a:pPr marL="0" marR="0" lvl="0" indent="0" defTabSz="914400" eaLnBrk="1" fontAlgn="auto" latinLnBrk="0" hangingPunct="1">
@@ -1312,7 +1308,7 @@
               <a:defRPr/>
             </a:pPr>
             <a:r>
-              <a:rPr kumimoji="0" lang="zh-CN" altLang="en-US" sz="100" b="0" i="0" u="none" strike="noStrike" kern="0" cap="none" spc="0" normalizeH="0" baseline="0" noProof="0" dirty="0" smtClean="0">
+              <a:rPr kumimoji="0" lang="zh-CN" altLang="en-US" sz="100" b="0" i="0" u="none" strike="noStrike" kern="0" cap="none" spc="0" normalizeH="0" baseline="0" noProof="0" dirty="0">
                 <a:ln>
                   <a:noFill/>
                 </a:ln>
@@ -1326,7 +1322,7 @@
               <a:t>节日</a:t>
             </a:r>
             <a:r>
-              <a:rPr kumimoji="0" lang="en-US" altLang="zh-CN" sz="100" b="0" i="0" u="none" strike="noStrike" kern="0" cap="none" spc="0" normalizeH="0" baseline="0" noProof="0" dirty="0" smtClean="0">
+              <a:rPr kumimoji="0" lang="en-US" altLang="zh-CN" sz="100" b="0" i="0" u="none" strike="noStrike" kern="0" cap="none" spc="0" normalizeH="0" baseline="0" noProof="0" dirty="0">
                 <a:ln>
                   <a:noFill/>
                 </a:ln>
@@ -1340,7 +1336,7 @@
               <a:t>PPT</a:t>
             </a:r>
             <a:r>
-              <a:rPr kumimoji="0" lang="zh-CN" altLang="en-US" sz="100" b="0" i="0" u="none" strike="noStrike" kern="0" cap="none" spc="0" normalizeH="0" baseline="0" noProof="0" dirty="0" smtClean="0">
+              <a:rPr kumimoji="0" lang="zh-CN" altLang="en-US" sz="100" b="0" i="0" u="none" strike="noStrike" kern="0" cap="none" spc="0" normalizeH="0" baseline="0" noProof="0" dirty="0">
                 <a:ln>
                   <a:noFill/>
                 </a:ln>
@@ -1354,7 +1350,7 @@
               <a:t>模板：</a:t>
             </a:r>
             <a:r>
-              <a:rPr kumimoji="0" lang="en-US" altLang="zh-CN" sz="100" b="0" i="0" u="none" strike="noStrike" kern="0" cap="none" spc="0" normalizeH="0" baseline="0" noProof="0" dirty="0" smtClean="0">
+              <a:rPr kumimoji="0" lang="en-US" altLang="zh-CN" sz="100" b="0" i="0" u="none" strike="noStrike" kern="0" cap="none" spc="0" normalizeH="0" baseline="0" noProof="0" dirty="0">
                 <a:ln>
                   <a:noFill/>
                 </a:ln>
@@ -1368,7 +1364,7 @@
               <a:t>www.1ppt.com/jieri/           PPT</a:t>
             </a:r>
             <a:r>
-              <a:rPr kumimoji="0" lang="zh-CN" altLang="en-US" sz="100" b="0" i="0" u="none" strike="noStrike" kern="0" cap="none" spc="0" normalizeH="0" baseline="0" noProof="0" dirty="0" smtClean="0">
+              <a:rPr kumimoji="0" lang="zh-CN" altLang="en-US" sz="100" b="0" i="0" u="none" strike="noStrike" kern="0" cap="none" spc="0" normalizeH="0" baseline="0" noProof="0" dirty="0">
                 <a:ln>
                   <a:noFill/>
                 </a:ln>
@@ -1382,7 +1378,7 @@
               <a:t>素材下载：</a:t>
             </a:r>
             <a:r>
-              <a:rPr kumimoji="0" lang="en-US" altLang="zh-CN" sz="100" b="0" i="0" u="none" strike="noStrike" kern="0" cap="none" spc="0" normalizeH="0" baseline="0" noProof="0" dirty="0" smtClean="0">
+              <a:rPr kumimoji="0" lang="en-US" altLang="zh-CN" sz="100" b="0" i="0" u="none" strike="noStrike" kern="0" cap="none" spc="0" normalizeH="0" baseline="0" noProof="0" dirty="0">
                 <a:ln>
                   <a:noFill/>
                 </a:ln>
@@ -1395,17 +1391,6 @@
               </a:rPr>
               <a:t>www.1ppt.com/sucai/</a:t>
             </a:r>
-            <a:endParaRPr kumimoji="0" lang="en-US" altLang="zh-CN" sz="100" b="0" i="0" u="none" strike="noStrike" kern="0" cap="none" spc="0" normalizeH="0" baseline="0" noProof="0" dirty="0" smtClean="0">
-              <a:ln>
-                <a:noFill/>
-              </a:ln>
-              <a:solidFill>
-                <a:prstClr val="white"/>
-              </a:solidFill>
-              <a:effectLst/>
-              <a:uLnTx/>
-              <a:uFillTx/>
-            </a:endParaRPr>
           </a:p>
           <a:p>
             <a:pPr marL="0" marR="0" lvl="0" indent="0" defTabSz="914400" eaLnBrk="1" fontAlgn="auto" latinLnBrk="0" hangingPunct="1">
@@ -1425,7 +1410,7 @@
               <a:defRPr/>
             </a:pPr>
             <a:r>
-              <a:rPr kumimoji="0" lang="en-US" altLang="zh-CN" sz="100" b="0" i="0" u="none" strike="noStrike" kern="0" cap="none" spc="0" normalizeH="0" baseline="0" noProof="0" dirty="0" smtClean="0">
+              <a:rPr kumimoji="0" lang="en-US" altLang="zh-CN" sz="100" b="0" i="0" u="none" strike="noStrike" kern="0" cap="none" spc="0" normalizeH="0" baseline="0" noProof="0" dirty="0">
                 <a:ln>
                   <a:noFill/>
                 </a:ln>
@@ -1439,7 +1424,7 @@
               <a:t>PPT</a:t>
             </a:r>
             <a:r>
-              <a:rPr kumimoji="0" lang="zh-CN" altLang="en-US" sz="100" b="0" i="0" u="none" strike="noStrike" kern="0" cap="none" spc="0" normalizeH="0" baseline="0" noProof="0" dirty="0" smtClean="0">
+              <a:rPr kumimoji="0" lang="zh-CN" altLang="en-US" sz="100" b="0" i="0" u="none" strike="noStrike" kern="0" cap="none" spc="0" normalizeH="0" baseline="0" noProof="0" dirty="0">
                 <a:ln>
                   <a:noFill/>
                 </a:ln>
@@ -1453,7 +1438,7 @@
               <a:t>背景图片：</a:t>
             </a:r>
             <a:r>
-              <a:rPr kumimoji="0" lang="en-US" altLang="zh-CN" sz="100" b="0" i="0" u="none" strike="noStrike" kern="0" cap="none" spc="0" normalizeH="0" baseline="0" noProof="0" dirty="0" smtClean="0">
+              <a:rPr kumimoji="0" lang="en-US" altLang="zh-CN" sz="100" b="0" i="0" u="none" strike="noStrike" kern="0" cap="none" spc="0" normalizeH="0" baseline="0" noProof="0" dirty="0">
                 <a:ln>
                   <a:noFill/>
                 </a:ln>
@@ -1467,7 +1452,7 @@
               <a:t>www.1ppt.com/beijing/      PPT</a:t>
             </a:r>
             <a:r>
-              <a:rPr kumimoji="0" lang="zh-CN" altLang="en-US" sz="100" b="0" i="0" u="none" strike="noStrike" kern="0" cap="none" spc="0" normalizeH="0" baseline="0" noProof="0" dirty="0" smtClean="0">
+              <a:rPr kumimoji="0" lang="zh-CN" altLang="en-US" sz="100" b="0" i="0" u="none" strike="noStrike" kern="0" cap="none" spc="0" normalizeH="0" baseline="0" noProof="0" dirty="0">
                 <a:ln>
                   <a:noFill/>
                 </a:ln>
@@ -1481,7 +1466,7 @@
               <a:t>图表下载：</a:t>
             </a:r>
             <a:r>
-              <a:rPr kumimoji="0" lang="en-US" altLang="zh-CN" sz="100" b="0" i="0" u="none" strike="noStrike" kern="0" cap="none" spc="0" normalizeH="0" baseline="0" noProof="0" dirty="0" smtClean="0">
+              <a:rPr kumimoji="0" lang="en-US" altLang="zh-CN" sz="100" b="0" i="0" u="none" strike="noStrike" kern="0" cap="none" spc="0" normalizeH="0" baseline="0" noProof="0" dirty="0">
                 <a:ln>
                   <a:noFill/>
                 </a:ln>
@@ -1494,17 +1479,6 @@
               </a:rPr>
               <a:t>www.1ppt.com/tubiao/      </a:t>
             </a:r>
-            <a:endParaRPr kumimoji="0" lang="en-US" altLang="zh-CN" sz="100" b="0" i="0" u="none" strike="noStrike" kern="0" cap="none" spc="0" normalizeH="0" baseline="0" noProof="0" dirty="0" smtClean="0">
-              <a:ln>
-                <a:noFill/>
-              </a:ln>
-              <a:solidFill>
-                <a:prstClr val="white"/>
-              </a:solidFill>
-              <a:effectLst/>
-              <a:uLnTx/>
-              <a:uFillTx/>
-            </a:endParaRPr>
           </a:p>
           <a:p>
             <a:pPr marL="0" marR="0" lvl="0" indent="0" defTabSz="914400" eaLnBrk="1" fontAlgn="auto" latinLnBrk="0" hangingPunct="1">
@@ -1524,7 +1498,7 @@
               <a:defRPr/>
             </a:pPr>
             <a:r>
-              <a:rPr kumimoji="0" lang="zh-CN" altLang="en-US" sz="100" b="0" i="0" u="none" strike="noStrike" kern="0" cap="none" spc="0" normalizeH="0" baseline="0" noProof="0" dirty="0" smtClean="0">
+              <a:rPr kumimoji="0" lang="zh-CN" altLang="en-US" sz="100" b="0" i="0" u="none" strike="noStrike" kern="0" cap="none" spc="0" normalizeH="0" baseline="0" noProof="0" dirty="0">
                 <a:ln>
                   <a:noFill/>
                 </a:ln>
@@ -1538,7 +1512,7 @@
               <a:t>优秀</a:t>
             </a:r>
             <a:r>
-              <a:rPr kumimoji="0" lang="en-US" altLang="zh-CN" sz="100" b="0" i="0" u="none" strike="noStrike" kern="0" cap="none" spc="0" normalizeH="0" baseline="0" noProof="0" dirty="0" smtClean="0">
+              <a:rPr kumimoji="0" lang="en-US" altLang="zh-CN" sz="100" b="0" i="0" u="none" strike="noStrike" kern="0" cap="none" spc="0" normalizeH="0" baseline="0" noProof="0" dirty="0">
                 <a:ln>
                   <a:noFill/>
                 </a:ln>
@@ -1552,7 +1526,7 @@
               <a:t>PPT</a:t>
             </a:r>
             <a:r>
-              <a:rPr kumimoji="0" lang="zh-CN" altLang="en-US" sz="100" b="0" i="0" u="none" strike="noStrike" kern="0" cap="none" spc="0" normalizeH="0" baseline="0" noProof="0" dirty="0" smtClean="0">
+              <a:rPr kumimoji="0" lang="zh-CN" altLang="en-US" sz="100" b="0" i="0" u="none" strike="noStrike" kern="0" cap="none" spc="0" normalizeH="0" baseline="0" noProof="0" dirty="0">
                 <a:ln>
                   <a:noFill/>
                 </a:ln>
@@ -1566,7 +1540,7 @@
               <a:t>下载：</a:t>
             </a:r>
             <a:r>
-              <a:rPr kumimoji="0" lang="en-US" altLang="zh-CN" sz="100" b="0" i="0" u="none" strike="noStrike" kern="0" cap="none" spc="0" normalizeH="0" baseline="0" noProof="0" dirty="0" smtClean="0">
+              <a:rPr kumimoji="0" lang="en-US" altLang="zh-CN" sz="100" b="0" i="0" u="none" strike="noStrike" kern="0" cap="none" spc="0" normalizeH="0" baseline="0" noProof="0" dirty="0">
                 <a:ln>
                   <a:noFill/>
                 </a:ln>
@@ -1580,7 +1554,7 @@
               <a:t>www.1ppt.com/xiazai/        PPT</a:t>
             </a:r>
             <a:r>
-              <a:rPr kumimoji="0" lang="zh-CN" altLang="en-US" sz="100" b="0" i="0" u="none" strike="noStrike" kern="0" cap="none" spc="0" normalizeH="0" baseline="0" noProof="0" dirty="0" smtClean="0">
+              <a:rPr kumimoji="0" lang="zh-CN" altLang="en-US" sz="100" b="0" i="0" u="none" strike="noStrike" kern="0" cap="none" spc="0" normalizeH="0" baseline="0" noProof="0" dirty="0">
                 <a:ln>
                   <a:noFill/>
                 </a:ln>
@@ -1594,7 +1568,7 @@
               <a:t>教程： </a:t>
             </a:r>
             <a:r>
-              <a:rPr kumimoji="0" lang="en-US" altLang="zh-CN" sz="100" b="0" i="0" u="none" strike="noStrike" kern="0" cap="none" spc="0" normalizeH="0" baseline="0" noProof="0" dirty="0" smtClean="0">
+              <a:rPr kumimoji="0" lang="en-US" altLang="zh-CN" sz="100" b="0" i="0" u="none" strike="noStrike" kern="0" cap="none" spc="0" normalizeH="0" baseline="0" noProof="0" dirty="0">
                 <a:ln>
                   <a:noFill/>
                 </a:ln>
@@ -1607,17 +1581,6 @@
               </a:rPr>
               <a:t>www.1ppt.com/powerpoint/      </a:t>
             </a:r>
-            <a:endParaRPr kumimoji="0" lang="en-US" altLang="zh-CN" sz="100" b="0" i="0" u="none" strike="noStrike" kern="0" cap="none" spc="0" normalizeH="0" baseline="0" noProof="0" dirty="0" smtClean="0">
-              <a:ln>
-                <a:noFill/>
-              </a:ln>
-              <a:solidFill>
-                <a:prstClr val="white"/>
-              </a:solidFill>
-              <a:effectLst/>
-              <a:uLnTx/>
-              <a:uFillTx/>
-            </a:endParaRPr>
           </a:p>
           <a:p>
             <a:pPr marL="0" marR="0" lvl="0" indent="0" defTabSz="914400" eaLnBrk="1" fontAlgn="auto" latinLnBrk="0" hangingPunct="1">
@@ -1637,7 +1600,7 @@
               <a:defRPr/>
             </a:pPr>
             <a:r>
-              <a:rPr kumimoji="0" lang="en-US" altLang="zh-CN" sz="100" b="0" i="0" u="none" strike="noStrike" kern="0" cap="none" spc="0" normalizeH="0" baseline="0" noProof="0" dirty="0" smtClean="0">
+              <a:rPr kumimoji="0" lang="en-US" altLang="zh-CN" sz="100" b="0" i="0" u="none" strike="noStrike" kern="0" cap="none" spc="0" normalizeH="0" baseline="0" noProof="0" dirty="0">
                 <a:ln>
                   <a:noFill/>
                 </a:ln>
@@ -1651,7 +1614,7 @@
               <a:t>Word</a:t>
             </a:r>
             <a:r>
-              <a:rPr kumimoji="0" lang="zh-CN" altLang="en-US" sz="100" b="0" i="0" u="none" strike="noStrike" kern="0" cap="none" spc="0" normalizeH="0" baseline="0" noProof="0" dirty="0" smtClean="0">
+              <a:rPr kumimoji="0" lang="zh-CN" altLang="en-US" sz="100" b="0" i="0" u="none" strike="noStrike" kern="0" cap="none" spc="0" normalizeH="0" baseline="0" noProof="0" dirty="0">
                 <a:ln>
                   <a:noFill/>
                 </a:ln>
@@ -1665,7 +1628,7 @@
               <a:t>教程： </a:t>
             </a:r>
             <a:r>
-              <a:rPr kumimoji="0" lang="en-US" altLang="zh-CN" sz="100" b="0" i="0" u="none" strike="noStrike" kern="0" cap="none" spc="0" normalizeH="0" baseline="0" noProof="0" dirty="0" smtClean="0">
+              <a:rPr kumimoji="0" lang="en-US" altLang="zh-CN" sz="100" b="0" i="0" u="none" strike="noStrike" kern="0" cap="none" spc="0" normalizeH="0" baseline="0" noProof="0" dirty="0">
                 <a:ln>
                   <a:noFill/>
                 </a:ln>
@@ -1679,7 +1642,7 @@
               <a:t>www.1ppt.com/word/              Excel</a:t>
             </a:r>
             <a:r>
-              <a:rPr kumimoji="0" lang="zh-CN" altLang="en-US" sz="100" b="0" i="0" u="none" strike="noStrike" kern="0" cap="none" spc="0" normalizeH="0" baseline="0" noProof="0" dirty="0" smtClean="0">
+              <a:rPr kumimoji="0" lang="zh-CN" altLang="en-US" sz="100" b="0" i="0" u="none" strike="noStrike" kern="0" cap="none" spc="0" normalizeH="0" baseline="0" noProof="0" dirty="0">
                 <a:ln>
                   <a:noFill/>
                 </a:ln>
@@ -1693,7 +1656,7 @@
               <a:t>教程：</a:t>
             </a:r>
             <a:r>
-              <a:rPr kumimoji="0" lang="en-US" altLang="zh-CN" sz="100" b="0" i="0" u="none" strike="noStrike" kern="0" cap="none" spc="0" normalizeH="0" baseline="0" noProof="0" dirty="0" smtClean="0">
+              <a:rPr kumimoji="0" lang="en-US" altLang="zh-CN" sz="100" b="0" i="0" u="none" strike="noStrike" kern="0" cap="none" spc="0" normalizeH="0" baseline="0" noProof="0" dirty="0">
                 <a:ln>
                   <a:noFill/>
                 </a:ln>
@@ -1706,17 +1669,6 @@
               </a:rPr>
               <a:t>www.1ppt.com/excel/  </a:t>
             </a:r>
-            <a:endParaRPr kumimoji="0" lang="en-US" altLang="zh-CN" sz="100" b="0" i="0" u="none" strike="noStrike" kern="0" cap="none" spc="0" normalizeH="0" baseline="0" noProof="0" dirty="0" smtClean="0">
-              <a:ln>
-                <a:noFill/>
-              </a:ln>
-              <a:solidFill>
-                <a:prstClr val="white"/>
-              </a:solidFill>
-              <a:effectLst/>
-              <a:uLnTx/>
-              <a:uFillTx/>
-            </a:endParaRPr>
           </a:p>
           <a:p>
             <a:pPr marL="0" marR="0" lvl="0" indent="0" defTabSz="914400" eaLnBrk="1" fontAlgn="auto" latinLnBrk="0" hangingPunct="1">
@@ -1736,7 +1688,7 @@
               <a:defRPr/>
             </a:pPr>
             <a:r>
-              <a:rPr kumimoji="0" lang="zh-CN" altLang="en-US" sz="100" b="0" i="0" u="none" strike="noStrike" kern="0" cap="none" spc="0" normalizeH="0" baseline="0" noProof="0" dirty="0" smtClean="0">
+              <a:rPr kumimoji="0" lang="zh-CN" altLang="en-US" sz="100" b="0" i="0" u="none" strike="noStrike" kern="0" cap="none" spc="0" normalizeH="0" baseline="0" noProof="0" dirty="0">
                 <a:ln>
                   <a:noFill/>
                 </a:ln>
@@ -1750,7 +1702,7 @@
               <a:t>资料下载：</a:t>
             </a:r>
             <a:r>
-              <a:rPr kumimoji="0" lang="en-US" altLang="zh-CN" sz="100" b="0" i="0" u="none" strike="noStrike" kern="0" cap="none" spc="0" normalizeH="0" baseline="0" noProof="0" dirty="0" smtClean="0">
+              <a:rPr kumimoji="0" lang="en-US" altLang="zh-CN" sz="100" b="0" i="0" u="none" strike="noStrike" kern="0" cap="none" spc="0" normalizeH="0" baseline="0" noProof="0" dirty="0">
                 <a:ln>
                   <a:noFill/>
                 </a:ln>
@@ -1764,7 +1716,7 @@
               <a:t>www.1ppt.com/ziliao/                PPT</a:t>
             </a:r>
             <a:r>
-              <a:rPr kumimoji="0" lang="zh-CN" altLang="en-US" sz="100" b="0" i="0" u="none" strike="noStrike" kern="0" cap="none" spc="0" normalizeH="0" baseline="0" noProof="0" dirty="0" smtClean="0">
+              <a:rPr kumimoji="0" lang="zh-CN" altLang="en-US" sz="100" b="0" i="0" u="none" strike="noStrike" kern="0" cap="none" spc="0" normalizeH="0" baseline="0" noProof="0" dirty="0">
                 <a:ln>
                   <a:noFill/>
                 </a:ln>
@@ -1778,7 +1730,7 @@
               <a:t>课件下载：</a:t>
             </a:r>
             <a:r>
-              <a:rPr kumimoji="0" lang="en-US" altLang="zh-CN" sz="100" b="0" i="0" u="none" strike="noStrike" kern="0" cap="none" spc="0" normalizeH="0" baseline="0" noProof="0" dirty="0" smtClean="0">
+              <a:rPr kumimoji="0" lang="en-US" altLang="zh-CN" sz="100" b="0" i="0" u="none" strike="noStrike" kern="0" cap="none" spc="0" normalizeH="0" baseline="0" noProof="0" dirty="0">
                 <a:ln>
                   <a:noFill/>
                 </a:ln>
@@ -1791,17 +1743,6 @@
               </a:rPr>
               <a:t>www.1ppt.com/kejian/ </a:t>
             </a:r>
-            <a:endParaRPr kumimoji="0" lang="en-US" altLang="zh-CN" sz="100" b="0" i="0" u="none" strike="noStrike" kern="0" cap="none" spc="0" normalizeH="0" baseline="0" noProof="0" dirty="0" smtClean="0">
-              <a:ln>
-                <a:noFill/>
-              </a:ln>
-              <a:solidFill>
-                <a:prstClr val="white"/>
-              </a:solidFill>
-              <a:effectLst/>
-              <a:uLnTx/>
-              <a:uFillTx/>
-            </a:endParaRPr>
           </a:p>
           <a:p>
             <a:pPr marL="0" marR="0" lvl="0" indent="0" defTabSz="914400" eaLnBrk="1" fontAlgn="auto" latinLnBrk="0" hangingPunct="1">
@@ -1821,7 +1762,7 @@
               <a:defRPr/>
             </a:pPr>
             <a:r>
-              <a:rPr kumimoji="0" lang="zh-CN" altLang="en-US" sz="100" b="0" i="0" u="none" strike="noStrike" kern="0" cap="none" spc="0" normalizeH="0" baseline="0" noProof="0" dirty="0" smtClean="0">
+              <a:rPr kumimoji="0" lang="zh-CN" altLang="en-US" sz="100" b="0" i="0" u="none" strike="noStrike" kern="0" cap="none" spc="0" normalizeH="0" baseline="0" noProof="0" dirty="0">
                 <a:ln>
                   <a:noFill/>
                 </a:ln>
@@ -1835,7 +1776,7 @@
               <a:t>范文下载：</a:t>
             </a:r>
             <a:r>
-              <a:rPr kumimoji="0" lang="en-US" altLang="zh-CN" sz="100" b="0" i="0" u="none" strike="noStrike" kern="0" cap="none" spc="0" normalizeH="0" baseline="0" noProof="0" dirty="0" smtClean="0">
+              <a:rPr kumimoji="0" lang="en-US" altLang="zh-CN" sz="100" b="0" i="0" u="none" strike="noStrike" kern="0" cap="none" spc="0" normalizeH="0" baseline="0" noProof="0" dirty="0">
                 <a:ln>
                   <a:noFill/>
                 </a:ln>
@@ -1849,7 +1790,7 @@
               <a:t>www.1ppt.com/fanwen/             </a:t>
             </a:r>
             <a:r>
-              <a:rPr kumimoji="0" lang="zh-CN" altLang="en-US" sz="100" b="0" i="0" u="none" strike="noStrike" kern="0" cap="none" spc="0" normalizeH="0" baseline="0" noProof="0" dirty="0" smtClean="0">
+              <a:rPr kumimoji="0" lang="zh-CN" altLang="en-US" sz="100" b="0" i="0" u="none" strike="noStrike" kern="0" cap="none" spc="0" normalizeH="0" baseline="0" noProof="0" dirty="0">
                 <a:ln>
                   <a:noFill/>
                 </a:ln>
@@ -1863,7 +1804,7 @@
               <a:t>试卷下载：</a:t>
             </a:r>
             <a:r>
-              <a:rPr kumimoji="0" lang="en-US" altLang="zh-CN" sz="100" b="0" i="0" u="none" strike="noStrike" kern="0" cap="none" spc="0" normalizeH="0" baseline="0" noProof="0" dirty="0" smtClean="0">
+              <a:rPr kumimoji="0" lang="en-US" altLang="zh-CN" sz="100" b="0" i="0" u="none" strike="noStrike" kern="0" cap="none" spc="0" normalizeH="0" baseline="0" noProof="0" dirty="0">
                 <a:ln>
                   <a:noFill/>
                 </a:ln>
@@ -1876,17 +1817,6 @@
               </a:rPr>
               <a:t>www.1ppt.com/shiti/  </a:t>
             </a:r>
-            <a:endParaRPr kumimoji="0" lang="en-US" altLang="zh-CN" sz="100" b="0" i="0" u="none" strike="noStrike" kern="0" cap="none" spc="0" normalizeH="0" baseline="0" noProof="0" dirty="0" smtClean="0">
-              <a:ln>
-                <a:noFill/>
-              </a:ln>
-              <a:solidFill>
-                <a:prstClr val="white"/>
-              </a:solidFill>
-              <a:effectLst/>
-              <a:uLnTx/>
-              <a:uFillTx/>
-            </a:endParaRPr>
           </a:p>
           <a:p>
             <a:pPr marL="0" marR="0" lvl="0" indent="0" defTabSz="914400" eaLnBrk="1" fontAlgn="auto" latinLnBrk="0" hangingPunct="1">
@@ -1906,7 +1836,7 @@
               <a:defRPr/>
             </a:pPr>
             <a:r>
-              <a:rPr kumimoji="0" lang="zh-CN" altLang="en-US" sz="100" b="0" i="0" u="none" strike="noStrike" kern="0" cap="none" spc="0" normalizeH="0" baseline="0" noProof="0" dirty="0" smtClean="0">
+              <a:rPr kumimoji="0" lang="zh-CN" altLang="en-US" sz="100" b="0" i="0" u="none" strike="noStrike" kern="0" cap="none" spc="0" normalizeH="0" baseline="0" noProof="0" dirty="0">
                 <a:ln>
                   <a:noFill/>
                 </a:ln>
@@ -1920,7 +1850,7 @@
               <a:t>教案下载：</a:t>
             </a:r>
             <a:r>
-              <a:rPr kumimoji="0" lang="en-US" altLang="zh-CN" sz="100" b="0" i="0" u="none" strike="noStrike" kern="0" cap="none" spc="0" normalizeH="0" baseline="0" noProof="0" dirty="0" smtClean="0">
+              <a:rPr kumimoji="0" lang="en-US" altLang="zh-CN" sz="100" b="0" i="0" u="none" strike="noStrike" kern="0" cap="none" spc="0" normalizeH="0" baseline="0" noProof="0" dirty="0">
                 <a:ln>
                   <a:noFill/>
                 </a:ln>
@@ -1933,17 +1863,6 @@
               </a:rPr>
               <a:t>www.1ppt.com/jiaoan/        </a:t>
             </a:r>
-            <a:endParaRPr kumimoji="0" lang="en-US" altLang="zh-CN" sz="100" b="0" i="0" u="none" strike="noStrike" kern="0" cap="none" spc="0" normalizeH="0" baseline="0" noProof="0" dirty="0" smtClean="0">
-              <a:ln>
-                <a:noFill/>
-              </a:ln>
-              <a:solidFill>
-                <a:prstClr val="white"/>
-              </a:solidFill>
-              <a:effectLst/>
-              <a:uLnTx/>
-              <a:uFillTx/>
-            </a:endParaRPr>
           </a:p>
           <a:p>
             <a:pPr marL="0" marR="0" lvl="0" indent="0" defTabSz="914400" eaLnBrk="1" fontAlgn="auto" latinLnBrk="0" hangingPunct="1">
@@ -1963,7 +1882,7 @@
               <a:defRPr/>
             </a:pPr>
             <a:r>
-              <a:rPr kumimoji="0" lang="zh-CN" altLang="en-US" sz="100" b="0" i="0" u="none" strike="noStrike" kern="0" cap="none" spc="0" normalizeH="0" baseline="0" noProof="0" dirty="0" smtClean="0">
+              <a:rPr kumimoji="0" lang="zh-CN" altLang="en-US" sz="100" b="0" i="0" u="none" strike="noStrike" kern="0" cap="none" spc="0" normalizeH="0" baseline="0" noProof="0" dirty="0">
                 <a:ln>
                   <a:noFill/>
                 </a:ln>
@@ -1977,7 +1896,7 @@
               <a:t>字体下载：</a:t>
             </a:r>
             <a:r>
-              <a:rPr kumimoji="0" lang="en-US" altLang="zh-CN" sz="100" b="0" i="0" u="none" strike="noStrike" kern="0" cap="none" spc="0" normalizeH="0" baseline="0" noProof="0" dirty="0" smtClean="0">
+              <a:rPr kumimoji="0" lang="en-US" altLang="zh-CN" sz="100" b="0" i="0" u="none" strike="noStrike" kern="0" cap="none" spc="0" normalizeH="0" baseline="0" noProof="0" dirty="0">
                 <a:ln>
                   <a:noFill/>
                 </a:ln>
@@ -1990,17 +1909,6 @@
               </a:rPr>
               <a:t>www.1ppt.com/ziti/</a:t>
             </a:r>
-            <a:endParaRPr kumimoji="0" lang="en-US" altLang="zh-CN" sz="100" b="0" i="0" u="none" strike="noStrike" kern="0" cap="none" spc="0" normalizeH="0" baseline="0" noProof="0" dirty="0" smtClean="0">
-              <a:ln>
-                <a:noFill/>
-              </a:ln>
-              <a:solidFill>
-                <a:prstClr val="white"/>
-              </a:solidFill>
-              <a:effectLst/>
-              <a:uLnTx/>
-              <a:uFillTx/>
-            </a:endParaRPr>
           </a:p>
           <a:p>
             <a:pPr marL="0" marR="0" lvl="0" indent="0" defTabSz="914400" eaLnBrk="1" fontAlgn="auto" latinLnBrk="0" hangingPunct="1">
@@ -2020,7 +1928,7 @@
               <a:defRPr/>
             </a:pPr>
             <a:r>
-              <a:rPr kumimoji="0" lang="en-US" altLang="zh-CN" sz="100" b="0" i="0" u="none" strike="noStrike" kern="0" cap="none" spc="0" normalizeH="0" baseline="0" noProof="0" dirty="0" smtClean="0">
+              <a:rPr kumimoji="0" lang="en-US" altLang="zh-CN" sz="100" b="0" i="0" u="none" strike="noStrike" kern="0" cap="none" spc="0" normalizeH="0" baseline="0" noProof="0" dirty="0">
                 <a:ln>
                   <a:noFill/>
                 </a:ln>
@@ -2033,7 +1941,7 @@
               </a:rPr>
               <a:t> </a:t>
             </a:r>
-            <a:endParaRPr kumimoji="0" lang="zh-CN" altLang="en-US" sz="100" b="0" i="0" u="none" strike="noStrike" kern="0" cap="none" spc="0" normalizeH="0" baseline="0" noProof="0" dirty="0" smtClean="0">
+            <a:endParaRPr kumimoji="0" lang="zh-CN" altLang="en-US" sz="100" b="0" i="0" u="none" strike="noStrike" kern="0" cap="none" spc="0" normalizeH="0" baseline="0" noProof="0" dirty="0">
               <a:ln>
                 <a:noFill/>
               </a:ln>
@@ -2088,10 +1996,9 @@
           <a:lstStyle/>
           <a:p>
             <a:r>
-              <a:rPr lang="zh-CN" altLang="en-US" smtClean="0"/>
+              <a:rPr lang="zh-CN" altLang="en-US"/>
               <a:t>单击此处编辑母版标题样式</a:t>
             </a:r>
-            <a:endParaRPr lang="zh-CN" altLang="en-US"/>
           </a:p>
         </p:txBody>
       </p:sp>
@@ -2112,42 +2019,37 @@
           <a:p>
             <a:pPr lvl="0"/>
             <a:r>
-              <a:rPr lang="zh-CN" altLang="en-US" smtClean="0"/>
+              <a:rPr lang="zh-CN" altLang="en-US"/>
               <a:t>单击此处编辑母版文本样式</a:t>
             </a:r>
-            <a:endParaRPr lang="zh-CN" altLang="en-US" smtClean="0"/>
           </a:p>
           <a:p>
             <a:pPr lvl="1"/>
             <a:r>
-              <a:rPr lang="zh-CN" altLang="en-US" smtClean="0"/>
+              <a:rPr lang="zh-CN" altLang="en-US"/>
               <a:t>第二级</a:t>
             </a:r>
-            <a:endParaRPr lang="zh-CN" altLang="en-US" smtClean="0"/>
           </a:p>
           <a:p>
             <a:pPr lvl="2"/>
             <a:r>
-              <a:rPr lang="zh-CN" altLang="en-US" smtClean="0"/>
+              <a:rPr lang="zh-CN" altLang="en-US"/>
               <a:t>第三级</a:t>
             </a:r>
-            <a:endParaRPr lang="zh-CN" altLang="en-US" smtClean="0"/>
           </a:p>
           <a:p>
             <a:pPr lvl="3"/>
             <a:r>
-              <a:rPr lang="zh-CN" altLang="en-US" smtClean="0"/>
+              <a:rPr lang="zh-CN" altLang="en-US"/>
               <a:t>第四级</a:t>
             </a:r>
-            <a:endParaRPr lang="zh-CN" altLang="en-US" smtClean="0"/>
           </a:p>
           <a:p>
             <a:pPr lvl="4"/>
             <a:r>
-              <a:rPr lang="zh-CN" altLang="en-US" smtClean="0"/>
+              <a:rPr lang="zh-CN" altLang="en-US"/>
               <a:t>第五级</a:t>
             </a:r>
-            <a:endParaRPr lang="zh-CN" altLang="en-US"/>
           </a:p>
         </p:txBody>
       </p:sp>
@@ -2168,6 +2070,7 @@
           <a:p>
             <a:fld id="{698485DF-3FAB-45E9-A642-7745AB3E3AFD}" type="datetimeFigureOut">
               <a:rPr lang="zh-CN" altLang="en-US" smtClean="0"/>
+              <a:t>2018/10/21</a:t>
             </a:fld>
             <a:endParaRPr lang="zh-CN" altLang="en-US"/>
           </a:p>
@@ -2209,6 +2112,7 @@
           <a:p>
             <a:fld id="{9C0BAE56-5081-45C8-9882-C35F39B69EBE}" type="slidenum">
               <a:rPr lang="zh-CN" altLang="en-US" smtClean="0"/>
+              <a:t>‹#›</a:t>
             </a:fld>
             <a:endParaRPr lang="zh-CN" altLang="en-US"/>
           </a:p>
@@ -2264,10 +2168,9 @@
           </a:lstStyle>
           <a:p>
             <a:r>
-              <a:rPr lang="zh-CN" altLang="en-US" smtClean="0"/>
+              <a:rPr lang="zh-CN" altLang="en-US"/>
               <a:t>单击此处编辑母版标题样式</a:t>
             </a:r>
-            <a:endParaRPr lang="zh-CN" altLang="en-US"/>
           </a:p>
         </p:txBody>
       </p:sp>
@@ -2384,10 +2287,9 @@
           <a:p>
             <a:pPr lvl="0"/>
             <a:r>
-              <a:rPr lang="zh-CN" altLang="en-US" smtClean="0"/>
+              <a:rPr lang="zh-CN" altLang="en-US"/>
               <a:t>单击此处编辑母版文本样式</a:t>
             </a:r>
-            <a:endParaRPr lang="zh-CN" altLang="en-US" smtClean="0"/>
           </a:p>
         </p:txBody>
       </p:sp>
@@ -2408,6 +2310,7 @@
           <a:p>
             <a:fld id="{698485DF-3FAB-45E9-A642-7745AB3E3AFD}" type="datetimeFigureOut">
               <a:rPr lang="zh-CN" altLang="en-US" smtClean="0"/>
+              <a:t>2018/10/21</a:t>
             </a:fld>
             <a:endParaRPr lang="zh-CN" altLang="en-US"/>
           </a:p>
@@ -2449,6 +2352,7 @@
           <a:p>
             <a:fld id="{9C0BAE56-5081-45C8-9882-C35F39B69EBE}" type="slidenum">
               <a:rPr lang="zh-CN" altLang="en-US" smtClean="0"/>
+              <a:t>‹#›</a:t>
             </a:fld>
             <a:endParaRPr lang="zh-CN" altLang="en-US"/>
           </a:p>
@@ -2495,10 +2399,9 @@
           <a:lstStyle/>
           <a:p>
             <a:r>
-              <a:rPr lang="zh-CN" altLang="en-US" smtClean="0"/>
+              <a:rPr lang="zh-CN" altLang="en-US"/>
               <a:t>单击此处编辑母版标题样式</a:t>
             </a:r>
-            <a:endParaRPr lang="zh-CN" altLang="en-US"/>
           </a:p>
         </p:txBody>
       </p:sp>
@@ -2524,42 +2427,37 @@
           <a:p>
             <a:pPr lvl="0"/>
             <a:r>
-              <a:rPr lang="zh-CN" altLang="en-US" smtClean="0"/>
+              <a:rPr lang="zh-CN" altLang="en-US"/>
               <a:t>单击此处编辑母版文本样式</a:t>
             </a:r>
-            <a:endParaRPr lang="zh-CN" altLang="en-US" smtClean="0"/>
           </a:p>
           <a:p>
             <a:pPr lvl="1"/>
             <a:r>
-              <a:rPr lang="zh-CN" altLang="en-US" smtClean="0"/>
+              <a:rPr lang="zh-CN" altLang="en-US"/>
               <a:t>第二级</a:t>
             </a:r>
-            <a:endParaRPr lang="zh-CN" altLang="en-US" smtClean="0"/>
           </a:p>
           <a:p>
             <a:pPr lvl="2"/>
             <a:r>
-              <a:rPr lang="zh-CN" altLang="en-US" smtClean="0"/>
+              <a:rPr lang="zh-CN" altLang="en-US"/>
               <a:t>第三级</a:t>
             </a:r>
-            <a:endParaRPr lang="zh-CN" altLang="en-US" smtClean="0"/>
           </a:p>
           <a:p>
             <a:pPr lvl="3"/>
             <a:r>
-              <a:rPr lang="zh-CN" altLang="en-US" smtClean="0"/>
+              <a:rPr lang="zh-CN" altLang="en-US"/>
               <a:t>第四级</a:t>
             </a:r>
-            <a:endParaRPr lang="zh-CN" altLang="en-US" smtClean="0"/>
           </a:p>
           <a:p>
             <a:pPr lvl="4"/>
             <a:r>
-              <a:rPr lang="zh-CN" altLang="en-US" smtClean="0"/>
+              <a:rPr lang="zh-CN" altLang="en-US"/>
               <a:t>第五级</a:t>
             </a:r>
-            <a:endParaRPr lang="zh-CN" altLang="en-US"/>
           </a:p>
         </p:txBody>
       </p:sp>
@@ -2585,42 +2483,37 @@
           <a:p>
             <a:pPr lvl="0"/>
             <a:r>
-              <a:rPr lang="zh-CN" altLang="en-US" smtClean="0"/>
+              <a:rPr lang="zh-CN" altLang="en-US"/>
               <a:t>单击此处编辑母版文本样式</a:t>
             </a:r>
-            <a:endParaRPr lang="zh-CN" altLang="en-US" smtClean="0"/>
           </a:p>
           <a:p>
             <a:pPr lvl="1"/>
             <a:r>
-              <a:rPr lang="zh-CN" altLang="en-US" smtClean="0"/>
+              <a:rPr lang="zh-CN" altLang="en-US"/>
               <a:t>第二级</a:t>
             </a:r>
-            <a:endParaRPr lang="zh-CN" altLang="en-US" smtClean="0"/>
           </a:p>
           <a:p>
             <a:pPr lvl="2"/>
             <a:r>
-              <a:rPr lang="zh-CN" altLang="en-US" smtClean="0"/>
+              <a:rPr lang="zh-CN" altLang="en-US"/>
               <a:t>第三级</a:t>
             </a:r>
-            <a:endParaRPr lang="zh-CN" altLang="en-US" smtClean="0"/>
           </a:p>
           <a:p>
             <a:pPr lvl="3"/>
             <a:r>
-              <a:rPr lang="zh-CN" altLang="en-US" smtClean="0"/>
+              <a:rPr lang="zh-CN" altLang="en-US"/>
               <a:t>第四级</a:t>
             </a:r>
-            <a:endParaRPr lang="zh-CN" altLang="en-US" smtClean="0"/>
           </a:p>
           <a:p>
             <a:pPr lvl="4"/>
             <a:r>
-              <a:rPr lang="zh-CN" altLang="en-US" smtClean="0"/>
+              <a:rPr lang="zh-CN" altLang="en-US"/>
               <a:t>第五级</a:t>
             </a:r>
-            <a:endParaRPr lang="zh-CN" altLang="en-US"/>
           </a:p>
         </p:txBody>
       </p:sp>
@@ -2641,6 +2534,7 @@
           <a:p>
             <a:fld id="{698485DF-3FAB-45E9-A642-7745AB3E3AFD}" type="datetimeFigureOut">
               <a:rPr lang="zh-CN" altLang="en-US" smtClean="0"/>
+              <a:t>2018/10/21</a:t>
             </a:fld>
             <a:endParaRPr lang="zh-CN" altLang="en-US"/>
           </a:p>
@@ -2682,6 +2576,7 @@
           <a:p>
             <a:fld id="{9C0BAE56-5081-45C8-9882-C35F39B69EBE}" type="slidenum">
               <a:rPr lang="zh-CN" altLang="en-US" smtClean="0"/>
+              <a:t>‹#›</a:t>
             </a:fld>
             <a:endParaRPr lang="zh-CN" altLang="en-US"/>
           </a:p>
@@ -2733,10 +2628,9 @@
           <a:lstStyle/>
           <a:p>
             <a:r>
-              <a:rPr lang="zh-CN" altLang="en-US" smtClean="0"/>
+              <a:rPr lang="zh-CN" altLang="en-US"/>
               <a:t>单击此处编辑母版标题样式</a:t>
             </a:r>
-            <a:endParaRPr lang="zh-CN" altLang="en-US"/>
           </a:p>
         </p:txBody>
       </p:sp>
@@ -2799,10 +2693,9 @@
           <a:p>
             <a:pPr lvl="0"/>
             <a:r>
-              <a:rPr lang="zh-CN" altLang="en-US" smtClean="0"/>
+              <a:rPr lang="zh-CN" altLang="en-US"/>
               <a:t>单击此处编辑母版文本样式</a:t>
             </a:r>
-            <a:endParaRPr lang="zh-CN" altLang="en-US" smtClean="0"/>
           </a:p>
         </p:txBody>
       </p:sp>
@@ -2828,42 +2721,37 @@
           <a:p>
             <a:pPr lvl="0"/>
             <a:r>
-              <a:rPr lang="zh-CN" altLang="en-US" smtClean="0"/>
+              <a:rPr lang="zh-CN" altLang="en-US"/>
               <a:t>单击此处编辑母版文本样式</a:t>
             </a:r>
-            <a:endParaRPr lang="zh-CN" altLang="en-US" smtClean="0"/>
           </a:p>
           <a:p>
             <a:pPr lvl="1"/>
             <a:r>
-              <a:rPr lang="zh-CN" altLang="en-US" smtClean="0"/>
+              <a:rPr lang="zh-CN" altLang="en-US"/>
               <a:t>第二级</a:t>
             </a:r>
-            <a:endParaRPr lang="zh-CN" altLang="en-US" smtClean="0"/>
           </a:p>
           <a:p>
             <a:pPr lvl="2"/>
             <a:r>
-              <a:rPr lang="zh-CN" altLang="en-US" smtClean="0"/>
+              <a:rPr lang="zh-CN" altLang="en-US"/>
               <a:t>第三级</a:t>
             </a:r>
-            <a:endParaRPr lang="zh-CN" altLang="en-US" smtClean="0"/>
           </a:p>
           <a:p>
             <a:pPr lvl="3"/>
             <a:r>
-              <a:rPr lang="zh-CN" altLang="en-US" smtClean="0"/>
+              <a:rPr lang="zh-CN" altLang="en-US"/>
               <a:t>第四级</a:t>
             </a:r>
-            <a:endParaRPr lang="zh-CN" altLang="en-US" smtClean="0"/>
           </a:p>
           <a:p>
             <a:pPr lvl="4"/>
             <a:r>
-              <a:rPr lang="zh-CN" altLang="en-US" smtClean="0"/>
+              <a:rPr lang="zh-CN" altLang="en-US"/>
               <a:t>第五级</a:t>
             </a:r>
-            <a:endParaRPr lang="zh-CN" altLang="en-US"/>
           </a:p>
         </p:txBody>
       </p:sp>
@@ -2926,10 +2814,9 @@
           <a:p>
             <a:pPr lvl="0"/>
             <a:r>
-              <a:rPr lang="zh-CN" altLang="en-US" smtClean="0"/>
+              <a:rPr lang="zh-CN" altLang="en-US"/>
               <a:t>单击此处编辑母版文本样式</a:t>
             </a:r>
-            <a:endParaRPr lang="zh-CN" altLang="en-US" smtClean="0"/>
           </a:p>
         </p:txBody>
       </p:sp>
@@ -2955,42 +2842,37 @@
           <a:p>
             <a:pPr lvl="0"/>
             <a:r>
-              <a:rPr lang="zh-CN" altLang="en-US" smtClean="0"/>
+              <a:rPr lang="zh-CN" altLang="en-US"/>
               <a:t>单击此处编辑母版文本样式</a:t>
             </a:r>
-            <a:endParaRPr lang="zh-CN" altLang="en-US" smtClean="0"/>
           </a:p>
           <a:p>
             <a:pPr lvl="1"/>
             <a:r>
-              <a:rPr lang="zh-CN" altLang="en-US" smtClean="0"/>
+              <a:rPr lang="zh-CN" altLang="en-US"/>
               <a:t>第二级</a:t>
             </a:r>
-            <a:endParaRPr lang="zh-CN" altLang="en-US" smtClean="0"/>
           </a:p>
           <a:p>
             <a:pPr lvl="2"/>
             <a:r>
-              <a:rPr lang="zh-CN" altLang="en-US" smtClean="0"/>
+              <a:rPr lang="zh-CN" altLang="en-US"/>
               <a:t>第三级</a:t>
             </a:r>
-            <a:endParaRPr lang="zh-CN" altLang="en-US" smtClean="0"/>
           </a:p>
           <a:p>
             <a:pPr lvl="3"/>
             <a:r>
-              <a:rPr lang="zh-CN" altLang="en-US" smtClean="0"/>
+              <a:rPr lang="zh-CN" altLang="en-US"/>
               <a:t>第四级</a:t>
             </a:r>
-            <a:endParaRPr lang="zh-CN" altLang="en-US" smtClean="0"/>
           </a:p>
           <a:p>
             <a:pPr lvl="4"/>
             <a:r>
-              <a:rPr lang="zh-CN" altLang="en-US" smtClean="0"/>
+              <a:rPr lang="zh-CN" altLang="en-US"/>
               <a:t>第五级</a:t>
             </a:r>
-            <a:endParaRPr lang="zh-CN" altLang="en-US"/>
           </a:p>
         </p:txBody>
       </p:sp>
@@ -3011,6 +2893,7 @@
           <a:p>
             <a:fld id="{698485DF-3FAB-45E9-A642-7745AB3E3AFD}" type="datetimeFigureOut">
               <a:rPr lang="zh-CN" altLang="en-US" smtClean="0"/>
+              <a:t>2018/10/21</a:t>
             </a:fld>
             <a:endParaRPr lang="zh-CN" altLang="en-US"/>
           </a:p>
@@ -3052,6 +2935,7 @@
           <a:p>
             <a:fld id="{9C0BAE56-5081-45C8-9882-C35F39B69EBE}" type="slidenum">
               <a:rPr lang="zh-CN" altLang="en-US" smtClean="0"/>
+              <a:t>‹#›</a:t>
             </a:fld>
             <a:endParaRPr lang="zh-CN" altLang="en-US"/>
           </a:p>
@@ -3098,10 +2982,9 @@
           <a:lstStyle/>
           <a:p>
             <a:r>
-              <a:rPr lang="zh-CN" altLang="en-US" smtClean="0"/>
+              <a:rPr lang="zh-CN" altLang="en-US"/>
               <a:t>单击此处编辑母版标题样式</a:t>
             </a:r>
-            <a:endParaRPr lang="zh-CN" altLang="en-US"/>
           </a:p>
         </p:txBody>
       </p:sp>
@@ -3122,6 +3005,7 @@
           <a:p>
             <a:fld id="{698485DF-3FAB-45E9-A642-7745AB3E3AFD}" type="datetimeFigureOut">
               <a:rPr lang="zh-CN" altLang="en-US" smtClean="0"/>
+              <a:t>2018/10/21</a:t>
             </a:fld>
             <a:endParaRPr lang="zh-CN" altLang="en-US"/>
           </a:p>
@@ -3163,6 +3047,7 @@
           <a:p>
             <a:fld id="{9C0BAE56-5081-45C8-9882-C35F39B69EBE}" type="slidenum">
               <a:rPr lang="zh-CN" altLang="en-US" smtClean="0"/>
+              <a:t>‹#›</a:t>
             </a:fld>
             <a:endParaRPr lang="zh-CN" altLang="en-US"/>
           </a:p>
@@ -3210,6 +3095,7 @@
           <a:p>
             <a:fld id="{698485DF-3FAB-45E9-A642-7745AB3E3AFD}" type="datetimeFigureOut">
               <a:rPr lang="zh-CN" altLang="en-US" smtClean="0"/>
+              <a:t>2018/10/21</a:t>
             </a:fld>
             <a:endParaRPr lang="zh-CN" altLang="en-US"/>
           </a:p>
@@ -3251,6 +3137,7 @@
           <a:p>
             <a:fld id="{9C0BAE56-5081-45C8-9882-C35F39B69EBE}" type="slidenum">
               <a:rPr lang="zh-CN" altLang="en-US" smtClean="0"/>
+              <a:t>‹#›</a:t>
             </a:fld>
             <a:endParaRPr lang="zh-CN" altLang="en-US"/>
           </a:p>
@@ -3306,10 +3193,9 @@
           </a:lstStyle>
           <a:p>
             <a:r>
-              <a:rPr lang="zh-CN" altLang="en-US" smtClean="0"/>
+              <a:rPr lang="zh-CN" altLang="en-US"/>
               <a:t>单击此处编辑母版标题样式</a:t>
             </a:r>
-            <a:endParaRPr lang="zh-CN" altLang="en-US"/>
           </a:p>
         </p:txBody>
       </p:sp>
@@ -3363,42 +3249,37 @@
           <a:p>
             <a:pPr lvl="0"/>
             <a:r>
-              <a:rPr lang="zh-CN" altLang="en-US" smtClean="0"/>
+              <a:rPr lang="zh-CN" altLang="en-US"/>
               <a:t>单击此处编辑母版文本样式</a:t>
             </a:r>
-            <a:endParaRPr lang="zh-CN" altLang="en-US" smtClean="0"/>
           </a:p>
           <a:p>
             <a:pPr lvl="1"/>
             <a:r>
-              <a:rPr lang="zh-CN" altLang="en-US" smtClean="0"/>
+              <a:rPr lang="zh-CN" altLang="en-US"/>
               <a:t>第二级</a:t>
             </a:r>
-            <a:endParaRPr lang="zh-CN" altLang="en-US" smtClean="0"/>
           </a:p>
           <a:p>
             <a:pPr lvl="2"/>
             <a:r>
-              <a:rPr lang="zh-CN" altLang="en-US" smtClean="0"/>
+              <a:rPr lang="zh-CN" altLang="en-US"/>
               <a:t>第三级</a:t>
             </a:r>
-            <a:endParaRPr lang="zh-CN" altLang="en-US" smtClean="0"/>
           </a:p>
           <a:p>
             <a:pPr lvl="3"/>
             <a:r>
-              <a:rPr lang="zh-CN" altLang="en-US" smtClean="0"/>
+              <a:rPr lang="zh-CN" altLang="en-US"/>
               <a:t>第四级</a:t>
             </a:r>
-            <a:endParaRPr lang="zh-CN" altLang="en-US" smtClean="0"/>
           </a:p>
           <a:p>
             <a:pPr lvl="4"/>
             <a:r>
-              <a:rPr lang="zh-CN" altLang="en-US" smtClean="0"/>
+              <a:rPr lang="zh-CN" altLang="en-US"/>
               <a:t>第五级</a:t>
             </a:r>
-            <a:endParaRPr lang="zh-CN" altLang="en-US"/>
           </a:p>
         </p:txBody>
       </p:sp>
@@ -3461,10 +3342,9 @@
           <a:p>
             <a:pPr lvl="0"/>
             <a:r>
-              <a:rPr lang="zh-CN" altLang="en-US" smtClean="0"/>
+              <a:rPr lang="zh-CN" altLang="en-US"/>
               <a:t>单击此处编辑母版文本样式</a:t>
             </a:r>
-            <a:endParaRPr lang="zh-CN" altLang="en-US" smtClean="0"/>
           </a:p>
         </p:txBody>
       </p:sp>
@@ -3485,6 +3365,7 @@
           <a:p>
             <a:fld id="{698485DF-3FAB-45E9-A642-7745AB3E3AFD}" type="datetimeFigureOut">
               <a:rPr lang="zh-CN" altLang="en-US" smtClean="0"/>
+              <a:t>2018/10/21</a:t>
             </a:fld>
             <a:endParaRPr lang="zh-CN" altLang="en-US"/>
           </a:p>
@@ -3526,6 +3407,7 @@
           <a:p>
             <a:fld id="{9C0BAE56-5081-45C8-9882-C35F39B69EBE}" type="slidenum">
               <a:rPr lang="zh-CN" altLang="en-US" smtClean="0"/>
+              <a:t>‹#›</a:t>
             </a:fld>
             <a:endParaRPr lang="zh-CN" altLang="en-US"/>
           </a:p>
@@ -3581,10 +3463,9 @@
           </a:lstStyle>
           <a:p>
             <a:r>
-              <a:rPr lang="zh-CN" altLang="en-US" smtClean="0"/>
+              <a:rPr lang="zh-CN" altLang="en-US"/>
               <a:t>单击此处编辑母版标题样式</a:t>
             </a:r>
-            <a:endParaRPr lang="zh-CN" altLang="en-US"/>
           </a:p>
         </p:txBody>
       </p:sp>
@@ -3708,10 +3589,9 @@
           <a:p>
             <a:pPr lvl="0"/>
             <a:r>
-              <a:rPr lang="zh-CN" altLang="en-US" smtClean="0"/>
+              <a:rPr lang="zh-CN" altLang="en-US"/>
               <a:t>单击此处编辑母版文本样式</a:t>
             </a:r>
-            <a:endParaRPr lang="zh-CN" altLang="en-US" smtClean="0"/>
           </a:p>
         </p:txBody>
       </p:sp>
@@ -3732,6 +3612,7 @@
           <a:p>
             <a:fld id="{698485DF-3FAB-45E9-A642-7745AB3E3AFD}" type="datetimeFigureOut">
               <a:rPr lang="zh-CN" altLang="en-US" smtClean="0"/>
+              <a:t>2018/10/21</a:t>
             </a:fld>
             <a:endParaRPr lang="zh-CN" altLang="en-US"/>
           </a:p>
@@ -3773,6 +3654,7 @@
           <a:p>
             <a:fld id="{9C0BAE56-5081-45C8-9882-C35F39B69EBE}" type="slidenum">
               <a:rPr lang="zh-CN" altLang="en-US" smtClean="0"/>
+              <a:t>‹#›</a:t>
             </a:fld>
             <a:endParaRPr lang="zh-CN" altLang="en-US"/>
           </a:p>
@@ -3834,10 +3716,9 @@
           <a:lstStyle/>
           <a:p>
             <a:r>
-              <a:rPr lang="zh-CN" altLang="en-US" smtClean="0"/>
+              <a:rPr lang="zh-CN" altLang="en-US"/>
               <a:t>单击此处编辑母版标题样式</a:t>
             </a:r>
-            <a:endParaRPr lang="zh-CN" altLang="en-US"/>
           </a:p>
         </p:txBody>
       </p:sp>
@@ -3868,42 +3749,37 @@
           <a:p>
             <a:pPr lvl="0"/>
             <a:r>
-              <a:rPr lang="zh-CN" altLang="en-US" smtClean="0"/>
+              <a:rPr lang="zh-CN" altLang="en-US"/>
               <a:t>单击此处编辑母版文本样式</a:t>
             </a:r>
-            <a:endParaRPr lang="zh-CN" altLang="en-US" smtClean="0"/>
           </a:p>
           <a:p>
             <a:pPr lvl="1"/>
             <a:r>
-              <a:rPr lang="zh-CN" altLang="en-US" smtClean="0"/>
+              <a:rPr lang="zh-CN" altLang="en-US"/>
               <a:t>第二级</a:t>
             </a:r>
-            <a:endParaRPr lang="zh-CN" altLang="en-US" smtClean="0"/>
           </a:p>
           <a:p>
             <a:pPr lvl="2"/>
             <a:r>
-              <a:rPr lang="zh-CN" altLang="en-US" smtClean="0"/>
+              <a:rPr lang="zh-CN" altLang="en-US"/>
               <a:t>第三级</a:t>
             </a:r>
-            <a:endParaRPr lang="zh-CN" altLang="en-US" smtClean="0"/>
           </a:p>
           <a:p>
             <a:pPr lvl="3"/>
             <a:r>
-              <a:rPr lang="zh-CN" altLang="en-US" smtClean="0"/>
+              <a:rPr lang="zh-CN" altLang="en-US"/>
               <a:t>第四级</a:t>
             </a:r>
-            <a:endParaRPr lang="zh-CN" altLang="en-US" smtClean="0"/>
           </a:p>
           <a:p>
             <a:pPr lvl="4"/>
             <a:r>
-              <a:rPr lang="zh-CN" altLang="en-US" smtClean="0"/>
+              <a:rPr lang="zh-CN" altLang="en-US"/>
               <a:t>第五级</a:t>
             </a:r>
-            <a:endParaRPr lang="zh-CN" altLang="en-US"/>
           </a:p>
         </p:txBody>
       </p:sp>
@@ -3942,6 +3818,7 @@
           <a:p>
             <a:fld id="{698485DF-3FAB-45E9-A642-7745AB3E3AFD}" type="datetimeFigureOut">
               <a:rPr lang="zh-CN" altLang="en-US" smtClean="0"/>
+              <a:t>2018/10/21</a:t>
             </a:fld>
             <a:endParaRPr lang="zh-CN" altLang="en-US"/>
           </a:p>
@@ -4019,6 +3896,7 @@
           <a:p>
             <a:fld id="{9C0BAE56-5081-45C8-9882-C35F39B69EBE}" type="slidenum">
               <a:rPr lang="zh-CN" altLang="en-US" smtClean="0"/>
+              <a:t>‹#›</a:t>
             </a:fld>
             <a:endParaRPr lang="zh-CN" altLang="en-US"/>
           </a:p>
@@ -4795,13 +4673,6 @@
   <p:clrMapOvr>
     <a:masterClrMapping/>
   </p:clrMapOvr>
-  <p:timing>
-    <p:tnLst>
-      <p:par>
-        <p:cTn id="1" dur="indefinite" restart="never" nodeType="tmRoot"/>
-      </p:par>
-    </p:tnLst>
-  </p:timing>
 </p:sld>
 </file>
 
@@ -4843,12 +4714,12 @@
         <p:spPr/>
         <p:txBody>
           <a:bodyPr/>
+          <a:lstStyle/>
           <a:p>
             <a:r>
               <a:rPr lang="zh-CN" altLang="en-US"/>
               <a:t>Rational Rose的特征</a:t>
             </a:r>
-            <a:endParaRPr lang="zh-CN" altLang="en-US"/>
           </a:p>
         </p:txBody>
       </p:sp>
@@ -4865,26 +4736,24 @@
         <p:spPr/>
         <p:txBody>
           <a:bodyPr/>
-          <a:p>
-            <a:r>
-              <a:rPr lang="zh-CN" altLang="en-US"/>
+          <a:lstStyle/>
+          <a:p>
+            <a:r>
+              <a:rPr lang="zh-CN" altLang="en-US" dirty="0"/>
               <a:t>Rational Rose的两个受欢迎的特征是它的提供反复式发展和来回旅程项目的能力。</a:t>
             </a:r>
-            <a:endParaRPr lang="zh-CN" altLang="en-US"/>
-          </a:p>
-          <a:p>
-            <a:r>
-              <a:rPr lang="zh-CN" altLang="en-US"/>
+          </a:p>
+          <a:p>
+            <a:r>
+              <a:rPr lang="zh-CN" altLang="en-US" dirty="0"/>
               <a:t>Rational Rose允许设计师利用反复发展，因为在各个进程中新的应用能够被创建，通过把一个反复的输出变成下一个反复的输入。</a:t>
             </a:r>
-            <a:endParaRPr lang="zh-CN" altLang="en-US"/>
-          </a:p>
-          <a:p>
-            <a:r>
-              <a:rPr lang="zh-CN" altLang="en-US"/>
+          </a:p>
+          <a:p>
+            <a:r>
+              <a:rPr lang="zh-CN" altLang="en-US" dirty="0"/>
               <a:t>当开发者开始理解组件之间是如何相互作用和在设计中进行调整时，Rational Rose能够通过回溯和更新模型的其余部分来保证代码的一致性，从而展现出被称为“来回旅程项目”的能力。</a:t>
             </a:r>
-            <a:endParaRPr lang="zh-CN" altLang="en-US"/>
           </a:p>
         </p:txBody>
       </p:sp>
@@ -5176,6 +5045,7 @@
         </p:spPr>
         <p:txBody>
           <a:bodyPr/>
+          <a:lstStyle/>
           <a:p>
             <a:r>
               <a:rPr lang="zh-CN" altLang="en-US">
@@ -5183,9 +5053,6 @@
               </a:rPr>
               <a:t>Rational Rose是可扩展的，可以使用下载附加项和第三方应用软件，它支持COM/DCOM（ActiveX），JavaBeans和CORBA组件标准。</a:t>
             </a:r>
-            <a:endParaRPr lang="zh-CN" altLang="en-US">
-              <a:sym typeface="+mn-ea"/>
-            </a:endParaRPr>
           </a:p>
           <a:p>
             <a:endParaRPr lang="zh-CN" altLang="en-US"/>
@@ -5195,7 +5062,6 @@
               <a:rPr lang="zh-CN" altLang="en-US"/>
               <a:t>Rose早期没有对数据库端建模的支持，但现在的版本中已经加入数据库建模的功能。它提供了一个叫“Data Modeler”的工具，利用它可将对象模型转换成数据模型，也可以将现有的数据模型转换成对象模型，从而实现两者之间的同步。</a:t>
             </a:r>
-            <a:endParaRPr lang="zh-CN" altLang="en-US"/>
           </a:p>
         </p:txBody>
       </p:sp>
@@ -5420,12 +5286,12 @@
         <p:spPr/>
         <p:txBody>
           <a:bodyPr/>
+          <a:lstStyle/>
           <a:p>
             <a:r>
               <a:rPr lang="zh-CN" altLang="en-US"/>
               <a:t>Data Modeler的功能</a:t>
             </a:r>
-            <a:endParaRPr lang="zh-CN" altLang="en-US"/>
           </a:p>
         </p:txBody>
       </p:sp>
@@ -5442,40 +5308,47 @@
         <p:spPr/>
         <p:txBody>
           <a:bodyPr/>
-          <a:p>
-            <a:r>
-              <a:rPr lang="zh-CN" altLang="en-US"/>
+          <a:lstStyle/>
+          <a:p>
+            <a:r>
+              <a:rPr lang="zh-CN" altLang="en-US" dirty="0"/>
               <a:t>将对象模型转换成数据模型，即将类映射到数据库的表，构成传统的E-R图。</a:t>
             </a:r>
-            <a:endParaRPr lang="zh-CN" altLang="en-US"/>
-          </a:p>
-          <a:p>
-            <a:r>
-              <a:rPr lang="zh-CN" altLang="en-US"/>
+          </a:p>
+          <a:p>
+            <a:r>
+              <a:rPr lang="zh-CN" altLang="en-US" dirty="0"/>
               <a:t>将数据模型转换成对象模型。</a:t>
             </a:r>
-            <a:endParaRPr lang="zh-CN" altLang="en-US"/>
-          </a:p>
-          <a:p>
-            <a:r>
-              <a:rPr lang="zh-CN" altLang="en-US"/>
+          </a:p>
+          <a:p>
+            <a:r>
+              <a:rPr lang="zh-CN" altLang="en-US" dirty="0"/>
               <a:t>利用数据模型生成数据库DDL，也可以直接连接到数据库里，对数据库产生结果。</a:t>
             </a:r>
-            <a:endParaRPr lang="zh-CN" altLang="en-US"/>
-          </a:p>
-          <a:p>
-            <a:r>
-              <a:rPr lang="zh-CN" altLang="en-US"/>
+          </a:p>
+          <a:p>
+            <a:r>
+              <a:rPr lang="zh-CN" altLang="en-US" dirty="0"/>
               <a:t>从现有数据库或DDL文件里生成数据模型。</a:t>
             </a:r>
-            <a:endParaRPr lang="zh-CN" altLang="en-US"/>
-          </a:p>
-          <a:p>
-            <a:r>
-              <a:rPr lang="zh-CN" altLang="en-US"/>
+          </a:p>
+          <a:p>
+            <a:r>
+              <a:rPr lang="zh-CN" altLang="en-US" dirty="0"/>
               <a:t>将数据模型同DDL文件或现有数据库进行比较。</a:t>
             </a:r>
-            <a:endParaRPr lang="zh-CN" altLang="en-US"/>
+            <a:endParaRPr lang="en-US" altLang="zh-CN" dirty="0"/>
+          </a:p>
+          <a:p>
+            <a:pPr marL="0" indent="0" algn="r">
+              <a:buNone/>
+            </a:pPr>
+            <a:r>
+              <a:rPr lang="en-US" altLang="zh-CN" dirty="0"/>
+              <a:t>【1】</a:t>
+            </a:r>
+            <a:endParaRPr lang="zh-CN" altLang="en-US" dirty="0"/>
           </a:p>
         </p:txBody>
       </p:sp>
@@ -5755,6 +5628,37 @@
                                   </p:childTnLst>
                                 </p:cTn>
                               </p:par>
+                              <p:par>
+                                <p:cTn id="15" presetID="1" presetClass="entr" presetSubtype="0" fill="hold" nodeType="withEffect">
+                                  <p:stCondLst>
+                                    <p:cond delay="0"/>
+                                  </p:stCondLst>
+                                  <p:childTnLst>
+                                    <p:set>
+                                      <p:cBhvr>
+                                        <p:cTn id="16" dur="1" fill="hold">
+                                          <p:stCondLst>
+                                            <p:cond delay="0"/>
+                                          </p:stCondLst>
+                                        </p:cTn>
+                                        <p:tgtEl>
+                                          <p:spTgt spid="3">
+                                            <p:txEl>
+                                              <p:pRg st="5" end="5"/>
+                                            </p:txEl>
+                                          </p:spTgt>
+                                        </p:tgtEl>
+                                        <p:attrNameLst>
+                                          <p:attrName>style.visibility</p:attrName>
+                                        </p:attrNameLst>
+                                      </p:cBhvr>
+                                      <p:to>
+                                        <p:strVal val="visible"/>
+                                      </p:to>
+                                    </p:set>
+                                  </p:childTnLst>
+                                </p:cTn>
+                              </p:par>
                             </p:childTnLst>
                           </p:cTn>
                         </p:par>
@@ -5824,12 +5728,12 @@
         <p:spPr/>
         <p:txBody>
           <a:bodyPr/>
+          <a:lstStyle/>
           <a:p>
             <a:r>
               <a:rPr lang="zh-CN" altLang="en-US"/>
               <a:t>Rational Rose的版本</a:t>
             </a:r>
-            <a:endParaRPr lang="zh-CN" altLang="en-US"/>
           </a:p>
         </p:txBody>
       </p:sp>
@@ -5846,33 +5750,30 @@
         <p:spPr/>
         <p:txBody>
           <a:bodyPr/>
+          <a:lstStyle/>
           <a:p>
             <a:r>
               <a:rPr lang="zh-CN" altLang="en-US"/>
               <a:t>Rational Rose包含多个版本</a:t>
             </a:r>
-            <a:endParaRPr lang="zh-CN" altLang="en-US"/>
           </a:p>
           <a:p>
             <a:r>
               <a:rPr lang="zh-CN" altLang="en-US"/>
               <a:t>Rose Enterprise：支持用C++、Java、Visual Basic和Oracle生成代码，支持逆向项目。</a:t>
             </a:r>
-            <a:endParaRPr lang="zh-CN" altLang="en-US"/>
           </a:p>
           <a:p>
             <a:r>
               <a:rPr lang="zh-CN" altLang="en-US"/>
               <a:t>Rose Professional系列：可以用一种语言生成代码。</a:t>
             </a:r>
-            <a:endParaRPr lang="zh-CN" altLang="en-US"/>
           </a:p>
           <a:p>
             <a:r>
               <a:rPr lang="zh-CN" altLang="en-US"/>
               <a:t>Rose Modeler：可以对系统生成模型，但不支持逆向项目，也不支持由模型转出代码。</a:t>
             </a:r>
-            <a:endParaRPr lang="zh-CN" altLang="en-US"/>
           </a:p>
         </p:txBody>
       </p:sp>
@@ -6190,12 +6091,12 @@
         <p:spPr/>
         <p:txBody>
           <a:bodyPr/>
+          <a:lstStyle/>
           <a:p>
             <a:r>
               <a:rPr lang="zh-CN" altLang="en-US"/>
               <a:t>Rational Rose的优点</a:t>
             </a:r>
-            <a:endParaRPr lang="zh-CN" altLang="en-US"/>
           </a:p>
         </p:txBody>
       </p:sp>
@@ -6211,13 +6112,43 @@
         </p:nvSpPr>
         <p:spPr/>
         <p:txBody>
-          <a:bodyPr/>
-          <a:p>
-            <a:r>
-              <a:rPr lang="zh-CN" altLang="en-US"/>
-              <a:t>从使用的角度分析，Rational Rose易于使用，支持使用多种构件和多种语言的复杂系统建模；利用双向项目技术可以实现迭代式开发；团队管理特性支持大型、复杂的项目和大型而且通常队员分散在各个不同地方的开发团队。同时，Rational Rose与微软Visual Studio系列工具中GUI的完美结合所带来的方便性，使得它成为绝大多数开发人员的首选建模工具；Rose还是市场上第一个提供对基于UML的数据建模和Web建模支持的工具。此外，Rose还为其他一些领域提供支持，如用户定制和产品性能改进。</a:t>
-            </a:r>
-            <a:endParaRPr lang="zh-CN" altLang="en-US"/>
+          <a:bodyPr>
+            <a:normAutofit lnSpcReduction="10000"/>
+          </a:bodyPr>
+          <a:lstStyle/>
+          <a:p>
+            <a:r>
+              <a:rPr lang="zh-CN" altLang="en-US" dirty="0"/>
+              <a:t>从使用的角度分析，Rational Rose易于使用，支持使用多种构件和多种语言的复杂系统建模；</a:t>
+            </a:r>
+            <a:endParaRPr lang="en-US" altLang="zh-CN" dirty="0"/>
+          </a:p>
+          <a:p>
+            <a:r>
+              <a:rPr lang="zh-CN" altLang="en-US" dirty="0"/>
+              <a:t>利用双向项目技术可以实现迭代式开发；</a:t>
+            </a:r>
+            <a:endParaRPr lang="en-US" altLang="zh-CN" dirty="0"/>
+          </a:p>
+          <a:p>
+            <a:r>
+              <a:rPr lang="zh-CN" altLang="en-US" dirty="0"/>
+              <a:t>团队管理特性支持大型、复杂的项目和大型而且通常队员分散在各个不同地方的开发团队。</a:t>
+            </a:r>
+            <a:endParaRPr lang="en-US" altLang="zh-CN" dirty="0"/>
+          </a:p>
+          <a:p>
+            <a:r>
+              <a:rPr lang="zh-CN" altLang="en-US" dirty="0"/>
+              <a:t>同时，Rational Rose与微软Visual Studio系列工具中GUI的完美结合所带来的方便性，使得它成为绝大多数开发人员的首选建模工具</a:t>
+            </a:r>
+            <a:endParaRPr lang="en-US" altLang="zh-CN" dirty="0"/>
+          </a:p>
+          <a:p>
+            <a:r>
+              <a:rPr lang="zh-CN" altLang="en-US" dirty="0"/>
+              <a:t>Rose还是市场上第一个提供对基于UML的数据建模和Web建模支持的工具。此外，Rose还为其他一些领域提供支持，如用户定制和产品性能改进。</a:t>
+            </a:r>
           </a:p>
         </p:txBody>
       </p:sp>
@@ -6359,6 +6290,202 @@
                                           <p:spTgt spid="3">
                                             <p:txEl>
                                               <p:pRg st="0" end="0"/>
+                                            </p:txEl>
+                                          </p:spTgt>
+                                        </p:tgtEl>
+                                        <p:attrNameLst>
+                                          <p:attrName>style.visibility</p:attrName>
+                                        </p:attrNameLst>
+                                      </p:cBhvr>
+                                      <p:to>
+                                        <p:strVal val="visible"/>
+                                      </p:to>
+                                    </p:set>
+                                  </p:childTnLst>
+                                </p:cTn>
+                              </p:par>
+                            </p:childTnLst>
+                          </p:cTn>
+                        </p:par>
+                      </p:childTnLst>
+                    </p:cTn>
+                  </p:par>
+                  <p:par>
+                    <p:cTn id="7" fill="hold">
+                      <p:stCondLst>
+                        <p:cond delay="indefinite"/>
+                      </p:stCondLst>
+                      <p:childTnLst>
+                        <p:par>
+                          <p:cTn id="8" fill="hold">
+                            <p:stCondLst>
+                              <p:cond delay="0"/>
+                            </p:stCondLst>
+                            <p:childTnLst>
+                              <p:par>
+                                <p:cTn id="9" presetID="1" presetClass="entr" presetSubtype="0" fill="hold" nodeType="clickEffect">
+                                  <p:stCondLst>
+                                    <p:cond delay="0"/>
+                                  </p:stCondLst>
+                                  <p:childTnLst>
+                                    <p:set>
+                                      <p:cBhvr>
+                                        <p:cTn id="10" dur="1" fill="hold">
+                                          <p:stCondLst>
+                                            <p:cond delay="0"/>
+                                          </p:stCondLst>
+                                        </p:cTn>
+                                        <p:tgtEl>
+                                          <p:spTgt spid="3">
+                                            <p:txEl>
+                                              <p:pRg st="1" end="1"/>
+                                            </p:txEl>
+                                          </p:spTgt>
+                                        </p:tgtEl>
+                                        <p:attrNameLst>
+                                          <p:attrName>style.visibility</p:attrName>
+                                        </p:attrNameLst>
+                                      </p:cBhvr>
+                                      <p:to>
+                                        <p:strVal val="visible"/>
+                                      </p:to>
+                                    </p:set>
+                                  </p:childTnLst>
+                                </p:cTn>
+                              </p:par>
+                            </p:childTnLst>
+                          </p:cTn>
+                        </p:par>
+                      </p:childTnLst>
+                    </p:cTn>
+                  </p:par>
+                  <p:par>
+                    <p:cTn id="11" fill="hold">
+                      <p:stCondLst>
+                        <p:cond delay="indefinite"/>
+                      </p:stCondLst>
+                      <p:childTnLst>
+                        <p:par>
+                          <p:cTn id="12" fill="hold">
+                            <p:stCondLst>
+                              <p:cond delay="0"/>
+                            </p:stCondLst>
+                            <p:childTnLst>
+                              <p:par>
+                                <p:cTn id="13" presetID="1" presetClass="entr" presetSubtype="0" fill="hold" nodeType="clickEffect">
+                                  <p:stCondLst>
+                                    <p:cond delay="0"/>
+                                  </p:stCondLst>
+                                  <p:childTnLst>
+                                    <p:set>
+                                      <p:cBhvr>
+                                        <p:cTn id="14" dur="1" fill="hold">
+                                          <p:stCondLst>
+                                            <p:cond delay="0"/>
+                                          </p:stCondLst>
+                                        </p:cTn>
+                                        <p:tgtEl>
+                                          <p:spTgt spid="3">
+                                            <p:txEl>
+                                              <p:pRg st="2" end="2"/>
+                                            </p:txEl>
+                                          </p:spTgt>
+                                        </p:tgtEl>
+                                        <p:attrNameLst>
+                                          <p:attrName>style.visibility</p:attrName>
+                                        </p:attrNameLst>
+                                      </p:cBhvr>
+                                      <p:to>
+                                        <p:strVal val="visible"/>
+                                      </p:to>
+                                    </p:set>
+                                  </p:childTnLst>
+                                </p:cTn>
+                              </p:par>
+                            </p:childTnLst>
+                          </p:cTn>
+                        </p:par>
+                      </p:childTnLst>
+                    </p:cTn>
+                  </p:par>
+                  <p:par>
+                    <p:cTn id="15" fill="hold">
+                      <p:stCondLst>
+                        <p:cond delay="indefinite"/>
+                      </p:stCondLst>
+                      <p:childTnLst>
+                        <p:par>
+                          <p:cTn id="16" fill="hold">
+                            <p:stCondLst>
+                              <p:cond delay="0"/>
+                            </p:stCondLst>
+                            <p:childTnLst>
+                              <p:par>
+                                <p:cTn id="17" presetID="1" presetClass="entr" presetSubtype="0" fill="hold" nodeType="clickEffect">
+                                  <p:stCondLst>
+                                    <p:cond delay="0"/>
+                                  </p:stCondLst>
+                                  <p:childTnLst>
+                                    <p:set>
+                                      <p:cBhvr>
+                                        <p:cTn id="18" dur="1" fill="hold">
+                                          <p:stCondLst>
+                                            <p:cond delay="0"/>
+                                          </p:stCondLst>
+                                        </p:cTn>
+                                        <p:tgtEl>
+                                          <p:spTgt spid="3">
+                                            <p:txEl>
+                                              <p:pRg st="3" end="3"/>
+                                            </p:txEl>
+                                          </p:spTgt>
+                                        </p:tgtEl>
+                                        <p:attrNameLst>
+                                          <p:attrName>style.visibility</p:attrName>
+                                        </p:attrNameLst>
+                                      </p:cBhvr>
+                                      <p:to>
+                                        <p:strVal val="visible"/>
+                                      </p:to>
+                                    </p:set>
+                                  </p:childTnLst>
+                                </p:cTn>
+                              </p:par>
+                            </p:childTnLst>
+                          </p:cTn>
+                        </p:par>
+                      </p:childTnLst>
+                    </p:cTn>
+                  </p:par>
+                  <p:par>
+                    <p:cTn id="19" fill="hold">
+                      <p:stCondLst>
+                        <p:cond delay="indefinite"/>
+                      </p:stCondLst>
+                      <p:childTnLst>
+                        <p:par>
+                          <p:cTn id="20" fill="hold">
+                            <p:stCondLst>
+                              <p:cond delay="0"/>
+                            </p:stCondLst>
+                            <p:childTnLst>
+                              <p:par>
+                                <p:cTn id="21" presetID="1" presetClass="entr" presetSubtype="0" fill="hold" nodeType="clickEffect">
+                                  <p:stCondLst>
+                                    <p:cond delay="0"/>
+                                  </p:stCondLst>
+                                  <p:childTnLst>
+                                    <p:set>
+                                      <p:cBhvr>
+                                        <p:cTn id="22" dur="1" fill="hold">
+                                          <p:stCondLst>
+                                            <p:cond delay="0"/>
+                                          </p:stCondLst>
+                                        </p:cTn>
+                                        <p:tgtEl>
+                                          <p:spTgt spid="3">
+                                            <p:txEl>
+                                              <p:pRg st="4" end="4"/>
                                             </p:txEl>
                                           </p:spTgt>
                                         </p:tgtEl>
@@ -6738,7 +6865,7 @@
           <a:p>
             <a:pPr algn="ctr"/>
             <a:r>
-              <a:rPr lang="zh-CN" altLang="en-US" sz="6000" dirty="0" smtClean="0">
+              <a:rPr lang="zh-CN" altLang="en-US" sz="6000" dirty="0">
                 <a:solidFill>
                   <a:schemeClr val="bg1">
                     <a:lumMod val="95000"/>
@@ -6749,15 +6876,6 @@
               </a:rPr>
               <a:t>第三部分</a:t>
             </a:r>
-            <a:endParaRPr lang="zh-CN" altLang="en-US" sz="6000" dirty="0">
-              <a:solidFill>
-                <a:schemeClr val="bg1">
-                  <a:lumMod val="95000"/>
-                </a:schemeClr>
-              </a:solidFill>
-              <a:latin typeface="微软雅黑" panose="020B0503020204020204" pitchFamily="34" charset="-122"/>
-              <a:ea typeface="微软雅黑" panose="020B0503020204020204" pitchFamily="34" charset="-122"/>
-            </a:endParaRPr>
           </a:p>
         </p:txBody>
       </p:sp>
@@ -6797,15 +6915,6 @@
               </a:rPr>
               <a:t>StarUML</a:t>
             </a:r>
-            <a:endParaRPr lang="en-US" sz="3200" dirty="0">
-              <a:solidFill>
-                <a:schemeClr val="bg1">
-                  <a:lumMod val="95000"/>
-                </a:schemeClr>
-              </a:solidFill>
-              <a:latin typeface="微软雅黑" panose="020B0503020204020204" pitchFamily="34" charset="-122"/>
-              <a:ea typeface="微软雅黑" panose="020B0503020204020204" pitchFamily="34" charset="-122"/>
-            </a:endParaRPr>
           </a:p>
         </p:txBody>
       </p:sp>
@@ -6814,13 +6923,6 @@
   <p:clrMapOvr>
     <a:masterClrMapping/>
   </p:clrMapOvr>
-  <p:timing>
-    <p:tnLst>
-      <p:par>
-        <p:cTn id="1" dur="indefinite" restart="never" nodeType="tmRoot"/>
-      </p:par>
-    </p:tnLst>
-  </p:timing>
 </p:sld>
 </file>
 
@@ -6867,12 +6969,23 @@
         </p:spPr>
         <p:txBody>
           <a:bodyPr/>
-          <a:p>
-            <a:r>
-              <a:rPr lang="zh-CN" altLang="en-US"/>
+          <a:lstStyle/>
+          <a:p>
+            <a:r>
+              <a:rPr lang="zh-CN" altLang="en-US" dirty="0"/>
               <a:t>StarUML（简称SU），是一款开放源代码的UML开发工具，是由韩国公司主导开发出来的产品，可以直接到StarUML网站下载。StarUML是一种创建UML类图，生成类图和其他类型的统一建模语言图表的工具。StarUML发展快、灵活、可扩展性强。</a:t>
             </a:r>
-            <a:endParaRPr lang="zh-CN" altLang="en-US"/>
+            <a:endParaRPr lang="en-US" altLang="zh-CN" dirty="0"/>
+          </a:p>
+          <a:p>
+            <a:pPr marL="0" indent="0" algn="r">
+              <a:buNone/>
+            </a:pPr>
+            <a:r>
+              <a:rPr lang="en-US" altLang="zh-CN" dirty="0"/>
+              <a:t>【1】</a:t>
+            </a:r>
+            <a:endParaRPr lang="zh-CN" altLang="en-US" dirty="0"/>
           </a:p>
         </p:txBody>
       </p:sp>
@@ -6977,13 +7090,6 @@
   <p:clrMapOvr>
     <a:masterClrMapping/>
   </p:clrMapOvr>
-  <p:timing>
-    <p:tnLst>
-      <p:par>
-        <p:cTn id="1" dur="indefinite" restart="never" nodeType="tmRoot"/>
-      </p:par>
-    </p:tnLst>
-  </p:timing>
 </p:sld>
 </file>
 
@@ -7025,12 +7131,12 @@
         <p:spPr/>
         <p:txBody>
           <a:bodyPr/>
+          <a:lstStyle/>
           <a:p>
             <a:r>
               <a:rPr lang="zh-CN" altLang="en-US"/>
               <a:t>1.可绘制UML中的常用图</a:t>
             </a:r>
-            <a:endParaRPr lang="zh-CN" altLang="en-US"/>
           </a:p>
         </p:txBody>
       </p:sp>
@@ -7047,12 +7153,12 @@
         <p:spPr/>
         <p:txBody>
           <a:bodyPr/>
+          <a:lstStyle/>
           <a:p>
             <a:r>
               <a:rPr lang="zh-CN" altLang="en-US"/>
               <a:t>UML2.0分为两大类：结构图和行为图工13种图。结构图用于对系统的静态结构建模，包括类图、组合结构图、构件图、部署图、对象图和包图；行为图用于对系统的动态行为建模，包括实例图、交互图、活动图（顺序图、通信图、交互概览图、计时图）和状态机图。StarUML可支持这些图的绘制。</a:t>
             </a:r>
-            <a:endParaRPr lang="zh-CN" altLang="en-US"/>
           </a:p>
         </p:txBody>
       </p:sp>
@@ -7282,19 +7388,18 @@
         </p:spPr>
         <p:txBody>
           <a:bodyPr/>
+          <a:lstStyle/>
           <a:p>
             <a:r>
               <a:rPr lang="zh-CN" altLang="en-US"/>
               <a:t>2.完全免费</a:t>
             </a:r>
-            <a:endParaRPr lang="zh-CN" altLang="en-US"/>
           </a:p>
           <a:p>
             <a:r>
               <a:rPr lang="zh-CN" altLang="en-US"/>
               <a:t>StarUML是一套开放源码的软件，不仅免费自由下载，连代码都免费开放。</a:t>
             </a:r>
-            <a:endParaRPr lang="zh-CN" altLang="en-US"/>
           </a:p>
           <a:p>
             <a:endParaRPr lang="zh-CN" altLang="en-US"/>
@@ -7304,14 +7409,12 @@
               <a:rPr lang="zh-CN" altLang="en-US"/>
               <a:t>3.多种形式</a:t>
             </a:r>
-            <a:endParaRPr lang="zh-CN" altLang="en-US"/>
           </a:p>
           <a:p>
             <a:r>
               <a:rPr lang="zh-CN" altLang="en-US"/>
               <a:t>StarUML遵守UML的语法规则，不支持违反语法的动作。</a:t>
             </a:r>
-            <a:endParaRPr lang="zh-CN" altLang="en-US"/>
           </a:p>
         </p:txBody>
       </p:sp>
@@ -7567,12 +7670,12 @@
         <p:spPr/>
         <p:txBody>
           <a:bodyPr/>
+          <a:lstStyle/>
           <a:p>
             <a:r>
               <a:rPr lang="zh-CN" altLang="en-US"/>
               <a:t>4.双向工程</a:t>
             </a:r>
-            <a:endParaRPr lang="zh-CN" altLang="en-US"/>
           </a:p>
         </p:txBody>
       </p:sp>
@@ -7588,27 +7691,38 @@
         </p:nvSpPr>
         <p:spPr/>
         <p:txBody>
-          <a:bodyPr/>
-          <a:p>
-            <a:r>
-              <a:rPr lang="zh-CN" altLang="en-US"/>
+          <a:bodyPr>
+            <a:normAutofit lnSpcReduction="10000"/>
+          </a:bodyPr>
+          <a:lstStyle/>
+          <a:p>
+            <a:r>
+              <a:rPr lang="zh-CN" altLang="en-US" dirty="0"/>
               <a:t>正向和逆向工程这两方面结合在一起，定义为双向工程。双向工程提供了一种机制，它使系统架构或者设计模型与代码之间进行双向交换。</a:t>
             </a:r>
-            <a:endParaRPr lang="zh-CN" altLang="en-US"/>
-          </a:p>
-          <a:p>
-            <a:r>
-              <a:rPr lang="zh-CN" altLang="en-US"/>
+          </a:p>
+          <a:p>
+            <a:r>
+              <a:rPr lang="zh-CN" altLang="en-US" dirty="0"/>
               <a:t>（1）正向工程把设计模型转换为代码框架，开发者不需要编写类、属性、方法代码。一般情况下，开发人员将系统设计细化到一定的级别，然后应用正向工程。</a:t>
             </a:r>
-            <a:endParaRPr lang="zh-CN" altLang="en-US"/>
-          </a:p>
-          <a:p>
-            <a:r>
-              <a:rPr lang="zh-CN" altLang="en-US"/>
+          </a:p>
+          <a:p>
+            <a:r>
+              <a:rPr lang="zh-CN" altLang="en-US" dirty="0"/>
               <a:t>（2）逆向工程是指把代码转换成设计模型。在迭代开发周期中，一旦某个模型作为迭代的一部分被修改，采用正向工程把新的类、方法、属性加入代码；同时，一旦某些代码被修改、采用逆向工程、将修改后的代码转换为设计模型。</a:t>
             </a:r>
-            <a:endParaRPr lang="zh-CN" altLang="en-US"/>
+            <a:endParaRPr lang="en-US" altLang="zh-CN" dirty="0"/>
+          </a:p>
+          <a:p>
+            <a:pPr marL="0" indent="0" algn="r">
+              <a:buNone/>
+            </a:pPr>
+            <a:r>
+              <a:rPr lang="en-US" altLang="zh-CN" dirty="0"/>
+              <a:t>【1】</a:t>
+            </a:r>
+            <a:endParaRPr lang="zh-CN" altLang="en-US" dirty="0"/>
           </a:p>
         </p:txBody>
       </p:sp>
@@ -7812,6 +7926,37 @@
                                           <p:spTgt spid="3">
                                             <p:txEl>
                                               <p:pRg st="2" end="2"/>
+                                            </p:txEl>
+                                          </p:spTgt>
+                                        </p:tgtEl>
+                                        <p:attrNameLst>
+                                          <p:attrName>style.visibility</p:attrName>
+                                        </p:attrNameLst>
+                                      </p:cBhvr>
+                                      <p:to>
+                                        <p:strVal val="visible"/>
+                                      </p:to>
+                                    </p:set>
+                                  </p:childTnLst>
+                                </p:cTn>
+                              </p:par>
+                              <p:par>
+                                <p:cTn id="11" presetID="1" presetClass="entr" presetSubtype="0" fill="hold" nodeType="withEffect">
+                                  <p:stCondLst>
+                                    <p:cond delay="0"/>
+                                  </p:stCondLst>
+                                  <p:childTnLst>
+                                    <p:set>
+                                      <p:cBhvr>
+                                        <p:cTn id="12" dur="1" fill="hold">
+                                          <p:stCondLst>
+                                            <p:cond delay="0"/>
+                                          </p:stCondLst>
+                                        </p:cTn>
+                                        <p:tgtEl>
+                                          <p:spTgt spid="3">
+                                            <p:txEl>
+                                              <p:pRg st="3" end="3"/>
                                             </p:txEl>
                                           </p:spTgt>
                                         </p:tgtEl>
@@ -8103,7 +8248,7 @@
           <a:p>
             <a:pPr algn="ctr"/>
             <a:r>
-              <a:rPr lang="zh-CN" altLang="en-US" sz="5400" b="1" dirty="0" smtClean="0">
+              <a:rPr lang="zh-CN" altLang="en-US" sz="5400" b="1" dirty="0">
                 <a:solidFill>
                   <a:schemeClr val="bg1"/>
                 </a:solidFill>
@@ -8123,7 +8268,7 @@
           <a:p>
             <a:pPr algn="ctr"/>
             <a:r>
-              <a:rPr lang="en-US" altLang="zh-CN" sz="2000" b="1" dirty="0" smtClean="0">
+              <a:rPr lang="en-US" altLang="zh-CN" sz="2000" b="1" dirty="0">
                 <a:solidFill>
                   <a:schemeClr val="bg1"/>
                 </a:solidFill>
@@ -8455,7 +8600,7 @@
           <a:p>
             <a:pPr eaLnBrk="1" hangingPunct="1"/>
             <a:r>
-              <a:rPr lang="en-US" altLang="zh-CN" sz="3200" dirty="0" smtClean="0">
+              <a:rPr lang="en-US" altLang="zh-CN" sz="3200" dirty="0">
                 <a:solidFill>
                   <a:schemeClr val="bg1"/>
                 </a:solidFill>
@@ -8506,13 +8651,6 @@
               </a:rPr>
               <a:t>软件建模工具</a:t>
             </a:r>
-            <a:endParaRPr sz="2800" dirty="0">
-              <a:solidFill>
-                <a:srgbClr val="002B41"/>
-              </a:solidFill>
-              <a:latin typeface="微软雅黑" panose="020B0503020204020204" pitchFamily="34" charset="-122"/>
-              <a:ea typeface="微软雅黑" panose="020B0503020204020204" pitchFamily="34" charset="-122"/>
-            </a:endParaRPr>
           </a:p>
         </p:txBody>
       </p:sp>
@@ -8829,7 +8967,7 @@
           <a:p>
             <a:pPr eaLnBrk="1" hangingPunct="1"/>
             <a:r>
-              <a:rPr lang="en-US" altLang="zh-CN" sz="3200" dirty="0" smtClean="0">
+              <a:rPr lang="en-US" altLang="zh-CN" sz="3200" dirty="0">
                 <a:solidFill>
                   <a:schemeClr val="bg1"/>
                 </a:solidFill>
@@ -8871,7 +9009,7 @@
           <a:lstStyle/>
           <a:p>
             <a:r>
-              <a:rPr sz="2800" dirty="0" smtClean="0">
+              <a:rPr sz="2800" dirty="0">
                 <a:solidFill>
                   <a:srgbClr val="002B41"/>
                 </a:solidFill>
@@ -8880,13 +9018,6 @@
               </a:rPr>
               <a:t>Rational Rose</a:t>
             </a:r>
-            <a:endParaRPr sz="2800" dirty="0" smtClean="0">
-              <a:solidFill>
-                <a:srgbClr val="002B41"/>
-              </a:solidFill>
-              <a:latin typeface="微软雅黑" panose="020B0503020204020204" pitchFamily="34" charset="-122"/>
-              <a:ea typeface="微软雅黑" panose="020B0503020204020204" pitchFamily="34" charset="-122"/>
-            </a:endParaRPr>
           </a:p>
         </p:txBody>
       </p:sp>
@@ -9203,7 +9334,7 @@
           <a:p>
             <a:pPr eaLnBrk="1" hangingPunct="1"/>
             <a:r>
-              <a:rPr lang="en-US" altLang="zh-CN" sz="3200" dirty="0" smtClean="0">
+              <a:rPr lang="en-US" altLang="zh-CN" sz="3200" dirty="0">
                 <a:solidFill>
                   <a:schemeClr val="bg1"/>
                 </a:solidFill>
@@ -9254,13 +9385,6 @@
               </a:rPr>
               <a:t>StarUML</a:t>
             </a:r>
-            <a:endParaRPr lang="en-US" sz="2800" dirty="0">
-              <a:solidFill>
-                <a:srgbClr val="002B41"/>
-              </a:solidFill>
-              <a:latin typeface="微软雅黑" panose="020B0503020204020204" pitchFamily="34" charset="-122"/>
-              <a:ea typeface="微软雅黑" panose="020B0503020204020204" pitchFamily="34" charset="-122"/>
-            </a:endParaRPr>
           </a:p>
         </p:txBody>
       </p:sp>
@@ -9577,7 +9701,7 @@
           <a:p>
             <a:pPr eaLnBrk="1" hangingPunct="1"/>
             <a:r>
-              <a:rPr lang="en-US" altLang="zh-CN" sz="3200" dirty="0" smtClean="0">
+              <a:rPr lang="en-US" altLang="zh-CN" sz="3200" dirty="0">
                 <a:solidFill>
                   <a:schemeClr val="bg1"/>
                 </a:solidFill>
@@ -9629,14 +9753,6 @@
               </a:rPr>
               <a:t>PowerDesigner</a:t>
             </a:r>
-            <a:endParaRPr sz="2800" dirty="0">
-              <a:solidFill>
-                <a:srgbClr val="002B41"/>
-              </a:solidFill>
-              <a:latin typeface="微软雅黑" panose="020B0503020204020204" pitchFamily="34" charset="-122"/>
-              <a:ea typeface="微软雅黑" panose="020B0503020204020204" pitchFamily="34" charset="-122"/>
-              <a:sym typeface="+mn-ea"/>
-            </a:endParaRPr>
           </a:p>
         </p:txBody>
       </p:sp>
@@ -9953,7 +10069,7 @@
           <a:p>
             <a:pPr eaLnBrk="1" hangingPunct="1"/>
             <a:r>
-              <a:rPr lang="en-US" altLang="zh-CN" sz="3200" dirty="0" smtClean="0">
+              <a:rPr lang="en-US" altLang="zh-CN" sz="3200" dirty="0">
                 <a:solidFill>
                   <a:schemeClr val="bg1"/>
                 </a:solidFill>
@@ -10005,14 +10121,6 @@
               </a:rPr>
               <a:t>Visio</a:t>
             </a:r>
-            <a:endParaRPr lang="en-US" sz="2800" dirty="0">
-              <a:solidFill>
-                <a:srgbClr val="002B41"/>
-              </a:solidFill>
-              <a:latin typeface="微软雅黑" panose="020B0503020204020204" pitchFamily="34" charset="-122"/>
-              <a:ea typeface="微软雅黑" panose="020B0503020204020204" pitchFamily="34" charset="-122"/>
-              <a:sym typeface="+mn-ea"/>
-            </a:endParaRPr>
           </a:p>
         </p:txBody>
       </p:sp>
@@ -10050,13 +10158,6 @@
               </a:rPr>
               <a:t>Visio 2016</a:t>
             </a:r>
-            <a:endParaRPr lang="en-US" altLang="zh-CN" sz="2800" dirty="0">
-              <a:solidFill>
-                <a:srgbClr val="002B41"/>
-              </a:solidFill>
-              <a:latin typeface="微软雅黑" panose="020B0503020204020204" pitchFamily="34" charset="-122"/>
-              <a:ea typeface="微软雅黑" panose="020B0503020204020204" pitchFamily="34" charset="-122"/>
-            </a:endParaRPr>
           </a:p>
         </p:txBody>
       </p:sp>
@@ -10094,13 +10195,6 @@
               </a:rPr>
               <a:t> </a:t>
             </a:r>
-            <a:endParaRPr lang="en-US" altLang="zh-CN" sz="2800" dirty="0">
-              <a:solidFill>
-                <a:srgbClr val="002B41"/>
-              </a:solidFill>
-              <a:latin typeface="微软雅黑" panose="020B0503020204020204" pitchFamily="34" charset="-122"/>
-              <a:ea typeface="微软雅黑" panose="020B0503020204020204" pitchFamily="34" charset="-122"/>
-            </a:endParaRPr>
           </a:p>
         </p:txBody>
       </p:sp>
@@ -10139,14 +10233,6 @@
               </a:rPr>
               <a:t>问答、参考文献、小组分工及评价</a:t>
             </a:r>
-            <a:endParaRPr lang="zh-CN" altLang="en-US" sz="2800" dirty="0">
-              <a:solidFill>
-                <a:srgbClr val="002B41"/>
-              </a:solidFill>
-              <a:latin typeface="微软雅黑" panose="020B0503020204020204" pitchFamily="34" charset="-122"/>
-              <a:ea typeface="微软雅黑" panose="020B0503020204020204" pitchFamily="34" charset="-122"/>
-              <a:sym typeface="+mn-ea"/>
-            </a:endParaRPr>
           </a:p>
         </p:txBody>
       </p:sp>
@@ -10308,7 +10394,7 @@
           <a:p>
             <a:pPr eaLnBrk="1" hangingPunct="1"/>
             <a:r>
-              <a:rPr lang="en-US" altLang="zh-CN" sz="3200" dirty="0" smtClean="0">
+              <a:rPr lang="en-US" altLang="zh-CN" sz="3200" dirty="0">
                 <a:solidFill>
                   <a:schemeClr val="bg1"/>
                 </a:solidFill>
@@ -10638,7 +10724,7 @@
           <a:p>
             <a:pPr eaLnBrk="1" hangingPunct="1"/>
             <a:r>
-              <a:rPr lang="en-US" altLang="zh-CN" sz="3200" dirty="0" smtClean="0">
+              <a:rPr lang="en-US" altLang="zh-CN" sz="3200" dirty="0">
                 <a:solidFill>
                   <a:schemeClr val="bg1"/>
                 </a:solidFill>
@@ -10968,7 +11054,7 @@
           <a:p>
             <a:pPr eaLnBrk="1" hangingPunct="1"/>
             <a:r>
-              <a:rPr lang="en-US" altLang="zh-CN" sz="3200" dirty="0" smtClean="0">
+              <a:rPr lang="en-US" altLang="zh-CN" sz="3200" dirty="0">
                 <a:solidFill>
                   <a:schemeClr val="bg1"/>
                 </a:solidFill>
@@ -10990,13 +11076,6 @@
   <p:clrMapOvr>
     <a:masterClrMapping/>
   </p:clrMapOvr>
-  <p:timing>
-    <p:tnLst>
-      <p:par>
-        <p:cTn id="1" dur="indefinite" restart="never" nodeType="tmRoot"/>
-      </p:par>
-    </p:tnLst>
-  </p:timing>
 </p:sld>
 </file>
 
@@ -11043,12 +11122,12 @@
         </p:spPr>
         <p:txBody>
           <a:bodyPr/>
+          <a:lstStyle/>
           <a:p>
             <a:r>
               <a:rPr lang="zh-CN" altLang="en-US"/>
               <a:t>StarUML可以依据类图的内容生成Java、C++、C#代码，也能够读取Java、C++、C#代码反向生成类图。逆向工程有两个主要用途，其一是就有的源码反转成图之后，可以构建UML模型的方式继续将新的设计添加上去；其二是想要解析源码时，可以通过反转的类图来理解，不再需要查看一行又一行的代码，这将节省大量的时间和精力。</a:t>
             </a:r>
-            <a:endParaRPr lang="zh-CN" altLang="en-US"/>
           </a:p>
         </p:txBody>
       </p:sp>
@@ -11153,13 +11232,6 @@
   <p:clrMapOvr>
     <a:masterClrMapping/>
   </p:clrMapOvr>
-  <p:timing>
-    <p:tnLst>
-      <p:par>
-        <p:cTn id="1" dur="indefinite" restart="never" nodeType="tmRoot"/>
-      </p:par>
-    </p:tnLst>
-  </p:timing>
 </p:sld>
 </file>
 
@@ -11206,21 +11278,20 @@
         </p:spPr>
         <p:txBody>
           <a:bodyPr>
-            <a:normAutofit lnSpcReduction="20000"/>
+            <a:normAutofit/>
           </a:bodyPr>
+          <a:lstStyle/>
           <a:p>
             <a:r>
               <a:rPr lang="zh-CN" altLang="en-US"/>
               <a:t>5.支持XMI</a:t>
             </a:r>
-            <a:endParaRPr lang="zh-CN" altLang="en-US"/>
           </a:p>
           <a:p>
             <a:r>
               <a:rPr lang="zh-CN" altLang="en-US"/>
               <a:t>StarUML接受XMI1.1、1.2和1.3版的导入导出。XMI是一种以XML为基础的交换格式，用以交换不同开发工具所生成的UML模型。</a:t>
             </a:r>
-            <a:endParaRPr lang="zh-CN" altLang="en-US"/>
           </a:p>
           <a:p>
             <a:endParaRPr lang="zh-CN" altLang="en-US"/>
@@ -11230,14 +11301,12 @@
               <a:rPr lang="zh-CN" altLang="en-US"/>
               <a:t>6.导入Rose文件</a:t>
             </a:r>
-            <a:endParaRPr lang="zh-CN" altLang="en-US"/>
           </a:p>
           <a:p>
             <a:r>
               <a:rPr lang="zh-CN" altLang="en-US"/>
               <a:t>StarUML。可以读取Rational Rose生成的文件，让原先Rose的用户可以转而使用免费的StarUML。</a:t>
             </a:r>
-            <a:endParaRPr lang="zh-CN" altLang="en-US"/>
           </a:p>
           <a:p>
             <a:endParaRPr lang="zh-CN" altLang="en-US"/>
@@ -11247,14 +11316,12 @@
               <a:rPr lang="zh-CN" altLang="en-US"/>
               <a:t>7.支持模式</a:t>
             </a:r>
-            <a:endParaRPr lang="zh-CN" altLang="en-US"/>
           </a:p>
           <a:p>
             <a:r>
               <a:rPr lang="zh-CN" altLang="en-US"/>
               <a:t>支持23种GoF模型，以及三种EJB模式。</a:t>
             </a:r>
-            <a:endParaRPr lang="zh-CN" altLang="en-US"/>
           </a:p>
         </p:txBody>
       </p:sp>
@@ -11590,12 +11657,12 @@
         <p:spPr/>
         <p:txBody>
           <a:bodyPr/>
+          <a:lstStyle/>
           <a:p>
             <a:r>
               <a:rPr lang="zh-CN" altLang="en-US"/>
               <a:t>使用StarUML的建模</a:t>
             </a:r>
-            <a:endParaRPr lang="zh-CN" altLang="en-US"/>
           </a:p>
         </p:txBody>
       </p:sp>
@@ -11612,12 +11679,12 @@
         <p:spPr/>
         <p:txBody>
           <a:bodyPr/>
+          <a:lstStyle/>
           <a:p>
             <a:r>
               <a:rPr lang="zh-CN" altLang="en-US"/>
               <a:t>StarUML支持UML语法规则检验，正反向Java、C++、C#工程，并且支持多种图片格式导出。同时它支持23种GOF模式以及三种EJB。</a:t>
             </a:r>
-            <a:endParaRPr lang="zh-CN" altLang="en-US"/>
           </a:p>
         </p:txBody>
       </p:sp>
@@ -11842,12 +11909,12 @@
         <p:spPr/>
         <p:txBody>
           <a:bodyPr/>
+          <a:lstStyle/>
           <a:p>
             <a:r>
               <a:rPr lang="zh-CN" altLang="en-US"/>
               <a:t>StarUML的模型、视与图</a:t>
             </a:r>
-            <a:endParaRPr lang="zh-CN" altLang="en-US"/>
           </a:p>
         </p:txBody>
       </p:sp>
@@ -11864,12 +11931,12 @@
         <p:spPr/>
         <p:txBody>
           <a:bodyPr/>
+          <a:lstStyle/>
           <a:p>
             <a:r>
               <a:rPr lang="zh-CN" altLang="en-US"/>
               <a:t>StarUML中清晰地区分了模型、视与图的概念。模型是包含软件模式信息的元素。视则是模型中信息的可视表达法，图则是表示用户特定设计思想的可视元素的集合。</a:t>
             </a:r>
-            <a:endParaRPr lang="zh-CN" altLang="en-US"/>
           </a:p>
         </p:txBody>
       </p:sp>
@@ -12390,7 +12457,7 @@
           <a:p>
             <a:pPr algn="ctr"/>
             <a:r>
-              <a:rPr lang="zh-CN" altLang="en-US" sz="6000" dirty="0" smtClean="0">
+              <a:rPr lang="zh-CN" altLang="en-US" sz="6000" dirty="0">
                 <a:solidFill>
                   <a:schemeClr val="bg1">
                     <a:lumMod val="95000"/>
@@ -12401,15 +12468,6 @@
               </a:rPr>
               <a:t>第四部分</a:t>
             </a:r>
-            <a:endParaRPr lang="zh-CN" altLang="en-US" sz="6000" dirty="0">
-              <a:solidFill>
-                <a:schemeClr val="bg1">
-                  <a:lumMod val="95000"/>
-                </a:schemeClr>
-              </a:solidFill>
-              <a:latin typeface="微软雅黑" panose="020B0503020204020204" pitchFamily="34" charset="-122"/>
-              <a:ea typeface="微软雅黑" panose="020B0503020204020204" pitchFamily="34" charset="-122"/>
-            </a:endParaRPr>
           </a:p>
         </p:txBody>
       </p:sp>
@@ -12449,15 +12507,6 @@
               </a:rPr>
               <a:t>PowerDesigner</a:t>
             </a:r>
-            <a:endParaRPr sz="3200" dirty="0">
-              <a:solidFill>
-                <a:schemeClr val="bg1">
-                  <a:lumMod val="95000"/>
-                </a:schemeClr>
-              </a:solidFill>
-              <a:latin typeface="微软雅黑" panose="020B0503020204020204" pitchFamily="34" charset="-122"/>
-              <a:ea typeface="微软雅黑" panose="020B0503020204020204" pitchFamily="34" charset="-122"/>
-            </a:endParaRPr>
           </a:p>
         </p:txBody>
       </p:sp>
@@ -12466,13 +12515,6 @@
   <p:clrMapOvr>
     <a:masterClrMapping/>
   </p:clrMapOvr>
-  <p:timing>
-    <p:tnLst>
-      <p:par>
-        <p:cTn id="1" dur="indefinite" restart="never" nodeType="tmRoot"/>
-      </p:par>
-    </p:tnLst>
-  </p:timing>
 </p:sld>
 </file>
 
@@ -12519,12 +12561,12 @@
         </p:spPr>
         <p:txBody>
           <a:bodyPr/>
-          <a:p>
-            <a:r>
-              <a:rPr lang="zh-CN" altLang="en-US"/>
+          <a:lstStyle/>
+          <a:p>
+            <a:r>
+              <a:rPr lang="zh-CN" altLang="en-US" dirty="0"/>
               <a:t>PowerDesigner是Sybase公司的CASE工具集，使用它可以方便地对管理信息系统进行分析设计，它几乎包括数据库模型设计的全过程。利用PowerDesigner可以制作数据流程图、概念数据模型、物理数据模型，可以生成多种客户端开发工具的应用程序，还可为数据仓库制作结构模型，也能对团队设备模型进行控制。它可与许多流行的数据库设计软件，PowerBuilder、DeLphi、VB等相配合使用来缩短开发时间和使系统设计更优化。</a:t>
             </a:r>
-            <a:endParaRPr lang="zh-CN" altLang="en-US"/>
           </a:p>
         </p:txBody>
       </p:sp>
@@ -12629,13 +12671,6 @@
   <p:clrMapOvr>
     <a:masterClrMapping/>
   </p:clrMapOvr>
-  <p:timing>
-    <p:tnLst>
-      <p:par>
-        <p:cTn id="1" dur="indefinite" restart="never" nodeType="tmRoot"/>
-      </p:par>
-    </p:tnLst>
-  </p:timing>
 </p:sld>
 </file>
 
@@ -12682,12 +12717,23 @@
         </p:spPr>
         <p:txBody>
           <a:bodyPr/>
-          <a:p>
-            <a:r>
-              <a:rPr lang="zh-CN" altLang="en-US"/>
+          <a:lstStyle/>
+          <a:p>
+            <a:r>
+              <a:rPr lang="zh-CN" altLang="en-US" dirty="0"/>
               <a:t>PowerDesigner是Sybase的企业建模和设计解决方案，采用模型驱动方法，将业务与IT结合起来，可帮助部署有效的企业体系结构，并为研究生命周期管理提供强大的分析与设计技术。PowerDesigner支持六十多种数据库系统/版本。PowerDesigner运行在Microsoft Windows平台上，并提供了Eclipse插件。</a:t>
             </a:r>
-            <a:endParaRPr lang="zh-CN" altLang="en-US"/>
+            <a:endParaRPr lang="en-US" altLang="zh-CN" dirty="0"/>
+          </a:p>
+          <a:p>
+            <a:pPr marL="0" indent="0" algn="r">
+              <a:buNone/>
+            </a:pPr>
+            <a:r>
+              <a:rPr lang="en-US" altLang="zh-CN" dirty="0"/>
+              <a:t>【1】</a:t>
+            </a:r>
+            <a:endParaRPr lang="zh-CN" altLang="en-US" dirty="0"/>
           </a:p>
         </p:txBody>
       </p:sp>
@@ -12792,13 +12838,6 @@
   <p:clrMapOvr>
     <a:masterClrMapping/>
   </p:clrMapOvr>
-  <p:timing>
-    <p:tnLst>
-      <p:par>
-        <p:cTn id="1" dur="indefinite" restart="never" nodeType="tmRoot"/>
-      </p:par>
-    </p:tnLst>
-  </p:timing>
 </p:sld>
 </file>
 
@@ -13136,7 +13175,7 @@
           <a:p>
             <a:pPr algn="ctr"/>
             <a:r>
-              <a:rPr lang="zh-CN" altLang="en-US" sz="6000" dirty="0" smtClean="0">
+              <a:rPr lang="zh-CN" altLang="en-US" sz="6000" dirty="0">
                 <a:solidFill>
                   <a:schemeClr val="bg1">
                     <a:lumMod val="95000"/>
@@ -13147,15 +13186,6 @@
               </a:rPr>
               <a:t>第五部分</a:t>
             </a:r>
-            <a:endParaRPr lang="zh-CN" altLang="en-US" sz="6000" dirty="0">
-              <a:solidFill>
-                <a:schemeClr val="bg1">
-                  <a:lumMod val="95000"/>
-                </a:schemeClr>
-              </a:solidFill>
-              <a:latin typeface="微软雅黑" panose="020B0503020204020204" pitchFamily="34" charset="-122"/>
-              <a:ea typeface="微软雅黑" panose="020B0503020204020204" pitchFamily="34" charset="-122"/>
-            </a:endParaRPr>
           </a:p>
         </p:txBody>
       </p:sp>
@@ -13195,15 +13225,6 @@
               </a:rPr>
               <a:t>Visio</a:t>
             </a:r>
-            <a:endParaRPr lang="en-US" sz="3200" dirty="0">
-              <a:solidFill>
-                <a:schemeClr val="bg1">
-                  <a:lumMod val="95000"/>
-                </a:schemeClr>
-              </a:solidFill>
-              <a:latin typeface="微软雅黑" panose="020B0503020204020204" pitchFamily="34" charset="-122"/>
-              <a:ea typeface="微软雅黑" panose="020B0503020204020204" pitchFamily="34" charset="-122"/>
-            </a:endParaRPr>
           </a:p>
         </p:txBody>
       </p:sp>
@@ -13212,13 +13233,6 @@
   <p:clrMapOvr>
     <a:masterClrMapping/>
   </p:clrMapOvr>
-  <p:timing>
-    <p:tnLst>
-      <p:par>
-        <p:cTn id="1" dur="indefinite" restart="never" nodeType="tmRoot"/>
-      </p:par>
-    </p:tnLst>
-  </p:timing>
 </p:sld>
 </file>
 
@@ -13265,19 +13279,18 @@
         </p:spPr>
         <p:txBody>
           <a:bodyPr/>
+          <a:lstStyle/>
           <a:p>
             <a:r>
               <a:rPr lang="zh-CN" altLang="en-US"/>
               <a:t>Microsoft Office Visio是微软公司出品的软件，Office Visio提供了各种模板：业务流程的流程图、网络图、工作流图、数据库模型图和软件图，这些模板可用于可视化和简化业务流程、跟踪项目和资源、绘制组织结构图、映射网络、绘制建筑地图及优化系统。</a:t>
             </a:r>
-            <a:endParaRPr lang="zh-CN" altLang="en-US"/>
           </a:p>
           <a:p>
             <a:r>
               <a:rPr lang="zh-CN" altLang="en-US"/>
               <a:t>Visio原本仅仅是一种画图工具，能够用来描述各种图形（从电路图到房屋结构图），也是到Visio 2000才开始引进软件分析设计功能到代码生成的全部功能，它可以说是目前最能够用图形方式来表达各种商业图形用途的工具。</a:t>
             </a:r>
-            <a:endParaRPr lang="zh-CN" altLang="en-US"/>
           </a:p>
         </p:txBody>
       </p:sp>
@@ -13382,13 +13395,6 @@
   <p:clrMapOvr>
     <a:masterClrMapping/>
   </p:clrMapOvr>
-  <p:timing>
-    <p:tnLst>
-      <p:par>
-        <p:cTn id="1" dur="indefinite" restart="never" nodeType="tmRoot"/>
-      </p:par>
-    </p:tnLst>
-  </p:timing>
 </p:sld>
 </file>
 
@@ -13430,12 +13436,12 @@
         <p:spPr/>
         <p:txBody>
           <a:bodyPr/>
+          <a:lstStyle/>
           <a:p>
             <a:r>
               <a:rPr lang="zh-CN" altLang="en-US"/>
               <a:t>Visio的版本</a:t>
             </a:r>
-            <a:endParaRPr lang="zh-CN" altLang="en-US"/>
           </a:p>
         </p:txBody>
       </p:sp>
@@ -13452,12 +13458,12 @@
         <p:spPr/>
         <p:txBody>
           <a:bodyPr/>
+          <a:lstStyle/>
           <a:p>
             <a:r>
               <a:rPr lang="zh-CN" altLang="en-US"/>
               <a:t>Visio有两个版本：Microsoft Office Visio Professional和Microsoft Office Visio Standard。Office Visio Standard具备Office Visio Professional包含的许多功能，但是Office Visio Professional还包含更多图表类型的模板以及若干项高级功能。</a:t>
             </a:r>
-            <a:endParaRPr lang="zh-CN" altLang="en-US"/>
           </a:p>
         </p:txBody>
       </p:sp>
@@ -13978,7 +13984,7 @@
           <a:p>
             <a:pPr algn="ctr"/>
             <a:r>
-              <a:rPr lang="zh-CN" altLang="en-US" sz="6000" dirty="0" smtClean="0">
+              <a:rPr lang="zh-CN" altLang="en-US" sz="6000" dirty="0">
                 <a:solidFill>
                   <a:schemeClr val="bg1">
                     <a:lumMod val="95000"/>
@@ -13989,15 +13995,6 @@
               </a:rPr>
               <a:t>第一部分</a:t>
             </a:r>
-            <a:endParaRPr lang="zh-CN" altLang="en-US" sz="6000" dirty="0">
-              <a:solidFill>
-                <a:schemeClr val="bg1">
-                  <a:lumMod val="95000"/>
-                </a:schemeClr>
-              </a:solidFill>
-              <a:latin typeface="微软雅黑" panose="020B0503020204020204" pitchFamily="34" charset="-122"/>
-              <a:ea typeface="微软雅黑" panose="020B0503020204020204" pitchFamily="34" charset="-122"/>
-            </a:endParaRPr>
           </a:p>
         </p:txBody>
       </p:sp>
@@ -14037,15 +14034,6 @@
               </a:rPr>
               <a:t>软件建模工具</a:t>
             </a:r>
-            <a:endParaRPr sz="3200" dirty="0">
-              <a:solidFill>
-                <a:schemeClr val="bg1">
-                  <a:lumMod val="95000"/>
-                </a:schemeClr>
-              </a:solidFill>
-              <a:latin typeface="微软雅黑" panose="020B0503020204020204" pitchFamily="34" charset="-122"/>
-              <a:ea typeface="微软雅黑" panose="020B0503020204020204" pitchFamily="34" charset="-122"/>
-            </a:endParaRPr>
           </a:p>
         </p:txBody>
       </p:sp>
@@ -14054,13 +14042,6 @@
   <p:clrMapOvr>
     <a:masterClrMapping/>
   </p:clrMapOvr>
-  <p:timing>
-    <p:tnLst>
-      <p:par>
-        <p:cTn id="1" dur="indefinite" restart="never" nodeType="tmRoot"/>
-      </p:par>
-    </p:tnLst>
-  </p:timing>
 </p:sld>
 </file>
 
@@ -14102,12 +14083,12 @@
         <p:spPr/>
         <p:txBody>
           <a:bodyPr/>
+          <a:lstStyle/>
           <a:p>
             <a:r>
               <a:rPr lang="zh-CN" altLang="en-US"/>
               <a:t>Visio的优点</a:t>
             </a:r>
-            <a:endParaRPr lang="zh-CN" altLang="en-US"/>
           </a:p>
         </p:txBody>
       </p:sp>
@@ -14126,26 +14107,35 @@
           <a:bodyPr>
             <a:normAutofit fontScale="90000"/>
           </a:bodyPr>
-          <a:p>
-            <a:r>
-              <a:rPr lang="zh-CN" altLang="en-US"/>
+          <a:lstStyle/>
+          <a:p>
+            <a:r>
+              <a:rPr lang="zh-CN" altLang="en-US" dirty="0"/>
               <a:t>使用Office Visio可以轻松地将流程、系统和复杂信息可视化。Office Visio提供了特定工具来支持IT和商务专业人员的不同图表制作需要。使用Office Visio Professional中的ITIL模板和价值流图模板，可以创建种类更广泛的图表。使用预定义的Microsoft SmartShapes符号和强大的搜索功能可以找到合适的形状，无论该形状是保存在计算机还是网站上。</a:t>
             </a:r>
-            <a:endParaRPr lang="zh-CN" altLang="en-US"/>
-          </a:p>
-          <a:p>
-            <a:r>
-              <a:rPr lang="zh-CN" altLang="en-US"/>
+          </a:p>
+          <a:p>
+            <a:r>
+              <a:rPr lang="zh-CN" altLang="en-US" dirty="0"/>
               <a:t>无须绘制连接线便可连接形状，只需单击一次，Office Visio中新增的自动连接功能就可以把形状连接、使形状均匀分布并使它们对齐。移动连接的形状时，这些形状会保持连接，连接线会在形状之间自动重排。</a:t>
             </a:r>
-            <a:endParaRPr lang="zh-CN" altLang="en-US"/>
-          </a:p>
-          <a:p>
-            <a:r>
-              <a:rPr lang="zh-CN" altLang="en-US"/>
+          </a:p>
+          <a:p>
+            <a:r>
+              <a:rPr lang="zh-CN" altLang="en-US" dirty="0"/>
               <a:t>Visio与微软的Office产品能够很好地兼容，能够把图形直接复制或者内嵌到Word的文档中。</a:t>
             </a:r>
-            <a:endParaRPr lang="zh-CN" altLang="en-US"/>
+            <a:endParaRPr lang="en-US" altLang="zh-CN" dirty="0"/>
+          </a:p>
+          <a:p>
+            <a:pPr marL="0" indent="0" algn="r">
+              <a:buNone/>
+            </a:pPr>
+            <a:r>
+              <a:rPr lang="en-US" altLang="zh-CN" dirty="0"/>
+              <a:t>【1】</a:t>
+            </a:r>
+            <a:endParaRPr lang="zh-CN" altLang="en-US" dirty="0"/>
           </a:p>
         </p:txBody>
       </p:sp>
@@ -14363,6 +14353,37 @@
                                   </p:childTnLst>
                                 </p:cTn>
                               </p:par>
+                              <p:par>
+                                <p:cTn id="11" presetID="1" presetClass="entr" presetSubtype="0" fill="hold" nodeType="withEffect">
+                                  <p:stCondLst>
+                                    <p:cond delay="0"/>
+                                  </p:stCondLst>
+                                  <p:childTnLst>
+                                    <p:set>
+                                      <p:cBhvr>
+                                        <p:cTn id="12" dur="1" fill="hold">
+                                          <p:stCondLst>
+                                            <p:cond delay="0"/>
+                                          </p:stCondLst>
+                                        </p:cTn>
+                                        <p:tgtEl>
+                                          <p:spTgt spid="3">
+                                            <p:txEl>
+                                              <p:pRg st="3" end="3"/>
+                                            </p:txEl>
+                                          </p:spTgt>
+                                        </p:tgtEl>
+                                        <p:attrNameLst>
+                                          <p:attrName>style.visibility</p:attrName>
+                                        </p:attrNameLst>
+                                      </p:cBhvr>
+                                      <p:to>
+                                        <p:strVal val="visible"/>
+                                      </p:to>
+                                    </p:set>
+                                  </p:childTnLst>
+                                </p:cTn>
+                              </p:par>
                             </p:childTnLst>
                           </p:cTn>
                         </p:par>
@@ -14728,7 +14749,7 @@
           <a:p>
             <a:pPr algn="ctr"/>
             <a:r>
-              <a:rPr lang="zh-CN" altLang="en-US" sz="6000" dirty="0" smtClean="0">
+              <a:rPr lang="zh-CN" altLang="en-US" sz="6000" dirty="0">
                 <a:solidFill>
                   <a:schemeClr val="bg1">
                     <a:lumMod val="95000"/>
@@ -14739,15 +14760,6 @@
               </a:rPr>
               <a:t>第六部分</a:t>
             </a:r>
-            <a:endParaRPr lang="zh-CN" altLang="en-US" sz="6000" dirty="0">
-              <a:solidFill>
-                <a:schemeClr val="bg1">
-                  <a:lumMod val="95000"/>
-                </a:schemeClr>
-              </a:solidFill>
-              <a:latin typeface="微软雅黑" panose="020B0503020204020204" pitchFamily="34" charset="-122"/>
-              <a:ea typeface="微软雅黑" panose="020B0503020204020204" pitchFamily="34" charset="-122"/>
-            </a:endParaRPr>
           </a:p>
         </p:txBody>
       </p:sp>
@@ -14804,13 +14816,6 @@
   <p:clrMapOvr>
     <a:masterClrMapping/>
   </p:clrMapOvr>
-  <p:timing>
-    <p:tnLst>
-      <p:par>
-        <p:cTn id="1" dur="indefinite" restart="never" nodeType="tmRoot"/>
-      </p:par>
-    </p:tnLst>
-  </p:timing>
 </p:sld>
 </file>
 
@@ -14857,6 +14862,7 @@
         </p:spPr>
         <p:txBody>
           <a:bodyPr/>
+          <a:lstStyle/>
           <a:p>
             <a:r>
               <a:rPr lang="zh-CN" altLang="en-US"/>
@@ -14870,7 +14876,6 @@
               <a:rPr lang="zh-CN" altLang="en-US"/>
               <a:t>，可以选择新建绘图，也可以选择打开其他绘图。</a:t>
             </a:r>
-            <a:endParaRPr lang="zh-CN" altLang="en-US"/>
           </a:p>
         </p:txBody>
       </p:sp>
@@ -14979,7 +14984,7 @@
           <p:nvPr/>
         </p:nvPicPr>
         <p:blipFill>
-          <a:blip r:embed="rId1"/>
+          <a:blip r:embed="rId2"/>
           <a:stretch>
             <a:fillRect/>
           </a:stretch>
@@ -15120,12 +15125,12 @@
         </p:spPr>
         <p:txBody>
           <a:bodyPr/>
+          <a:lstStyle/>
           <a:p>
             <a:r>
               <a:rPr lang="zh-CN" altLang="en-US"/>
               <a:t>假设选择基本框图，点击创建进入主界面。</a:t>
             </a:r>
-            <a:endParaRPr lang="zh-CN" altLang="en-US"/>
           </a:p>
         </p:txBody>
       </p:sp>
@@ -15234,7 +15239,7 @@
           <p:nvPr/>
         </p:nvPicPr>
         <p:blipFill>
-          <a:blip r:embed="rId1"/>
+          <a:blip r:embed="rId2"/>
           <a:stretch>
             <a:fillRect/>
           </a:stretch>
@@ -15258,7 +15263,7 @@
           <p:nvPr/>
         </p:nvPicPr>
         <p:blipFill>
-          <a:blip r:embed="rId2"/>
+          <a:blip r:embed="rId3"/>
           <a:stretch>
             <a:fillRect/>
           </a:stretch>
@@ -15399,6 +15404,7 @@
         </p:spPr>
         <p:txBody>
           <a:bodyPr/>
+          <a:lstStyle/>
           <a:p>
             <a:r>
               <a:rPr lang="zh-CN" altLang="en-US"/>
@@ -15412,7 +15418,6 @@
               <a:rPr lang="zh-CN" altLang="en-US"/>
               <a:t>的一系列图。</a:t>
             </a:r>
-            <a:endParaRPr lang="zh-CN" altLang="en-US"/>
           </a:p>
         </p:txBody>
       </p:sp>
@@ -15521,7 +15526,7 @@
           <p:nvPr/>
         </p:nvPicPr>
         <p:blipFill>
-          <a:blip r:embed="rId1"/>
+          <a:blip r:embed="rId2"/>
           <a:stretch>
             <a:fillRect/>
           </a:stretch>
@@ -15541,13 +15546,6 @@
   <p:clrMapOvr>
     <a:masterClrMapping/>
   </p:clrMapOvr>
-  <p:timing>
-    <p:tnLst>
-      <p:par>
-        <p:cTn id="1" dur="indefinite" restart="never" nodeType="tmRoot"/>
-      </p:par>
-    </p:tnLst>
-  </p:timing>
 </p:sld>
 </file>
 
@@ -15594,12 +15592,12 @@
         </p:spPr>
         <p:txBody>
           <a:bodyPr/>
+          <a:lstStyle/>
           <a:p>
             <a:r>
               <a:rPr lang="zh-CN" altLang="en-US"/>
               <a:t>自定义快速访问工具栏可以选择一些功能显示在左上角，从而可以快速地使用这些功能。</a:t>
             </a:r>
-            <a:endParaRPr lang="zh-CN" altLang="en-US"/>
           </a:p>
           <a:p>
             <a:endParaRPr lang="zh-CN" altLang="en-US"/>
@@ -15627,7 +15625,6 @@
               <a:rPr lang="en-US" altLang="zh-CN"/>
               <a:t>”</a:t>
             </a:r>
-            <a:endParaRPr lang="en-US" altLang="zh-CN"/>
           </a:p>
         </p:txBody>
       </p:sp>
@@ -15736,7 +15733,7 @@
           <p:nvPr/>
         </p:nvPicPr>
         <p:blipFill>
-          <a:blip r:embed="rId1"/>
+          <a:blip r:embed="rId2"/>
           <a:stretch>
             <a:fillRect/>
           </a:stretch>
@@ -15760,7 +15757,7 @@
           <p:nvPr/>
         </p:nvPicPr>
         <p:blipFill>
-          <a:blip r:embed="rId2"/>
+          <a:blip r:embed="rId3"/>
           <a:stretch>
             <a:fillRect/>
           </a:stretch>
@@ -15780,13 +15777,6 @@
   <p:clrMapOvr>
     <a:masterClrMapping/>
   </p:clrMapOvr>
-  <p:timing>
-    <p:tnLst>
-      <p:par>
-        <p:cTn id="1" dur="indefinite" restart="never" nodeType="tmRoot"/>
-      </p:par>
-    </p:tnLst>
-  </p:timing>
 </p:sld>
 </file>
 
@@ -15920,7 +15910,7 @@
           <p:nvPr/>
         </p:nvPicPr>
         <p:blipFill>
-          <a:blip r:embed="rId1"/>
+          <a:blip r:embed="rId2"/>
           <a:stretch>
             <a:fillRect/>
           </a:stretch>
@@ -15940,13 +15930,6 @@
   <p:clrMapOvr>
     <a:masterClrMapping/>
   </p:clrMapOvr>
-  <p:timing>
-    <p:tnLst>
-      <p:par>
-        <p:cTn id="1" dur="indefinite" restart="never" nodeType="tmRoot"/>
-      </p:par>
-    </p:tnLst>
-  </p:timing>
 </p:sld>
 </file>
 
@@ -16080,7 +16063,7 @@
           <p:nvPr/>
         </p:nvPicPr>
         <p:blipFill>
-          <a:blip r:embed="rId1"/>
+          <a:blip r:embed="rId2"/>
           <a:stretch>
             <a:fillRect/>
           </a:stretch>
@@ -16100,13 +16083,6 @@
   <p:clrMapOvr>
     <a:masterClrMapping/>
   </p:clrMapOvr>
-  <p:timing>
-    <p:tnLst>
-      <p:par>
-        <p:cTn id="1" dur="indefinite" restart="never" nodeType="tmRoot"/>
-      </p:par>
-    </p:tnLst>
-  </p:timing>
 </p:sld>
 </file>
 
@@ -16240,7 +16216,7 @@
           <p:nvPr/>
         </p:nvPicPr>
         <p:blipFill>
-          <a:blip r:embed="rId1"/>
+          <a:blip r:embed="rId2"/>
           <a:stretch>
             <a:fillRect/>
           </a:stretch>
@@ -16260,13 +16236,6 @@
   <p:clrMapOvr>
     <a:masterClrMapping/>
   </p:clrMapOvr>
-  <p:timing>
-    <p:tnLst>
-      <p:par>
-        <p:cTn id="1" dur="indefinite" restart="never" nodeType="tmRoot"/>
-      </p:par>
-    </p:tnLst>
-  </p:timing>
 </p:sld>
 </file>
 
@@ -16400,7 +16369,7 @@
           <p:nvPr/>
         </p:nvPicPr>
         <p:blipFill>
-          <a:blip r:embed="rId1"/>
+          <a:blip r:embed="rId2"/>
           <a:stretch>
             <a:fillRect/>
           </a:stretch>
@@ -16420,13 +16389,6 @@
   <p:clrMapOvr>
     <a:masterClrMapping/>
   </p:clrMapOvr>
-  <p:timing>
-    <p:tnLst>
-      <p:par>
-        <p:cTn id="1" dur="indefinite" restart="never" nodeType="tmRoot"/>
-      </p:par>
-    </p:tnLst>
-  </p:timing>
 </p:sld>
 </file>
 
@@ -16473,12 +16435,17 @@
         </p:spPr>
         <p:txBody>
           <a:bodyPr/>
-          <a:p>
-            <a:r>
-              <a:rPr lang="zh-CN" altLang="en-US"/>
+          <a:lstStyle/>
+          <a:p>
+            <a:r>
+              <a:rPr lang="zh-CN" altLang="en-US" dirty="0"/>
               <a:t>面向对象的软件建模工具应对软件系统的模型进行可视化、构造和文档化。一套面向对象的软件建模工具应该给予特定的概念和表示方法，通过对建模人员进行过程性支持、辅助进行建模外，还要安装规范生产相应的开发文档，尽可能多地生成代码。</a:t>
             </a:r>
-            <a:endParaRPr lang="zh-CN" altLang="en-US"/>
+            <a:r>
+              <a:rPr lang="en-US" altLang="zh-CN" dirty="0"/>
+              <a:t>【1】</a:t>
+            </a:r>
+            <a:endParaRPr lang="zh-CN" altLang="en-US" dirty="0"/>
           </a:p>
         </p:txBody>
       </p:sp>
@@ -16583,13 +16550,6 @@
   <p:clrMapOvr>
     <a:masterClrMapping/>
   </p:clrMapOvr>
-  <p:timing>
-    <p:tnLst>
-      <p:par>
-        <p:cTn id="1" dur="indefinite" restart="never" nodeType="tmRoot"/>
-      </p:par>
-    </p:tnLst>
-  </p:timing>
 </p:sld>
 </file>
 
@@ -16723,7 +16683,7 @@
           <p:nvPr/>
         </p:nvPicPr>
         <p:blipFill>
-          <a:blip r:embed="rId1"/>
+          <a:blip r:embed="rId2"/>
           <a:stretch>
             <a:fillRect/>
           </a:stretch>
@@ -16743,13 +16703,6 @@
   <p:clrMapOvr>
     <a:masterClrMapping/>
   </p:clrMapOvr>
-  <p:timing>
-    <p:tnLst>
-      <p:par>
-        <p:cTn id="1" dur="indefinite" restart="never" nodeType="tmRoot"/>
-      </p:par>
-    </p:tnLst>
-  </p:timing>
 </p:sld>
 </file>
 
@@ -16796,12 +16749,12 @@
         </p:spPr>
         <p:txBody>
           <a:bodyPr/>
+          <a:lstStyle/>
           <a:p>
             <a:r>
               <a:rPr lang="zh-CN" altLang="en-US"/>
               <a:t>共享中分为与人共享和电子邮件两类。</a:t>
             </a:r>
-            <a:endParaRPr lang="zh-CN" altLang="en-US"/>
           </a:p>
         </p:txBody>
       </p:sp>
@@ -16910,7 +16863,7 @@
           <p:nvPr/>
         </p:nvPicPr>
         <p:blipFill>
-          <a:blip r:embed="rId1"/>
+          <a:blip r:embed="rId2"/>
           <a:stretch>
             <a:fillRect/>
           </a:stretch>
@@ -16930,13 +16883,6 @@
   <p:clrMapOvr>
     <a:masterClrMapping/>
   </p:clrMapOvr>
-  <p:timing>
-    <p:tnLst>
-      <p:par>
-        <p:cTn id="1" dur="indefinite" restart="never" nodeType="tmRoot"/>
-      </p:par>
-    </p:tnLst>
-  </p:timing>
 </p:sld>
 </file>
 
@@ -17065,14 +17011,14 @@
         <p:nvPicPr>
           <p:cNvPr id="6" name="内容占位符 5" descr="搜狗截图20181020223317"/>
           <p:cNvPicPr>
-            <a:picLocks noChangeAspect="1"/>
+            <a:picLocks noGrp="1" noChangeAspect="1"/>
           </p:cNvPicPr>
           <p:nvPr>
             <p:ph idx="1"/>
           </p:nvPr>
         </p:nvPicPr>
         <p:blipFill>
-          <a:blip r:embed="rId1"/>
+          <a:blip r:embed="rId2"/>
           <a:stretch>
             <a:fillRect/>
           </a:stretch>
@@ -17092,13 +17038,6 @@
   <p:clrMapOvr>
     <a:masterClrMapping/>
   </p:clrMapOvr>
-  <p:timing>
-    <p:tnLst>
-      <p:par>
-        <p:cTn id="1" dur="indefinite" restart="never" nodeType="tmRoot"/>
-      </p:par>
-    </p:tnLst>
-  </p:timing>
 </p:sld>
 </file>
 
@@ -17145,6 +17084,7 @@
         </p:spPr>
         <p:txBody>
           <a:bodyPr/>
+          <a:lstStyle/>
           <a:p>
             <a:r>
               <a:rPr lang="zh-CN" altLang="en-US"/>
@@ -17158,7 +17098,6 @@
               <a:rPr lang="zh-CN" altLang="en-US"/>
               <a:t>文档和更改文件类型。</a:t>
             </a:r>
-            <a:endParaRPr lang="zh-CN" altLang="en-US"/>
           </a:p>
         </p:txBody>
       </p:sp>
@@ -17267,7 +17206,7 @@
           <p:nvPr/>
         </p:nvPicPr>
         <p:blipFill>
-          <a:blip r:embed="rId1"/>
+          <a:blip r:embed="rId2"/>
           <a:stretch>
             <a:fillRect/>
           </a:stretch>
@@ -17287,13 +17226,6 @@
   <p:clrMapOvr>
     <a:masterClrMapping/>
   </p:clrMapOvr>
-  <p:timing>
-    <p:tnLst>
-      <p:par>
-        <p:cTn id="1" dur="indefinite" restart="never" nodeType="tmRoot"/>
-      </p:par>
-    </p:tnLst>
-  </p:timing>
 </p:sld>
 </file>
 
@@ -17427,7 +17359,7 @@
           <p:nvPr/>
         </p:nvPicPr>
         <p:blipFill>
-          <a:blip r:embed="rId1"/>
+          <a:blip r:embed="rId2"/>
           <a:stretch>
             <a:fillRect/>
           </a:stretch>
@@ -17447,13 +17379,6 @@
   <p:clrMapOvr>
     <a:masterClrMapping/>
   </p:clrMapOvr>
-  <p:timing>
-    <p:tnLst>
-      <p:par>
-        <p:cTn id="1" dur="indefinite" restart="never" nodeType="tmRoot"/>
-      </p:par>
-    </p:tnLst>
-  </p:timing>
 </p:sld>
 </file>
 
@@ -17587,7 +17512,7 @@
           <p:nvPr/>
         </p:nvPicPr>
         <p:blipFill>
-          <a:blip r:embed="rId1"/>
+          <a:blip r:embed="rId2"/>
           <a:stretch>
             <a:fillRect/>
           </a:stretch>
@@ -17607,13 +17532,6 @@
   <p:clrMapOvr>
     <a:masterClrMapping/>
   </p:clrMapOvr>
-  <p:timing>
-    <p:tnLst>
-      <p:par>
-        <p:cTn id="1" dur="indefinite" restart="never" nodeType="tmRoot"/>
-      </p:par>
-    </p:tnLst>
-  </p:timing>
 </p:sld>
 </file>
 
@@ -17747,7 +17665,7 @@
           <p:nvPr/>
         </p:nvPicPr>
         <p:blipFill>
-          <a:blip r:embed="rId1"/>
+          <a:blip r:embed="rId2"/>
           <a:stretch>
             <a:fillRect/>
           </a:stretch>
@@ -17767,13 +17685,6 @@
   <p:clrMapOvr>
     <a:masterClrMapping/>
   </p:clrMapOvr>
-  <p:timing>
-    <p:tnLst>
-      <p:par>
-        <p:cTn id="1" dur="indefinite" restart="never" nodeType="tmRoot"/>
-      </p:par>
-    </p:tnLst>
-  </p:timing>
 </p:sld>
 </file>
 
@@ -17820,6 +17731,7 @@
         </p:spPr>
         <p:txBody>
           <a:bodyPr/>
+          <a:lstStyle/>
           <a:p>
             <a:r>
               <a:rPr lang="zh-CN" altLang="en-US"/>
@@ -17837,7 +17749,6 @@
               <a:rPr lang="en-US" altLang="zh-CN"/>
               <a:t>”</a:t>
             </a:r>
-            <a:endParaRPr lang="en-US" altLang="zh-CN"/>
           </a:p>
           <a:p>
             <a:endParaRPr lang="en-US" altLang="zh-CN"/>
@@ -17853,7 +17764,6 @@
               <a:rPr lang="zh-CN" altLang="en-US"/>
               <a:t>其中有剪贴板、字体、段落、工具、形状样式、排列、编辑。</a:t>
             </a:r>
-            <a:endParaRPr lang="zh-CN" altLang="en-US"/>
           </a:p>
         </p:txBody>
       </p:sp>
@@ -17962,7 +17872,7 @@
           <p:nvPr/>
         </p:nvPicPr>
         <p:blipFill>
-          <a:blip r:embed="rId1"/>
+          <a:blip r:embed="rId2"/>
           <a:stretch>
             <a:fillRect/>
           </a:stretch>
@@ -17982,13 +17892,6 @@
   <p:clrMapOvr>
     <a:masterClrMapping/>
   </p:clrMapOvr>
-  <p:timing>
-    <p:tnLst>
-      <p:par>
-        <p:cTn id="1" dur="indefinite" restart="never" nodeType="tmRoot"/>
-      </p:par>
-    </p:tnLst>
-  </p:timing>
 </p:sld>
 </file>
 
@@ -18035,6 +17938,7 @@
         </p:spPr>
         <p:txBody>
           <a:bodyPr/>
+          <a:lstStyle/>
           <a:p>
             <a:r>
               <a:rPr lang="zh-CN" altLang="en-US">
@@ -18060,9 +17964,6 @@
               </a:rPr>
               <a:t>”</a:t>
             </a:r>
-            <a:endParaRPr lang="en-US" altLang="zh-CN">
-              <a:sym typeface="+mn-ea"/>
-            </a:endParaRPr>
           </a:p>
           <a:p>
             <a:endParaRPr lang="en-US" altLang="zh-CN">
@@ -18193,7 +18094,7 @@
           <p:nvPr/>
         </p:nvPicPr>
         <p:blipFill>
-          <a:blip r:embed="rId1"/>
+          <a:blip r:embed="rId2"/>
           <a:stretch>
             <a:fillRect/>
           </a:stretch>
@@ -18213,13 +18114,6 @@
   <p:clrMapOvr>
     <a:masterClrMapping/>
   </p:clrMapOvr>
-  <p:timing>
-    <p:tnLst>
-      <p:par>
-        <p:cTn id="1" dur="indefinite" restart="never" nodeType="tmRoot"/>
-      </p:par>
-    </p:tnLst>
-  </p:timing>
 </p:sld>
 </file>
 
@@ -18266,6 +18160,7 @@
         </p:spPr>
         <p:txBody>
           <a:bodyPr/>
+          <a:lstStyle/>
           <a:p>
             <a:r>
               <a:rPr lang="zh-CN" altLang="en-US">
@@ -18291,9 +18186,6 @@
               </a:rPr>
               <a:t>”</a:t>
             </a:r>
-            <a:endParaRPr lang="en-US" altLang="zh-CN">
-              <a:sym typeface="+mn-ea"/>
-            </a:endParaRPr>
           </a:p>
           <a:p>
             <a:endParaRPr lang="en-US" altLang="zh-CN">
@@ -18429,7 +18321,7 @@
           <p:nvPr/>
         </p:nvPicPr>
         <p:blipFill>
-          <a:blip r:embed="rId1"/>
+          <a:blip r:embed="rId2"/>
           <a:stretch>
             <a:fillRect/>
           </a:stretch>
@@ -18449,13 +18341,6 @@
   <p:clrMapOvr>
     <a:masterClrMapping/>
   </p:clrMapOvr>
-  <p:timing>
-    <p:tnLst>
-      <p:par>
-        <p:cTn id="1" dur="indefinite" restart="never" nodeType="tmRoot"/>
-      </p:par>
-    </p:tnLst>
-  </p:timing>
 </p:sld>
 </file>
 
@@ -18497,12 +18382,12 @@
         <p:spPr/>
         <p:txBody>
           <a:bodyPr/>
+          <a:lstStyle/>
           <a:p>
             <a:r>
               <a:rPr lang="zh-CN" altLang="en-US"/>
               <a:t>软件建模工具的功能</a:t>
             </a:r>
-            <a:endParaRPr lang="zh-CN" altLang="en-US"/>
           </a:p>
         </p:txBody>
       </p:sp>
@@ -18519,19 +18404,29 @@
         <p:spPr/>
         <p:txBody>
           <a:bodyPr/>
-          <a:p>
-            <a:r>
-              <a:rPr lang="zh-CN" altLang="en-US"/>
+          <a:lstStyle/>
+          <a:p>
+            <a:r>
+              <a:rPr lang="zh-CN" altLang="en-US" dirty="0"/>
               <a:t>面向对象的软件建模工具应该具有以下功能：</a:t>
             </a:r>
-            <a:endParaRPr lang="zh-CN" altLang="en-US"/>
-          </a:p>
-          <a:p>
-            <a:r>
-              <a:rPr lang="zh-CN" altLang="en-US"/>
+          </a:p>
+          <a:p>
+            <a:r>
+              <a:rPr lang="zh-CN" altLang="en-US" dirty="0"/>
               <a:t>绘图、存储、一致性检查、对模型进行组织、导航、写作支持、代码生成、逆向项目、集成、支持多种抽象层和开发过程、文档生成、脚本编程。</a:t>
             </a:r>
-            <a:endParaRPr lang="zh-CN" altLang="en-US"/>
+            <a:endParaRPr lang="en-US" altLang="zh-CN" dirty="0"/>
+          </a:p>
+          <a:p>
+            <a:pPr marL="0" indent="0" algn="r">
+              <a:buNone/>
+            </a:pPr>
+            <a:r>
+              <a:rPr lang="en-US" altLang="zh-CN" dirty="0"/>
+              <a:t>【1】</a:t>
+            </a:r>
+            <a:endParaRPr lang="zh-CN" altLang="en-US" dirty="0"/>
           </a:p>
         </p:txBody>
       </p:sp>
@@ -18742,6 +18637,55 @@
                       </p:childTnLst>
                     </p:cTn>
                   </p:par>
+                  <p:par>
+                    <p:cTn id="11" fill="hold">
+                      <p:stCondLst>
+                        <p:cond delay="indefinite"/>
+                      </p:stCondLst>
+                      <p:childTnLst>
+                        <p:par>
+                          <p:cTn id="12" fill="hold">
+                            <p:stCondLst>
+                              <p:cond delay="0"/>
+                            </p:stCondLst>
+                            <p:childTnLst>
+                              <p:par>
+                                <p:cTn id="13" presetID="1" presetClass="entr" presetSubtype="0" fill="hold" grpId="0" nodeType="clickEffect">
+                                  <p:stCondLst>
+                                    <p:cond delay="0"/>
+                                  </p:stCondLst>
+                                  <p:childTnLst>
+                                    <p:set>
+                                      <p:cBhvr>
+                                        <p:cTn id="14" dur="1" fill="hold">
+                                          <p:stCondLst>
+                                            <p:cond delay="0"/>
+                                          </p:stCondLst>
+                                        </p:cTn>
+                                        <p:tgtEl>
+                                          <p:spTgt spid="3">
+                                            <p:txEl>
+                                              <p:pRg st="2" end="2"/>
+                                            </p:txEl>
+                                          </p:spTgt>
+                                        </p:tgtEl>
+                                        <p:attrNameLst>
+                                          <p:attrName>style.visibility</p:attrName>
+                                        </p:attrNameLst>
+                                      </p:cBhvr>
+                                      <p:to>
+                                        <p:strVal val="visible"/>
+                                      </p:to>
+                                    </p:set>
+                                  </p:childTnLst>
+                                </p:cTn>
+                              </p:par>
+                            </p:childTnLst>
+                          </p:cTn>
+                        </p:par>
+                      </p:childTnLst>
+                    </p:cTn>
+                  </p:par>
                 </p:childTnLst>
               </p:cTn>
               <p:prevCondLst>
@@ -18813,6 +18757,7 @@
         </p:spPr>
         <p:txBody>
           <a:bodyPr/>
+          <a:lstStyle/>
           <a:p>
             <a:r>
               <a:rPr lang="zh-CN" altLang="en-US">
@@ -18838,9 +18783,6 @@
               </a:rPr>
               <a:t>”</a:t>
             </a:r>
-            <a:endParaRPr lang="en-US" altLang="zh-CN">
-              <a:sym typeface="+mn-ea"/>
-            </a:endParaRPr>
           </a:p>
           <a:p>
             <a:endParaRPr lang="en-US" altLang="zh-CN">
@@ -18988,7 +18930,7 @@
           <p:nvPr/>
         </p:nvPicPr>
         <p:blipFill>
-          <a:blip r:embed="rId1"/>
+          <a:blip r:embed="rId2"/>
           <a:stretch>
             <a:fillRect/>
           </a:stretch>
@@ -19008,13 +18950,6 @@
   <p:clrMapOvr>
     <a:masterClrMapping/>
   </p:clrMapOvr>
-  <p:timing>
-    <p:tnLst>
-      <p:par>
-        <p:cTn id="1" dur="indefinite" restart="never" nodeType="tmRoot"/>
-      </p:par>
-    </p:tnLst>
-  </p:timing>
 </p:sld>
 </file>
 
@@ -19061,6 +18996,7 @@
         </p:spPr>
         <p:txBody>
           <a:bodyPr/>
+          <a:lstStyle/>
           <a:p>
             <a:r>
               <a:rPr lang="zh-CN" altLang="en-US">
@@ -19086,9 +19022,6 @@
               </a:rPr>
               <a:t>”</a:t>
             </a:r>
-            <a:endParaRPr lang="en-US" altLang="zh-CN">
-              <a:sym typeface="+mn-ea"/>
-            </a:endParaRPr>
           </a:p>
           <a:p>
             <a:endParaRPr lang="en-US" altLang="zh-CN">
@@ -19231,7 +19164,7 @@
           <p:nvPr/>
         </p:nvPicPr>
         <p:blipFill>
-          <a:blip r:embed="rId1"/>
+          <a:blip r:embed="rId2"/>
           <a:stretch>
             <a:fillRect/>
           </a:stretch>
@@ -19251,13 +19184,6 @@
   <p:clrMapOvr>
     <a:masterClrMapping/>
   </p:clrMapOvr>
-  <p:timing>
-    <p:tnLst>
-      <p:par>
-        <p:cTn id="1" dur="indefinite" restart="never" nodeType="tmRoot"/>
-      </p:par>
-    </p:tnLst>
-  </p:timing>
 </p:sld>
 </file>
 
@@ -19304,6 +19230,7 @@
         </p:spPr>
         <p:txBody>
           <a:bodyPr/>
+          <a:lstStyle/>
           <a:p>
             <a:r>
               <a:rPr lang="zh-CN" altLang="en-US">
@@ -19329,9 +19256,6 @@
               </a:rPr>
               <a:t>”</a:t>
             </a:r>
-            <a:endParaRPr lang="en-US" altLang="zh-CN">
-              <a:sym typeface="+mn-ea"/>
-            </a:endParaRPr>
           </a:p>
           <a:p>
             <a:endParaRPr lang="en-US" altLang="zh-CN">
@@ -19467,7 +19391,7 @@
           <p:nvPr/>
         </p:nvPicPr>
         <p:blipFill>
-          <a:blip r:embed="rId1"/>
+          <a:blip r:embed="rId2"/>
           <a:stretch>
             <a:fillRect/>
           </a:stretch>
@@ -19487,13 +19411,6 @@
   <p:clrMapOvr>
     <a:masterClrMapping/>
   </p:clrMapOvr>
-  <p:timing>
-    <p:tnLst>
-      <p:par>
-        <p:cTn id="1" dur="indefinite" restart="never" nodeType="tmRoot"/>
-      </p:par>
-    </p:tnLst>
-  </p:timing>
 </p:sld>
 </file>
 
@@ -19540,6 +19457,7 @@
         </p:spPr>
         <p:txBody>
           <a:bodyPr/>
+          <a:lstStyle/>
           <a:p>
             <a:r>
               <a:rPr lang="zh-CN" altLang="en-US">
@@ -19565,9 +19483,6 @@
               </a:rPr>
               <a:t>”</a:t>
             </a:r>
-            <a:endParaRPr lang="en-US" altLang="zh-CN">
-              <a:sym typeface="+mn-ea"/>
-            </a:endParaRPr>
           </a:p>
           <a:p>
             <a:endParaRPr lang="en-US" altLang="zh-CN">
@@ -19703,7 +19618,7 @@
           <p:nvPr/>
         </p:nvPicPr>
         <p:blipFill>
-          <a:blip r:embed="rId1"/>
+          <a:blip r:embed="rId2"/>
           <a:stretch>
             <a:fillRect/>
           </a:stretch>
@@ -19723,13 +19638,6 @@
   <p:clrMapOvr>
     <a:masterClrMapping/>
   </p:clrMapOvr>
-  <p:timing>
-    <p:tnLst>
-      <p:par>
-        <p:cTn id="1" dur="indefinite" restart="never" nodeType="tmRoot"/>
-      </p:par>
-    </p:tnLst>
-  </p:timing>
 </p:sld>
 </file>
 
@@ -19776,6 +19684,7 @@
         </p:spPr>
         <p:txBody>
           <a:bodyPr/>
+          <a:lstStyle/>
           <a:p>
             <a:endParaRPr lang="zh-CN" altLang="en-US"/>
           </a:p>
@@ -19787,7 +19696,6 @@
               <a:rPr lang="zh-CN" altLang="en-US"/>
               <a:t>               插入页</a:t>
             </a:r>
-            <a:endParaRPr lang="zh-CN" altLang="en-US"/>
           </a:p>
           <a:p>
             <a:endParaRPr lang="zh-CN" altLang="en-US"/>
@@ -19803,7 +19711,6 @@
               <a:rPr lang="zh-CN" altLang="en-US"/>
               <a:t>                演示模式</a:t>
             </a:r>
-            <a:endParaRPr lang="zh-CN" altLang="en-US"/>
           </a:p>
           <a:p>
             <a:endParaRPr lang="zh-CN" altLang="en-US"/>
@@ -19813,7 +19720,6 @@
               <a:rPr lang="zh-CN" altLang="en-US"/>
               <a:t>                 调整页面以适合当前窗口</a:t>
             </a:r>
-            <a:endParaRPr lang="zh-CN" altLang="en-US"/>
           </a:p>
           <a:p>
             <a:endParaRPr lang="zh-CN" altLang="en-US"/>
@@ -19823,7 +19729,6 @@
               <a:rPr lang="zh-CN" altLang="en-US"/>
               <a:t>                  切换窗口</a:t>
             </a:r>
-            <a:endParaRPr lang="zh-CN" altLang="en-US"/>
           </a:p>
         </p:txBody>
       </p:sp>
@@ -19932,7 +19837,7 @@
           <p:nvPr/>
         </p:nvPicPr>
         <p:blipFill>
-          <a:blip r:embed="rId1"/>
+          <a:blip r:embed="rId2"/>
           <a:stretch>
             <a:fillRect/>
           </a:stretch>
@@ -19956,7 +19861,7 @@
           <p:nvPr/>
         </p:nvPicPr>
         <p:blipFill>
-          <a:blip r:embed="rId2"/>
+          <a:blip r:embed="rId3"/>
           <a:stretch>
             <a:fillRect/>
           </a:stretch>
@@ -19980,7 +19885,7 @@
           <p:nvPr/>
         </p:nvPicPr>
         <p:blipFill>
-          <a:blip r:embed="rId3"/>
+          <a:blip r:embed="rId4"/>
           <a:stretch>
             <a:fillRect/>
           </a:stretch>
@@ -20004,7 +19909,7 @@
           <p:nvPr/>
         </p:nvPicPr>
         <p:blipFill>
-          <a:blip r:embed="rId4"/>
+          <a:blip r:embed="rId5"/>
           <a:stretch>
             <a:fillRect/>
           </a:stretch>
@@ -20028,7 +19933,7 @@
           <p:nvPr/>
         </p:nvPicPr>
         <p:blipFill>
-          <a:blip r:embed="rId5"/>
+          <a:blip r:embed="rId6"/>
           <a:stretch>
             <a:fillRect/>
           </a:stretch>
@@ -20052,7 +19957,7 @@
           <p:nvPr/>
         </p:nvPicPr>
         <p:blipFill>
-          <a:blip r:embed="rId6"/>
+          <a:blip r:embed="rId7"/>
           <a:stretch>
             <a:fillRect/>
           </a:stretch>
@@ -20658,7 +20563,7 @@
           <a:p>
             <a:pPr algn="ctr"/>
             <a:r>
-              <a:rPr lang="zh-CN" altLang="en-US" sz="6000" dirty="0" smtClean="0">
+              <a:rPr lang="zh-CN" altLang="en-US" sz="6000" dirty="0">
                 <a:solidFill>
                   <a:schemeClr val="bg1">
                     <a:lumMod val="95000"/>
@@ -20669,15 +20574,6 @@
               </a:rPr>
               <a:t>第七部分</a:t>
             </a:r>
-            <a:endParaRPr lang="zh-CN" altLang="en-US" sz="6000" dirty="0">
-              <a:solidFill>
-                <a:schemeClr val="bg1">
-                  <a:lumMod val="95000"/>
-                </a:schemeClr>
-              </a:solidFill>
-              <a:latin typeface="微软雅黑" panose="020B0503020204020204" pitchFamily="34" charset="-122"/>
-              <a:ea typeface="微软雅黑" panose="020B0503020204020204" pitchFamily="34" charset="-122"/>
-            </a:endParaRPr>
           </a:p>
         </p:txBody>
       </p:sp>
@@ -20717,15 +20613,6 @@
               </a:rPr>
               <a:t>问答、参考文献、小组分工及评价</a:t>
             </a:r>
-            <a:endParaRPr lang="zh-CN" altLang="en-US" sz="3200" dirty="0">
-              <a:solidFill>
-                <a:schemeClr val="bg1">
-                  <a:lumMod val="95000"/>
-                </a:schemeClr>
-              </a:solidFill>
-              <a:latin typeface="微软雅黑" panose="020B0503020204020204" pitchFamily="34" charset="-122"/>
-              <a:ea typeface="微软雅黑" panose="020B0503020204020204" pitchFamily="34" charset="-122"/>
-            </a:endParaRPr>
           </a:p>
         </p:txBody>
       </p:sp>
@@ -20734,13 +20621,6 @@
   <p:clrMapOvr>
     <a:masterClrMapping/>
   </p:clrMapOvr>
-  <p:timing>
-    <p:tnLst>
-      <p:par>
-        <p:cTn id="1" dur="indefinite" restart="never" nodeType="tmRoot"/>
-      </p:par>
-    </p:tnLst>
-  </p:timing>
 </p:sld>
 </file>
 
@@ -20782,93 +20662,98 @@
         <p:spPr>
           <a:xfrm>
             <a:off x="838200" y="396875"/>
-            <a:ext cx="10515600" cy="5780405"/>
+            <a:ext cx="10515600" cy="5133913"/>
           </a:xfrm>
         </p:spPr>
         <p:txBody>
-          <a:bodyPr/>
-          <a:p>
-            <a:r>
-              <a:rPr lang="en-US" altLang="zh-CN"/>
+          <a:bodyPr>
+            <a:normAutofit/>
+          </a:bodyPr>
+          <a:lstStyle/>
+          <a:p>
+            <a:r>
+              <a:rPr lang="en-US" altLang="zh-CN" dirty="0"/>
               <a:t>1.</a:t>
             </a:r>
             <a:r>
-              <a:rPr lang="zh-CN" altLang="en-US"/>
+              <a:rPr lang="zh-CN" altLang="en-US" dirty="0"/>
               <a:t>面向对象的软件建模工具应该具有哪些功能？（至少说出四点）</a:t>
             </a:r>
-            <a:endParaRPr lang="en-US" altLang="zh-CN"/>
-          </a:p>
-          <a:p>
-            <a:endParaRPr lang="en-US" altLang="zh-CN"/>
-          </a:p>
-          <a:p>
-            <a:r>
-              <a:rPr lang="zh-CN" altLang="en-US"/>
+            <a:endParaRPr lang="en-US" altLang="zh-CN" dirty="0"/>
+          </a:p>
+          <a:p>
+            <a:endParaRPr lang="en-US" altLang="zh-CN" dirty="0"/>
+          </a:p>
+          <a:p>
+            <a:r>
+              <a:rPr lang="zh-CN" altLang="en-US" dirty="0"/>
               <a:t>答案：</a:t>
             </a:r>
             <a:r>
-              <a:rPr lang="zh-CN" altLang="en-US">
+              <a:rPr lang="zh-CN" altLang="en-US" dirty="0">
                 <a:sym typeface="+mn-ea"/>
               </a:rPr>
               <a:t>绘图、存储、一致性检查、对模型进行组织、导航、写作支持、代码生成、逆向项目、集成、支持多种抽象层和开发过程、文档生成、脚本编程。</a:t>
             </a:r>
-            <a:endParaRPr lang="zh-CN" altLang="en-US"/>
-          </a:p>
-          <a:p>
-            <a:endParaRPr lang="zh-CN" altLang="en-US"/>
-          </a:p>
-          <a:p>
-            <a:endParaRPr lang="zh-CN" altLang="en-US"/>
-          </a:p>
-          <a:p>
-            <a:r>
-              <a:rPr lang="en-US" altLang="zh-CN"/>
+            <a:endParaRPr lang="zh-CN" altLang="en-US" dirty="0"/>
+          </a:p>
+          <a:p>
+            <a:endParaRPr lang="zh-CN" altLang="en-US" dirty="0"/>
+          </a:p>
+          <a:p>
+            <a:endParaRPr lang="zh-CN" altLang="en-US" dirty="0"/>
+          </a:p>
+          <a:p>
+            <a:r>
+              <a:rPr lang="en-US" altLang="zh-CN" dirty="0"/>
               <a:t>2.</a:t>
             </a:r>
             <a:r>
-              <a:rPr lang="zh-CN" altLang="en-US"/>
+              <a:rPr lang="zh-CN" altLang="en-US" dirty="0"/>
               <a:t>在</a:t>
             </a:r>
             <a:r>
-              <a:rPr lang="en-US" altLang="zh-CN"/>
+              <a:rPr lang="en-US" altLang="zh-CN" dirty="0"/>
               <a:t>Visio</a:t>
             </a:r>
             <a:r>
-              <a:rPr lang="zh-CN" altLang="en-US"/>
-              <a:t>中，新建</a:t>
-            </a:r>
-            <a:r>
-              <a:rPr lang="zh-CN" altLang="en-US"/>
-              <a:t>哪一个类别的图可以找到</a:t>
-            </a:r>
-            <a:r>
-              <a:rPr lang="en-US" altLang="zh-CN"/>
+              <a:rPr lang="zh-CN" altLang="en-US" dirty="0"/>
+              <a:t>中，新建哪一个类别的图可以找到</a:t>
+            </a:r>
+            <a:r>
+              <a:rPr lang="en-US" altLang="zh-CN" dirty="0"/>
               <a:t>UML</a:t>
             </a:r>
             <a:r>
-              <a:rPr lang="zh-CN" altLang="en-US"/>
+              <a:rPr lang="zh-CN" altLang="en-US" dirty="0"/>
               <a:t>系列的图？</a:t>
             </a:r>
-            <a:endParaRPr lang="en-US" altLang="zh-CN"/>
-          </a:p>
-          <a:p>
-            <a:endParaRPr lang="en-US" altLang="zh-CN"/>
-          </a:p>
-          <a:p>
-            <a:r>
-              <a:rPr lang="zh-CN" altLang="en-US"/>
+            <a:endParaRPr lang="en-US" altLang="zh-CN" dirty="0"/>
+          </a:p>
+          <a:p>
+            <a:endParaRPr lang="en-US" altLang="zh-CN" dirty="0"/>
+          </a:p>
+          <a:p>
+            <a:r>
+              <a:rPr lang="zh-CN" altLang="en-US" dirty="0"/>
               <a:t>答案：软件和数据库。</a:t>
             </a:r>
-            <a:endParaRPr lang="zh-CN" altLang="en-US"/>
-          </a:p>
-          <a:p>
-            <a:endParaRPr lang="zh-CN" altLang="en-US"/>
+            <a:endParaRPr lang="en-US" altLang="zh-CN" dirty="0"/>
           </a:p>
           <a:p>
             <a:pPr marL="0" indent="0">
               <a:buNone/>
             </a:pPr>
-            <a:endParaRPr lang="zh-CN" altLang="en-US"/>
+            <a:endParaRPr lang="zh-CN" altLang="en-US" dirty="0"/>
+          </a:p>
+          <a:p>
+            <a:endParaRPr lang="zh-CN" altLang="en-US" dirty="0"/>
+          </a:p>
+          <a:p>
+            <a:pPr marL="0" indent="0">
+              <a:buNone/>
+            </a:pPr>
+            <a:endParaRPr lang="zh-CN" altLang="en-US" dirty="0"/>
           </a:p>
         </p:txBody>
       </p:sp>
@@ -21156,14 +21041,6 @@
 <file path=ppt/slides/slide57.xml><?xml version="1.0" encoding="utf-8"?>
 <p:sld xmlns:a="http://schemas.openxmlformats.org/drawingml/2006/main" xmlns:r="http://schemas.openxmlformats.org/officeDocument/2006/relationships" xmlns:p="http://schemas.openxmlformats.org/presentationml/2006/main">
   <p:cSld>
-    <p:bg>
-      <p:bgPr>
-        <a:solidFill>
-          <a:srgbClr val="F1F1F1"/>
-        </a:solidFill>
-        <a:effectLst/>
-      </p:bgPr>
-    </p:bg>
     <p:spTree>
       <p:nvGrpSpPr>
         <p:cNvPr id="1" name=""/>
@@ -21180,29 +21057,7 @@
       </p:grpSpPr>
       <p:sp>
         <p:nvSpPr>
-          <p:cNvPr id="2" name="标题 1"/>
-          <p:cNvSpPr>
-            <a:spLocks noGrp="1"/>
-          </p:cNvSpPr>
-          <p:nvPr>
-            <p:ph type="title"/>
-          </p:nvPr>
-        </p:nvSpPr>
-        <p:spPr/>
-        <p:txBody>
-          <a:bodyPr/>
-          <a:p>
-            <a:r>
-              <a:rPr lang="zh-CN" altLang="en-US"/>
-              <a:t>参考文献</a:t>
-            </a:r>
-            <a:endParaRPr lang="zh-CN" altLang="en-US"/>
-          </a:p>
-        </p:txBody>
-      </p:sp>
-      <p:sp>
-        <p:nvSpPr>
-          <p:cNvPr id="5" name="内容占位符 4"/>
+          <p:cNvPr id="3" name="内容占位符 2"/>
           <p:cNvSpPr>
             <a:spLocks noGrp="1"/>
           </p:cNvSpPr>
@@ -21210,27 +21065,87 @@
             <p:ph idx="1"/>
           </p:nvPr>
         </p:nvSpPr>
-        <p:spPr/>
-        <p:txBody>
-          <a:bodyPr/>
-          <a:p>
-            <a:r>
-              <a:rPr lang="zh-CN" altLang="en-US"/>
-              <a:t>《</a:t>
-            </a:r>
-            <a:r>
-              <a:rPr lang="en-US" altLang="zh-CN"/>
-              <a:t>UML2</a:t>
-            </a:r>
-            <a:r>
-              <a:rPr lang="zh-CN" altLang="en-US"/>
-              <a:t>基础、建模与设计教程</a:t>
-            </a:r>
-            <a:r>
-              <a:rPr lang="zh-CN" altLang="en-US"/>
-              <a:t>》</a:t>
-            </a:r>
-            <a:endParaRPr lang="zh-CN" altLang="en-US"/>
+        <p:spPr>
+          <a:xfrm>
+            <a:off x="838200" y="396875"/>
+            <a:ext cx="10515600" cy="5133913"/>
+          </a:xfrm>
+        </p:spPr>
+        <p:txBody>
+          <a:bodyPr>
+            <a:normAutofit lnSpcReduction="10000"/>
+          </a:bodyPr>
+          <a:lstStyle/>
+          <a:p>
+            <a:r>
+              <a:rPr lang="en-US" altLang="zh-CN" dirty="0"/>
+              <a:t>3.Rose</a:t>
+            </a:r>
+            <a:r>
+              <a:rPr lang="zh-CN" altLang="en-US" dirty="0"/>
+              <a:t>的优点？（至少说出</a:t>
+            </a:r>
+            <a:r>
+              <a:rPr lang="en-US" altLang="zh-CN" dirty="0"/>
+              <a:t>3</a:t>
+            </a:r>
+            <a:r>
+              <a:rPr lang="zh-CN" altLang="en-US" dirty="0"/>
+              <a:t>点）</a:t>
+            </a:r>
+            <a:endParaRPr lang="en-US" altLang="zh-CN" dirty="0"/>
+          </a:p>
+          <a:p>
+            <a:endParaRPr lang="en-US" altLang="zh-CN" dirty="0"/>
+          </a:p>
+          <a:p>
+            <a:r>
+              <a:rPr lang="zh-CN" altLang="en-US" dirty="0"/>
+              <a:t>答案：从使用的角度分析，Rational Rose易于使用，支持使用多种构件和多种语言的复杂系统建模；</a:t>
+            </a:r>
+            <a:endParaRPr lang="en-US" altLang="zh-CN" dirty="0"/>
+          </a:p>
+          <a:p>
+            <a:r>
+              <a:rPr lang="zh-CN" altLang="en-US" dirty="0"/>
+              <a:t>利用双向项目技术可以实现迭代式开发；</a:t>
+            </a:r>
+            <a:endParaRPr lang="en-US" altLang="zh-CN" dirty="0"/>
+          </a:p>
+          <a:p>
+            <a:r>
+              <a:rPr lang="zh-CN" altLang="en-US" dirty="0"/>
+              <a:t>团队管理特性支持大型、复杂的项目和大型而且通常队员分散在各个不同地方的开发团队。</a:t>
+            </a:r>
+            <a:endParaRPr lang="en-US" altLang="zh-CN" dirty="0"/>
+          </a:p>
+          <a:p>
+            <a:r>
+              <a:rPr lang="zh-CN" altLang="en-US" dirty="0"/>
+              <a:t>同时，Rational Rose与微软Visual Studio系列工具中GUI的完美结合所带来的方便性，使得它成为绝大多数开发人员的首选建模工具</a:t>
+            </a:r>
+            <a:endParaRPr lang="en-US" altLang="zh-CN" dirty="0"/>
+          </a:p>
+          <a:p>
+            <a:r>
+              <a:rPr lang="zh-CN" altLang="en-US" dirty="0"/>
+              <a:t>Rose还是市场上第一个提供对基于UML的数据建模和Web建模支持的工具。此外，Rose还为其他一些领域提供支持，如用户定制和产品性能改进。</a:t>
+            </a:r>
+          </a:p>
+          <a:p>
+            <a:pPr marL="0" indent="0">
+              <a:buNone/>
+            </a:pPr>
+            <a:endParaRPr lang="zh-CN" altLang="en-US" dirty="0"/>
+          </a:p>
+          <a:p>
+            <a:endParaRPr lang="zh-CN" altLang="en-US" dirty="0"/>
+          </a:p>
+          <a:p>
+            <a:pPr marL="0" indent="0">
+              <a:buNone/>
+            </a:pPr>
+            <a:endParaRPr lang="zh-CN" altLang="en-US" dirty="0"/>
           </a:p>
         </p:txBody>
       </p:sp>
@@ -21331,6 +21246,11 @@
         </p:txBody>
       </p:sp>
     </p:spTree>
+    <p:extLst>
+      <p:ext uri="{BB962C8B-B14F-4D97-AF65-F5344CB8AC3E}">
+        <p14:creationId xmlns:p14="http://schemas.microsoft.com/office/powerpoint/2010/main" val="3620175843"/>
+      </p:ext>
+    </p:extLst>
   </p:cSld>
   <p:clrMapOvr>
     <a:masterClrMapping/>
@@ -21338,9 +21258,329 @@
   <p:timing>
     <p:tnLst>
       <p:par>
-        <p:cTn id="1" dur="indefinite" restart="never" nodeType="tmRoot"/>
+        <p:cTn id="1" dur="indefinite" restart="never" nodeType="tmRoot">
+          <p:childTnLst>
+            <p:seq concurrent="1" nextAc="seek">
+              <p:cTn id="2" dur="indefinite" nodeType="mainSeq">
+                <p:childTnLst>
+                  <p:par>
+                    <p:cTn id="3" fill="hold">
+                      <p:stCondLst>
+                        <p:cond delay="indefinite"/>
+                      </p:stCondLst>
+                      <p:childTnLst>
+                        <p:par>
+                          <p:cTn id="4" fill="hold">
+                            <p:stCondLst>
+                              <p:cond delay="0"/>
+                            </p:stCondLst>
+                            <p:childTnLst>
+                              <p:par>
+                                <p:cTn id="5" presetID="1" presetClass="entr" presetSubtype="0" fill="hold" grpId="0" nodeType="clickEffect">
+                                  <p:stCondLst>
+                                    <p:cond delay="0"/>
+                                  </p:stCondLst>
+                                  <p:childTnLst>
+                                    <p:set>
+                                      <p:cBhvr>
+                                        <p:cTn id="6" dur="1" fill="hold">
+                                          <p:stCondLst>
+                                            <p:cond delay="0"/>
+                                          </p:stCondLst>
+                                        </p:cTn>
+                                        <p:tgtEl>
+                                          <p:spTgt spid="3">
+                                            <p:txEl>
+                                              <p:pRg st="0" end="0"/>
+                                            </p:txEl>
+                                          </p:spTgt>
+                                        </p:tgtEl>
+                                        <p:attrNameLst>
+                                          <p:attrName>style.visibility</p:attrName>
+                                        </p:attrNameLst>
+                                      </p:cBhvr>
+                                      <p:to>
+                                        <p:strVal val="visible"/>
+                                      </p:to>
+                                    </p:set>
+                                  </p:childTnLst>
+                                </p:cTn>
+                              </p:par>
+                            </p:childTnLst>
+                          </p:cTn>
+                        </p:par>
+                      </p:childTnLst>
+                    </p:cTn>
+                  </p:par>
+                  <p:par>
+                    <p:cTn id="7" fill="hold">
+                      <p:stCondLst>
+                        <p:cond delay="indefinite"/>
+                      </p:stCondLst>
+                      <p:childTnLst>
+                        <p:par>
+                          <p:cTn id="8" fill="hold">
+                            <p:stCondLst>
+                              <p:cond delay="0"/>
+                            </p:stCondLst>
+                            <p:childTnLst>
+                              <p:par>
+                                <p:cTn id="9" presetID="1" presetClass="entr" presetSubtype="0" fill="hold" grpId="0" nodeType="clickEffect">
+                                  <p:stCondLst>
+                                    <p:cond delay="0"/>
+                                  </p:stCondLst>
+                                  <p:childTnLst>
+                                    <p:set>
+                                      <p:cBhvr>
+                                        <p:cTn id="10" dur="1" fill="hold">
+                                          <p:stCondLst>
+                                            <p:cond delay="0"/>
+                                          </p:stCondLst>
+                                        </p:cTn>
+                                        <p:tgtEl>
+                                          <p:spTgt spid="3">
+                                            <p:txEl>
+                                              <p:pRg st="2" end="2"/>
+                                            </p:txEl>
+                                          </p:spTgt>
+                                        </p:tgtEl>
+                                        <p:attrNameLst>
+                                          <p:attrName>style.visibility</p:attrName>
+                                        </p:attrNameLst>
+                                      </p:cBhvr>
+                                      <p:to>
+                                        <p:strVal val="visible"/>
+                                      </p:to>
+                                    </p:set>
+                                  </p:childTnLst>
+                                </p:cTn>
+                              </p:par>
+                            </p:childTnLst>
+                          </p:cTn>
+                        </p:par>
+                      </p:childTnLst>
+                    </p:cTn>
+                  </p:par>
+                  <p:par>
+                    <p:cTn id="11" fill="hold">
+                      <p:stCondLst>
+                        <p:cond delay="indefinite"/>
+                      </p:stCondLst>
+                      <p:childTnLst>
+                        <p:par>
+                          <p:cTn id="12" fill="hold">
+                            <p:stCondLst>
+                              <p:cond delay="0"/>
+                            </p:stCondLst>
+                            <p:childTnLst>
+                              <p:par>
+                                <p:cTn id="13" presetID="1" presetClass="entr" presetSubtype="0" fill="hold" grpId="0" nodeType="clickEffect">
+                                  <p:stCondLst>
+                                    <p:cond delay="0"/>
+                                  </p:stCondLst>
+                                  <p:childTnLst>
+                                    <p:set>
+                                      <p:cBhvr>
+                                        <p:cTn id="14" dur="1" fill="hold">
+                                          <p:stCondLst>
+                                            <p:cond delay="0"/>
+                                          </p:stCondLst>
+                                        </p:cTn>
+                                        <p:tgtEl>
+                                          <p:spTgt spid="3">
+                                            <p:txEl>
+                                              <p:pRg st="3" end="3"/>
+                                            </p:txEl>
+                                          </p:spTgt>
+                                        </p:tgtEl>
+                                        <p:attrNameLst>
+                                          <p:attrName>style.visibility</p:attrName>
+                                        </p:attrNameLst>
+                                      </p:cBhvr>
+                                      <p:to>
+                                        <p:strVal val="visible"/>
+                                      </p:to>
+                                    </p:set>
+                                  </p:childTnLst>
+                                </p:cTn>
+                              </p:par>
+                            </p:childTnLst>
+                          </p:cTn>
+                        </p:par>
+                      </p:childTnLst>
+                    </p:cTn>
+                  </p:par>
+                  <p:par>
+                    <p:cTn id="15" fill="hold">
+                      <p:stCondLst>
+                        <p:cond delay="indefinite"/>
+                      </p:stCondLst>
+                      <p:childTnLst>
+                        <p:par>
+                          <p:cTn id="16" fill="hold">
+                            <p:stCondLst>
+                              <p:cond delay="0"/>
+                            </p:stCondLst>
+                            <p:childTnLst>
+                              <p:par>
+                                <p:cTn id="17" presetID="1" presetClass="entr" presetSubtype="0" fill="hold" grpId="0" nodeType="clickEffect">
+                                  <p:stCondLst>
+                                    <p:cond delay="0"/>
+                                  </p:stCondLst>
+                                  <p:childTnLst>
+                                    <p:set>
+                                      <p:cBhvr>
+                                        <p:cTn id="18" dur="1" fill="hold">
+                                          <p:stCondLst>
+                                            <p:cond delay="0"/>
+                                          </p:stCondLst>
+                                        </p:cTn>
+                                        <p:tgtEl>
+                                          <p:spTgt spid="3">
+                                            <p:txEl>
+                                              <p:pRg st="4" end="4"/>
+                                            </p:txEl>
+                                          </p:spTgt>
+                                        </p:tgtEl>
+                                        <p:attrNameLst>
+                                          <p:attrName>style.visibility</p:attrName>
+                                        </p:attrNameLst>
+                                      </p:cBhvr>
+                                      <p:to>
+                                        <p:strVal val="visible"/>
+                                      </p:to>
+                                    </p:set>
+                                  </p:childTnLst>
+                                </p:cTn>
+                              </p:par>
+                            </p:childTnLst>
+                          </p:cTn>
+                        </p:par>
+                      </p:childTnLst>
+                    </p:cTn>
+                  </p:par>
+                  <p:par>
+                    <p:cTn id="19" fill="hold">
+                      <p:stCondLst>
+                        <p:cond delay="indefinite"/>
+                      </p:stCondLst>
+                      <p:childTnLst>
+                        <p:par>
+                          <p:cTn id="20" fill="hold">
+                            <p:stCondLst>
+                              <p:cond delay="0"/>
+                            </p:stCondLst>
+                            <p:childTnLst>
+                              <p:par>
+                                <p:cTn id="21" presetID="1" presetClass="entr" presetSubtype="0" fill="hold" grpId="0" nodeType="clickEffect">
+                                  <p:stCondLst>
+                                    <p:cond delay="0"/>
+                                  </p:stCondLst>
+                                  <p:childTnLst>
+                                    <p:set>
+                                      <p:cBhvr>
+                                        <p:cTn id="22" dur="1" fill="hold">
+                                          <p:stCondLst>
+                                            <p:cond delay="0"/>
+                                          </p:stCondLst>
+                                        </p:cTn>
+                                        <p:tgtEl>
+                                          <p:spTgt spid="3">
+                                            <p:txEl>
+                                              <p:pRg st="5" end="5"/>
+                                            </p:txEl>
+                                          </p:spTgt>
+                                        </p:tgtEl>
+                                        <p:attrNameLst>
+                                          <p:attrName>style.visibility</p:attrName>
+                                        </p:attrNameLst>
+                                      </p:cBhvr>
+                                      <p:to>
+                                        <p:strVal val="visible"/>
+                                      </p:to>
+                                    </p:set>
+                                  </p:childTnLst>
+                                </p:cTn>
+                              </p:par>
+                            </p:childTnLst>
+                          </p:cTn>
+                        </p:par>
+                      </p:childTnLst>
+                    </p:cTn>
+                  </p:par>
+                  <p:par>
+                    <p:cTn id="23" fill="hold">
+                      <p:stCondLst>
+                        <p:cond delay="indefinite"/>
+                      </p:stCondLst>
+                      <p:childTnLst>
+                        <p:par>
+                          <p:cTn id="24" fill="hold">
+                            <p:stCondLst>
+                              <p:cond delay="0"/>
+                            </p:stCondLst>
+                            <p:childTnLst>
+                              <p:par>
+                                <p:cTn id="25" presetID="1" presetClass="entr" presetSubtype="0" fill="hold" grpId="0" nodeType="clickEffect">
+                                  <p:stCondLst>
+                                    <p:cond delay="0"/>
+                                  </p:stCondLst>
+                                  <p:childTnLst>
+                                    <p:set>
+                                      <p:cBhvr>
+                                        <p:cTn id="26" dur="1" fill="hold">
+                                          <p:stCondLst>
+                                            <p:cond delay="0"/>
+                                          </p:stCondLst>
+                                        </p:cTn>
+                                        <p:tgtEl>
+                                          <p:spTgt spid="3">
+                                            <p:txEl>
+                                              <p:pRg st="6" end="6"/>
+                                            </p:txEl>
+                                          </p:spTgt>
+                                        </p:tgtEl>
+                                        <p:attrNameLst>
+                                          <p:attrName>style.visibility</p:attrName>
+                                        </p:attrNameLst>
+                                      </p:cBhvr>
+                                      <p:to>
+                                        <p:strVal val="visible"/>
+                                      </p:to>
+                                    </p:set>
+                                  </p:childTnLst>
+                                </p:cTn>
+                              </p:par>
+                            </p:childTnLst>
+                          </p:cTn>
+                        </p:par>
+                      </p:childTnLst>
+                    </p:cTn>
+                  </p:par>
+                </p:childTnLst>
+              </p:cTn>
+              <p:prevCondLst>
+                <p:cond evt="onPrev" delay="0">
+                  <p:tgtEl>
+                    <p:sldTgt/>
+                  </p:tgtEl>
+                </p:cond>
+              </p:prevCondLst>
+              <p:nextCondLst>
+                <p:cond evt="onNext" delay="0">
+                  <p:tgtEl>
+                    <p:sldTgt/>
+                  </p:tgtEl>
+                </p:cond>
+              </p:nextCondLst>
+            </p:seq>
+          </p:childTnLst>
+        </p:cTn>
       </p:par>
     </p:tnLst>
+    <p:bldLst>
+      <p:bldP spid="3" grpId="0" build="p"/>
+    </p:bldLst>
   </p:timing>
 </p:sld>
 </file>
@@ -21383,12 +21623,12 @@
         <p:spPr/>
         <p:txBody>
           <a:bodyPr/>
+          <a:lstStyle/>
           <a:p>
             <a:r>
               <a:rPr lang="zh-CN" altLang="en-US"/>
-              <a:t>小组分工及评价</a:t>
-            </a:r>
-            <a:endParaRPr lang="zh-CN" altLang="en-US"/>
+              <a:t>参考文献</a:t>
+            </a:r>
           </a:p>
         </p:txBody>
       </p:sp>
@@ -21405,8 +21645,24 @@
         <p:spPr/>
         <p:txBody>
           <a:bodyPr/>
-          <a:p>
-            <a:endParaRPr lang="zh-CN" altLang="en-US"/>
+          <a:lstStyle/>
+          <a:p>
+            <a:r>
+              <a:rPr lang="en-US" altLang="zh-CN" dirty="0"/>
+              <a:t>【1】</a:t>
+            </a:r>
+            <a:r>
+              <a:rPr lang="zh-CN" altLang="en-US" dirty="0"/>
+              <a:t>《</a:t>
+            </a:r>
+            <a:r>
+              <a:rPr lang="en-US" altLang="zh-CN" dirty="0"/>
+              <a:t>UML2</a:t>
+            </a:r>
+            <a:r>
+              <a:rPr lang="zh-CN" altLang="en-US" dirty="0"/>
+              <a:t>基础、建模与设计教程》</a:t>
+            </a:r>
           </a:p>
         </p:txBody>
       </p:sp>
@@ -21511,13 +21767,6 @@
   <p:clrMapOvr>
     <a:masterClrMapping/>
   </p:clrMapOvr>
-  <p:timing>
-    <p:tnLst>
-      <p:par>
-        <p:cTn id="1" dur="indefinite" restart="never" nodeType="tmRoot"/>
-      </p:par>
-    </p:tnLst>
-  </p:timing>
 </p:sld>
 </file>
 
@@ -21548,288 +21797,275 @@
       </p:grpSpPr>
       <p:sp>
         <p:nvSpPr>
-          <p:cNvPr id="8" name="PA_Line 15"/>
+          <p:cNvPr id="2" name="标题 1"/>
           <p:cNvSpPr>
-            <a:spLocks noChangeShapeType="1"/>
+            <a:spLocks noGrp="1"/>
           </p:cNvSpPr>
           <p:nvPr>
-            <p:custDataLst>
-              <p:tags r:id="rId1"/>
-            </p:custDataLst>
+            <p:ph type="title"/>
           </p:nvPr>
         </p:nvSpPr>
-        <p:spPr bwMode="auto">
-          <a:xfrm flipV="1">
-            <a:off x="3459637" y="0"/>
-            <a:ext cx="7651028" cy="6860440"/>
-          </a:xfrm>
-          <a:prstGeom prst="line">
-            <a:avLst/>
-          </a:prstGeom>
-          <a:noFill/>
-          <a:ln w="7938" cap="flat">
-            <a:solidFill>
-              <a:srgbClr val="002B41"/>
-            </a:solidFill>
-            <a:prstDash val="solid"/>
-            <a:miter lim="800000"/>
-          </a:ln>
-          <a:extLst>
-            <a:ext uri="{909E8E84-426E-40DD-AFC4-6F175D3DCCD1}">
-              <a14:hiddenFill xmlns:a14="http://schemas.microsoft.com/office/drawing/2010/main">
-                <a:noFill/>
-              </a14:hiddenFill>
-            </a:ext>
-          </a:extLst>
-        </p:spPr>
-        <p:txBody>
-          <a:bodyPr vert="horz" wrap="square" lIns="91440" tIns="45720" rIns="91440" bIns="45720" numCol="1" anchor="t" anchorCtr="0" compatLnSpc="1"/>
+        <p:spPr/>
+        <p:txBody>
+          <a:bodyPr/>
           <a:lstStyle/>
           <a:p>
-            <a:endParaRPr lang="zh-CN" altLang="en-US">
-              <a:solidFill>
-                <a:prstClr val="black"/>
-              </a:solidFill>
-            </a:endParaRPr>
-          </a:p>
-        </p:txBody>
-      </p:sp>
-      <p:sp>
-        <p:nvSpPr>
-          <p:cNvPr id="9" name="PA_Line 16"/>
+            <a:r>
+              <a:rPr lang="zh-CN" altLang="en-US"/>
+              <a:t>小组分工及评价</a:t>
+            </a:r>
+          </a:p>
+        </p:txBody>
+      </p:sp>
+      <p:sp>
+        <p:nvSpPr>
+          <p:cNvPr id="5" name="内容占位符 4"/>
           <p:cNvSpPr>
-            <a:spLocks noChangeShapeType="1"/>
+            <a:spLocks noGrp="1"/>
           </p:cNvSpPr>
           <p:nvPr>
-            <p:custDataLst>
-              <p:tags r:id="rId2"/>
-            </p:custDataLst>
+            <p:ph idx="1"/>
           </p:nvPr>
         </p:nvSpPr>
+        <p:spPr/>
+        <p:txBody>
+          <a:bodyPr/>
+          <a:lstStyle/>
+          <a:p>
+            <a:pPr marL="0" indent="0">
+              <a:buNone/>
+            </a:pPr>
+            <a:r>
+              <a:rPr lang="zh-CN" altLang="en-US" dirty="0">
+                <a:latin typeface="+mn-ea"/>
+                <a:cs typeface="+mn-ea"/>
+              </a:rPr>
+              <a:t>陈妍蓝：项目工程计划的修改，需求工程文档的修改，甘特图，</a:t>
+            </a:r>
+            <a:r>
+              <a:rPr lang="en-US" altLang="zh-CN" dirty="0">
+                <a:latin typeface="+mn-ea"/>
+                <a:cs typeface="+mn-ea"/>
+              </a:rPr>
+              <a:t>WBS,OBS</a:t>
+            </a:r>
+            <a:r>
+              <a:rPr lang="zh-CN" altLang="en-US" dirty="0">
+                <a:latin typeface="+mn-ea"/>
+                <a:cs typeface="+mn-ea"/>
+              </a:rPr>
+              <a:t>图的修改；</a:t>
+            </a:r>
+            <a:r>
+              <a:rPr lang="en-US" altLang="zh-CN" dirty="0">
+                <a:latin typeface="+mn-ea"/>
+                <a:cs typeface="+mn-ea"/>
+              </a:rPr>
+              <a:t>87</a:t>
+            </a:r>
+            <a:r>
+              <a:rPr lang="zh-CN" altLang="en-US" dirty="0">
+                <a:latin typeface="+mn-ea"/>
+                <a:cs typeface="+mn-ea"/>
+              </a:rPr>
+              <a:t>分</a:t>
+            </a:r>
+            <a:endParaRPr lang="en-US" altLang="zh-CN" dirty="0">
+              <a:latin typeface="+mn-ea"/>
+              <a:cs typeface="+mn-ea"/>
+            </a:endParaRPr>
+          </a:p>
+          <a:p>
+            <a:pPr marL="0" indent="0">
+              <a:buNone/>
+            </a:pPr>
+            <a:r>
+              <a:rPr lang="zh-CN" altLang="en-US" dirty="0">
+                <a:latin typeface="+mn-ea"/>
+                <a:cs typeface="+mn-ea"/>
+              </a:rPr>
+              <a:t>陈遵义：需求工程文档的初步编写，</a:t>
+            </a:r>
+            <a:r>
+              <a:rPr lang="en-US" altLang="zh-CN" dirty="0">
+                <a:latin typeface="+mn-ea"/>
+                <a:cs typeface="+mn-ea"/>
+              </a:rPr>
+              <a:t>UML</a:t>
+            </a:r>
+            <a:r>
+              <a:rPr lang="zh-CN" altLang="en-US" dirty="0">
+                <a:latin typeface="+mn-ea"/>
+                <a:cs typeface="+mn-ea"/>
+              </a:rPr>
+              <a:t>基础</a:t>
+            </a:r>
+            <a:r>
+              <a:rPr lang="en-US" altLang="zh-CN" dirty="0">
+                <a:latin typeface="+mn-ea"/>
+                <a:cs typeface="+mn-ea"/>
+              </a:rPr>
+              <a:t>PPT</a:t>
+            </a:r>
+            <a:r>
+              <a:rPr lang="zh-CN" altLang="en-US" dirty="0">
+                <a:latin typeface="+mn-ea"/>
+                <a:cs typeface="+mn-ea"/>
+              </a:rPr>
+              <a:t>制作；</a:t>
+            </a:r>
+            <a:r>
+              <a:rPr lang="en-US" altLang="zh-CN" dirty="0">
+                <a:latin typeface="+mn-ea"/>
+                <a:cs typeface="+mn-ea"/>
+              </a:rPr>
+              <a:t>84</a:t>
+            </a:r>
+            <a:r>
+              <a:rPr lang="zh-CN" altLang="en-US" dirty="0">
+                <a:latin typeface="+mn-ea"/>
+                <a:cs typeface="+mn-ea"/>
+              </a:rPr>
+              <a:t>分</a:t>
+            </a:r>
+            <a:endParaRPr lang="en-US" altLang="zh-CN" dirty="0">
+              <a:latin typeface="+mn-ea"/>
+              <a:cs typeface="+mn-ea"/>
+            </a:endParaRPr>
+          </a:p>
+          <a:p>
+            <a:pPr marL="0" indent="0">
+              <a:buNone/>
+            </a:pPr>
+            <a:r>
+              <a:rPr lang="zh-CN" altLang="en-US" dirty="0">
+                <a:latin typeface="+mn-ea"/>
+                <a:cs typeface="+mn-ea"/>
+              </a:rPr>
+              <a:t>宋翼虎：搜集整理资料，制作</a:t>
+            </a:r>
+            <a:r>
+              <a:rPr lang="en-US" altLang="zh-CN" dirty="0">
+                <a:latin typeface="+mn-ea"/>
+                <a:cs typeface="+mn-ea"/>
+              </a:rPr>
+              <a:t>UML</a:t>
+            </a:r>
+            <a:r>
+              <a:rPr lang="zh-CN" altLang="en-US" dirty="0">
+                <a:latin typeface="+mn-ea"/>
+                <a:cs typeface="+mn-ea"/>
+              </a:rPr>
+              <a:t>工具</a:t>
+            </a:r>
+            <a:r>
+              <a:rPr lang="en-US" altLang="zh-CN" dirty="0">
+                <a:latin typeface="+mn-ea"/>
+                <a:cs typeface="+mn-ea"/>
+              </a:rPr>
+              <a:t>PPT</a:t>
+            </a:r>
+            <a:r>
+              <a:rPr lang="zh-CN" altLang="en-US" dirty="0">
+                <a:latin typeface="+mn-ea"/>
+                <a:cs typeface="+mn-ea"/>
+              </a:rPr>
+              <a:t>。</a:t>
+            </a:r>
+            <a:r>
+              <a:rPr lang="en-US" altLang="zh-CN" dirty="0">
+                <a:latin typeface="+mn-ea"/>
+                <a:cs typeface="+mn-ea"/>
+              </a:rPr>
+              <a:t>85</a:t>
+            </a:r>
+            <a:r>
+              <a:rPr lang="zh-CN" altLang="en-US" dirty="0">
+                <a:latin typeface="+mn-ea"/>
+                <a:cs typeface="+mn-ea"/>
+              </a:rPr>
+              <a:t>分</a:t>
+            </a:r>
+            <a:endParaRPr lang="en-US" altLang="zh-CN" dirty="0">
+              <a:latin typeface="+mn-ea"/>
+              <a:cs typeface="+mn-ea"/>
+            </a:endParaRPr>
+          </a:p>
+          <a:p>
+            <a:pPr marL="0" indent="0">
+              <a:buNone/>
+            </a:pPr>
+            <a:r>
+              <a:rPr lang="zh-CN" altLang="en-US" dirty="0">
+                <a:latin typeface="+mn-ea"/>
+                <a:cs typeface="+mn-ea"/>
+              </a:rPr>
+              <a:t>郑巧雁：编写项目章程，编写愿景与范围，搜集整理资料。</a:t>
+            </a:r>
+            <a:r>
+              <a:rPr lang="en-US" altLang="zh-CN" dirty="0">
+                <a:latin typeface="+mn-ea"/>
+                <a:cs typeface="+mn-ea"/>
+              </a:rPr>
+              <a:t>80</a:t>
+            </a:r>
+            <a:r>
+              <a:rPr lang="zh-CN" altLang="en-US" dirty="0">
+                <a:latin typeface="+mn-ea"/>
+                <a:cs typeface="+mn-ea"/>
+              </a:rPr>
+              <a:t>分</a:t>
+            </a:r>
+            <a:endParaRPr lang="en-US" altLang="zh-CN" dirty="0">
+              <a:latin typeface="+mn-ea"/>
+              <a:cs typeface="+mn-ea"/>
+            </a:endParaRPr>
+          </a:p>
+          <a:p>
+            <a:pPr marL="0" indent="0">
+              <a:buNone/>
+            </a:pPr>
+            <a:r>
+              <a:rPr lang="zh-CN" altLang="en-US" dirty="0">
+                <a:latin typeface="+mn-ea"/>
+                <a:cs typeface="+mn-ea"/>
+              </a:rPr>
+              <a:t>张琪：编写愿景与范围文档，搜集整理资料。</a:t>
+            </a:r>
+            <a:r>
+              <a:rPr lang="en-US" altLang="zh-CN" dirty="0">
+                <a:latin typeface="+mn-ea"/>
+                <a:cs typeface="+mn-ea"/>
+              </a:rPr>
+              <a:t>75</a:t>
+            </a:r>
+            <a:r>
+              <a:rPr lang="zh-CN" altLang="en-US" dirty="0">
+                <a:latin typeface="+mn-ea"/>
+                <a:cs typeface="+mn-ea"/>
+              </a:rPr>
+              <a:t>分</a:t>
+            </a:r>
+            <a:endParaRPr lang="zh-CN" altLang="zh-CN" dirty="0">
+              <a:latin typeface="+mn-ea"/>
+              <a:cs typeface="+mn-ea"/>
+            </a:endParaRPr>
+          </a:p>
+          <a:p>
+            <a:endParaRPr lang="zh-CN" altLang="en-US" dirty="0"/>
+          </a:p>
+        </p:txBody>
+      </p:sp>
+      <p:sp>
+        <p:nvSpPr>
+          <p:cNvPr id="4" name="Freeform 5"/>
+          <p:cNvSpPr/>
+          <p:nvPr/>
+        </p:nvSpPr>
         <p:spPr bwMode="auto">
-          <a:xfrm>
-            <a:off x="8045145" y="-179684"/>
-            <a:ext cx="4011737" cy="7040124"/>
-          </a:xfrm>
-          <a:prstGeom prst="line">
-            <a:avLst/>
-          </a:prstGeom>
-          <a:noFill/>
-          <a:ln w="7938" cap="flat">
-            <a:solidFill>
-              <a:srgbClr val="002B41"/>
-            </a:solidFill>
-            <a:prstDash val="solid"/>
-            <a:miter lim="800000"/>
-          </a:ln>
-          <a:extLst>
-            <a:ext uri="{909E8E84-426E-40DD-AFC4-6F175D3DCCD1}">
-              <a14:hiddenFill xmlns:a14="http://schemas.microsoft.com/office/drawing/2010/main">
-                <a:noFill/>
-              </a14:hiddenFill>
-            </a:ext>
-          </a:extLst>
-        </p:spPr>
-        <p:txBody>
-          <a:bodyPr vert="horz" wrap="square" lIns="91440" tIns="45720" rIns="91440" bIns="45720" numCol="1" anchor="t" anchorCtr="0" compatLnSpc="1"/>
-          <a:lstStyle/>
-          <a:p>
-            <a:endParaRPr lang="zh-CN" altLang="en-US">
-              <a:solidFill>
-                <a:prstClr val="black"/>
-              </a:solidFill>
-            </a:endParaRPr>
-          </a:p>
-        </p:txBody>
-      </p:sp>
-      <p:sp>
-        <p:nvSpPr>
-          <p:cNvPr id="10" name="PA_Line 17"/>
-          <p:cNvSpPr>
-            <a:spLocks noChangeShapeType="1"/>
-          </p:cNvSpPr>
-          <p:nvPr>
-            <p:custDataLst>
-              <p:tags r:id="rId3"/>
-            </p:custDataLst>
-          </p:nvPr>
-        </p:nvSpPr>
-        <p:spPr bwMode="auto">
-          <a:xfrm>
-            <a:off x="1517715" y="-37707"/>
-            <a:ext cx="10674284" cy="4949588"/>
-          </a:xfrm>
-          <a:prstGeom prst="line">
-            <a:avLst/>
-          </a:prstGeom>
-          <a:noFill/>
-          <a:ln w="7938" cap="flat">
-            <a:solidFill>
-              <a:srgbClr val="002B41"/>
-            </a:solidFill>
-            <a:prstDash val="solid"/>
-            <a:miter lim="800000"/>
-          </a:ln>
-          <a:extLst>
-            <a:ext uri="{909E8E84-426E-40DD-AFC4-6F175D3DCCD1}">
-              <a14:hiddenFill xmlns:a14="http://schemas.microsoft.com/office/drawing/2010/main">
-                <a:noFill/>
-              </a14:hiddenFill>
-            </a:ext>
-          </a:extLst>
-        </p:spPr>
-        <p:txBody>
-          <a:bodyPr vert="horz" wrap="square" lIns="91440" tIns="45720" rIns="91440" bIns="45720" numCol="1" anchor="t" anchorCtr="0" compatLnSpc="1"/>
-          <a:lstStyle/>
-          <a:p>
-            <a:endParaRPr lang="zh-CN" altLang="en-US">
-              <a:solidFill>
-                <a:prstClr val="black"/>
-              </a:solidFill>
-            </a:endParaRPr>
-          </a:p>
-        </p:txBody>
-      </p:sp>
-      <p:sp>
-        <p:nvSpPr>
-          <p:cNvPr id="11" name="PA_Line 18"/>
-          <p:cNvSpPr>
-            <a:spLocks noChangeShapeType="1"/>
-          </p:cNvSpPr>
-          <p:nvPr>
-            <p:custDataLst>
-              <p:tags r:id="rId4"/>
-            </p:custDataLst>
-          </p:nvPr>
-        </p:nvSpPr>
-        <p:spPr bwMode="auto">
-          <a:xfrm flipV="1">
-            <a:off x="9747262" y="-179684"/>
-            <a:ext cx="1891058" cy="7033554"/>
-          </a:xfrm>
-          <a:prstGeom prst="line">
-            <a:avLst/>
-          </a:prstGeom>
-          <a:noFill/>
-          <a:ln w="7938" cap="flat">
-            <a:solidFill>
-              <a:srgbClr val="002B41"/>
-            </a:solidFill>
-            <a:prstDash val="solid"/>
-            <a:miter lim="800000"/>
-          </a:ln>
-          <a:extLst>
-            <a:ext uri="{909E8E84-426E-40DD-AFC4-6F175D3DCCD1}">
-              <a14:hiddenFill xmlns:a14="http://schemas.microsoft.com/office/drawing/2010/main">
-                <a:noFill/>
-              </a14:hiddenFill>
-            </a:ext>
-          </a:extLst>
-        </p:spPr>
-        <p:txBody>
-          <a:bodyPr vert="horz" wrap="square" lIns="91440" tIns="45720" rIns="91440" bIns="45720" numCol="1" anchor="t" anchorCtr="0" compatLnSpc="1"/>
-          <a:lstStyle/>
-          <a:p>
-            <a:endParaRPr lang="zh-CN" altLang="en-US">
-              <a:solidFill>
-                <a:prstClr val="black"/>
-              </a:solidFill>
-            </a:endParaRPr>
-          </a:p>
-        </p:txBody>
-      </p:sp>
-      <p:sp>
-        <p:nvSpPr>
-          <p:cNvPr id="12" name="PA_椭圆 19"/>
-          <p:cNvSpPr>
-            <a:spLocks noChangeArrowheads="1"/>
-          </p:cNvSpPr>
-          <p:nvPr>
-            <p:custDataLst>
-              <p:tags r:id="rId5"/>
-            </p:custDataLst>
-          </p:nvPr>
-        </p:nvSpPr>
-        <p:spPr bwMode="auto">
-          <a:xfrm>
-            <a:off x="9105344" y="1710670"/>
-            <a:ext cx="100222" cy="100222"/>
-          </a:xfrm>
-          <a:prstGeom prst="ellipse">
-            <a:avLst/>
-          </a:prstGeom>
-          <a:solidFill>
-            <a:srgbClr val="002B41"/>
-          </a:solidFill>
-          <a:ln>
-            <a:noFill/>
-          </a:ln>
-        </p:spPr>
-        <p:txBody>
-          <a:bodyPr vert="horz" wrap="square" lIns="91440" tIns="45720" rIns="91440" bIns="45720" numCol="1" anchor="t" anchorCtr="0" compatLnSpc="1"/>
-          <a:lstStyle/>
-          <a:p>
-            <a:endParaRPr lang="zh-CN" altLang="en-US">
-              <a:solidFill>
-                <a:prstClr val="black"/>
-              </a:solidFill>
-            </a:endParaRPr>
-          </a:p>
-        </p:txBody>
-      </p:sp>
-      <p:sp>
-        <p:nvSpPr>
-          <p:cNvPr id="13" name="PA_椭圆 20"/>
-          <p:cNvSpPr>
-            <a:spLocks noChangeArrowheads="1"/>
-          </p:cNvSpPr>
-          <p:nvPr>
-            <p:custDataLst>
-              <p:tags r:id="rId6"/>
-            </p:custDataLst>
-          </p:nvPr>
-        </p:nvSpPr>
-        <p:spPr bwMode="auto">
-          <a:xfrm>
-            <a:off x="10435706" y="4050757"/>
-            <a:ext cx="100222" cy="100222"/>
-          </a:xfrm>
-          <a:prstGeom prst="ellipse">
-            <a:avLst/>
-          </a:prstGeom>
-          <a:solidFill>
-            <a:srgbClr val="002B41"/>
-          </a:solidFill>
-          <a:ln>
-            <a:noFill/>
-          </a:ln>
-        </p:spPr>
-        <p:txBody>
-          <a:bodyPr vert="horz" wrap="square" lIns="91440" tIns="45720" rIns="91440" bIns="45720" numCol="1" anchor="t" anchorCtr="0" compatLnSpc="1"/>
-          <a:lstStyle/>
-          <a:p>
-            <a:endParaRPr lang="zh-CN" altLang="en-US">
-              <a:solidFill>
-                <a:prstClr val="black"/>
-              </a:solidFill>
-            </a:endParaRPr>
-          </a:p>
-        </p:txBody>
-      </p:sp>
-      <p:sp>
-        <p:nvSpPr>
-          <p:cNvPr id="14" name="PA_任意多边形 5"/>
-          <p:cNvSpPr/>
-          <p:nvPr>
-            <p:custDataLst>
-              <p:tags r:id="rId7"/>
-            </p:custDataLst>
-          </p:nvPr>
-        </p:nvSpPr>
-        <p:spPr bwMode="auto">
-          <a:xfrm>
-            <a:off x="9257122" y="0"/>
-            <a:ext cx="2926691" cy="4911881"/>
+          <a:xfrm flipH="1">
+            <a:off x="0" y="-13281"/>
+            <a:ext cx="409433" cy="832147"/>
           </a:xfrm>
           <a:custGeom>
             <a:avLst/>
@@ -21906,89 +22142,12 @@
             <a:pPr algn="ctr"/>
             <a:endParaRPr lang="zh-CN" altLang="en-US" sz="2000">
               <a:solidFill>
-                <a:srgbClr val="00183C"/>
+                <a:schemeClr val="bg1">
+                  <a:lumMod val="95000"/>
+                </a:schemeClr>
               </a:solidFill>
-            </a:endParaRPr>
-          </a:p>
-        </p:txBody>
-      </p:sp>
-      <p:sp>
-        <p:nvSpPr>
-          <p:cNvPr id="15" name="PA_椭圆 19"/>
-          <p:cNvSpPr>
-            <a:spLocks noChangeArrowheads="1"/>
-          </p:cNvSpPr>
-          <p:nvPr>
-            <p:custDataLst>
-              <p:tags r:id="rId8"/>
-            </p:custDataLst>
-          </p:nvPr>
-        </p:nvSpPr>
-        <p:spPr bwMode="auto">
-          <a:xfrm>
-            <a:off x="7847630" y="2860740"/>
-            <a:ext cx="100222" cy="100222"/>
-          </a:xfrm>
-          <a:prstGeom prst="ellipse">
-            <a:avLst/>
-          </a:prstGeom>
-          <a:solidFill>
-            <a:srgbClr val="002B41"/>
-          </a:solidFill>
-          <a:ln>
-            <a:noFill/>
-          </a:ln>
-        </p:spPr>
-        <p:txBody>
-          <a:bodyPr vert="horz" wrap="square" lIns="91440" tIns="45720" rIns="91440" bIns="45720" numCol="1" anchor="t" anchorCtr="0" compatLnSpc="1"/>
-          <a:lstStyle/>
-          <a:p>
-            <a:endParaRPr lang="zh-CN" altLang="en-US">
-              <a:solidFill>
-                <a:prstClr val="black"/>
-              </a:solidFill>
-            </a:endParaRPr>
-          </a:p>
-        </p:txBody>
-      </p:sp>
-      <p:sp>
-        <p:nvSpPr>
-          <p:cNvPr id="16" name="TextBox 76"/>
-          <p:cNvSpPr txBox="1"/>
-          <p:nvPr/>
-        </p:nvSpPr>
-        <p:spPr>
-          <a:xfrm>
-            <a:off x="1012190" y="2675890"/>
-            <a:ext cx="4613275" cy="1322070"/>
-          </a:xfrm>
-          <a:prstGeom prst="rect">
-            <a:avLst/>
-          </a:prstGeom>
-          <a:noFill/>
-        </p:spPr>
-        <p:txBody>
-          <a:bodyPr wrap="square" rtlCol="0">
-            <a:spAutoFit/>
-          </a:bodyPr>
-          <a:lstStyle/>
-          <a:p>
-            <a:r>
-              <a:rPr lang="zh-CN" altLang="en-US" sz="8000" dirty="0" smtClean="0">
-                <a:solidFill>
-                  <a:srgbClr val="002B41"/>
-                </a:solidFill>
-                <a:latin typeface="微软雅黑" panose="020B0503020204020204" pitchFamily="34" charset="-122"/>
-                <a:ea typeface="微软雅黑" panose="020B0503020204020204" pitchFamily="34" charset="-122"/>
-              </a:rPr>
-              <a:t>感谢观看</a:t>
-            </a:r>
-            <a:endParaRPr lang="zh-CN" altLang="en-US" sz="8000" dirty="0">
-              <a:solidFill>
-                <a:srgbClr val="002B41"/>
-              </a:solidFill>
-              <a:latin typeface="微软雅黑" panose="020B0503020204020204" pitchFamily="34" charset="-122"/>
-              <a:ea typeface="微软雅黑" panose="020B0503020204020204" pitchFamily="34" charset="-122"/>
+              <a:latin typeface="Calibri" panose="020F0502020204030204" pitchFamily="34" charset="0"/>
+              <a:ea typeface="宋体" panose="02010600030101010101" pitchFamily="2" charset="-122"/>
             </a:endParaRPr>
           </a:p>
         </p:txBody>
@@ -21998,13 +22157,6 @@
   <p:clrMapOvr>
     <a:masterClrMapping/>
   </p:clrMapOvr>
-  <p:timing>
-    <p:tnLst>
-      <p:par>
-        <p:cTn id="1" dur="indefinite" restart="never" nodeType="tmRoot"/>
-      </p:par>
-    </p:tnLst>
-  </p:timing>
 </p:sld>
 </file>
 
@@ -22046,12 +22198,12 @@
         <p:spPr/>
         <p:txBody>
           <a:bodyPr/>
+          <a:lstStyle/>
           <a:p>
             <a:r>
               <a:rPr lang="zh-CN" altLang="en-US"/>
               <a:t>常见UML建模工具</a:t>
             </a:r>
-            <a:endParaRPr lang="zh-CN" altLang="en-US"/>
           </a:p>
         </p:txBody>
       </p:sp>
@@ -22068,12 +22220,12 @@
         <p:spPr/>
         <p:txBody>
           <a:bodyPr/>
-          <a:p>
-            <a:r>
-              <a:rPr lang="zh-CN" altLang="en-US"/>
+          <a:lstStyle/>
+          <a:p>
+            <a:r>
+              <a:rPr lang="zh-CN" altLang="en-US" dirty="0"/>
               <a:t>在UML的发展中有很多工具被使用，其中比较有代表性的有Rational Rose、Visio、PowerDesigner、StarUML等。</a:t>
             </a:r>
-            <a:endParaRPr lang="zh-CN" altLang="en-US"/>
           </a:p>
         </p:txBody>
       </p:sp>
@@ -22263,6 +22415,479 @@
 </p:sld>
 </file>
 
+<file path=ppt/slides/slide60.xml><?xml version="1.0" encoding="utf-8"?>
+<p:sld xmlns:a="http://schemas.openxmlformats.org/drawingml/2006/main" xmlns:r="http://schemas.openxmlformats.org/officeDocument/2006/relationships" xmlns:p="http://schemas.openxmlformats.org/presentationml/2006/main">
+  <p:cSld>
+    <p:bg>
+      <p:bgPr>
+        <a:solidFill>
+          <a:srgbClr val="F1F1F1"/>
+        </a:solidFill>
+        <a:effectLst/>
+      </p:bgPr>
+    </p:bg>
+    <p:spTree>
+      <p:nvGrpSpPr>
+        <p:cNvPr id="1" name=""/>
+        <p:cNvGrpSpPr/>
+        <p:nvPr/>
+      </p:nvGrpSpPr>
+      <p:grpSpPr>
+        <a:xfrm>
+          <a:off x="0" y="0"/>
+          <a:ext cx="0" cy="0"/>
+          <a:chOff x="0" y="0"/>
+          <a:chExt cx="0" cy="0"/>
+        </a:xfrm>
+      </p:grpSpPr>
+      <p:sp>
+        <p:nvSpPr>
+          <p:cNvPr id="8" name="PA_Line 15"/>
+          <p:cNvSpPr>
+            <a:spLocks noChangeShapeType="1"/>
+          </p:cNvSpPr>
+          <p:nvPr>
+            <p:custDataLst>
+              <p:tags r:id="rId1"/>
+            </p:custDataLst>
+          </p:nvPr>
+        </p:nvSpPr>
+        <p:spPr bwMode="auto">
+          <a:xfrm flipV="1">
+            <a:off x="3459637" y="0"/>
+            <a:ext cx="7651028" cy="6860440"/>
+          </a:xfrm>
+          <a:prstGeom prst="line">
+            <a:avLst/>
+          </a:prstGeom>
+          <a:noFill/>
+          <a:ln w="7938" cap="flat">
+            <a:solidFill>
+              <a:srgbClr val="002B41"/>
+            </a:solidFill>
+            <a:prstDash val="solid"/>
+            <a:miter lim="800000"/>
+          </a:ln>
+          <a:extLst>
+            <a:ext uri="{909E8E84-426E-40DD-AFC4-6F175D3DCCD1}">
+              <a14:hiddenFill xmlns:a14="http://schemas.microsoft.com/office/drawing/2010/main">
+                <a:noFill/>
+              </a14:hiddenFill>
+            </a:ext>
+          </a:extLst>
+        </p:spPr>
+        <p:txBody>
+          <a:bodyPr vert="horz" wrap="square" lIns="91440" tIns="45720" rIns="91440" bIns="45720" numCol="1" anchor="t" anchorCtr="0" compatLnSpc="1"/>
+          <a:lstStyle/>
+          <a:p>
+            <a:endParaRPr lang="zh-CN" altLang="en-US">
+              <a:solidFill>
+                <a:prstClr val="black"/>
+              </a:solidFill>
+            </a:endParaRPr>
+          </a:p>
+        </p:txBody>
+      </p:sp>
+      <p:sp>
+        <p:nvSpPr>
+          <p:cNvPr id="9" name="PA_Line 16"/>
+          <p:cNvSpPr>
+            <a:spLocks noChangeShapeType="1"/>
+          </p:cNvSpPr>
+          <p:nvPr>
+            <p:custDataLst>
+              <p:tags r:id="rId2"/>
+            </p:custDataLst>
+          </p:nvPr>
+        </p:nvSpPr>
+        <p:spPr bwMode="auto">
+          <a:xfrm>
+            <a:off x="8045145" y="-179684"/>
+            <a:ext cx="4011737" cy="7040124"/>
+          </a:xfrm>
+          <a:prstGeom prst="line">
+            <a:avLst/>
+          </a:prstGeom>
+          <a:noFill/>
+          <a:ln w="7938" cap="flat">
+            <a:solidFill>
+              <a:srgbClr val="002B41"/>
+            </a:solidFill>
+            <a:prstDash val="solid"/>
+            <a:miter lim="800000"/>
+          </a:ln>
+          <a:extLst>
+            <a:ext uri="{909E8E84-426E-40DD-AFC4-6F175D3DCCD1}">
+              <a14:hiddenFill xmlns:a14="http://schemas.microsoft.com/office/drawing/2010/main">
+                <a:noFill/>
+              </a14:hiddenFill>
+            </a:ext>
+          </a:extLst>
+        </p:spPr>
+        <p:txBody>
+          <a:bodyPr vert="horz" wrap="square" lIns="91440" tIns="45720" rIns="91440" bIns="45720" numCol="1" anchor="t" anchorCtr="0" compatLnSpc="1"/>
+          <a:lstStyle/>
+          <a:p>
+            <a:endParaRPr lang="zh-CN" altLang="en-US">
+              <a:solidFill>
+                <a:prstClr val="black"/>
+              </a:solidFill>
+            </a:endParaRPr>
+          </a:p>
+        </p:txBody>
+      </p:sp>
+      <p:sp>
+        <p:nvSpPr>
+          <p:cNvPr id="10" name="PA_Line 17"/>
+          <p:cNvSpPr>
+            <a:spLocks noChangeShapeType="1"/>
+          </p:cNvSpPr>
+          <p:nvPr>
+            <p:custDataLst>
+              <p:tags r:id="rId3"/>
+            </p:custDataLst>
+          </p:nvPr>
+        </p:nvSpPr>
+        <p:spPr bwMode="auto">
+          <a:xfrm>
+            <a:off x="1517715" y="-37707"/>
+            <a:ext cx="10674284" cy="4949588"/>
+          </a:xfrm>
+          <a:prstGeom prst="line">
+            <a:avLst/>
+          </a:prstGeom>
+          <a:noFill/>
+          <a:ln w="7938" cap="flat">
+            <a:solidFill>
+              <a:srgbClr val="002B41"/>
+            </a:solidFill>
+            <a:prstDash val="solid"/>
+            <a:miter lim="800000"/>
+          </a:ln>
+          <a:extLst>
+            <a:ext uri="{909E8E84-426E-40DD-AFC4-6F175D3DCCD1}">
+              <a14:hiddenFill xmlns:a14="http://schemas.microsoft.com/office/drawing/2010/main">
+                <a:noFill/>
+              </a14:hiddenFill>
+            </a:ext>
+          </a:extLst>
+        </p:spPr>
+        <p:txBody>
+          <a:bodyPr vert="horz" wrap="square" lIns="91440" tIns="45720" rIns="91440" bIns="45720" numCol="1" anchor="t" anchorCtr="0" compatLnSpc="1"/>
+          <a:lstStyle/>
+          <a:p>
+            <a:endParaRPr lang="zh-CN" altLang="en-US">
+              <a:solidFill>
+                <a:prstClr val="black"/>
+              </a:solidFill>
+            </a:endParaRPr>
+          </a:p>
+        </p:txBody>
+      </p:sp>
+      <p:sp>
+        <p:nvSpPr>
+          <p:cNvPr id="11" name="PA_Line 18"/>
+          <p:cNvSpPr>
+            <a:spLocks noChangeShapeType="1"/>
+          </p:cNvSpPr>
+          <p:nvPr>
+            <p:custDataLst>
+              <p:tags r:id="rId4"/>
+            </p:custDataLst>
+          </p:nvPr>
+        </p:nvSpPr>
+        <p:spPr bwMode="auto">
+          <a:xfrm flipV="1">
+            <a:off x="9747262" y="-179684"/>
+            <a:ext cx="1891058" cy="7033554"/>
+          </a:xfrm>
+          <a:prstGeom prst="line">
+            <a:avLst/>
+          </a:prstGeom>
+          <a:noFill/>
+          <a:ln w="7938" cap="flat">
+            <a:solidFill>
+              <a:srgbClr val="002B41"/>
+            </a:solidFill>
+            <a:prstDash val="solid"/>
+            <a:miter lim="800000"/>
+          </a:ln>
+          <a:extLst>
+            <a:ext uri="{909E8E84-426E-40DD-AFC4-6F175D3DCCD1}">
+              <a14:hiddenFill xmlns:a14="http://schemas.microsoft.com/office/drawing/2010/main">
+                <a:noFill/>
+              </a14:hiddenFill>
+            </a:ext>
+          </a:extLst>
+        </p:spPr>
+        <p:txBody>
+          <a:bodyPr vert="horz" wrap="square" lIns="91440" tIns="45720" rIns="91440" bIns="45720" numCol="1" anchor="t" anchorCtr="0" compatLnSpc="1"/>
+          <a:lstStyle/>
+          <a:p>
+            <a:endParaRPr lang="zh-CN" altLang="en-US">
+              <a:solidFill>
+                <a:prstClr val="black"/>
+              </a:solidFill>
+            </a:endParaRPr>
+          </a:p>
+        </p:txBody>
+      </p:sp>
+      <p:sp>
+        <p:nvSpPr>
+          <p:cNvPr id="12" name="PA_椭圆 19"/>
+          <p:cNvSpPr>
+            <a:spLocks noChangeArrowheads="1"/>
+          </p:cNvSpPr>
+          <p:nvPr>
+            <p:custDataLst>
+              <p:tags r:id="rId5"/>
+            </p:custDataLst>
+          </p:nvPr>
+        </p:nvSpPr>
+        <p:spPr bwMode="auto">
+          <a:xfrm>
+            <a:off x="9105344" y="1710670"/>
+            <a:ext cx="100222" cy="100222"/>
+          </a:xfrm>
+          <a:prstGeom prst="ellipse">
+            <a:avLst/>
+          </a:prstGeom>
+          <a:solidFill>
+            <a:srgbClr val="002B41"/>
+          </a:solidFill>
+          <a:ln>
+            <a:noFill/>
+          </a:ln>
+        </p:spPr>
+        <p:txBody>
+          <a:bodyPr vert="horz" wrap="square" lIns="91440" tIns="45720" rIns="91440" bIns="45720" numCol="1" anchor="t" anchorCtr="0" compatLnSpc="1"/>
+          <a:lstStyle/>
+          <a:p>
+            <a:endParaRPr lang="zh-CN" altLang="en-US">
+              <a:solidFill>
+                <a:prstClr val="black"/>
+              </a:solidFill>
+            </a:endParaRPr>
+          </a:p>
+        </p:txBody>
+      </p:sp>
+      <p:sp>
+        <p:nvSpPr>
+          <p:cNvPr id="13" name="PA_椭圆 20"/>
+          <p:cNvSpPr>
+            <a:spLocks noChangeArrowheads="1"/>
+          </p:cNvSpPr>
+          <p:nvPr>
+            <p:custDataLst>
+              <p:tags r:id="rId6"/>
+            </p:custDataLst>
+          </p:nvPr>
+        </p:nvSpPr>
+        <p:spPr bwMode="auto">
+          <a:xfrm>
+            <a:off x="10435706" y="4050757"/>
+            <a:ext cx="100222" cy="100222"/>
+          </a:xfrm>
+          <a:prstGeom prst="ellipse">
+            <a:avLst/>
+          </a:prstGeom>
+          <a:solidFill>
+            <a:srgbClr val="002B41"/>
+          </a:solidFill>
+          <a:ln>
+            <a:noFill/>
+          </a:ln>
+        </p:spPr>
+        <p:txBody>
+          <a:bodyPr vert="horz" wrap="square" lIns="91440" tIns="45720" rIns="91440" bIns="45720" numCol="1" anchor="t" anchorCtr="0" compatLnSpc="1"/>
+          <a:lstStyle/>
+          <a:p>
+            <a:endParaRPr lang="zh-CN" altLang="en-US">
+              <a:solidFill>
+                <a:prstClr val="black"/>
+              </a:solidFill>
+            </a:endParaRPr>
+          </a:p>
+        </p:txBody>
+      </p:sp>
+      <p:sp>
+        <p:nvSpPr>
+          <p:cNvPr id="14" name="PA_任意多边形 5"/>
+          <p:cNvSpPr/>
+          <p:nvPr>
+            <p:custDataLst>
+              <p:tags r:id="rId7"/>
+            </p:custDataLst>
+          </p:nvPr>
+        </p:nvSpPr>
+        <p:spPr bwMode="auto">
+          <a:xfrm>
+            <a:off x="9257122" y="0"/>
+            <a:ext cx="2926691" cy="4911881"/>
+          </a:xfrm>
+          <a:custGeom>
+            <a:avLst/>
+            <a:gdLst>
+              <a:gd name="T0" fmla="*/ 1462 w 2332"/>
+              <a:gd name="T1" fmla="*/ 0 h 3907"/>
+              <a:gd name="T2" fmla="*/ 2332 w 2332"/>
+              <a:gd name="T3" fmla="*/ 0 h 3907"/>
+              <a:gd name="T4" fmla="*/ 2332 w 2332"/>
+              <a:gd name="T5" fmla="*/ 3907 h 3907"/>
+              <a:gd name="T6" fmla="*/ 0 w 2332"/>
+              <a:gd name="T7" fmla="*/ 2595 h 3907"/>
+              <a:gd name="T8" fmla="*/ 1462 w 2332"/>
+              <a:gd name="T9" fmla="*/ 0 h 3907"/>
+            </a:gdLst>
+            <a:ahLst/>
+            <a:cxnLst>
+              <a:cxn ang="0">
+                <a:pos x="T0" y="T1"/>
+              </a:cxn>
+              <a:cxn ang="0">
+                <a:pos x="T2" y="T3"/>
+              </a:cxn>
+              <a:cxn ang="0">
+                <a:pos x="T4" y="T5"/>
+              </a:cxn>
+              <a:cxn ang="0">
+                <a:pos x="T6" y="T7"/>
+              </a:cxn>
+              <a:cxn ang="0">
+                <a:pos x="T8" y="T9"/>
+              </a:cxn>
+            </a:cxnLst>
+            <a:rect l="0" t="0" r="r" b="b"/>
+            <a:pathLst>
+              <a:path w="2332" h="3907">
+                <a:moveTo>
+                  <a:pt x="1462" y="0"/>
+                </a:moveTo>
+                <a:lnTo>
+                  <a:pt x="2332" y="0"/>
+                </a:lnTo>
+                <a:lnTo>
+                  <a:pt x="2332" y="3907"/>
+                </a:lnTo>
+                <a:lnTo>
+                  <a:pt x="0" y="2595"/>
+                </a:lnTo>
+                <a:lnTo>
+                  <a:pt x="1462" y="0"/>
+                </a:lnTo>
+                <a:close/>
+              </a:path>
+            </a:pathLst>
+          </a:custGeom>
+          <a:solidFill>
+            <a:srgbClr val="002B41"/>
+          </a:solidFill>
+          <a:ln w="28575">
+            <a:noFill/>
+          </a:ln>
+          <a:effectLst>
+            <a:outerShdw blurRad="254000" dist="127000" dir="2700000" algn="tl" rotWithShape="0">
+              <a:prstClr val="black">
+                <a:alpha val="40000"/>
+              </a:prstClr>
+            </a:outerShdw>
+          </a:effectLst>
+        </p:spPr>
+        <p:txBody>
+          <a:bodyPr anchor="ctr"/>
+          <a:lstStyle/>
+          <a:p>
+            <a:pPr algn="ctr"/>
+            <a:endParaRPr lang="zh-CN" altLang="en-US" sz="2000">
+              <a:solidFill>
+                <a:srgbClr val="00183C"/>
+              </a:solidFill>
+            </a:endParaRPr>
+          </a:p>
+        </p:txBody>
+      </p:sp>
+      <p:sp>
+        <p:nvSpPr>
+          <p:cNvPr id="15" name="PA_椭圆 19"/>
+          <p:cNvSpPr>
+            <a:spLocks noChangeArrowheads="1"/>
+          </p:cNvSpPr>
+          <p:nvPr>
+            <p:custDataLst>
+              <p:tags r:id="rId8"/>
+            </p:custDataLst>
+          </p:nvPr>
+        </p:nvSpPr>
+        <p:spPr bwMode="auto">
+          <a:xfrm>
+            <a:off x="7847630" y="2860740"/>
+            <a:ext cx="100222" cy="100222"/>
+          </a:xfrm>
+          <a:prstGeom prst="ellipse">
+            <a:avLst/>
+          </a:prstGeom>
+          <a:solidFill>
+            <a:srgbClr val="002B41"/>
+          </a:solidFill>
+          <a:ln>
+            <a:noFill/>
+          </a:ln>
+        </p:spPr>
+        <p:txBody>
+          <a:bodyPr vert="horz" wrap="square" lIns="91440" tIns="45720" rIns="91440" bIns="45720" numCol="1" anchor="t" anchorCtr="0" compatLnSpc="1"/>
+          <a:lstStyle/>
+          <a:p>
+            <a:endParaRPr lang="zh-CN" altLang="en-US">
+              <a:solidFill>
+                <a:prstClr val="black"/>
+              </a:solidFill>
+            </a:endParaRPr>
+          </a:p>
+        </p:txBody>
+      </p:sp>
+      <p:sp>
+        <p:nvSpPr>
+          <p:cNvPr id="16" name="TextBox 76"/>
+          <p:cNvSpPr txBox="1"/>
+          <p:nvPr/>
+        </p:nvSpPr>
+        <p:spPr>
+          <a:xfrm>
+            <a:off x="1012190" y="2675890"/>
+            <a:ext cx="4613275" cy="1322070"/>
+          </a:xfrm>
+          <a:prstGeom prst="rect">
+            <a:avLst/>
+          </a:prstGeom>
+          <a:noFill/>
+        </p:spPr>
+        <p:txBody>
+          <a:bodyPr wrap="square" rtlCol="0">
+            <a:spAutoFit/>
+          </a:bodyPr>
+          <a:lstStyle/>
+          <a:p>
+            <a:r>
+              <a:rPr lang="zh-CN" altLang="en-US" sz="8000" dirty="0">
+                <a:solidFill>
+                  <a:srgbClr val="002B41"/>
+                </a:solidFill>
+                <a:latin typeface="微软雅黑" panose="020B0503020204020204" pitchFamily="34" charset="-122"/>
+                <a:ea typeface="微软雅黑" panose="020B0503020204020204" pitchFamily="34" charset="-122"/>
+              </a:rPr>
+              <a:t>感谢观看</a:t>
+            </a:r>
+          </a:p>
+        </p:txBody>
+      </p:sp>
+    </p:spTree>
+  </p:cSld>
+  <p:clrMapOvr>
+    <a:masterClrMapping/>
+  </p:clrMapOvr>
+</p:sld>
+</file>
+
 <file path=ppt/slides/slide7.xml><?xml version="1.0" encoding="utf-8"?>
 <p:sld xmlns:a="http://schemas.openxmlformats.org/drawingml/2006/main" xmlns:r="http://schemas.openxmlformats.org/officeDocument/2006/relationships" xmlns:p="http://schemas.openxmlformats.org/presentationml/2006/main">
   <p:cSld>
@@ -22597,7 +23222,7 @@
           <a:p>
             <a:pPr algn="ctr"/>
             <a:r>
-              <a:rPr lang="zh-CN" altLang="en-US" sz="6000" dirty="0" smtClean="0">
+              <a:rPr lang="zh-CN" altLang="en-US" sz="6000" dirty="0">
                 <a:solidFill>
                   <a:schemeClr val="bg1">
                     <a:lumMod val="95000"/>
@@ -22608,15 +23233,6 @@
               </a:rPr>
               <a:t>第二部分</a:t>
             </a:r>
-            <a:endParaRPr lang="zh-CN" altLang="en-US" sz="6000" dirty="0">
-              <a:solidFill>
-                <a:schemeClr val="bg1">
-                  <a:lumMod val="95000"/>
-                </a:schemeClr>
-              </a:solidFill>
-              <a:latin typeface="微软雅黑" panose="020B0503020204020204" pitchFamily="34" charset="-122"/>
-              <a:ea typeface="微软雅黑" panose="020B0503020204020204" pitchFamily="34" charset="-122"/>
-            </a:endParaRPr>
           </a:p>
         </p:txBody>
       </p:sp>
@@ -22656,15 +23272,6 @@
               </a:rPr>
               <a:t>Rational Rose</a:t>
             </a:r>
-            <a:endParaRPr sz="3200" dirty="0">
-              <a:solidFill>
-                <a:schemeClr val="bg1">
-                  <a:lumMod val="95000"/>
-                </a:schemeClr>
-              </a:solidFill>
-              <a:latin typeface="微软雅黑" panose="020B0503020204020204" pitchFamily="34" charset="-122"/>
-              <a:ea typeface="微软雅黑" panose="020B0503020204020204" pitchFamily="34" charset="-122"/>
-            </a:endParaRPr>
           </a:p>
         </p:txBody>
       </p:sp>
@@ -22673,13 +23280,6 @@
   <p:clrMapOvr>
     <a:masterClrMapping/>
   </p:clrMapOvr>
-  <p:timing>
-    <p:tnLst>
-      <p:par>
-        <p:cTn id="1" dur="indefinite" restart="never" nodeType="tmRoot"/>
-      </p:par>
-    </p:tnLst>
-  </p:timing>
 </p:sld>
 </file>
 
@@ -22726,22 +23326,32 @@
         </p:spPr>
         <p:txBody>
           <a:bodyPr/>
-          <a:p>
-            <a:r>
-              <a:rPr lang="zh-CN" altLang="en-US"/>
+          <a:lstStyle/>
+          <a:p>
+            <a:r>
+              <a:rPr lang="zh-CN" altLang="en-US" dirty="0"/>
               <a:t>Rational Rose是Rational公司出品的一种面向对象的统一建模语言的可视化建模工具，用于可视化建模和公司级水平软件应用的组件构造。Rose是直接从UML发展而诞生的设计工具，它的出现就是为了对UML建模的支持。</a:t>
             </a:r>
-            <a:endParaRPr lang="zh-CN" altLang="en-US"/>
-          </a:p>
-          <a:p>
-            <a:endParaRPr lang="zh-CN" altLang="en-US"/>
-          </a:p>
-          <a:p>
-            <a:r>
-              <a:rPr lang="zh-CN" altLang="en-US"/>
+          </a:p>
+          <a:p>
+            <a:endParaRPr lang="zh-CN" altLang="en-US" dirty="0"/>
+          </a:p>
+          <a:p>
+            <a:r>
+              <a:rPr lang="zh-CN" altLang="en-US" dirty="0"/>
               <a:t>Rational Rose有很强的校验功能，能检查出模型中的许多逻辑错误，还支持多种语言的双向项目，特别是对当前比较流行的Java的支持非常好。</a:t>
             </a:r>
-            <a:endParaRPr lang="zh-CN" altLang="en-US"/>
+            <a:endParaRPr lang="en-US" altLang="zh-CN" dirty="0"/>
+          </a:p>
+          <a:p>
+            <a:pPr marL="0" indent="0" algn="r">
+              <a:buNone/>
+            </a:pPr>
+            <a:r>
+              <a:rPr lang="en-US" altLang="zh-CN" dirty="0"/>
+              <a:t>【1】</a:t>
+            </a:r>
+            <a:endParaRPr lang="zh-CN" altLang="en-US" dirty="0"/>
           </a:p>
         </p:txBody>
       </p:sp>
@@ -22883,6 +23493,55 @@
                                           <p:spTgt spid="3">
                                             <p:txEl>
                                               <p:pRg st="2" end="2"/>
+                                            </p:txEl>
+                                          </p:spTgt>
+                                        </p:tgtEl>
+                                        <p:attrNameLst>
+                                          <p:attrName>style.visibility</p:attrName>
+                                        </p:attrNameLst>
+                                      </p:cBhvr>
+                                      <p:to>
+                                        <p:strVal val="visible"/>
+                                      </p:to>
+                                    </p:set>
+                                  </p:childTnLst>
+                                </p:cTn>
+                              </p:par>
+                            </p:childTnLst>
+                          </p:cTn>
+                        </p:par>
+                      </p:childTnLst>
+                    </p:cTn>
+                  </p:par>
+                  <p:par>
+                    <p:cTn id="7" fill="hold">
+                      <p:stCondLst>
+                        <p:cond delay="indefinite"/>
+                      </p:stCondLst>
+                      <p:childTnLst>
+                        <p:par>
+                          <p:cTn id="8" fill="hold">
+                            <p:stCondLst>
+                              <p:cond delay="0"/>
+                            </p:stCondLst>
+                            <p:childTnLst>
+                              <p:par>
+                                <p:cTn id="9" presetID="1" presetClass="entr" presetSubtype="0" fill="hold" nodeType="clickEffect">
+                                  <p:stCondLst>
+                                    <p:cond delay="0"/>
+                                  </p:stCondLst>
+                                  <p:childTnLst>
+                                    <p:set>
+                                      <p:cBhvr>
+                                        <p:cTn id="10" dur="1" fill="hold">
+                                          <p:stCondLst>
+                                            <p:cond delay="0"/>
+                                          </p:stCondLst>
+                                        </p:cTn>
+                                        <p:tgtEl>
+                                          <p:spTgt spid="3">
+                                            <p:txEl>
+                                              <p:pRg st="3" end="3"/>
                                             </p:txEl>
                                           </p:spTgt>
                                         </p:tgtEl>
@@ -22971,22 +23630,32 @@
         </p:spPr>
         <p:txBody>
           <a:bodyPr/>
-          <a:p>
-            <a:r>
-              <a:rPr lang="zh-CN" altLang="en-US"/>
+          <a:lstStyle/>
+          <a:p>
+            <a:r>
+              <a:rPr lang="zh-CN" altLang="en-US" dirty="0"/>
               <a:t>Rational Rose包括统一建模语言（UML）、OOSE、OMT。其中，统一建模语言（UML）由Rational公司三位世界级面向对象技术专家Grady Booch、Ivar Jacobson和Jim Rumbaugh通过对早期面向对象研究和设计方法的进一步扩展得来，它为可视化建模软件奠定了坚实的理论基础。</a:t>
             </a:r>
-            <a:endParaRPr lang="zh-CN" altLang="en-US"/>
-          </a:p>
-          <a:p>
-            <a:endParaRPr lang="zh-CN" altLang="en-US"/>
-          </a:p>
-          <a:p>
-            <a:r>
-              <a:rPr lang="zh-CN" altLang="en-US"/>
+          </a:p>
+          <a:p>
+            <a:endParaRPr lang="zh-CN" altLang="en-US" dirty="0"/>
+          </a:p>
+          <a:p>
+            <a:r>
+              <a:rPr lang="zh-CN" altLang="en-US" dirty="0"/>
               <a:t>Rational Rose是一个完全的具有能满足所有建模环境（Web开发、数据建模、Visual Studio、C++）需求能力和灵活性的一套解决方案。Rose允许开发人员、项目经理、系统项目师和分析人员在软件开发周期内将需求和系统的体系架构转换成代码，消除浪费的消耗，对需求和系统的体系架构进行可视化，理解和精练。</a:t>
             </a:r>
-            <a:endParaRPr lang="zh-CN" altLang="en-US"/>
+            <a:endParaRPr lang="en-US" altLang="zh-CN" dirty="0"/>
+          </a:p>
+          <a:p>
+            <a:pPr marL="0" indent="0" algn="r">
+              <a:buNone/>
+            </a:pPr>
+            <a:r>
+              <a:rPr lang="en-US" altLang="zh-CN" dirty="0"/>
+              <a:t>【1】</a:t>
+            </a:r>
+            <a:endParaRPr lang="zh-CN" altLang="en-US" dirty="0"/>
           </a:p>
         </p:txBody>
       </p:sp>
@@ -23148,6 +23817,55 @@
                       </p:childTnLst>
                     </p:cTn>
                   </p:par>
+                  <p:par>
+                    <p:cTn id="7" fill="hold">
+                      <p:stCondLst>
+                        <p:cond delay="indefinite"/>
+                      </p:stCondLst>
+                      <p:childTnLst>
+                        <p:par>
+                          <p:cTn id="8" fill="hold">
+                            <p:stCondLst>
+                              <p:cond delay="0"/>
+                            </p:stCondLst>
+                            <p:childTnLst>
+                              <p:par>
+                                <p:cTn id="9" presetID="1" presetClass="entr" presetSubtype="0" fill="hold" nodeType="clickEffect">
+                                  <p:stCondLst>
+                                    <p:cond delay="0"/>
+                                  </p:stCondLst>
+                                  <p:childTnLst>
+                                    <p:set>
+                                      <p:cBhvr>
+                                        <p:cTn id="10" dur="1" fill="hold">
+                                          <p:stCondLst>
+                                            <p:cond delay="0"/>
+                                          </p:stCondLst>
+                                        </p:cTn>
+                                        <p:tgtEl>
+                                          <p:spTgt spid="3">
+                                            <p:txEl>
+                                              <p:pRg st="3" end="3"/>
+                                            </p:txEl>
+                                          </p:spTgt>
+                                        </p:tgtEl>
+                                        <p:attrNameLst>
+                                          <p:attrName>style.visibility</p:attrName>
+                                        </p:attrNameLst>
+                                      </p:cBhvr>
+                                      <p:to>
+                                        <p:strVal val="visible"/>
+                                      </p:to>
+                                    </p:set>
+                                  </p:childTnLst>
+                                </p:cTn>
+                              </p:par>
+                            </p:childTnLst>
+                          </p:cTn>
+                        </p:par>
+                      </p:childTnLst>
+                    </p:cTn>
+                  </p:par>
                 </p:childTnLst>
               </p:cTn>
               <p:prevCondLst>
@@ -23174,97 +23892,97 @@
 </file>
 
 <file path=ppt/tags/tag1.xml><?xml version="1.0" encoding="utf-8"?>
-<p:tagLst xmlns:p="http://schemas.openxmlformats.org/presentationml/2006/main">
+<p:tagLst xmlns:a="http://schemas.openxmlformats.org/drawingml/2006/main" xmlns:r="http://schemas.openxmlformats.org/officeDocument/2006/relationships" xmlns:p="http://schemas.openxmlformats.org/presentationml/2006/main">
   <p:tag name="PA" val="v3.0.1"/>
 </p:tagLst>
 </file>
 
 <file path=ppt/tags/tag10.xml><?xml version="1.0" encoding="utf-8"?>
-<p:tagLst xmlns:p="http://schemas.openxmlformats.org/presentationml/2006/main">
+<p:tagLst xmlns:a="http://schemas.openxmlformats.org/drawingml/2006/main" xmlns:r="http://schemas.openxmlformats.org/officeDocument/2006/relationships" xmlns:p="http://schemas.openxmlformats.org/presentationml/2006/main">
   <p:tag name="PA" val="v3.0.1"/>
 </p:tagLst>
 </file>
 
 <file path=ppt/tags/tag11.xml><?xml version="1.0" encoding="utf-8"?>
-<p:tagLst xmlns:p="http://schemas.openxmlformats.org/presentationml/2006/main">
+<p:tagLst xmlns:a="http://schemas.openxmlformats.org/drawingml/2006/main" xmlns:r="http://schemas.openxmlformats.org/officeDocument/2006/relationships" xmlns:p="http://schemas.openxmlformats.org/presentationml/2006/main">
   <p:tag name="PA" val="v3.0.1"/>
 </p:tagLst>
 </file>
 
 <file path=ppt/tags/tag12.xml><?xml version="1.0" encoding="utf-8"?>
-<p:tagLst xmlns:p="http://schemas.openxmlformats.org/presentationml/2006/main">
+<p:tagLst xmlns:a="http://schemas.openxmlformats.org/drawingml/2006/main" xmlns:r="http://schemas.openxmlformats.org/officeDocument/2006/relationships" xmlns:p="http://schemas.openxmlformats.org/presentationml/2006/main">
   <p:tag name="PA" val="v3.0.1"/>
 </p:tagLst>
 </file>
 
 <file path=ppt/tags/tag13.xml><?xml version="1.0" encoding="utf-8"?>
-<p:tagLst xmlns:p="http://schemas.openxmlformats.org/presentationml/2006/main">
+<p:tagLst xmlns:a="http://schemas.openxmlformats.org/drawingml/2006/main" xmlns:r="http://schemas.openxmlformats.org/officeDocument/2006/relationships" xmlns:p="http://schemas.openxmlformats.org/presentationml/2006/main">
   <p:tag name="PA" val="v3.0.1"/>
 </p:tagLst>
 </file>
 
 <file path=ppt/tags/tag14.xml><?xml version="1.0" encoding="utf-8"?>
-<p:tagLst xmlns:p="http://schemas.openxmlformats.org/presentationml/2006/main">
+<p:tagLst xmlns:a="http://schemas.openxmlformats.org/drawingml/2006/main" xmlns:r="http://schemas.openxmlformats.org/officeDocument/2006/relationships" xmlns:p="http://schemas.openxmlformats.org/presentationml/2006/main">
   <p:tag name="PA" val="v3.0.1"/>
 </p:tagLst>
 </file>
 
 <file path=ppt/tags/tag15.xml><?xml version="1.0" encoding="utf-8"?>
-<p:tagLst xmlns:p="http://schemas.openxmlformats.org/presentationml/2006/main">
+<p:tagLst xmlns:a="http://schemas.openxmlformats.org/drawingml/2006/main" xmlns:r="http://schemas.openxmlformats.org/officeDocument/2006/relationships" xmlns:p="http://schemas.openxmlformats.org/presentationml/2006/main">
   <p:tag name="PA" val="v3.0.1"/>
 </p:tagLst>
 </file>
 
 <file path=ppt/tags/tag16.xml><?xml version="1.0" encoding="utf-8"?>
-<p:tagLst xmlns:p="http://schemas.openxmlformats.org/presentationml/2006/main">
+<p:tagLst xmlns:a="http://schemas.openxmlformats.org/drawingml/2006/main" xmlns:r="http://schemas.openxmlformats.org/officeDocument/2006/relationships" xmlns:p="http://schemas.openxmlformats.org/presentationml/2006/main">
   <p:tag name="PA" val="v3.0.1"/>
 </p:tagLst>
 </file>
 
 <file path=ppt/tags/tag2.xml><?xml version="1.0" encoding="utf-8"?>
-<p:tagLst xmlns:p="http://schemas.openxmlformats.org/presentationml/2006/main">
+<p:tagLst xmlns:a="http://schemas.openxmlformats.org/drawingml/2006/main" xmlns:r="http://schemas.openxmlformats.org/officeDocument/2006/relationships" xmlns:p="http://schemas.openxmlformats.org/presentationml/2006/main">
   <p:tag name="PA" val="v3.0.1"/>
 </p:tagLst>
 </file>
 
 <file path=ppt/tags/tag3.xml><?xml version="1.0" encoding="utf-8"?>
-<p:tagLst xmlns:p="http://schemas.openxmlformats.org/presentationml/2006/main">
+<p:tagLst xmlns:a="http://schemas.openxmlformats.org/drawingml/2006/main" xmlns:r="http://schemas.openxmlformats.org/officeDocument/2006/relationships" xmlns:p="http://schemas.openxmlformats.org/presentationml/2006/main">
   <p:tag name="PA" val="v3.0.1"/>
 </p:tagLst>
 </file>
 
 <file path=ppt/tags/tag4.xml><?xml version="1.0" encoding="utf-8"?>
-<p:tagLst xmlns:p="http://schemas.openxmlformats.org/presentationml/2006/main">
+<p:tagLst xmlns:a="http://schemas.openxmlformats.org/drawingml/2006/main" xmlns:r="http://schemas.openxmlformats.org/officeDocument/2006/relationships" xmlns:p="http://schemas.openxmlformats.org/presentationml/2006/main">
   <p:tag name="PA" val="v3.0.1"/>
 </p:tagLst>
 </file>
 
 <file path=ppt/tags/tag5.xml><?xml version="1.0" encoding="utf-8"?>
-<p:tagLst xmlns:p="http://schemas.openxmlformats.org/presentationml/2006/main">
+<p:tagLst xmlns:a="http://schemas.openxmlformats.org/drawingml/2006/main" xmlns:r="http://schemas.openxmlformats.org/officeDocument/2006/relationships" xmlns:p="http://schemas.openxmlformats.org/presentationml/2006/main">
   <p:tag name="PA" val="v3.0.1"/>
 </p:tagLst>
 </file>
 
 <file path=ppt/tags/tag6.xml><?xml version="1.0" encoding="utf-8"?>
-<p:tagLst xmlns:p="http://schemas.openxmlformats.org/presentationml/2006/main">
+<p:tagLst xmlns:a="http://schemas.openxmlformats.org/drawingml/2006/main" xmlns:r="http://schemas.openxmlformats.org/officeDocument/2006/relationships" xmlns:p="http://schemas.openxmlformats.org/presentationml/2006/main">
   <p:tag name="PA" val="v3.0.1"/>
 </p:tagLst>
 </file>
 
 <file path=ppt/tags/tag7.xml><?xml version="1.0" encoding="utf-8"?>
-<p:tagLst xmlns:p="http://schemas.openxmlformats.org/presentationml/2006/main">
+<p:tagLst xmlns:a="http://schemas.openxmlformats.org/drawingml/2006/main" xmlns:r="http://schemas.openxmlformats.org/officeDocument/2006/relationships" xmlns:p="http://schemas.openxmlformats.org/presentationml/2006/main">
   <p:tag name="PA" val="v3.0.1"/>
 </p:tagLst>
 </file>
 
 <file path=ppt/tags/tag8.xml><?xml version="1.0" encoding="utf-8"?>
-<p:tagLst xmlns:p="http://schemas.openxmlformats.org/presentationml/2006/main">
+<p:tagLst xmlns:a="http://schemas.openxmlformats.org/drawingml/2006/main" xmlns:r="http://schemas.openxmlformats.org/officeDocument/2006/relationships" xmlns:p="http://schemas.openxmlformats.org/presentationml/2006/main">
   <p:tag name="PA" val="v3.0.1"/>
 </p:tagLst>
 </file>
 
 <file path=ppt/tags/tag9.xml><?xml version="1.0" encoding="utf-8"?>
-<p:tagLst xmlns:p="http://schemas.openxmlformats.org/presentationml/2006/main">
+<p:tagLst xmlns:a="http://schemas.openxmlformats.org/drawingml/2006/main" xmlns:r="http://schemas.openxmlformats.org/officeDocument/2006/relationships" xmlns:p="http://schemas.openxmlformats.org/presentationml/2006/main">
   <p:tag name="PA" val="v3.0.1"/>
 </p:tagLst>
 </file>
@@ -23520,6 +24238,8 @@
       </a:bgFillStyleLst>
     </a:fmtScheme>
   </a:themeElements>
+  <a:objectDefaults/>
+  <a:extraClrSchemeLst/>
   <a:extLst>
     <a:ext uri="{05A4C25C-085E-4340-85A3-A5531E510DB2}">
       <thm15:themeFamily xmlns:thm15="http://schemas.microsoft.com/office/thememl/2012/main" name="Office Theme" id="{62F939B6-93AF-4DB8-9C6B-D6C7DFDC589F}" vid="{4A3C46E8-61CC-4603-A589-7422A47A8E4A}"/>
@@ -23779,6 +24499,8 @@
       </a:bgFillStyleLst>
     </a:fmtScheme>
   </a:themeElements>
+  <a:objectDefaults/>
+  <a:extraClrSchemeLst/>
   <a:extLst>
     <a:ext uri="{05A4C25C-085E-4340-85A3-A5531E510DB2}">
       <thm15:themeFamily xmlns:thm15="http://schemas.microsoft.com/office/thememl/2012/main" name="Office Theme" id="{62F939B6-93AF-4DB8-9C6B-D6C7DFDC589F}" vid="{4A3C46E8-61CC-4603-A589-7422A47A8E4A}"/>

--- a/非受控文档/过程文档/UML工具/UML工具.pptx
+++ b/非受控文档/过程文档/UML工具/UML工具.pptx
@@ -5,7 +5,7 @@
     <p:sldMasterId id="2147483648" r:id="rId1"/>
   </p:sldMasterIdLst>
   <p:notesMasterIdLst>
-    <p:notesMasterId r:id="rId62"/>
+    <p:notesMasterId r:id="rId52"/>
   </p:notesMasterIdLst>
   <p:sldIdLst>
     <p:sldId id="256" r:id="rId2"/>
@@ -38,36 +38,26 @@
     <p:sldId id="340" r:id="rId29"/>
     <p:sldId id="341" r:id="rId30"/>
     <p:sldId id="342" r:id="rId31"/>
-    <p:sldId id="336" r:id="rId32"/>
-    <p:sldId id="337" r:id="rId33"/>
-    <p:sldId id="338" r:id="rId34"/>
-    <p:sldId id="334" r:id="rId35"/>
-    <p:sldId id="365" r:id="rId36"/>
-    <p:sldId id="344" r:id="rId37"/>
-    <p:sldId id="345" r:id="rId38"/>
-    <p:sldId id="346" r:id="rId39"/>
-    <p:sldId id="347" r:id="rId40"/>
-    <p:sldId id="348" r:id="rId41"/>
+    <p:sldId id="371" r:id="rId32"/>
+    <p:sldId id="372" r:id="rId33"/>
+    <p:sldId id="373" r:id="rId34"/>
+    <p:sldId id="374" r:id="rId35"/>
+    <p:sldId id="375" r:id="rId36"/>
+    <p:sldId id="336" r:id="rId37"/>
+    <p:sldId id="337" r:id="rId38"/>
+    <p:sldId id="338" r:id="rId39"/>
+    <p:sldId id="334" r:id="rId40"/>
+    <p:sldId id="365" r:id="rId41"/>
     <p:sldId id="349" r:id="rId42"/>
     <p:sldId id="350" r:id="rId43"/>
     <p:sldId id="366" r:id="rId44"/>
     <p:sldId id="351" r:id="rId45"/>
-    <p:sldId id="352" r:id="rId46"/>
-    <p:sldId id="353" r:id="rId47"/>
-    <p:sldId id="354" r:id="rId48"/>
-    <p:sldId id="355" r:id="rId49"/>
-    <p:sldId id="356" r:id="rId50"/>
-    <p:sldId id="357" r:id="rId51"/>
-    <p:sldId id="358" r:id="rId52"/>
-    <p:sldId id="359" r:id="rId53"/>
-    <p:sldId id="360" r:id="rId54"/>
-    <p:sldId id="361" r:id="rId55"/>
-    <p:sldId id="339" r:id="rId56"/>
-    <p:sldId id="343" r:id="rId57"/>
-    <p:sldId id="370" r:id="rId58"/>
-    <p:sldId id="368" r:id="rId59"/>
-    <p:sldId id="369" r:id="rId60"/>
-    <p:sldId id="279" r:id="rId61"/>
+    <p:sldId id="339" r:id="rId46"/>
+    <p:sldId id="343" r:id="rId47"/>
+    <p:sldId id="370" r:id="rId48"/>
+    <p:sldId id="368" r:id="rId49"/>
+    <p:sldId id="369" r:id="rId50"/>
+    <p:sldId id="279" r:id="rId51"/>
   </p:sldIdLst>
   <p:sldSz cx="12192000" cy="6858000"/>
   <p:notesSz cx="6858000" cy="9144000"/>
@@ -267,7 +257,7 @@
           <a:p>
             <a:fld id="{959EEDEB-74DD-4590-ADB0-3BDFBC7AA6C1}" type="datetimeFigureOut">
               <a:rPr lang="zh-CN" altLang="en-US" smtClean="0"/>
-              <a:t>2018/10/21</a:t>
+              <a:t>2018/10/28</a:t>
             </a:fld>
             <a:endParaRPr lang="zh-CN" altLang="en-US"/>
           </a:p>
@@ -658,7 +648,7 @@
           <a:p>
             <a:fld id="{698485DF-3FAB-45E9-A642-7745AB3E3AFD}" type="datetimeFigureOut">
               <a:rPr lang="zh-CN" altLang="en-US" smtClean="0"/>
-              <a:t>2018/10/21</a:t>
+              <a:t>2018/10/28</a:t>
             </a:fld>
             <a:endParaRPr lang="zh-CN" altLang="en-US"/>
           </a:p>
@@ -821,7 +811,7 @@
           <a:p>
             <a:fld id="{698485DF-3FAB-45E9-A642-7745AB3E3AFD}" type="datetimeFigureOut">
               <a:rPr lang="zh-CN" altLang="en-US" smtClean="0"/>
-              <a:t>2018/10/21</a:t>
+              <a:t>2018/10/28</a:t>
             </a:fld>
             <a:endParaRPr lang="zh-CN" altLang="en-US"/>
           </a:p>
@@ -994,7 +984,7 @@
           <a:p>
             <a:fld id="{698485DF-3FAB-45E9-A642-7745AB3E3AFD}" type="datetimeFigureOut">
               <a:rPr lang="zh-CN" altLang="en-US" smtClean="0"/>
-              <a:t>2018/10/21</a:t>
+              <a:t>2018/10/28</a:t>
             </a:fld>
             <a:endParaRPr lang="zh-CN" altLang="en-US"/>
           </a:p>
@@ -1106,7 +1096,7 @@
           <a:p>
             <a:fld id="{698485DF-3FAB-45E9-A642-7745AB3E3AFD}" type="datetimeFigureOut">
               <a:rPr lang="zh-CN" altLang="en-US" smtClean="0"/>
-              <a:t>2018/10/21</a:t>
+              <a:t>2018/10/28</a:t>
             </a:fld>
             <a:endParaRPr lang="zh-CN" altLang="en-US"/>
           </a:p>
@@ -2070,7 +2060,7 @@
           <a:p>
             <a:fld id="{698485DF-3FAB-45E9-A642-7745AB3E3AFD}" type="datetimeFigureOut">
               <a:rPr lang="zh-CN" altLang="en-US" smtClean="0"/>
-              <a:t>2018/10/21</a:t>
+              <a:t>2018/10/28</a:t>
             </a:fld>
             <a:endParaRPr lang="zh-CN" altLang="en-US"/>
           </a:p>
@@ -2310,7 +2300,7 @@
           <a:p>
             <a:fld id="{698485DF-3FAB-45E9-A642-7745AB3E3AFD}" type="datetimeFigureOut">
               <a:rPr lang="zh-CN" altLang="en-US" smtClean="0"/>
-              <a:t>2018/10/21</a:t>
+              <a:t>2018/10/28</a:t>
             </a:fld>
             <a:endParaRPr lang="zh-CN" altLang="en-US"/>
           </a:p>
@@ -2534,7 +2524,7 @@
           <a:p>
             <a:fld id="{698485DF-3FAB-45E9-A642-7745AB3E3AFD}" type="datetimeFigureOut">
               <a:rPr lang="zh-CN" altLang="en-US" smtClean="0"/>
-              <a:t>2018/10/21</a:t>
+              <a:t>2018/10/28</a:t>
             </a:fld>
             <a:endParaRPr lang="zh-CN" altLang="en-US"/>
           </a:p>
@@ -2893,7 +2883,7 @@
           <a:p>
             <a:fld id="{698485DF-3FAB-45E9-A642-7745AB3E3AFD}" type="datetimeFigureOut">
               <a:rPr lang="zh-CN" altLang="en-US" smtClean="0"/>
-              <a:t>2018/10/21</a:t>
+              <a:t>2018/10/28</a:t>
             </a:fld>
             <a:endParaRPr lang="zh-CN" altLang="en-US"/>
           </a:p>
@@ -3005,7 +2995,7 @@
           <a:p>
             <a:fld id="{698485DF-3FAB-45E9-A642-7745AB3E3AFD}" type="datetimeFigureOut">
               <a:rPr lang="zh-CN" altLang="en-US" smtClean="0"/>
-              <a:t>2018/10/21</a:t>
+              <a:t>2018/10/28</a:t>
             </a:fld>
             <a:endParaRPr lang="zh-CN" altLang="en-US"/>
           </a:p>
@@ -3095,7 +3085,7 @@
           <a:p>
             <a:fld id="{698485DF-3FAB-45E9-A642-7745AB3E3AFD}" type="datetimeFigureOut">
               <a:rPr lang="zh-CN" altLang="en-US" smtClean="0"/>
-              <a:t>2018/10/21</a:t>
+              <a:t>2018/10/28</a:t>
             </a:fld>
             <a:endParaRPr lang="zh-CN" altLang="en-US"/>
           </a:p>
@@ -3365,7 +3355,7 @@
           <a:p>
             <a:fld id="{698485DF-3FAB-45E9-A642-7745AB3E3AFD}" type="datetimeFigureOut">
               <a:rPr lang="zh-CN" altLang="en-US" smtClean="0"/>
-              <a:t>2018/10/21</a:t>
+              <a:t>2018/10/28</a:t>
             </a:fld>
             <a:endParaRPr lang="zh-CN" altLang="en-US"/>
           </a:p>
@@ -3612,7 +3602,7 @@
           <a:p>
             <a:fld id="{698485DF-3FAB-45E9-A642-7745AB3E3AFD}" type="datetimeFigureOut">
               <a:rPr lang="zh-CN" altLang="en-US" smtClean="0"/>
-              <a:t>2018/10/21</a:t>
+              <a:t>2018/10/28</a:t>
             </a:fld>
             <a:endParaRPr lang="zh-CN" altLang="en-US"/>
           </a:p>
@@ -3818,7 +3808,7 @@
           <a:p>
             <a:fld id="{698485DF-3FAB-45E9-A642-7745AB3E3AFD}" type="datetimeFigureOut">
               <a:rPr lang="zh-CN" altLang="en-US" smtClean="0"/>
-              <a:t>2018/10/21</a:t>
+              <a:t>2018/10/28</a:t>
             </a:fld>
             <a:endParaRPr lang="zh-CN" altLang="en-US"/>
           </a:p>
@@ -4740,7 +4730,31 @@
           <a:p>
             <a:r>
               <a:rPr lang="zh-CN" altLang="en-US" dirty="0"/>
-              <a:t>Rational Rose的两个受欢迎的特征是它的提供反复式发展和来回旅程项目的能力。</a:t>
+              <a:t>Rational Rose的两个受欢迎的特征是它的提供</a:t>
+            </a:r>
+            <a:r>
+              <a:rPr lang="zh-CN" altLang="en-US" dirty="0">
+                <a:solidFill>
+                  <a:srgbClr val="FF0000"/>
+                </a:solidFill>
+              </a:rPr>
+              <a:t>反复式发展</a:t>
+            </a:r>
+            <a:r>
+              <a:rPr lang="zh-CN" altLang="en-US" dirty="0"/>
+              <a:t>和</a:t>
+            </a:r>
+            <a:r>
+              <a:rPr lang="zh-CN" altLang="en-US" dirty="0">
+                <a:solidFill>
+                  <a:srgbClr val="FF0000"/>
+                </a:solidFill>
+              </a:rPr>
+              <a:t>来回旅程项目</a:t>
+            </a:r>
+            <a:r>
+              <a:rPr lang="zh-CN" altLang="en-US" dirty="0"/>
+              <a:t>的能力。</a:t>
             </a:r>
           </a:p>
           <a:p>
@@ -5048,18 +5062,42 @@
           <a:lstStyle/>
           <a:p>
             <a:r>
-              <a:rPr lang="zh-CN" altLang="en-US">
+              <a:rPr lang="zh-CN" altLang="en-US" dirty="0">
                 <a:sym typeface="+mn-ea"/>
               </a:rPr>
-              <a:t>Rational Rose是可扩展的，可以使用下载附加项和第三方应用软件，它支持COM/DCOM（ActiveX），JavaBeans和CORBA组件标准。</a:t>
-            </a:r>
-          </a:p>
-          <a:p>
-            <a:endParaRPr lang="zh-CN" altLang="en-US"/>
-          </a:p>
-          <a:p>
-            <a:r>
-              <a:rPr lang="zh-CN" altLang="en-US"/>
+              <a:t>Rational Rose是可扩展的，可以使用下载附加项和第三方应用软件，它支持COM/DCOM（ActiveX），JavaBeans和CORB</a:t>
+            </a:r>
+            <a:r>
+              <a:rPr lang="en-US" altLang="zh-CN" dirty="0">
+                <a:sym typeface="+mn-ea"/>
+              </a:rPr>
+              <a:t>A</a:t>
+            </a:r>
+            <a:r>
+              <a:rPr lang="zh-CN" altLang="en-US" dirty="0"/>
+              <a:t>（</a:t>
+            </a:r>
+            <a:r>
+              <a:rPr lang="en-US" altLang="zh-CN" dirty="0"/>
+              <a:t>Common Object Request Broker Architecture,</a:t>
+            </a:r>
+            <a:r>
+              <a:rPr lang="zh-CN" altLang="en-US" dirty="0"/>
+              <a:t>公共对象请求代理体系结构，通用对象请求代理体系结构）</a:t>
+            </a:r>
+            <a:r>
+              <a:rPr lang="zh-CN" altLang="en-US" dirty="0">
+                <a:sym typeface="+mn-ea"/>
+              </a:rPr>
+              <a:t>组件标准。</a:t>
+            </a:r>
+          </a:p>
+          <a:p>
+            <a:endParaRPr lang="zh-CN" altLang="en-US" dirty="0"/>
+          </a:p>
+          <a:p>
+            <a:r>
+              <a:rPr lang="zh-CN" altLang="en-US" dirty="0"/>
               <a:t>Rose早期没有对数据库端建模的支持，但现在的版本中已经加入数据库建模的功能。它提供了一个叫“Data Modeler”的工具，利用它可将对象模型转换成数据模型，也可以将现有的数据模型转换成对象模型，从而实现两者之间的同步。</a:t>
             </a:r>
           </a:p>
@@ -6119,35 +6157,91 @@
           <a:p>
             <a:r>
               <a:rPr lang="zh-CN" altLang="en-US" dirty="0"/>
-              <a:t>从使用的角度分析，Rational Rose易于使用，支持使用多种构件和多种语言的复杂系统建模；</a:t>
+              <a:t>Rational Rose易于使用，支持使用</a:t>
+            </a:r>
+            <a:r>
+              <a:rPr lang="zh-CN" altLang="en-US" dirty="0">
+                <a:solidFill>
+                  <a:srgbClr val="FF0000"/>
+                </a:solidFill>
+              </a:rPr>
+              <a:t>多种构件和多种语言</a:t>
+            </a:r>
+            <a:r>
+              <a:rPr lang="zh-CN" altLang="en-US" dirty="0"/>
+              <a:t>的复杂系统建模；</a:t>
             </a:r>
             <a:endParaRPr lang="en-US" altLang="zh-CN" dirty="0"/>
           </a:p>
           <a:p>
             <a:r>
               <a:rPr lang="zh-CN" altLang="en-US" dirty="0"/>
-              <a:t>利用双向项目技术可以实现迭代式开发；</a:t>
+              <a:t>利用</a:t>
+            </a:r>
+            <a:r>
+              <a:rPr lang="zh-CN" altLang="en-US" dirty="0">
+                <a:solidFill>
+                  <a:srgbClr val="FF0000"/>
+                </a:solidFill>
+              </a:rPr>
+              <a:t>双向项目技术</a:t>
+            </a:r>
+            <a:r>
+              <a:rPr lang="zh-CN" altLang="en-US" dirty="0"/>
+              <a:t>可以实现迭代式开发；</a:t>
             </a:r>
             <a:endParaRPr lang="en-US" altLang="zh-CN" dirty="0"/>
           </a:p>
           <a:p>
             <a:r>
               <a:rPr lang="zh-CN" altLang="en-US" dirty="0"/>
-              <a:t>团队管理特性支持大型、复杂的项目和大型而且通常队员分散在各个不同地方的开发团队。</a:t>
+              <a:t>团队管理特性</a:t>
+            </a:r>
+            <a:r>
+              <a:rPr lang="zh-CN" altLang="en-US" dirty="0">
+                <a:solidFill>
+                  <a:srgbClr val="FF0000"/>
+                </a:solidFill>
+              </a:rPr>
+              <a:t>支持大型、复杂的项目</a:t>
+            </a:r>
+            <a:r>
+              <a:rPr lang="zh-CN" altLang="en-US" dirty="0"/>
+              <a:t>和大型而且通常队员分散在各个不同地方的开发团队。</a:t>
             </a:r>
             <a:endParaRPr lang="en-US" altLang="zh-CN" dirty="0"/>
           </a:p>
           <a:p>
             <a:r>
               <a:rPr lang="zh-CN" altLang="en-US" dirty="0"/>
-              <a:t>同时，Rational Rose与微软Visual Studio系列工具中GUI的完美结合所带来的方便性，使得它成为绝大多数开发人员的首选建模工具</a:t>
+              <a:t>Rational Rose与微软Visual Studio系列工具中GUI的完美结合所带来的</a:t>
+            </a:r>
+            <a:r>
+              <a:rPr lang="zh-CN" altLang="en-US" dirty="0">
+                <a:solidFill>
+                  <a:srgbClr val="FF0000"/>
+                </a:solidFill>
+              </a:rPr>
+              <a:t>方便性</a:t>
+            </a:r>
+            <a:r>
+              <a:rPr lang="zh-CN" altLang="en-US" dirty="0"/>
+              <a:t>，使得它成为绝大多数开发人员的首选建模工具</a:t>
             </a:r>
             <a:endParaRPr lang="en-US" altLang="zh-CN" dirty="0"/>
           </a:p>
           <a:p>
             <a:r>
+              <a:rPr lang="zh-CN" altLang="en-US" dirty="0">
+                <a:solidFill>
+                  <a:srgbClr val="FF0000"/>
+                </a:solidFill>
+              </a:rPr>
+              <a:t>Rose还是市场上第一个提供对基于UML的数据建模和Web建模支持的工具。</a:t>
+            </a:r>
+            <a:r>
               <a:rPr lang="zh-CN" altLang="en-US" dirty="0"/>
-              <a:t>Rose还是市场上第一个提供对基于UML的数据建模和Web建模支持的工具。此外，Rose还为其他一些领域提供支持，如用户定制和产品性能改进。</a:t>
+              <a:t>此外，Rose还为其他一些领域提供支持，如用户定制和产品性能改进。</a:t>
             </a:r>
           </a:p>
         </p:txBody>
@@ -6973,7 +7067,19 @@
           <a:p>
             <a:r>
               <a:rPr lang="zh-CN" altLang="en-US" dirty="0"/>
-              <a:t>StarUML（简称SU），是一款开放源代码的UML开发工具，是由韩国公司主导开发出来的产品，可以直接到StarUML网站下载。StarUML是一种创建UML类图，生成类图和其他类型的统一建模语言图表的工具。StarUML发展快、灵活、可扩展性强。</a:t>
+              <a:t>StarUML（简称SU），是一款</a:t>
+            </a:r>
+            <a:r>
+              <a:rPr lang="zh-CN" altLang="en-US" dirty="0">
+                <a:solidFill>
+                  <a:srgbClr val="FF0000"/>
+                </a:solidFill>
+              </a:rPr>
+              <a:t>开放源代码</a:t>
+            </a:r>
+            <a:r>
+              <a:rPr lang="zh-CN" altLang="en-US" dirty="0"/>
+              <a:t>的UML开发工具，是由韩国公司主导开发出来的产品，可以直接到StarUML网站下载。StarUML是一种创建UML类图，生成类图和其他类型的统一建模语言图表的工具。StarUML发展快、灵活、可扩展性强。</a:t>
             </a:r>
             <a:endParaRPr lang="en-US" altLang="zh-CN" dirty="0"/>
           </a:p>
@@ -7134,7 +7240,7 @@
           <a:lstStyle/>
           <a:p>
             <a:r>
-              <a:rPr lang="zh-CN" altLang="en-US"/>
+              <a:rPr lang="zh-CN" altLang="en-US" dirty="0"/>
               <a:t>1.可绘制UML中的常用图</a:t>
             </a:r>
           </a:p>
@@ -7698,7 +7804,19 @@
           <a:p>
             <a:r>
               <a:rPr lang="zh-CN" altLang="en-US" dirty="0"/>
-              <a:t>正向和逆向工程这两方面结合在一起，定义为双向工程。双向工程提供了一种机制，它使系统架构或者设计模型与代码之间进行双向交换。</a:t>
+              <a:t>正向和逆向工程这两方面结合在一起，定义为双向工程。</a:t>
+            </a:r>
+            <a:r>
+              <a:rPr lang="zh-CN" altLang="en-US" dirty="0">
+                <a:solidFill>
+                  <a:srgbClr val="FF0000"/>
+                </a:solidFill>
+              </a:rPr>
+              <a:t>双向工程提供了一种机制，它使系统架构或者设计模型与代码之间进行双向交换</a:t>
+            </a:r>
+            <a:r>
+              <a:rPr lang="zh-CN" altLang="en-US" dirty="0"/>
+              <a:t>。</a:t>
             </a:r>
           </a:p>
           <a:p>
@@ -10132,7 +10250,7 @@
         </p:nvSpPr>
         <p:spPr>
           <a:xfrm>
-            <a:off x="8954331" y="960192"/>
+            <a:off x="9065741" y="2151615"/>
             <a:ext cx="2897077" cy="521970"/>
           </a:xfrm>
           <a:prstGeom prst="rect">
@@ -10206,7 +10324,7 @@
         </p:nvSpPr>
         <p:spPr>
           <a:xfrm>
-            <a:off x="8867971" y="2120337"/>
+            <a:off x="9065742" y="3168404"/>
             <a:ext cx="2897077" cy="953135"/>
           </a:xfrm>
           <a:prstGeom prst="rect">
@@ -10421,7 +10539,7 @@
         </p:nvSpPr>
         <p:spPr bwMode="auto">
           <a:xfrm>
-            <a:off x="7944666" y="889013"/>
+            <a:off x="7965101" y="2048684"/>
             <a:ext cx="727831" cy="727831"/>
           </a:xfrm>
           <a:prstGeom prst="roundRect">
@@ -10576,8 +10694,8 @@
         </p:nvSpPr>
         <p:spPr bwMode="auto">
           <a:xfrm>
-            <a:off x="8007859" y="967188"/>
-            <a:ext cx="594360" cy="583565"/>
+            <a:off x="8028294" y="2126859"/>
+            <a:ext cx="601447" cy="584775"/>
           </a:xfrm>
           <a:prstGeom prst="rect">
             <a:avLst/>
@@ -10730,7 +10848,7 @@
                 </a:solidFill>
                 <a:ea typeface="微软雅黑" panose="020B0503020204020204" pitchFamily="34" charset="-122"/>
               </a:rPr>
-              <a:t>06</a:t>
+              <a:t>07</a:t>
             </a:r>
             <a:endParaRPr lang="zh-CN" altLang="en-US" sz="3200" dirty="0">
               <a:solidFill>
@@ -10751,7 +10869,7 @@
         </p:nvSpPr>
         <p:spPr bwMode="auto">
           <a:xfrm>
-            <a:off x="7944666" y="2043443"/>
+            <a:off x="7968644" y="3305910"/>
             <a:ext cx="727831" cy="727831"/>
           </a:xfrm>
           <a:prstGeom prst="roundRect">
@@ -10906,8 +11024,8 @@
         </p:nvSpPr>
         <p:spPr bwMode="auto">
           <a:xfrm>
-            <a:off x="8007859" y="2121618"/>
-            <a:ext cx="594360" cy="583565"/>
+            <a:off x="8031837" y="3384085"/>
+            <a:ext cx="601447" cy="584775"/>
           </a:xfrm>
           <a:prstGeom prst="rect">
             <a:avLst/>
@@ -11060,12 +11178,404 @@
                 </a:solidFill>
                 <a:ea typeface="微软雅黑" panose="020B0503020204020204" pitchFamily="34" charset="-122"/>
               </a:rPr>
-              <a:t>07</a:t>
+              <a:t>08</a:t>
             </a:r>
             <a:endParaRPr lang="zh-CN" altLang="en-US" sz="3200" dirty="0">
               <a:solidFill>
                 <a:schemeClr val="bg1"/>
               </a:solidFill>
+              <a:ea typeface="微软雅黑" panose="020B0503020204020204" pitchFamily="34" charset="-122"/>
+            </a:endParaRPr>
+          </a:p>
+        </p:txBody>
+      </p:sp>
+      <p:sp>
+        <p:nvSpPr>
+          <p:cNvPr id="35" name="椭圆 1">
+            <a:extLst>
+              <a:ext uri="{FF2B5EF4-FFF2-40B4-BE49-F238E27FC236}">
+                <a16:creationId xmlns:a16="http://schemas.microsoft.com/office/drawing/2014/main" id="{761E0650-2C3F-4442-A4F2-2A2EDC3504E3}"/>
+              </a:ext>
+            </a:extLst>
+          </p:cNvPr>
+          <p:cNvSpPr>
+            <a:spLocks noChangeArrowheads="1"/>
+          </p:cNvSpPr>
+          <p:nvPr/>
+        </p:nvSpPr>
+        <p:spPr bwMode="auto">
+          <a:xfrm>
+            <a:off x="7965101" y="917850"/>
+            <a:ext cx="727831" cy="727831"/>
+          </a:xfrm>
+          <a:prstGeom prst="roundRect">
+            <a:avLst/>
+          </a:prstGeom>
+          <a:solidFill>
+            <a:srgbClr val="002B41"/>
+          </a:solidFill>
+          <a:ln w="28575">
+            <a:noFill/>
+          </a:ln>
+          <a:effectLst>
+            <a:outerShdw blurRad="254000" dist="127000" dir="2700000" algn="tl" rotWithShape="0">
+              <a:prstClr val="black">
+                <a:alpha val="40000"/>
+              </a:prstClr>
+            </a:outerShdw>
+          </a:effectLst>
+        </p:spPr>
+        <p:txBody>
+          <a:bodyPr anchor="ctr"/>
+          <a:lstStyle>
+            <a:lvl1pPr eaLnBrk="0" hangingPunct="0">
+              <a:defRPr>
+                <a:solidFill>
+                  <a:schemeClr val="tx1"/>
+                </a:solidFill>
+                <a:latin typeface="Calibri" panose="020F0502020204030204" pitchFamily="34" charset="0"/>
+                <a:ea typeface="宋体" panose="02010600030101010101" pitchFamily="2" charset="-122"/>
+              </a:defRPr>
+            </a:lvl1pPr>
+            <a:lvl2pPr marL="742950" indent="-285750" eaLnBrk="0" hangingPunct="0">
+              <a:defRPr>
+                <a:solidFill>
+                  <a:schemeClr val="tx1"/>
+                </a:solidFill>
+                <a:latin typeface="Calibri" panose="020F0502020204030204" pitchFamily="34" charset="0"/>
+                <a:ea typeface="宋体" panose="02010600030101010101" pitchFamily="2" charset="-122"/>
+              </a:defRPr>
+            </a:lvl2pPr>
+            <a:lvl3pPr marL="1143000" indent="-228600" eaLnBrk="0" hangingPunct="0">
+              <a:defRPr>
+                <a:solidFill>
+                  <a:schemeClr val="tx1"/>
+                </a:solidFill>
+                <a:latin typeface="Calibri" panose="020F0502020204030204" pitchFamily="34" charset="0"/>
+                <a:ea typeface="宋体" panose="02010600030101010101" pitchFamily="2" charset="-122"/>
+              </a:defRPr>
+            </a:lvl3pPr>
+            <a:lvl4pPr marL="1600200" indent="-228600" eaLnBrk="0" hangingPunct="0">
+              <a:defRPr>
+                <a:solidFill>
+                  <a:schemeClr val="tx1"/>
+                </a:solidFill>
+                <a:latin typeface="Calibri" panose="020F0502020204030204" pitchFamily="34" charset="0"/>
+                <a:ea typeface="宋体" panose="02010600030101010101" pitchFamily="2" charset="-122"/>
+              </a:defRPr>
+            </a:lvl4pPr>
+            <a:lvl5pPr marL="2057400" indent="-228600" eaLnBrk="0" hangingPunct="0">
+              <a:defRPr>
+                <a:solidFill>
+                  <a:schemeClr val="tx1"/>
+                </a:solidFill>
+                <a:latin typeface="Calibri" panose="020F0502020204030204" pitchFamily="34" charset="0"/>
+                <a:ea typeface="宋体" panose="02010600030101010101" pitchFamily="2" charset="-122"/>
+              </a:defRPr>
+            </a:lvl5pPr>
+            <a:lvl6pPr marL="2514600" indent="-228600" eaLnBrk="0" fontAlgn="base" hangingPunct="0">
+              <a:spcBef>
+                <a:spcPct val="0"/>
+              </a:spcBef>
+              <a:spcAft>
+                <a:spcPct val="0"/>
+              </a:spcAft>
+              <a:buFont typeface="Arial" panose="020B0604020202020204" pitchFamily="34" charset="0"/>
+              <a:defRPr>
+                <a:solidFill>
+                  <a:schemeClr val="tx1"/>
+                </a:solidFill>
+                <a:latin typeface="Calibri" panose="020F0502020204030204" pitchFamily="34" charset="0"/>
+                <a:ea typeface="宋体" panose="02010600030101010101" pitchFamily="2" charset="-122"/>
+              </a:defRPr>
+            </a:lvl6pPr>
+            <a:lvl7pPr marL="2971800" indent="-228600" eaLnBrk="0" fontAlgn="base" hangingPunct="0">
+              <a:spcBef>
+                <a:spcPct val="0"/>
+              </a:spcBef>
+              <a:spcAft>
+                <a:spcPct val="0"/>
+              </a:spcAft>
+              <a:buFont typeface="Arial" panose="020B0604020202020204" pitchFamily="34" charset="0"/>
+              <a:defRPr>
+                <a:solidFill>
+                  <a:schemeClr val="tx1"/>
+                </a:solidFill>
+                <a:latin typeface="Calibri" panose="020F0502020204030204" pitchFamily="34" charset="0"/>
+                <a:ea typeface="宋体" panose="02010600030101010101" pitchFamily="2" charset="-122"/>
+              </a:defRPr>
+            </a:lvl7pPr>
+            <a:lvl8pPr marL="3429000" indent="-228600" eaLnBrk="0" fontAlgn="base" hangingPunct="0">
+              <a:spcBef>
+                <a:spcPct val="0"/>
+              </a:spcBef>
+              <a:spcAft>
+                <a:spcPct val="0"/>
+              </a:spcAft>
+              <a:buFont typeface="Arial" panose="020B0604020202020204" pitchFamily="34" charset="0"/>
+              <a:defRPr>
+                <a:solidFill>
+                  <a:schemeClr val="tx1"/>
+                </a:solidFill>
+                <a:latin typeface="Calibri" panose="020F0502020204030204" pitchFamily="34" charset="0"/>
+                <a:ea typeface="宋体" panose="02010600030101010101" pitchFamily="2" charset="-122"/>
+              </a:defRPr>
+            </a:lvl8pPr>
+            <a:lvl9pPr marL="3886200" indent="-228600" eaLnBrk="0" fontAlgn="base" hangingPunct="0">
+              <a:spcBef>
+                <a:spcPct val="0"/>
+              </a:spcBef>
+              <a:spcAft>
+                <a:spcPct val="0"/>
+              </a:spcAft>
+              <a:buFont typeface="Arial" panose="020B0604020202020204" pitchFamily="34" charset="0"/>
+              <a:defRPr>
+                <a:solidFill>
+                  <a:schemeClr val="tx1"/>
+                </a:solidFill>
+                <a:latin typeface="Calibri" panose="020F0502020204030204" pitchFamily="34" charset="0"/>
+                <a:ea typeface="宋体" panose="02010600030101010101" pitchFamily="2" charset="-122"/>
+              </a:defRPr>
+            </a:lvl9pPr>
+          </a:lstStyle>
+          <a:p>
+            <a:pPr algn="ctr" eaLnBrk="1" hangingPunct="1"/>
+            <a:endParaRPr lang="zh-CN" altLang="en-US" sz="2000">
+              <a:solidFill>
+                <a:schemeClr val="bg1">
+                  <a:lumMod val="95000"/>
+                </a:schemeClr>
+              </a:solidFill>
+            </a:endParaRPr>
+          </a:p>
+        </p:txBody>
+      </p:sp>
+      <p:sp>
+        <p:nvSpPr>
+          <p:cNvPr id="36" name="TextBox 32">
+            <a:extLst>
+              <a:ext uri="{FF2B5EF4-FFF2-40B4-BE49-F238E27FC236}">
+                <a16:creationId xmlns:a16="http://schemas.microsoft.com/office/drawing/2014/main" id="{A0D3EF22-EB54-4E0C-8067-F8747C835B9F}"/>
+              </a:ext>
+            </a:extLst>
+          </p:cNvPr>
+          <p:cNvSpPr txBox="1">
+            <a:spLocks noChangeArrowheads="1"/>
+          </p:cNvSpPr>
+          <p:nvPr/>
+        </p:nvSpPr>
+        <p:spPr bwMode="auto">
+          <a:xfrm>
+            <a:off x="8028294" y="996025"/>
+            <a:ext cx="601447" cy="584775"/>
+          </a:xfrm>
+          <a:prstGeom prst="rect">
+            <a:avLst/>
+          </a:prstGeom>
+          <a:noFill/>
+          <a:ln>
+            <a:noFill/>
+          </a:ln>
+          <a:extLst>
+            <a:ext uri="{909E8E84-426E-40DD-AFC4-6F175D3DCCD1}">
+              <a14:hiddenFill xmlns:a14="http://schemas.microsoft.com/office/drawing/2010/main">
+                <a:solidFill>
+                  <a:srgbClr val="FFFFFF"/>
+                </a:solidFill>
+              </a14:hiddenFill>
+            </a:ext>
+            <a:ext uri="{91240B29-F687-4F45-9708-019B960494DF}">
+              <a14:hiddenLine xmlns:a14="http://schemas.microsoft.com/office/drawing/2010/main" w="9525">
+                <a:solidFill>
+                  <a:srgbClr val="000000"/>
+                </a:solidFill>
+                <a:miter lim="800000"/>
+                <a:headEnd/>
+                <a:tailEnd/>
+              </a14:hiddenLine>
+            </a:ext>
+          </a:extLst>
+        </p:spPr>
+        <p:txBody>
+          <a:bodyPr wrap="none">
+            <a:spAutoFit/>
+          </a:bodyPr>
+          <a:lstStyle>
+            <a:lvl1pPr eaLnBrk="0" hangingPunct="0">
+              <a:defRPr>
+                <a:solidFill>
+                  <a:schemeClr val="tx1"/>
+                </a:solidFill>
+                <a:latin typeface="Calibri" panose="020F0502020204030204" pitchFamily="34" charset="0"/>
+                <a:ea typeface="宋体" panose="02010600030101010101" pitchFamily="2" charset="-122"/>
+              </a:defRPr>
+            </a:lvl1pPr>
+            <a:lvl2pPr marL="742950" indent="-285750" eaLnBrk="0" hangingPunct="0">
+              <a:defRPr>
+                <a:solidFill>
+                  <a:schemeClr val="tx1"/>
+                </a:solidFill>
+                <a:latin typeface="Calibri" panose="020F0502020204030204" pitchFamily="34" charset="0"/>
+                <a:ea typeface="宋体" panose="02010600030101010101" pitchFamily="2" charset="-122"/>
+              </a:defRPr>
+            </a:lvl2pPr>
+            <a:lvl3pPr marL="1143000" indent="-228600" eaLnBrk="0" hangingPunct="0">
+              <a:defRPr>
+                <a:solidFill>
+                  <a:schemeClr val="tx1"/>
+                </a:solidFill>
+                <a:latin typeface="Calibri" panose="020F0502020204030204" pitchFamily="34" charset="0"/>
+                <a:ea typeface="宋体" panose="02010600030101010101" pitchFamily="2" charset="-122"/>
+              </a:defRPr>
+            </a:lvl3pPr>
+            <a:lvl4pPr marL="1600200" indent="-228600" eaLnBrk="0" hangingPunct="0">
+              <a:defRPr>
+                <a:solidFill>
+                  <a:schemeClr val="tx1"/>
+                </a:solidFill>
+                <a:latin typeface="Calibri" panose="020F0502020204030204" pitchFamily="34" charset="0"/>
+                <a:ea typeface="宋体" panose="02010600030101010101" pitchFamily="2" charset="-122"/>
+              </a:defRPr>
+            </a:lvl4pPr>
+            <a:lvl5pPr marL="2057400" indent="-228600" eaLnBrk="0" hangingPunct="0">
+              <a:defRPr>
+                <a:solidFill>
+                  <a:schemeClr val="tx1"/>
+                </a:solidFill>
+                <a:latin typeface="Calibri" panose="020F0502020204030204" pitchFamily="34" charset="0"/>
+                <a:ea typeface="宋体" panose="02010600030101010101" pitchFamily="2" charset="-122"/>
+              </a:defRPr>
+            </a:lvl5pPr>
+            <a:lvl6pPr marL="2514600" indent="-228600" eaLnBrk="0" fontAlgn="base" hangingPunct="0">
+              <a:spcBef>
+                <a:spcPct val="0"/>
+              </a:spcBef>
+              <a:spcAft>
+                <a:spcPct val="0"/>
+              </a:spcAft>
+              <a:buFont typeface="Arial" panose="020B0604020202020204" pitchFamily="34" charset="0"/>
+              <a:defRPr>
+                <a:solidFill>
+                  <a:schemeClr val="tx1"/>
+                </a:solidFill>
+                <a:latin typeface="Calibri" panose="020F0502020204030204" pitchFamily="34" charset="0"/>
+                <a:ea typeface="宋体" panose="02010600030101010101" pitchFamily="2" charset="-122"/>
+              </a:defRPr>
+            </a:lvl6pPr>
+            <a:lvl7pPr marL="2971800" indent="-228600" eaLnBrk="0" fontAlgn="base" hangingPunct="0">
+              <a:spcBef>
+                <a:spcPct val="0"/>
+              </a:spcBef>
+              <a:spcAft>
+                <a:spcPct val="0"/>
+              </a:spcAft>
+              <a:buFont typeface="Arial" panose="020B0604020202020204" pitchFamily="34" charset="0"/>
+              <a:defRPr>
+                <a:solidFill>
+                  <a:schemeClr val="tx1"/>
+                </a:solidFill>
+                <a:latin typeface="Calibri" panose="020F0502020204030204" pitchFamily="34" charset="0"/>
+                <a:ea typeface="宋体" panose="02010600030101010101" pitchFamily="2" charset="-122"/>
+              </a:defRPr>
+            </a:lvl7pPr>
+            <a:lvl8pPr marL="3429000" indent="-228600" eaLnBrk="0" fontAlgn="base" hangingPunct="0">
+              <a:spcBef>
+                <a:spcPct val="0"/>
+              </a:spcBef>
+              <a:spcAft>
+                <a:spcPct val="0"/>
+              </a:spcAft>
+              <a:buFont typeface="Arial" panose="020B0604020202020204" pitchFamily="34" charset="0"/>
+              <a:defRPr>
+                <a:solidFill>
+                  <a:schemeClr val="tx1"/>
+                </a:solidFill>
+                <a:latin typeface="Calibri" panose="020F0502020204030204" pitchFamily="34" charset="0"/>
+                <a:ea typeface="宋体" panose="02010600030101010101" pitchFamily="2" charset="-122"/>
+              </a:defRPr>
+            </a:lvl8pPr>
+            <a:lvl9pPr marL="3886200" indent="-228600" eaLnBrk="0" fontAlgn="base" hangingPunct="0">
+              <a:spcBef>
+                <a:spcPct val="0"/>
+              </a:spcBef>
+              <a:spcAft>
+                <a:spcPct val="0"/>
+              </a:spcAft>
+              <a:buFont typeface="Arial" panose="020B0604020202020204" pitchFamily="34" charset="0"/>
+              <a:defRPr>
+                <a:solidFill>
+                  <a:schemeClr val="tx1"/>
+                </a:solidFill>
+                <a:latin typeface="Calibri" panose="020F0502020204030204" pitchFamily="34" charset="0"/>
+                <a:ea typeface="宋体" panose="02010600030101010101" pitchFamily="2" charset="-122"/>
+              </a:defRPr>
+            </a:lvl9pPr>
+          </a:lstStyle>
+          <a:p>
+            <a:pPr eaLnBrk="1" hangingPunct="1"/>
+            <a:r>
+              <a:rPr lang="en-US" altLang="zh-CN" sz="3200" dirty="0">
+                <a:solidFill>
+                  <a:schemeClr val="bg1"/>
+                </a:solidFill>
+                <a:ea typeface="微软雅黑" panose="020B0503020204020204" pitchFamily="34" charset="-122"/>
+              </a:rPr>
+              <a:t>06</a:t>
+            </a:r>
+            <a:endParaRPr lang="zh-CN" altLang="en-US" sz="3200" dirty="0">
+              <a:solidFill>
+                <a:schemeClr val="bg1"/>
+              </a:solidFill>
+              <a:ea typeface="微软雅黑" panose="020B0503020204020204" pitchFamily="34" charset="-122"/>
+            </a:endParaRPr>
+          </a:p>
+        </p:txBody>
+      </p:sp>
+      <p:sp>
+        <p:nvSpPr>
+          <p:cNvPr id="37" name="TextBox 76">
+            <a:extLst>
+              <a:ext uri="{FF2B5EF4-FFF2-40B4-BE49-F238E27FC236}">
+                <a16:creationId xmlns:a16="http://schemas.microsoft.com/office/drawing/2014/main" id="{FA0C2373-4EB7-4B5C-B578-96815599BFFD}"/>
+              </a:ext>
+            </a:extLst>
+          </p:cNvPr>
+          <p:cNvSpPr txBox="1"/>
+          <p:nvPr/>
+        </p:nvSpPr>
+        <p:spPr>
+          <a:xfrm>
+            <a:off x="9065741" y="874876"/>
+            <a:ext cx="2897077" cy="954107"/>
+          </a:xfrm>
+          <a:prstGeom prst="rect">
+            <a:avLst/>
+          </a:prstGeom>
+          <a:solidFill>
+            <a:srgbClr val="F1F1F1"/>
+          </a:solidFill>
+        </p:spPr>
+        <p:txBody>
+          <a:bodyPr wrap="square" rtlCol="0">
+            <a:spAutoFit/>
+          </a:bodyPr>
+          <a:lstStyle/>
+          <a:p>
+            <a:r>
+              <a:rPr lang="zh-CN" altLang="en-US" sz="2800" dirty="0">
+                <a:solidFill>
+                  <a:srgbClr val="002B41"/>
+                </a:solidFill>
+                <a:latin typeface="微软雅黑" panose="020B0503020204020204" pitchFamily="34" charset="-122"/>
+                <a:ea typeface="微软雅黑" panose="020B0503020204020204" pitchFamily="34" charset="-122"/>
+              </a:rPr>
+              <a:t>几种建模工具的比较</a:t>
+            </a:r>
+            <a:endParaRPr lang="en-US" altLang="zh-CN" sz="2800" dirty="0">
+              <a:solidFill>
+                <a:srgbClr val="002B41"/>
+              </a:solidFill>
+              <a:latin typeface="微软雅黑" panose="020B0503020204020204" pitchFamily="34" charset="-122"/>
               <a:ea typeface="微软雅黑" panose="020B0503020204020204" pitchFamily="34" charset="-122"/>
             </a:endParaRPr>
           </a:p>
@@ -11283,43 +11793,43 @@
           <a:lstStyle/>
           <a:p>
             <a:r>
-              <a:rPr lang="zh-CN" altLang="en-US"/>
+              <a:rPr lang="zh-CN" altLang="en-US" dirty="0"/>
               <a:t>5.支持XMI</a:t>
             </a:r>
           </a:p>
           <a:p>
             <a:r>
-              <a:rPr lang="zh-CN" altLang="en-US"/>
+              <a:rPr lang="zh-CN" altLang="en-US" dirty="0"/>
               <a:t>StarUML接受XMI1.1、1.2和1.3版的导入导出。XMI是一种以XML为基础的交换格式，用以交换不同开发工具所生成的UML模型。</a:t>
             </a:r>
           </a:p>
           <a:p>
-            <a:endParaRPr lang="zh-CN" altLang="en-US"/>
-          </a:p>
-          <a:p>
-            <a:r>
-              <a:rPr lang="zh-CN" altLang="en-US"/>
+            <a:endParaRPr lang="zh-CN" altLang="en-US" dirty="0"/>
+          </a:p>
+          <a:p>
+            <a:r>
+              <a:rPr lang="zh-CN" altLang="en-US" dirty="0"/>
               <a:t>6.导入Rose文件</a:t>
             </a:r>
           </a:p>
           <a:p>
             <a:r>
-              <a:rPr lang="zh-CN" altLang="en-US"/>
+              <a:rPr lang="zh-CN" altLang="en-US" dirty="0"/>
               <a:t>StarUML。可以读取Rational Rose生成的文件，让原先Rose的用户可以转而使用免费的StarUML。</a:t>
             </a:r>
           </a:p>
           <a:p>
-            <a:endParaRPr lang="zh-CN" altLang="en-US"/>
-          </a:p>
-          <a:p>
-            <a:r>
-              <a:rPr lang="zh-CN" altLang="en-US"/>
+            <a:endParaRPr lang="zh-CN" altLang="en-US" dirty="0"/>
+          </a:p>
+          <a:p>
+            <a:r>
+              <a:rPr lang="zh-CN" altLang="en-US" dirty="0"/>
               <a:t>7.支持模式</a:t>
             </a:r>
           </a:p>
           <a:p>
             <a:r>
-              <a:rPr lang="zh-CN" altLang="en-US"/>
+              <a:rPr lang="zh-CN" altLang="en-US" dirty="0"/>
               <a:t>支持23种GoF模型，以及三种EJB模式。</a:t>
             </a:r>
           </a:p>
@@ -11682,8 +12192,8 @@
           <a:lstStyle/>
           <a:p>
             <a:r>
-              <a:rPr lang="zh-CN" altLang="en-US"/>
-              <a:t>StarUML支持UML语法规则检验，正反向Java、C++、C#工程，并且支持多种图片格式导出。同时它支持23种GOF模式以及三种EJB。</a:t>
+              <a:rPr lang="zh-CN" altLang="en-US" dirty="0"/>
+              <a:t>StarUML支持UML语法规则检验，正反向Java、C++、C#工程，并且支持多种图片格式导出。</a:t>
             </a:r>
           </a:p>
         </p:txBody>
@@ -12565,7 +13075,7 @@
           <a:p>
             <a:r>
               <a:rPr lang="zh-CN" altLang="en-US" dirty="0"/>
-              <a:t>PowerDesigner是Sybase公司的CASE工具集，使用它可以方便地对管理信息系统进行分析设计，它几乎包括数据库模型设计的全过程。利用PowerDesigner可以制作数据流程图、概念数据模型、物理数据模型，可以生成多种客户端开发工具的应用程序，还可为数据仓库制作结构模型，也能对团队设备模型进行控制。它可与许多流行的数据库设计软件，PowerBuilder、DeLphi、VB等相配合使用来缩短开发时间和使系统设计更优化。</a:t>
+              <a:t>PowerDesigner是Sybase公司的CASE工具集，使用它可以方便地对管理信息系统进行分析设计，它几乎包括数据库模型设计的全过程。利用PowerDesigner可以制作数据流程图、概念数据模型、物理数据模型，可以生成多种客户端开发工具的应用程序，还可为数据仓库制作结构模型，也能对团队设备模型进行控制。它可与许多流行的数据库设计软件，PowerBuilder、VB等相配合使用来缩短开发时间和使系统设计更优化。</a:t>
             </a:r>
           </a:p>
         </p:txBody>
@@ -14110,20 +14620,44 @@
           <a:lstStyle/>
           <a:p>
             <a:r>
+              <a:rPr lang="zh-CN" altLang="en-US" dirty="0">
+                <a:solidFill>
+                  <a:srgbClr val="FF0000"/>
+                </a:solidFill>
+              </a:rPr>
+              <a:t>使用Office Visio可以轻松地将流程、系统和复杂信息可视化。</a:t>
+            </a:r>
+            <a:r>
               <a:rPr lang="zh-CN" altLang="en-US" dirty="0"/>
-              <a:t>使用Office Visio可以轻松地将流程、系统和复杂信息可视化。Office Visio提供了特定工具来支持IT和商务专业人员的不同图表制作需要。使用Office Visio Professional中的ITIL模板和价值流图模板，可以创建种类更广泛的图表。使用预定义的Microsoft SmartShapes符号和强大的搜索功能可以找到合适的形状，无论该形状是保存在计算机还是网站上。</a:t>
-            </a:r>
-          </a:p>
-          <a:p>
+              <a:t>Office Visio提供了特定工具来支持IT和商务专业人员的不同图表制作需要。使用Office Visio Professional中的ITIL模板和价值流图模板，可以创建种类更广泛的图表。使用预定义的Microsoft SmartShapes符号和强大的搜索功能可以找到合适的形状，无论该形状是保存在计算机还是网站上。</a:t>
+            </a:r>
+          </a:p>
+          <a:p>
+            <a:r>
+              <a:rPr lang="zh-CN" altLang="en-US" dirty="0">
+                <a:solidFill>
+                  <a:srgbClr val="FF0000"/>
+                </a:solidFill>
+              </a:rPr>
+              <a:t>无须绘制连接线便可连接形状</a:t>
+            </a:r>
             <a:r>
               <a:rPr lang="zh-CN" altLang="en-US" dirty="0"/>
-              <a:t>无须绘制连接线便可连接形状，只需单击一次，Office Visio中新增的自动连接功能就可以把形状连接、使形状均匀分布并使它们对齐。移动连接的形状时，这些形状会保持连接，连接线会在形状之间自动重排。</a:t>
-            </a:r>
-          </a:p>
-          <a:p>
+              <a:t>，只需单击一次，Office Visio中新增的自动连接功能就可以把形状连接、使形状均匀分布并使它们对齐。移动连接的形状时，这些形状会保持连接，连接线会在形状之间自动重排。</a:t>
+            </a:r>
+          </a:p>
+          <a:p>
+            <a:r>
+              <a:rPr lang="zh-CN" altLang="en-US" dirty="0">
+                <a:solidFill>
+                  <a:srgbClr val="FF0000"/>
+                </a:solidFill>
+              </a:rPr>
+              <a:t>Visio与微软的Office产品能够很好地兼容</a:t>
+            </a:r>
             <a:r>
               <a:rPr lang="zh-CN" altLang="en-US" dirty="0"/>
-              <a:t>Visio与微软的Office产品能够很好地兼容，能够把图形直接复制或者内嵌到Word的文档中。</a:t>
+              <a:t>，能够把图形直接复制或者内嵌到Word的文档中。</a:t>
             </a:r>
             <a:endParaRPr lang="en-US" altLang="zh-CN" dirty="0"/>
           </a:p>
@@ -14418,14 +14952,6 @@
 <file path=ppt/slides/slide31.xml><?xml version="1.0" encoding="utf-8"?>
 <p:sld xmlns:a="http://schemas.openxmlformats.org/drawingml/2006/main" xmlns:r="http://schemas.openxmlformats.org/officeDocument/2006/relationships" xmlns:p="http://schemas.openxmlformats.org/presentationml/2006/main">
   <p:cSld>
-    <p:bg>
-      <p:bgPr>
-        <a:solidFill>
-          <a:srgbClr val="F1F1F1"/>
-        </a:solidFill>
-        <a:effectLst/>
-      </p:bgPr>
-    </p:bg>
     <p:spTree>
       <p:nvGrpSpPr>
         <p:cNvPr id="1" name=""/>
@@ -14712,6 +15238,342 @@
           <a:lstStyle/>
           <a:p>
             <a:pPr algn="ctr"/>
+            <a:endParaRPr lang="zh-CN" altLang="en-US" sz="2000" dirty="0">
+              <a:solidFill>
+                <a:schemeClr val="bg1">
+                  <a:lumMod val="95000"/>
+                </a:schemeClr>
+              </a:solidFill>
+              <a:latin typeface="Calibri" panose="020F0502020204030204" pitchFamily="34" charset="0"/>
+              <a:ea typeface="宋体" panose="02010600030101010101" pitchFamily="2" charset="-122"/>
+            </a:endParaRPr>
+          </a:p>
+        </p:txBody>
+      </p:sp>
+      <p:sp>
+        <p:nvSpPr>
+          <p:cNvPr id="6" name="TextBox 76"/>
+          <p:cNvSpPr txBox="1"/>
+          <p:nvPr/>
+        </p:nvSpPr>
+        <p:spPr>
+          <a:xfrm>
+            <a:off x="4407076" y="1992830"/>
+            <a:ext cx="3377849" cy="1015663"/>
+          </a:xfrm>
+          <a:prstGeom prst="rect">
+            <a:avLst/>
+          </a:prstGeom>
+          <a:noFill/>
+          <a:effectLst/>
+        </p:spPr>
+        <p:txBody>
+          <a:bodyPr wrap="none" rtlCol="0">
+            <a:spAutoFit/>
+          </a:bodyPr>
+          <a:lstStyle/>
+          <a:p>
+            <a:pPr algn="ctr"/>
+            <a:r>
+              <a:rPr lang="zh-CN" altLang="en-US" sz="6000" dirty="0">
+                <a:solidFill>
+                  <a:schemeClr val="bg1">
+                    <a:lumMod val="95000"/>
+                  </a:schemeClr>
+                </a:solidFill>
+                <a:latin typeface="微软雅黑" panose="020B0503020204020204" pitchFamily="34" charset="-122"/>
+                <a:ea typeface="微软雅黑" panose="020B0503020204020204" pitchFamily="34" charset="-122"/>
+              </a:rPr>
+              <a:t>第六部分</a:t>
+            </a:r>
+          </a:p>
+        </p:txBody>
+      </p:sp>
+      <p:sp>
+        <p:nvSpPr>
+          <p:cNvPr id="8" name="TextBox 76">
+            <a:extLst>
+              <a:ext uri="{FF2B5EF4-FFF2-40B4-BE49-F238E27FC236}">
+                <a16:creationId xmlns:a16="http://schemas.microsoft.com/office/drawing/2014/main" id="{AE274ADD-4ADF-4ACC-B86D-5A4BBCEED84A}"/>
+              </a:ext>
+            </a:extLst>
+          </p:cNvPr>
+          <p:cNvSpPr txBox="1"/>
+          <p:nvPr/>
+        </p:nvSpPr>
+        <p:spPr>
+          <a:xfrm>
+            <a:off x="4173258" y="3445415"/>
+            <a:ext cx="3905626" cy="584775"/>
+          </a:xfrm>
+          <a:prstGeom prst="rect">
+            <a:avLst/>
+          </a:prstGeom>
+          <a:noFill/>
+          <a:effectLst/>
+        </p:spPr>
+        <p:txBody>
+          <a:bodyPr wrap="square" rtlCol="0">
+            <a:spAutoFit/>
+          </a:bodyPr>
+          <a:lstStyle/>
+          <a:p>
+            <a:pPr algn="ctr"/>
+            <a:r>
+              <a:rPr lang="zh-CN" altLang="en-US" sz="3200" dirty="0">
+                <a:solidFill>
+                  <a:schemeClr val="bg1">
+                    <a:lumMod val="95000"/>
+                  </a:schemeClr>
+                </a:solidFill>
+                <a:latin typeface="微软雅黑" panose="020B0503020204020204" pitchFamily="34" charset="-122"/>
+                <a:ea typeface="微软雅黑" panose="020B0503020204020204" pitchFamily="34" charset="-122"/>
+              </a:rPr>
+              <a:t>几种建模工具的比较</a:t>
+            </a:r>
+          </a:p>
+        </p:txBody>
+      </p:sp>
+    </p:spTree>
+    <p:extLst>
+      <p:ext uri="{BB962C8B-B14F-4D97-AF65-F5344CB8AC3E}">
+        <p14:creationId xmlns:p14="http://schemas.microsoft.com/office/powerpoint/2010/main" val="3787882707"/>
+      </p:ext>
+    </p:extLst>
+  </p:cSld>
+  <p:clrMapOvr>
+    <a:masterClrMapping/>
+  </p:clrMapOvr>
+</p:sld>
+</file>
+
+<file path=ppt/slides/slide32.xml><?xml version="1.0" encoding="utf-8"?>
+<p:sld xmlns:a="http://schemas.openxmlformats.org/drawingml/2006/main" xmlns:r="http://schemas.openxmlformats.org/officeDocument/2006/relationships" xmlns:p="http://schemas.openxmlformats.org/presentationml/2006/main">
+  <p:cSld>
+    <p:spTree>
+      <p:nvGrpSpPr>
+        <p:cNvPr id="1" name=""/>
+        <p:cNvGrpSpPr/>
+        <p:nvPr/>
+      </p:nvGrpSpPr>
+      <p:grpSpPr>
+        <a:xfrm>
+          <a:off x="0" y="0"/>
+          <a:ext cx="0" cy="0"/>
+          <a:chOff x="0" y="0"/>
+          <a:chExt cx="0" cy="0"/>
+        </a:xfrm>
+      </p:grpSpPr>
+      <p:sp>
+        <p:nvSpPr>
+          <p:cNvPr id="2" name="标题 1"/>
+          <p:cNvSpPr>
+            <a:spLocks noGrp="1"/>
+          </p:cNvSpPr>
+          <p:nvPr>
+            <p:ph type="title"/>
+          </p:nvPr>
+        </p:nvSpPr>
+        <p:spPr/>
+        <p:txBody>
+          <a:bodyPr/>
+          <a:lstStyle/>
+          <a:p>
+            <a:r>
+              <a:rPr lang="en-US" altLang="zh-CN" dirty="0"/>
+              <a:t>Rational Rose</a:t>
+            </a:r>
+            <a:endParaRPr lang="zh-CN" altLang="en-US" dirty="0"/>
+          </a:p>
+        </p:txBody>
+      </p:sp>
+      <p:sp>
+        <p:nvSpPr>
+          <p:cNvPr id="3" name="内容占位符 2"/>
+          <p:cNvSpPr>
+            <a:spLocks noGrp="1"/>
+          </p:cNvSpPr>
+          <p:nvPr>
+            <p:ph idx="1"/>
+          </p:nvPr>
+        </p:nvSpPr>
+        <p:spPr/>
+        <p:txBody>
+          <a:bodyPr>
+            <a:normAutofit fontScale="97500"/>
+          </a:bodyPr>
+          <a:lstStyle/>
+          <a:p>
+            <a:pPr marL="0" indent="0">
+              <a:buNone/>
+            </a:pPr>
+            <a:r>
+              <a:rPr lang="en-US" altLang="zh-CN" dirty="0"/>
+              <a:t>ROSE</a:t>
+            </a:r>
+            <a:r>
+              <a:rPr lang="zh-CN" altLang="zh-CN" dirty="0"/>
+              <a:t>是直接从</a:t>
+            </a:r>
+            <a:r>
+              <a:rPr lang="en-US" altLang="zh-CN" dirty="0"/>
+              <a:t>UML</a:t>
+            </a:r>
+            <a:r>
+              <a:rPr lang="zh-CN" altLang="zh-CN" dirty="0"/>
+              <a:t>发展而诞生的设计工具，它的出现就是为了对</a:t>
+            </a:r>
+            <a:r>
+              <a:rPr lang="en-US" altLang="zh-CN" dirty="0"/>
+              <a:t>UML</a:t>
+            </a:r>
+            <a:r>
+              <a:rPr lang="zh-CN" altLang="zh-CN" dirty="0"/>
+              <a:t>建模的支持，</a:t>
+            </a:r>
+            <a:r>
+              <a:rPr lang="en-US" altLang="zh-CN" dirty="0"/>
+              <a:t>ROSE</a:t>
+            </a:r>
+            <a:r>
+              <a:rPr lang="zh-CN" altLang="zh-CN" dirty="0"/>
+              <a:t>一开始没有对数据库端建模的支持，但是在现在的版本中已经加入数据库建模的功能。</a:t>
+            </a:r>
+            <a:endParaRPr lang="en-US" altLang="zh-CN" dirty="0"/>
+          </a:p>
+          <a:p>
+            <a:pPr marL="0" indent="0">
+              <a:buNone/>
+            </a:pPr>
+            <a:endParaRPr lang="en-US" altLang="zh-CN" dirty="0"/>
+          </a:p>
+          <a:p>
+            <a:pPr marL="0" indent="0">
+              <a:buNone/>
+            </a:pPr>
+            <a:r>
+              <a:rPr lang="zh-CN" altLang="en-US" dirty="0"/>
+              <a:t>它的结构仅仅对那些对掌握</a:t>
+            </a:r>
+            <a:r>
+              <a:rPr lang="en-US" altLang="zh-CN" dirty="0"/>
+              <a:t>UML</a:t>
+            </a:r>
+            <a:r>
+              <a:rPr lang="zh-CN" altLang="en-US" dirty="0"/>
+              <a:t>的开发人员，也就是说对客户了解系统的功能和流程等并不一定很有效</a:t>
+            </a:r>
+            <a:r>
+              <a:rPr lang="en-US" altLang="zh-CN" dirty="0"/>
+              <a:t>,</a:t>
+            </a:r>
+            <a:r>
+              <a:rPr lang="zh-CN" altLang="en-US" dirty="0"/>
+              <a:t>对数据库的开发管理和数据库端的迭代不是很好</a:t>
+            </a:r>
+            <a:endParaRPr lang="en-US" altLang="zh-CN" dirty="0"/>
+          </a:p>
+          <a:p>
+            <a:pPr marL="0" indent="0" algn="r">
+              <a:buNone/>
+            </a:pPr>
+            <a:r>
+              <a:rPr lang="en-US" altLang="zh-CN" dirty="0"/>
+              <a:t>【2】</a:t>
+            </a:r>
+          </a:p>
+          <a:p>
+            <a:pPr marL="0" indent="0">
+              <a:buNone/>
+            </a:pPr>
+            <a:endParaRPr lang="zh-CN" altLang="en-US" dirty="0"/>
+          </a:p>
+        </p:txBody>
+      </p:sp>
+      <p:sp>
+        <p:nvSpPr>
+          <p:cNvPr id="4" name="Freeform 5"/>
+          <p:cNvSpPr/>
+          <p:nvPr/>
+        </p:nvSpPr>
+        <p:spPr bwMode="auto">
+          <a:xfrm flipH="1">
+            <a:off x="0" y="-13281"/>
+            <a:ext cx="409433" cy="832147"/>
+          </a:xfrm>
+          <a:custGeom>
+            <a:avLst/>
+            <a:gdLst>
+              <a:gd name="T0" fmla="*/ 1462 w 2332"/>
+              <a:gd name="T1" fmla="*/ 0 h 3907"/>
+              <a:gd name="T2" fmla="*/ 2332 w 2332"/>
+              <a:gd name="T3" fmla="*/ 0 h 3907"/>
+              <a:gd name="T4" fmla="*/ 2332 w 2332"/>
+              <a:gd name="T5" fmla="*/ 3907 h 3907"/>
+              <a:gd name="T6" fmla="*/ 0 w 2332"/>
+              <a:gd name="T7" fmla="*/ 2595 h 3907"/>
+              <a:gd name="T8" fmla="*/ 1462 w 2332"/>
+              <a:gd name="T9" fmla="*/ 0 h 3907"/>
+            </a:gdLst>
+            <a:ahLst/>
+            <a:cxnLst>
+              <a:cxn ang="0">
+                <a:pos x="T0" y="T1"/>
+              </a:cxn>
+              <a:cxn ang="0">
+                <a:pos x="T2" y="T3"/>
+              </a:cxn>
+              <a:cxn ang="0">
+                <a:pos x="T4" y="T5"/>
+              </a:cxn>
+              <a:cxn ang="0">
+                <a:pos x="T6" y="T7"/>
+              </a:cxn>
+              <a:cxn ang="0">
+                <a:pos x="T8" y="T9"/>
+              </a:cxn>
+            </a:cxnLst>
+            <a:rect l="0" t="0" r="r" b="b"/>
+            <a:pathLst>
+              <a:path w="2332" h="3907">
+                <a:moveTo>
+                  <a:pt x="1462" y="0"/>
+                </a:moveTo>
+                <a:lnTo>
+                  <a:pt x="2332" y="0"/>
+                </a:lnTo>
+                <a:lnTo>
+                  <a:pt x="2332" y="3907"/>
+                </a:lnTo>
+                <a:lnTo>
+                  <a:pt x="0" y="2595"/>
+                </a:lnTo>
+                <a:lnTo>
+                  <a:pt x="1462" y="0"/>
+                </a:lnTo>
+                <a:close/>
+              </a:path>
+            </a:pathLst>
+          </a:custGeom>
+          <a:solidFill>
+            <a:srgbClr val="002B41"/>
+          </a:solidFill>
+          <a:ln w="28575">
+            <a:noFill/>
+          </a:ln>
+          <a:effectLst>
+            <a:outerShdw blurRad="254000" dist="127000" dir="2700000" algn="tl" rotWithShape="0">
+              <a:prstClr val="black">
+                <a:alpha val="40000"/>
+              </a:prstClr>
+            </a:outerShdw>
+          </a:effectLst>
+        </p:spPr>
+        <p:txBody>
+          <a:bodyPr anchor="ctr"/>
+          <a:lstStyle/>
+          <a:p>
+            <a:pPr algn="ctr"/>
             <a:endParaRPr lang="zh-CN" altLang="en-US" sz="2000">
               <a:solidFill>
                 <a:schemeClr val="bg1">
@@ -14724,6 +15586,1982 @@
           </a:p>
         </p:txBody>
       </p:sp>
+    </p:spTree>
+    <p:extLst>
+      <p:ext uri="{BB962C8B-B14F-4D97-AF65-F5344CB8AC3E}">
+        <p14:creationId xmlns:p14="http://schemas.microsoft.com/office/powerpoint/2010/main" val="2847143489"/>
+      </p:ext>
+    </p:extLst>
+  </p:cSld>
+  <p:clrMapOvr>
+    <a:masterClrMapping/>
+  </p:clrMapOvr>
+  <p:timing>
+    <p:tnLst>
+      <p:par>
+        <p:cTn id="1" dur="indefinite" restart="never" nodeType="tmRoot">
+          <p:childTnLst>
+            <p:seq concurrent="1" nextAc="seek">
+              <p:cTn id="2" dur="indefinite" nodeType="mainSeq">
+                <p:childTnLst>
+                  <p:par>
+                    <p:cTn id="3" fill="hold">
+                      <p:stCondLst>
+                        <p:cond delay="indefinite"/>
+                        <p:cond evt="onBegin" delay="0">
+                          <p:tn val="2"/>
+                        </p:cond>
+                      </p:stCondLst>
+                      <p:childTnLst>
+                        <p:par>
+                          <p:cTn id="4" fill="hold">
+                            <p:stCondLst>
+                              <p:cond delay="0"/>
+                            </p:stCondLst>
+                            <p:childTnLst>
+                              <p:par>
+                                <p:cTn id="5" presetID="1" presetClass="entr" presetSubtype="0" fill="hold" nodeType="withEffect">
+                                  <p:stCondLst>
+                                    <p:cond delay="0"/>
+                                  </p:stCondLst>
+                                  <p:childTnLst>
+                                    <p:set>
+                                      <p:cBhvr>
+                                        <p:cTn id="6" dur="1" fill="hold">
+                                          <p:stCondLst>
+                                            <p:cond delay="0"/>
+                                          </p:stCondLst>
+                                        </p:cTn>
+                                        <p:tgtEl>
+                                          <p:spTgt spid="3">
+                                            <p:txEl>
+                                              <p:pRg st="3" end="3"/>
+                                            </p:txEl>
+                                          </p:spTgt>
+                                        </p:tgtEl>
+                                        <p:attrNameLst>
+                                          <p:attrName>style.visibility</p:attrName>
+                                        </p:attrNameLst>
+                                      </p:cBhvr>
+                                      <p:to>
+                                        <p:strVal val="visible"/>
+                                      </p:to>
+                                    </p:set>
+                                  </p:childTnLst>
+                                </p:cTn>
+                              </p:par>
+                              <p:par>
+                                <p:cTn id="7" presetID="1" presetClass="entr" presetSubtype="0" fill="hold" nodeType="withEffect">
+                                  <p:stCondLst>
+                                    <p:cond delay="0"/>
+                                  </p:stCondLst>
+                                  <p:childTnLst>
+                                    <p:set>
+                                      <p:cBhvr>
+                                        <p:cTn id="8" dur="1" fill="hold">
+                                          <p:stCondLst>
+                                            <p:cond delay="0"/>
+                                          </p:stCondLst>
+                                        </p:cTn>
+                                        <p:tgtEl>
+                                          <p:spTgt spid="3">
+                                            <p:txEl>
+                                              <p:pRg st="0" end="0"/>
+                                            </p:txEl>
+                                          </p:spTgt>
+                                        </p:tgtEl>
+                                        <p:attrNameLst>
+                                          <p:attrName>style.visibility</p:attrName>
+                                        </p:attrNameLst>
+                                      </p:cBhvr>
+                                      <p:to>
+                                        <p:strVal val="visible"/>
+                                      </p:to>
+                                    </p:set>
+                                  </p:childTnLst>
+                                </p:cTn>
+                              </p:par>
+                              <p:par>
+                                <p:cTn id="9" presetID="1" presetClass="entr" presetSubtype="0" fill="hold" nodeType="withEffect">
+                                  <p:stCondLst>
+                                    <p:cond delay="0"/>
+                                  </p:stCondLst>
+                                  <p:childTnLst>
+                                    <p:set>
+                                      <p:cBhvr>
+                                        <p:cTn id="10" dur="1" fill="hold">
+                                          <p:stCondLst>
+                                            <p:cond delay="0"/>
+                                          </p:stCondLst>
+                                        </p:cTn>
+                                        <p:tgtEl>
+                                          <p:spTgt spid="3">
+                                            <p:txEl>
+                                              <p:pRg st="2" end="2"/>
+                                            </p:txEl>
+                                          </p:spTgt>
+                                        </p:tgtEl>
+                                        <p:attrNameLst>
+                                          <p:attrName>style.visibility</p:attrName>
+                                        </p:attrNameLst>
+                                      </p:cBhvr>
+                                      <p:to>
+                                        <p:strVal val="visible"/>
+                                      </p:to>
+                                    </p:set>
+                                  </p:childTnLst>
+                                </p:cTn>
+                              </p:par>
+                            </p:childTnLst>
+                          </p:cTn>
+                        </p:par>
+                      </p:childTnLst>
+                    </p:cTn>
+                  </p:par>
+                </p:childTnLst>
+              </p:cTn>
+              <p:prevCondLst>
+                <p:cond evt="onPrev" delay="0">
+                  <p:tgtEl>
+                    <p:sldTgt/>
+                  </p:tgtEl>
+                </p:cond>
+              </p:prevCondLst>
+              <p:nextCondLst>
+                <p:cond evt="onNext" delay="0">
+                  <p:tgtEl>
+                    <p:sldTgt/>
+                  </p:tgtEl>
+                </p:cond>
+              </p:nextCondLst>
+            </p:seq>
+          </p:childTnLst>
+        </p:cTn>
+      </p:par>
+    </p:tnLst>
+  </p:timing>
+</p:sld>
+</file>
+
+<file path=ppt/slides/slide33.xml><?xml version="1.0" encoding="utf-8"?>
+<p:sld xmlns:a="http://schemas.openxmlformats.org/drawingml/2006/main" xmlns:r="http://schemas.openxmlformats.org/officeDocument/2006/relationships" xmlns:p="http://schemas.openxmlformats.org/presentationml/2006/main">
+  <p:cSld>
+    <p:spTree>
+      <p:nvGrpSpPr>
+        <p:cNvPr id="1" name=""/>
+        <p:cNvGrpSpPr/>
+        <p:nvPr/>
+      </p:nvGrpSpPr>
+      <p:grpSpPr>
+        <a:xfrm>
+          <a:off x="0" y="0"/>
+          <a:ext cx="0" cy="0"/>
+          <a:chOff x="0" y="0"/>
+          <a:chExt cx="0" cy="0"/>
+        </a:xfrm>
+      </p:grpSpPr>
+      <p:sp>
+        <p:nvSpPr>
+          <p:cNvPr id="2" name="标题 1"/>
+          <p:cNvSpPr>
+            <a:spLocks noGrp="1"/>
+          </p:cNvSpPr>
+          <p:nvPr>
+            <p:ph type="title"/>
+          </p:nvPr>
+        </p:nvSpPr>
+        <p:spPr/>
+        <p:txBody>
+          <a:bodyPr/>
+          <a:lstStyle/>
+          <a:p>
+            <a:r>
+              <a:rPr lang="en-US" altLang="zh-CN" b="1" dirty="0" err="1"/>
+              <a:t>StarUML</a:t>
+            </a:r>
+            <a:endParaRPr lang="en-US" altLang="zh-CN" b="1" dirty="0"/>
+          </a:p>
+        </p:txBody>
+      </p:sp>
+      <p:sp>
+        <p:nvSpPr>
+          <p:cNvPr id="3" name="内容占位符 2"/>
+          <p:cNvSpPr>
+            <a:spLocks noGrp="1"/>
+          </p:cNvSpPr>
+          <p:nvPr>
+            <p:ph idx="1"/>
+          </p:nvPr>
+        </p:nvSpPr>
+        <p:spPr/>
+        <p:txBody>
+          <a:bodyPr>
+            <a:normAutofit fontScale="90000" lnSpcReduction="20000"/>
+          </a:bodyPr>
+          <a:lstStyle/>
+          <a:p>
+            <a:pPr marL="0" indent="0">
+              <a:buNone/>
+            </a:pPr>
+            <a:r>
+              <a:rPr lang="zh-CN" altLang="en-US" dirty="0"/>
+              <a:t>优点</a:t>
+            </a:r>
+            <a:endParaRPr lang="en-US" altLang="zh-CN" dirty="0"/>
+          </a:p>
+          <a:p>
+            <a:pPr marL="0" indent="0">
+              <a:buNone/>
+            </a:pPr>
+            <a:r>
+              <a:rPr lang="en-US" altLang="zh-CN" dirty="0"/>
+              <a:t>	</a:t>
+            </a:r>
+            <a:r>
+              <a:rPr lang="zh-CN" altLang="en-US" dirty="0"/>
+              <a:t>简单，易上手</a:t>
+            </a:r>
+            <a:endParaRPr lang="en-US" altLang="zh-CN" dirty="0"/>
+          </a:p>
+          <a:p>
+            <a:pPr marL="0" indent="0">
+              <a:buNone/>
+            </a:pPr>
+            <a:r>
+              <a:rPr lang="en-US" altLang="zh-CN" dirty="0"/>
+              <a:t>	</a:t>
+            </a:r>
+            <a:r>
+              <a:rPr lang="zh-CN" altLang="en-US" dirty="0"/>
+              <a:t>对象属性很全面，可以直接对应</a:t>
+            </a:r>
+            <a:r>
+              <a:rPr lang="en-US" altLang="zh-CN" dirty="0"/>
+              <a:t>C++</a:t>
+            </a:r>
+            <a:r>
+              <a:rPr lang="zh-CN" altLang="en-US" dirty="0"/>
+              <a:t>的各种属性</a:t>
+            </a:r>
+            <a:endParaRPr lang="en-US" altLang="zh-CN" dirty="0"/>
+          </a:p>
+          <a:p>
+            <a:pPr marL="0" indent="0">
+              <a:buNone/>
+            </a:pPr>
+            <a:r>
+              <a:rPr lang="en-US" altLang="zh-CN" dirty="0"/>
+              <a:t>	</a:t>
+            </a:r>
+            <a:r>
+              <a:rPr lang="zh-CN" altLang="en-US" dirty="0"/>
+              <a:t>免费</a:t>
+            </a:r>
+            <a:endParaRPr lang="en-US" altLang="zh-CN" dirty="0"/>
+          </a:p>
+          <a:p>
+            <a:pPr marL="0" indent="0">
+              <a:buNone/>
+            </a:pPr>
+            <a:r>
+              <a:rPr lang="zh-CN" altLang="en-US" dirty="0"/>
+              <a:t>缺点</a:t>
+            </a:r>
+            <a:endParaRPr lang="en-US" altLang="zh-CN" dirty="0"/>
+          </a:p>
+          <a:p>
+            <a:pPr marL="0" indent="0">
+              <a:buNone/>
+            </a:pPr>
+            <a:r>
+              <a:rPr lang="en-US" altLang="zh-CN" dirty="0"/>
+              <a:t>	</a:t>
+            </a:r>
+            <a:r>
+              <a:rPr lang="zh-CN" altLang="en-US" dirty="0"/>
+              <a:t>只能从类图生成代码，所以只能进行框架设计，也不能在模型中插</a:t>
+            </a:r>
+            <a:r>
+              <a:rPr lang="en-US" altLang="zh-CN" dirty="0"/>
+              <a:t>	</a:t>
+            </a:r>
+            <a:r>
+              <a:rPr lang="zh-CN" altLang="en-US" dirty="0"/>
+              <a:t>入实现代码</a:t>
+            </a:r>
+            <a:endParaRPr lang="en-US" altLang="zh-CN" dirty="0"/>
+          </a:p>
+          <a:p>
+            <a:pPr marL="0" indent="0">
+              <a:buNone/>
+            </a:pPr>
+            <a:r>
+              <a:rPr lang="en-US" altLang="zh-CN" dirty="0"/>
+              <a:t>	</a:t>
+            </a:r>
+            <a:r>
+              <a:rPr lang="zh-CN" altLang="en-US" dirty="0"/>
+              <a:t>只能单向生成，不能增量式维护，因此如果模型有更改，只能生成</a:t>
+            </a:r>
+            <a:r>
+              <a:rPr lang="en-US" altLang="zh-CN" dirty="0"/>
+              <a:t>	</a:t>
+            </a:r>
+            <a:r>
+              <a:rPr lang="zh-CN" altLang="en-US" dirty="0"/>
+              <a:t>新的代码，然后手动和现有代码进行比较更新</a:t>
+            </a:r>
+            <a:endParaRPr lang="en-US" altLang="zh-CN" dirty="0"/>
+          </a:p>
+          <a:p>
+            <a:pPr marL="0" indent="0">
+              <a:buNone/>
+            </a:pPr>
+            <a:r>
+              <a:rPr lang="en-US" altLang="zh-CN" dirty="0"/>
+              <a:t>	</a:t>
+            </a:r>
+            <a:r>
+              <a:rPr lang="zh-CN" altLang="en-US" dirty="0"/>
+              <a:t>不能运行，无法进行早期验证</a:t>
+            </a:r>
+          </a:p>
+          <a:p>
+            <a:pPr marL="0" indent="0" algn="r">
+              <a:buNone/>
+            </a:pPr>
+            <a:r>
+              <a:rPr lang="en-US" altLang="zh-CN" dirty="0"/>
+              <a:t>【3】</a:t>
+            </a:r>
+          </a:p>
+          <a:p>
+            <a:pPr marL="0" indent="0">
+              <a:buNone/>
+            </a:pPr>
+            <a:endParaRPr lang="zh-CN" altLang="en-US" dirty="0"/>
+          </a:p>
+        </p:txBody>
+      </p:sp>
+      <p:sp>
+        <p:nvSpPr>
+          <p:cNvPr id="4" name="Freeform 5"/>
+          <p:cNvSpPr/>
+          <p:nvPr/>
+        </p:nvSpPr>
+        <p:spPr bwMode="auto">
+          <a:xfrm flipH="1">
+            <a:off x="0" y="-13281"/>
+            <a:ext cx="409433" cy="832147"/>
+          </a:xfrm>
+          <a:custGeom>
+            <a:avLst/>
+            <a:gdLst>
+              <a:gd name="T0" fmla="*/ 1462 w 2332"/>
+              <a:gd name="T1" fmla="*/ 0 h 3907"/>
+              <a:gd name="T2" fmla="*/ 2332 w 2332"/>
+              <a:gd name="T3" fmla="*/ 0 h 3907"/>
+              <a:gd name="T4" fmla="*/ 2332 w 2332"/>
+              <a:gd name="T5" fmla="*/ 3907 h 3907"/>
+              <a:gd name="T6" fmla="*/ 0 w 2332"/>
+              <a:gd name="T7" fmla="*/ 2595 h 3907"/>
+              <a:gd name="T8" fmla="*/ 1462 w 2332"/>
+              <a:gd name="T9" fmla="*/ 0 h 3907"/>
+            </a:gdLst>
+            <a:ahLst/>
+            <a:cxnLst>
+              <a:cxn ang="0">
+                <a:pos x="T0" y="T1"/>
+              </a:cxn>
+              <a:cxn ang="0">
+                <a:pos x="T2" y="T3"/>
+              </a:cxn>
+              <a:cxn ang="0">
+                <a:pos x="T4" y="T5"/>
+              </a:cxn>
+              <a:cxn ang="0">
+                <a:pos x="T6" y="T7"/>
+              </a:cxn>
+              <a:cxn ang="0">
+                <a:pos x="T8" y="T9"/>
+              </a:cxn>
+            </a:cxnLst>
+            <a:rect l="0" t="0" r="r" b="b"/>
+            <a:pathLst>
+              <a:path w="2332" h="3907">
+                <a:moveTo>
+                  <a:pt x="1462" y="0"/>
+                </a:moveTo>
+                <a:lnTo>
+                  <a:pt x="2332" y="0"/>
+                </a:lnTo>
+                <a:lnTo>
+                  <a:pt x="2332" y="3907"/>
+                </a:lnTo>
+                <a:lnTo>
+                  <a:pt x="0" y="2595"/>
+                </a:lnTo>
+                <a:lnTo>
+                  <a:pt x="1462" y="0"/>
+                </a:lnTo>
+                <a:close/>
+              </a:path>
+            </a:pathLst>
+          </a:custGeom>
+          <a:solidFill>
+            <a:srgbClr val="002B41"/>
+          </a:solidFill>
+          <a:ln w="28575">
+            <a:noFill/>
+          </a:ln>
+          <a:effectLst>
+            <a:outerShdw blurRad="254000" dist="127000" dir="2700000" algn="tl" rotWithShape="0">
+              <a:prstClr val="black">
+                <a:alpha val="40000"/>
+              </a:prstClr>
+            </a:outerShdw>
+          </a:effectLst>
+        </p:spPr>
+        <p:txBody>
+          <a:bodyPr anchor="ctr"/>
+          <a:lstStyle/>
+          <a:p>
+            <a:pPr algn="ctr"/>
+            <a:endParaRPr lang="zh-CN" altLang="en-US" sz="2000">
+              <a:solidFill>
+                <a:schemeClr val="bg1">
+                  <a:lumMod val="95000"/>
+                </a:schemeClr>
+              </a:solidFill>
+              <a:latin typeface="Calibri" panose="020F0502020204030204" pitchFamily="34" charset="0"/>
+              <a:ea typeface="宋体" panose="02010600030101010101" pitchFamily="2" charset="-122"/>
+            </a:endParaRPr>
+          </a:p>
+        </p:txBody>
+      </p:sp>
+    </p:spTree>
+    <p:extLst>
+      <p:ext uri="{BB962C8B-B14F-4D97-AF65-F5344CB8AC3E}">
+        <p14:creationId xmlns:p14="http://schemas.microsoft.com/office/powerpoint/2010/main" val="1269057430"/>
+      </p:ext>
+    </p:extLst>
+  </p:cSld>
+  <p:clrMapOvr>
+    <a:masterClrMapping/>
+  </p:clrMapOvr>
+  <p:timing>
+    <p:tnLst>
+      <p:par>
+        <p:cTn id="1" dur="indefinite" restart="never" nodeType="tmRoot">
+          <p:childTnLst>
+            <p:seq concurrent="1" nextAc="seek">
+              <p:cTn id="2" dur="indefinite" nodeType="mainSeq">
+                <p:childTnLst>
+                  <p:par>
+                    <p:cTn id="3" fill="hold">
+                      <p:stCondLst>
+                        <p:cond delay="indefinite"/>
+                        <p:cond evt="onBegin" delay="0">
+                          <p:tn val="2"/>
+                        </p:cond>
+                      </p:stCondLst>
+                      <p:childTnLst>
+                        <p:par>
+                          <p:cTn id="4" fill="hold">
+                            <p:stCondLst>
+                              <p:cond delay="0"/>
+                            </p:stCondLst>
+                            <p:childTnLst>
+                              <p:par>
+                                <p:cTn id="5" presetID="1" presetClass="entr" presetSubtype="0" fill="hold" nodeType="withEffect">
+                                  <p:stCondLst>
+                                    <p:cond delay="0"/>
+                                  </p:stCondLst>
+                                  <p:childTnLst>
+                                    <p:set>
+                                      <p:cBhvr>
+                                        <p:cTn id="6" dur="1" fill="hold">
+                                          <p:stCondLst>
+                                            <p:cond delay="0"/>
+                                          </p:stCondLst>
+                                        </p:cTn>
+                                        <p:tgtEl>
+                                          <p:spTgt spid="3">
+                                            <p:txEl>
+                                              <p:pRg st="8" end="8"/>
+                                            </p:txEl>
+                                          </p:spTgt>
+                                        </p:tgtEl>
+                                        <p:attrNameLst>
+                                          <p:attrName>style.visibility</p:attrName>
+                                        </p:attrNameLst>
+                                      </p:cBhvr>
+                                      <p:to>
+                                        <p:strVal val="visible"/>
+                                      </p:to>
+                                    </p:set>
+                                  </p:childTnLst>
+                                </p:cTn>
+                              </p:par>
+                              <p:par>
+                                <p:cTn id="7" presetID="1" presetClass="entr" presetSubtype="0" fill="hold" nodeType="withEffect">
+                                  <p:stCondLst>
+                                    <p:cond delay="0"/>
+                                  </p:stCondLst>
+                                  <p:childTnLst>
+                                    <p:set>
+                                      <p:cBhvr>
+                                        <p:cTn id="8" dur="1" fill="hold">
+                                          <p:stCondLst>
+                                            <p:cond delay="0"/>
+                                          </p:stCondLst>
+                                        </p:cTn>
+                                        <p:tgtEl>
+                                          <p:spTgt spid="3">
+                                            <p:txEl>
+                                              <p:pRg st="0" end="0"/>
+                                            </p:txEl>
+                                          </p:spTgt>
+                                        </p:tgtEl>
+                                        <p:attrNameLst>
+                                          <p:attrName>style.visibility</p:attrName>
+                                        </p:attrNameLst>
+                                      </p:cBhvr>
+                                      <p:to>
+                                        <p:strVal val="visible"/>
+                                      </p:to>
+                                    </p:set>
+                                  </p:childTnLst>
+                                </p:cTn>
+                              </p:par>
+                              <p:par>
+                                <p:cTn id="9" presetID="1" presetClass="entr" presetSubtype="0" fill="hold" nodeType="withEffect">
+                                  <p:stCondLst>
+                                    <p:cond delay="0"/>
+                                  </p:stCondLst>
+                                  <p:childTnLst>
+                                    <p:set>
+                                      <p:cBhvr>
+                                        <p:cTn id="10" dur="1" fill="hold">
+                                          <p:stCondLst>
+                                            <p:cond delay="0"/>
+                                          </p:stCondLst>
+                                        </p:cTn>
+                                        <p:tgtEl>
+                                          <p:spTgt spid="3">
+                                            <p:txEl>
+                                              <p:pRg st="1" end="1"/>
+                                            </p:txEl>
+                                          </p:spTgt>
+                                        </p:tgtEl>
+                                        <p:attrNameLst>
+                                          <p:attrName>style.visibility</p:attrName>
+                                        </p:attrNameLst>
+                                      </p:cBhvr>
+                                      <p:to>
+                                        <p:strVal val="visible"/>
+                                      </p:to>
+                                    </p:set>
+                                  </p:childTnLst>
+                                </p:cTn>
+                              </p:par>
+                              <p:par>
+                                <p:cTn id="11" presetID="1" presetClass="entr" presetSubtype="0" fill="hold" nodeType="withEffect">
+                                  <p:stCondLst>
+                                    <p:cond delay="0"/>
+                                  </p:stCondLst>
+                                  <p:childTnLst>
+                                    <p:set>
+                                      <p:cBhvr>
+                                        <p:cTn id="12" dur="1" fill="hold">
+                                          <p:stCondLst>
+                                            <p:cond delay="0"/>
+                                          </p:stCondLst>
+                                        </p:cTn>
+                                        <p:tgtEl>
+                                          <p:spTgt spid="3">
+                                            <p:txEl>
+                                              <p:pRg st="2" end="2"/>
+                                            </p:txEl>
+                                          </p:spTgt>
+                                        </p:tgtEl>
+                                        <p:attrNameLst>
+                                          <p:attrName>style.visibility</p:attrName>
+                                        </p:attrNameLst>
+                                      </p:cBhvr>
+                                      <p:to>
+                                        <p:strVal val="visible"/>
+                                      </p:to>
+                                    </p:set>
+                                  </p:childTnLst>
+                                </p:cTn>
+                              </p:par>
+                              <p:par>
+                                <p:cTn id="13" presetID="1" presetClass="entr" presetSubtype="0" fill="hold" nodeType="withEffect">
+                                  <p:stCondLst>
+                                    <p:cond delay="0"/>
+                                  </p:stCondLst>
+                                  <p:childTnLst>
+                                    <p:set>
+                                      <p:cBhvr>
+                                        <p:cTn id="14" dur="1" fill="hold">
+                                          <p:stCondLst>
+                                            <p:cond delay="0"/>
+                                          </p:stCondLst>
+                                        </p:cTn>
+                                        <p:tgtEl>
+                                          <p:spTgt spid="3">
+                                            <p:txEl>
+                                              <p:pRg st="3" end="3"/>
+                                            </p:txEl>
+                                          </p:spTgt>
+                                        </p:tgtEl>
+                                        <p:attrNameLst>
+                                          <p:attrName>style.visibility</p:attrName>
+                                        </p:attrNameLst>
+                                      </p:cBhvr>
+                                      <p:to>
+                                        <p:strVal val="visible"/>
+                                      </p:to>
+                                    </p:set>
+                                  </p:childTnLst>
+                                </p:cTn>
+                              </p:par>
+                              <p:par>
+                                <p:cTn id="15" presetID="1" presetClass="entr" presetSubtype="0" fill="hold" nodeType="withEffect">
+                                  <p:stCondLst>
+                                    <p:cond delay="0"/>
+                                  </p:stCondLst>
+                                  <p:childTnLst>
+                                    <p:set>
+                                      <p:cBhvr>
+                                        <p:cTn id="16" dur="1" fill="hold">
+                                          <p:stCondLst>
+                                            <p:cond delay="0"/>
+                                          </p:stCondLst>
+                                        </p:cTn>
+                                        <p:tgtEl>
+                                          <p:spTgt spid="3">
+                                            <p:txEl>
+                                              <p:pRg st="4" end="4"/>
+                                            </p:txEl>
+                                          </p:spTgt>
+                                        </p:tgtEl>
+                                        <p:attrNameLst>
+                                          <p:attrName>style.visibility</p:attrName>
+                                        </p:attrNameLst>
+                                      </p:cBhvr>
+                                      <p:to>
+                                        <p:strVal val="visible"/>
+                                      </p:to>
+                                    </p:set>
+                                  </p:childTnLst>
+                                </p:cTn>
+                              </p:par>
+                              <p:par>
+                                <p:cTn id="17" presetID="1" presetClass="entr" presetSubtype="0" fill="hold" nodeType="withEffect">
+                                  <p:stCondLst>
+                                    <p:cond delay="0"/>
+                                  </p:stCondLst>
+                                  <p:childTnLst>
+                                    <p:set>
+                                      <p:cBhvr>
+                                        <p:cTn id="18" dur="1" fill="hold">
+                                          <p:stCondLst>
+                                            <p:cond delay="0"/>
+                                          </p:stCondLst>
+                                        </p:cTn>
+                                        <p:tgtEl>
+                                          <p:spTgt spid="3">
+                                            <p:txEl>
+                                              <p:pRg st="5" end="5"/>
+                                            </p:txEl>
+                                          </p:spTgt>
+                                        </p:tgtEl>
+                                        <p:attrNameLst>
+                                          <p:attrName>style.visibility</p:attrName>
+                                        </p:attrNameLst>
+                                      </p:cBhvr>
+                                      <p:to>
+                                        <p:strVal val="visible"/>
+                                      </p:to>
+                                    </p:set>
+                                  </p:childTnLst>
+                                </p:cTn>
+                              </p:par>
+                              <p:par>
+                                <p:cTn id="19" presetID="1" presetClass="entr" presetSubtype="0" fill="hold" nodeType="withEffect">
+                                  <p:stCondLst>
+                                    <p:cond delay="0"/>
+                                  </p:stCondLst>
+                                  <p:childTnLst>
+                                    <p:set>
+                                      <p:cBhvr>
+                                        <p:cTn id="20" dur="1" fill="hold">
+                                          <p:stCondLst>
+                                            <p:cond delay="0"/>
+                                          </p:stCondLst>
+                                        </p:cTn>
+                                        <p:tgtEl>
+                                          <p:spTgt spid="3">
+                                            <p:txEl>
+                                              <p:pRg st="6" end="6"/>
+                                            </p:txEl>
+                                          </p:spTgt>
+                                        </p:tgtEl>
+                                        <p:attrNameLst>
+                                          <p:attrName>style.visibility</p:attrName>
+                                        </p:attrNameLst>
+                                      </p:cBhvr>
+                                      <p:to>
+                                        <p:strVal val="visible"/>
+                                      </p:to>
+                                    </p:set>
+                                  </p:childTnLst>
+                                </p:cTn>
+                              </p:par>
+                              <p:par>
+                                <p:cTn id="21" presetID="1" presetClass="entr" presetSubtype="0" fill="hold" nodeType="withEffect">
+                                  <p:stCondLst>
+                                    <p:cond delay="0"/>
+                                  </p:stCondLst>
+                                  <p:childTnLst>
+                                    <p:set>
+                                      <p:cBhvr>
+                                        <p:cTn id="22" dur="1" fill="hold">
+                                          <p:stCondLst>
+                                            <p:cond delay="0"/>
+                                          </p:stCondLst>
+                                        </p:cTn>
+                                        <p:tgtEl>
+                                          <p:spTgt spid="3">
+                                            <p:txEl>
+                                              <p:pRg st="7" end="7"/>
+                                            </p:txEl>
+                                          </p:spTgt>
+                                        </p:tgtEl>
+                                        <p:attrNameLst>
+                                          <p:attrName>style.visibility</p:attrName>
+                                        </p:attrNameLst>
+                                      </p:cBhvr>
+                                      <p:to>
+                                        <p:strVal val="visible"/>
+                                      </p:to>
+                                    </p:set>
+                                  </p:childTnLst>
+                                </p:cTn>
+                              </p:par>
+                            </p:childTnLst>
+                          </p:cTn>
+                        </p:par>
+                      </p:childTnLst>
+                    </p:cTn>
+                  </p:par>
+                </p:childTnLst>
+              </p:cTn>
+              <p:prevCondLst>
+                <p:cond evt="onPrev" delay="0">
+                  <p:tgtEl>
+                    <p:sldTgt/>
+                  </p:tgtEl>
+                </p:cond>
+              </p:prevCondLst>
+              <p:nextCondLst>
+                <p:cond evt="onNext" delay="0">
+                  <p:tgtEl>
+                    <p:sldTgt/>
+                  </p:tgtEl>
+                </p:cond>
+              </p:nextCondLst>
+            </p:seq>
+          </p:childTnLst>
+        </p:cTn>
+      </p:par>
+    </p:tnLst>
+  </p:timing>
+</p:sld>
+</file>
+
+<file path=ppt/slides/slide34.xml><?xml version="1.0" encoding="utf-8"?>
+<p:sld xmlns:a="http://schemas.openxmlformats.org/drawingml/2006/main" xmlns:r="http://schemas.openxmlformats.org/officeDocument/2006/relationships" xmlns:p="http://schemas.openxmlformats.org/presentationml/2006/main">
+  <p:cSld>
+    <p:spTree>
+      <p:nvGrpSpPr>
+        <p:cNvPr id="1" name=""/>
+        <p:cNvGrpSpPr/>
+        <p:nvPr/>
+      </p:nvGrpSpPr>
+      <p:grpSpPr>
+        <a:xfrm>
+          <a:off x="0" y="0"/>
+          <a:ext cx="0" cy="0"/>
+          <a:chOff x="0" y="0"/>
+          <a:chExt cx="0" cy="0"/>
+        </a:xfrm>
+      </p:grpSpPr>
+      <p:sp>
+        <p:nvSpPr>
+          <p:cNvPr id="2" name="标题 1"/>
+          <p:cNvSpPr>
+            <a:spLocks noGrp="1"/>
+          </p:cNvSpPr>
+          <p:nvPr>
+            <p:ph type="title"/>
+          </p:nvPr>
+        </p:nvSpPr>
+        <p:spPr/>
+        <p:txBody>
+          <a:bodyPr/>
+          <a:lstStyle/>
+          <a:p>
+            <a:r>
+              <a:rPr lang="en-US" altLang="zh-CN" b="1" dirty="0" err="1"/>
+              <a:t>PowerDesigner</a:t>
+            </a:r>
+            <a:endParaRPr lang="en-US" altLang="zh-CN" b="1" dirty="0"/>
+          </a:p>
+        </p:txBody>
+      </p:sp>
+      <p:sp>
+        <p:nvSpPr>
+          <p:cNvPr id="3" name="内容占位符 2"/>
+          <p:cNvSpPr>
+            <a:spLocks noGrp="1"/>
+          </p:cNvSpPr>
+          <p:nvPr>
+            <p:ph idx="1"/>
+          </p:nvPr>
+        </p:nvSpPr>
+        <p:spPr/>
+        <p:txBody>
+          <a:bodyPr>
+            <a:normAutofit fontScale="97500"/>
+          </a:bodyPr>
+          <a:lstStyle/>
+          <a:p>
+            <a:pPr marL="0" indent="0">
+              <a:buNone/>
+            </a:pPr>
+            <a:r>
+              <a:rPr lang="zh-CN" altLang="en-US" dirty="0"/>
+              <a:t>对数据库建模的支持很好，支持了能够看到的</a:t>
+            </a:r>
+            <a:r>
+              <a:rPr lang="en-US" altLang="zh-CN" dirty="0"/>
+              <a:t>90%</a:t>
+            </a:r>
+            <a:r>
+              <a:rPr lang="zh-CN" altLang="en-US" dirty="0"/>
+              <a:t>左右的数据库</a:t>
+            </a:r>
+            <a:endParaRPr lang="en-US" altLang="zh-CN" dirty="0"/>
+          </a:p>
+          <a:p>
+            <a:pPr marL="0" indent="0">
+              <a:buNone/>
+            </a:pPr>
+            <a:endParaRPr lang="en-US" altLang="zh-CN" dirty="0"/>
+          </a:p>
+          <a:p>
+            <a:pPr marL="0" indent="0">
+              <a:buNone/>
+            </a:pPr>
+            <a:r>
+              <a:rPr lang="zh-CN" altLang="en-US" dirty="0"/>
+              <a:t>对</a:t>
+            </a:r>
+            <a:r>
+              <a:rPr lang="en-US" altLang="zh-CN" dirty="0"/>
+              <a:t>UML</a:t>
+            </a:r>
+            <a:r>
+              <a:rPr lang="zh-CN" altLang="en-US" dirty="0"/>
+              <a:t>的建模使用到的各种图的支持比较滞后。但是在最近得到加强。所以使用它来进行</a:t>
+            </a:r>
+            <a:r>
+              <a:rPr lang="en-US" altLang="zh-CN" dirty="0"/>
+              <a:t>UML</a:t>
+            </a:r>
+            <a:r>
+              <a:rPr lang="zh-CN" altLang="en-US" dirty="0"/>
+              <a:t>开发的并不多，很多人都是用它来作为数据库的建模。</a:t>
+            </a:r>
+            <a:endParaRPr lang="en-US" altLang="zh-CN" dirty="0"/>
+          </a:p>
+          <a:p>
+            <a:pPr marL="0" indent="0">
+              <a:buNone/>
+            </a:pPr>
+            <a:r>
+              <a:rPr lang="zh-CN" altLang="en-US" dirty="0"/>
+              <a:t>对中国的市场不是很看看好，所以对中文的支持总是有这样或那样的问题</a:t>
+            </a:r>
+            <a:endParaRPr lang="en-US" altLang="zh-CN" dirty="0"/>
+          </a:p>
+          <a:p>
+            <a:pPr marL="0" indent="0" algn="r">
+              <a:buNone/>
+            </a:pPr>
+            <a:r>
+              <a:rPr lang="en-US" altLang="zh-CN" dirty="0"/>
+              <a:t>【2】</a:t>
+            </a:r>
+          </a:p>
+          <a:p>
+            <a:pPr marL="0" indent="0">
+              <a:buNone/>
+            </a:pPr>
+            <a:endParaRPr lang="zh-CN" altLang="en-US" dirty="0"/>
+          </a:p>
+        </p:txBody>
+      </p:sp>
+      <p:sp>
+        <p:nvSpPr>
+          <p:cNvPr id="4" name="Freeform 5"/>
+          <p:cNvSpPr/>
+          <p:nvPr/>
+        </p:nvSpPr>
+        <p:spPr bwMode="auto">
+          <a:xfrm flipH="1">
+            <a:off x="0" y="-13281"/>
+            <a:ext cx="409433" cy="832147"/>
+          </a:xfrm>
+          <a:custGeom>
+            <a:avLst/>
+            <a:gdLst>
+              <a:gd name="T0" fmla="*/ 1462 w 2332"/>
+              <a:gd name="T1" fmla="*/ 0 h 3907"/>
+              <a:gd name="T2" fmla="*/ 2332 w 2332"/>
+              <a:gd name="T3" fmla="*/ 0 h 3907"/>
+              <a:gd name="T4" fmla="*/ 2332 w 2332"/>
+              <a:gd name="T5" fmla="*/ 3907 h 3907"/>
+              <a:gd name="T6" fmla="*/ 0 w 2332"/>
+              <a:gd name="T7" fmla="*/ 2595 h 3907"/>
+              <a:gd name="T8" fmla="*/ 1462 w 2332"/>
+              <a:gd name="T9" fmla="*/ 0 h 3907"/>
+            </a:gdLst>
+            <a:ahLst/>
+            <a:cxnLst>
+              <a:cxn ang="0">
+                <a:pos x="T0" y="T1"/>
+              </a:cxn>
+              <a:cxn ang="0">
+                <a:pos x="T2" y="T3"/>
+              </a:cxn>
+              <a:cxn ang="0">
+                <a:pos x="T4" y="T5"/>
+              </a:cxn>
+              <a:cxn ang="0">
+                <a:pos x="T6" y="T7"/>
+              </a:cxn>
+              <a:cxn ang="0">
+                <a:pos x="T8" y="T9"/>
+              </a:cxn>
+            </a:cxnLst>
+            <a:rect l="0" t="0" r="r" b="b"/>
+            <a:pathLst>
+              <a:path w="2332" h="3907">
+                <a:moveTo>
+                  <a:pt x="1462" y="0"/>
+                </a:moveTo>
+                <a:lnTo>
+                  <a:pt x="2332" y="0"/>
+                </a:lnTo>
+                <a:lnTo>
+                  <a:pt x="2332" y="3907"/>
+                </a:lnTo>
+                <a:lnTo>
+                  <a:pt x="0" y="2595"/>
+                </a:lnTo>
+                <a:lnTo>
+                  <a:pt x="1462" y="0"/>
+                </a:lnTo>
+                <a:close/>
+              </a:path>
+            </a:pathLst>
+          </a:custGeom>
+          <a:solidFill>
+            <a:srgbClr val="002B41"/>
+          </a:solidFill>
+          <a:ln w="28575">
+            <a:noFill/>
+          </a:ln>
+          <a:effectLst>
+            <a:outerShdw blurRad="254000" dist="127000" dir="2700000" algn="tl" rotWithShape="0">
+              <a:prstClr val="black">
+                <a:alpha val="40000"/>
+              </a:prstClr>
+            </a:outerShdw>
+          </a:effectLst>
+        </p:spPr>
+        <p:txBody>
+          <a:bodyPr anchor="ctr"/>
+          <a:lstStyle/>
+          <a:p>
+            <a:pPr algn="ctr"/>
+            <a:endParaRPr lang="zh-CN" altLang="en-US" sz="2000">
+              <a:solidFill>
+                <a:schemeClr val="bg1">
+                  <a:lumMod val="95000"/>
+                </a:schemeClr>
+              </a:solidFill>
+              <a:latin typeface="Calibri" panose="020F0502020204030204" pitchFamily="34" charset="0"/>
+              <a:ea typeface="宋体" panose="02010600030101010101" pitchFamily="2" charset="-122"/>
+            </a:endParaRPr>
+          </a:p>
+        </p:txBody>
+      </p:sp>
+    </p:spTree>
+    <p:extLst>
+      <p:ext uri="{BB962C8B-B14F-4D97-AF65-F5344CB8AC3E}">
+        <p14:creationId xmlns:p14="http://schemas.microsoft.com/office/powerpoint/2010/main" val="3478512053"/>
+      </p:ext>
+    </p:extLst>
+  </p:cSld>
+  <p:clrMapOvr>
+    <a:masterClrMapping/>
+  </p:clrMapOvr>
+  <p:timing>
+    <p:tnLst>
+      <p:par>
+        <p:cTn id="1" dur="indefinite" restart="never" nodeType="tmRoot">
+          <p:childTnLst>
+            <p:seq concurrent="1" nextAc="seek">
+              <p:cTn id="2" dur="indefinite" nodeType="mainSeq">
+                <p:childTnLst>
+                  <p:par>
+                    <p:cTn id="3" fill="hold">
+                      <p:stCondLst>
+                        <p:cond delay="indefinite"/>
+                        <p:cond evt="onBegin" delay="0">
+                          <p:tn val="2"/>
+                        </p:cond>
+                      </p:stCondLst>
+                      <p:childTnLst>
+                        <p:par>
+                          <p:cTn id="4" fill="hold">
+                            <p:stCondLst>
+                              <p:cond delay="0"/>
+                            </p:stCondLst>
+                            <p:childTnLst>
+                              <p:par>
+                                <p:cTn id="5" presetID="1" presetClass="entr" presetSubtype="0" fill="hold" nodeType="withEffect">
+                                  <p:stCondLst>
+                                    <p:cond delay="0"/>
+                                  </p:stCondLst>
+                                  <p:childTnLst>
+                                    <p:set>
+                                      <p:cBhvr>
+                                        <p:cTn id="6" dur="1" fill="hold">
+                                          <p:stCondLst>
+                                            <p:cond delay="0"/>
+                                          </p:stCondLst>
+                                        </p:cTn>
+                                        <p:tgtEl>
+                                          <p:spTgt spid="3">
+                                            <p:txEl>
+                                              <p:pRg st="2" end="2"/>
+                                            </p:txEl>
+                                          </p:spTgt>
+                                        </p:tgtEl>
+                                        <p:attrNameLst>
+                                          <p:attrName>style.visibility</p:attrName>
+                                        </p:attrNameLst>
+                                      </p:cBhvr>
+                                      <p:to>
+                                        <p:strVal val="visible"/>
+                                      </p:to>
+                                    </p:set>
+                                  </p:childTnLst>
+                                </p:cTn>
+                              </p:par>
+                              <p:par>
+                                <p:cTn id="7" presetID="1" presetClass="entr" presetSubtype="0" fill="hold" nodeType="withEffect">
+                                  <p:stCondLst>
+                                    <p:cond delay="0"/>
+                                  </p:stCondLst>
+                                  <p:childTnLst>
+                                    <p:set>
+                                      <p:cBhvr>
+                                        <p:cTn id="8" dur="1" fill="hold">
+                                          <p:stCondLst>
+                                            <p:cond delay="0"/>
+                                          </p:stCondLst>
+                                        </p:cTn>
+                                        <p:tgtEl>
+                                          <p:spTgt spid="3">
+                                            <p:txEl>
+                                              <p:pRg st="3" end="3"/>
+                                            </p:txEl>
+                                          </p:spTgt>
+                                        </p:tgtEl>
+                                        <p:attrNameLst>
+                                          <p:attrName>style.visibility</p:attrName>
+                                        </p:attrNameLst>
+                                      </p:cBhvr>
+                                      <p:to>
+                                        <p:strVal val="visible"/>
+                                      </p:to>
+                                    </p:set>
+                                  </p:childTnLst>
+                                </p:cTn>
+                              </p:par>
+                              <p:par>
+                                <p:cTn id="9" presetID="1" presetClass="entr" presetSubtype="0" fill="hold" nodeType="withEffect">
+                                  <p:stCondLst>
+                                    <p:cond delay="0"/>
+                                  </p:stCondLst>
+                                  <p:childTnLst>
+                                    <p:set>
+                                      <p:cBhvr>
+                                        <p:cTn id="10" dur="1" fill="hold">
+                                          <p:stCondLst>
+                                            <p:cond delay="0"/>
+                                          </p:stCondLst>
+                                        </p:cTn>
+                                        <p:tgtEl>
+                                          <p:spTgt spid="3">
+                                            <p:txEl>
+                                              <p:pRg st="4" end="4"/>
+                                            </p:txEl>
+                                          </p:spTgt>
+                                        </p:tgtEl>
+                                        <p:attrNameLst>
+                                          <p:attrName>style.visibility</p:attrName>
+                                        </p:attrNameLst>
+                                      </p:cBhvr>
+                                      <p:to>
+                                        <p:strVal val="visible"/>
+                                      </p:to>
+                                    </p:set>
+                                  </p:childTnLst>
+                                </p:cTn>
+                              </p:par>
+                              <p:par>
+                                <p:cTn id="11" presetID="1" presetClass="entr" presetSubtype="0" fill="hold" nodeType="withEffect">
+                                  <p:stCondLst>
+                                    <p:cond delay="0"/>
+                                  </p:stCondLst>
+                                  <p:childTnLst>
+                                    <p:set>
+                                      <p:cBhvr>
+                                        <p:cTn id="12" dur="1" fill="hold">
+                                          <p:stCondLst>
+                                            <p:cond delay="0"/>
+                                          </p:stCondLst>
+                                        </p:cTn>
+                                        <p:tgtEl>
+                                          <p:spTgt spid="3">
+                                            <p:txEl>
+                                              <p:pRg st="0" end="0"/>
+                                            </p:txEl>
+                                          </p:spTgt>
+                                        </p:tgtEl>
+                                        <p:attrNameLst>
+                                          <p:attrName>style.visibility</p:attrName>
+                                        </p:attrNameLst>
+                                      </p:cBhvr>
+                                      <p:to>
+                                        <p:strVal val="visible"/>
+                                      </p:to>
+                                    </p:set>
+                                  </p:childTnLst>
+                                </p:cTn>
+                              </p:par>
+                            </p:childTnLst>
+                          </p:cTn>
+                        </p:par>
+                      </p:childTnLst>
+                    </p:cTn>
+                  </p:par>
+                </p:childTnLst>
+              </p:cTn>
+              <p:prevCondLst>
+                <p:cond evt="onPrev" delay="0">
+                  <p:tgtEl>
+                    <p:sldTgt/>
+                  </p:tgtEl>
+                </p:cond>
+              </p:prevCondLst>
+              <p:nextCondLst>
+                <p:cond evt="onNext" delay="0">
+                  <p:tgtEl>
+                    <p:sldTgt/>
+                  </p:tgtEl>
+                </p:cond>
+              </p:nextCondLst>
+            </p:seq>
+          </p:childTnLst>
+        </p:cTn>
+      </p:par>
+    </p:tnLst>
+  </p:timing>
+</p:sld>
+</file>
+
+<file path=ppt/slides/slide35.xml><?xml version="1.0" encoding="utf-8"?>
+<p:sld xmlns:a="http://schemas.openxmlformats.org/drawingml/2006/main" xmlns:r="http://schemas.openxmlformats.org/officeDocument/2006/relationships" xmlns:p="http://schemas.openxmlformats.org/presentationml/2006/main">
+  <p:cSld>
+    <p:spTree>
+      <p:nvGrpSpPr>
+        <p:cNvPr id="1" name=""/>
+        <p:cNvGrpSpPr/>
+        <p:nvPr/>
+      </p:nvGrpSpPr>
+      <p:grpSpPr>
+        <a:xfrm>
+          <a:off x="0" y="0"/>
+          <a:ext cx="0" cy="0"/>
+          <a:chOff x="0" y="0"/>
+          <a:chExt cx="0" cy="0"/>
+        </a:xfrm>
+      </p:grpSpPr>
+      <p:sp>
+        <p:nvSpPr>
+          <p:cNvPr id="2" name="标题 1"/>
+          <p:cNvSpPr>
+            <a:spLocks noGrp="1"/>
+          </p:cNvSpPr>
+          <p:nvPr>
+            <p:ph type="title"/>
+          </p:nvPr>
+        </p:nvSpPr>
+        <p:spPr/>
+        <p:txBody>
+          <a:bodyPr/>
+          <a:lstStyle/>
+          <a:p>
+            <a:r>
+              <a:rPr lang="en-US" altLang="zh-CN" b="1" dirty="0"/>
+              <a:t>Visio</a:t>
+            </a:r>
+          </a:p>
+        </p:txBody>
+      </p:sp>
+      <p:sp>
+        <p:nvSpPr>
+          <p:cNvPr id="3" name="内容占位符 2"/>
+          <p:cNvSpPr>
+            <a:spLocks noGrp="1"/>
+          </p:cNvSpPr>
+          <p:nvPr>
+            <p:ph idx="1"/>
+          </p:nvPr>
+        </p:nvSpPr>
+        <p:spPr/>
+        <p:txBody>
+          <a:bodyPr>
+            <a:normAutofit fontScale="97500" lnSpcReduction="10000"/>
+          </a:bodyPr>
+          <a:lstStyle/>
+          <a:p>
+            <a:pPr marL="0" indent="0">
+              <a:buNone/>
+            </a:pPr>
+            <a:r>
+              <a:rPr lang="en-US" altLang="zh-CN" dirty="0"/>
+              <a:t>Visio</a:t>
+            </a:r>
+            <a:r>
+              <a:rPr lang="zh-CN" altLang="en-US" dirty="0"/>
+              <a:t>原来仅仅是一种画图工具，能够用来描述各种图形（从电路图到房屋结构图），也是到</a:t>
+            </a:r>
+            <a:r>
+              <a:rPr lang="en-US" altLang="zh-CN" dirty="0"/>
+              <a:t>Visio2000</a:t>
+            </a:r>
+            <a:r>
+              <a:rPr lang="zh-CN" altLang="en-US" dirty="0"/>
+              <a:t>才开始引进软件分析设计功能到代码生成的全部功能，它可以说是目前最能够用图形方式来表达各种商业图形用途的工具</a:t>
+            </a:r>
+            <a:endParaRPr lang="en-US" altLang="zh-CN" dirty="0"/>
+          </a:p>
+          <a:p>
+            <a:pPr marL="0" indent="0">
+              <a:buNone/>
+            </a:pPr>
+            <a:endParaRPr lang="en-US" altLang="zh-CN" dirty="0"/>
+          </a:p>
+          <a:p>
+            <a:pPr marL="0" indent="0">
+              <a:buNone/>
+            </a:pPr>
+            <a:r>
+              <a:rPr lang="zh-CN" altLang="en-US" dirty="0"/>
+              <a:t>对软件开发中的</a:t>
+            </a:r>
+            <a:r>
+              <a:rPr lang="en-US" altLang="zh-CN" dirty="0"/>
+              <a:t>UML</a:t>
+            </a:r>
+            <a:r>
+              <a:rPr lang="zh-CN" altLang="en-US" dirty="0"/>
+              <a:t>支持仅仅是其中很少的一部分</a:t>
+            </a:r>
+            <a:endParaRPr lang="en-US" altLang="zh-CN" dirty="0"/>
+          </a:p>
+          <a:p>
+            <a:pPr marL="0" indent="0">
+              <a:buNone/>
+            </a:pPr>
+            <a:r>
+              <a:rPr lang="zh-CN" altLang="en-US" dirty="0"/>
+              <a:t>对于代码的生成更多是支持微软的产品如</a:t>
+            </a:r>
+            <a:r>
+              <a:rPr lang="en-US" altLang="zh-CN" dirty="0"/>
+              <a:t>VB</a:t>
+            </a:r>
+            <a:r>
+              <a:rPr lang="zh-CN" altLang="en-US" dirty="0"/>
+              <a:t>，</a:t>
+            </a:r>
+            <a:r>
+              <a:rPr lang="en-US" altLang="zh-CN" dirty="0"/>
+              <a:t>VC++</a:t>
+            </a:r>
+            <a:r>
+              <a:rPr lang="zh-CN" altLang="en-US" dirty="0"/>
+              <a:t>，</a:t>
+            </a:r>
+            <a:r>
+              <a:rPr lang="en-US" altLang="zh-CN" dirty="0"/>
+              <a:t>C#</a:t>
+            </a:r>
+            <a:r>
+              <a:rPr lang="zh-CN" altLang="en-US" dirty="0"/>
+              <a:t>，</a:t>
+            </a:r>
+            <a:r>
+              <a:rPr lang="en-US" altLang="zh-CN" dirty="0"/>
+              <a:t>MS SQL Server </a:t>
+            </a:r>
+            <a:r>
+              <a:rPr lang="zh-CN" altLang="en-US" dirty="0"/>
+              <a:t>等</a:t>
+            </a:r>
+            <a:endParaRPr lang="en-US" altLang="zh-CN" dirty="0"/>
+          </a:p>
+          <a:p>
+            <a:pPr marL="0" indent="0">
+              <a:buNone/>
+            </a:pPr>
+            <a:r>
+              <a:rPr lang="zh-CN" altLang="en-US" dirty="0"/>
+              <a:t>用于软件开发过程的迭代开发则有点牵强。</a:t>
+            </a:r>
+            <a:endParaRPr lang="en-US" altLang="zh-CN" dirty="0"/>
+          </a:p>
+          <a:p>
+            <a:pPr marL="0" indent="0" algn="r">
+              <a:buNone/>
+            </a:pPr>
+            <a:r>
+              <a:rPr lang="en-US" altLang="zh-CN" dirty="0"/>
+              <a:t>【2】</a:t>
+            </a:r>
+          </a:p>
+          <a:p>
+            <a:pPr marL="0" indent="0">
+              <a:buNone/>
+            </a:pPr>
+            <a:endParaRPr lang="zh-CN" altLang="en-US" dirty="0"/>
+          </a:p>
+        </p:txBody>
+      </p:sp>
+      <p:sp>
+        <p:nvSpPr>
+          <p:cNvPr id="4" name="Freeform 5"/>
+          <p:cNvSpPr/>
+          <p:nvPr/>
+        </p:nvSpPr>
+        <p:spPr bwMode="auto">
+          <a:xfrm flipH="1">
+            <a:off x="0" y="-13281"/>
+            <a:ext cx="409433" cy="832147"/>
+          </a:xfrm>
+          <a:custGeom>
+            <a:avLst/>
+            <a:gdLst>
+              <a:gd name="T0" fmla="*/ 1462 w 2332"/>
+              <a:gd name="T1" fmla="*/ 0 h 3907"/>
+              <a:gd name="T2" fmla="*/ 2332 w 2332"/>
+              <a:gd name="T3" fmla="*/ 0 h 3907"/>
+              <a:gd name="T4" fmla="*/ 2332 w 2332"/>
+              <a:gd name="T5" fmla="*/ 3907 h 3907"/>
+              <a:gd name="T6" fmla="*/ 0 w 2332"/>
+              <a:gd name="T7" fmla="*/ 2595 h 3907"/>
+              <a:gd name="T8" fmla="*/ 1462 w 2332"/>
+              <a:gd name="T9" fmla="*/ 0 h 3907"/>
+            </a:gdLst>
+            <a:ahLst/>
+            <a:cxnLst>
+              <a:cxn ang="0">
+                <a:pos x="T0" y="T1"/>
+              </a:cxn>
+              <a:cxn ang="0">
+                <a:pos x="T2" y="T3"/>
+              </a:cxn>
+              <a:cxn ang="0">
+                <a:pos x="T4" y="T5"/>
+              </a:cxn>
+              <a:cxn ang="0">
+                <a:pos x="T6" y="T7"/>
+              </a:cxn>
+              <a:cxn ang="0">
+                <a:pos x="T8" y="T9"/>
+              </a:cxn>
+            </a:cxnLst>
+            <a:rect l="0" t="0" r="r" b="b"/>
+            <a:pathLst>
+              <a:path w="2332" h="3907">
+                <a:moveTo>
+                  <a:pt x="1462" y="0"/>
+                </a:moveTo>
+                <a:lnTo>
+                  <a:pt x="2332" y="0"/>
+                </a:lnTo>
+                <a:lnTo>
+                  <a:pt x="2332" y="3907"/>
+                </a:lnTo>
+                <a:lnTo>
+                  <a:pt x="0" y="2595"/>
+                </a:lnTo>
+                <a:lnTo>
+                  <a:pt x="1462" y="0"/>
+                </a:lnTo>
+                <a:close/>
+              </a:path>
+            </a:pathLst>
+          </a:custGeom>
+          <a:solidFill>
+            <a:srgbClr val="002B41"/>
+          </a:solidFill>
+          <a:ln w="28575">
+            <a:noFill/>
+          </a:ln>
+          <a:effectLst>
+            <a:outerShdw blurRad="254000" dist="127000" dir="2700000" algn="tl" rotWithShape="0">
+              <a:prstClr val="black">
+                <a:alpha val="40000"/>
+              </a:prstClr>
+            </a:outerShdw>
+          </a:effectLst>
+        </p:spPr>
+        <p:txBody>
+          <a:bodyPr anchor="ctr"/>
+          <a:lstStyle/>
+          <a:p>
+            <a:pPr algn="ctr"/>
+            <a:endParaRPr lang="zh-CN" altLang="en-US" sz="2000">
+              <a:solidFill>
+                <a:schemeClr val="bg1">
+                  <a:lumMod val="95000"/>
+                </a:schemeClr>
+              </a:solidFill>
+              <a:latin typeface="Calibri" panose="020F0502020204030204" pitchFamily="34" charset="0"/>
+              <a:ea typeface="宋体" panose="02010600030101010101" pitchFamily="2" charset="-122"/>
+            </a:endParaRPr>
+          </a:p>
+        </p:txBody>
+      </p:sp>
+    </p:spTree>
+    <p:extLst>
+      <p:ext uri="{BB962C8B-B14F-4D97-AF65-F5344CB8AC3E}">
+        <p14:creationId xmlns:p14="http://schemas.microsoft.com/office/powerpoint/2010/main" val="3972386859"/>
+      </p:ext>
+    </p:extLst>
+  </p:cSld>
+  <p:clrMapOvr>
+    <a:masterClrMapping/>
+  </p:clrMapOvr>
+  <p:timing>
+    <p:tnLst>
+      <p:par>
+        <p:cTn id="1" dur="indefinite" restart="never" nodeType="tmRoot">
+          <p:childTnLst>
+            <p:seq concurrent="1" nextAc="seek">
+              <p:cTn id="2" dur="indefinite" nodeType="mainSeq">
+                <p:childTnLst>
+                  <p:par>
+                    <p:cTn id="3" fill="hold">
+                      <p:stCondLst>
+                        <p:cond delay="indefinite"/>
+                        <p:cond evt="onBegin" delay="0">
+                          <p:tn val="2"/>
+                        </p:cond>
+                      </p:stCondLst>
+                      <p:childTnLst>
+                        <p:par>
+                          <p:cTn id="4" fill="hold">
+                            <p:stCondLst>
+                              <p:cond delay="0"/>
+                            </p:stCondLst>
+                            <p:childTnLst>
+                              <p:par>
+                                <p:cTn id="5" presetID="1" presetClass="entr" presetSubtype="0" fill="hold" nodeType="withEffect">
+                                  <p:stCondLst>
+                                    <p:cond delay="0"/>
+                                  </p:stCondLst>
+                                  <p:childTnLst>
+                                    <p:set>
+                                      <p:cBhvr>
+                                        <p:cTn id="6" dur="1" fill="hold">
+                                          <p:stCondLst>
+                                            <p:cond delay="0"/>
+                                          </p:stCondLst>
+                                        </p:cTn>
+                                        <p:tgtEl>
+                                          <p:spTgt spid="3">
+                                            <p:txEl>
+                                              <p:pRg st="2" end="2"/>
+                                            </p:txEl>
+                                          </p:spTgt>
+                                        </p:tgtEl>
+                                        <p:attrNameLst>
+                                          <p:attrName>style.visibility</p:attrName>
+                                        </p:attrNameLst>
+                                      </p:cBhvr>
+                                      <p:to>
+                                        <p:strVal val="visible"/>
+                                      </p:to>
+                                    </p:set>
+                                  </p:childTnLst>
+                                </p:cTn>
+                              </p:par>
+                              <p:par>
+                                <p:cTn id="7" presetID="1" presetClass="entr" presetSubtype="0" fill="hold" nodeType="withEffect">
+                                  <p:stCondLst>
+                                    <p:cond delay="0"/>
+                                  </p:stCondLst>
+                                  <p:childTnLst>
+                                    <p:set>
+                                      <p:cBhvr>
+                                        <p:cTn id="8" dur="1" fill="hold">
+                                          <p:stCondLst>
+                                            <p:cond delay="0"/>
+                                          </p:stCondLst>
+                                        </p:cTn>
+                                        <p:tgtEl>
+                                          <p:spTgt spid="3">
+                                            <p:txEl>
+                                              <p:pRg st="3" end="3"/>
+                                            </p:txEl>
+                                          </p:spTgt>
+                                        </p:tgtEl>
+                                        <p:attrNameLst>
+                                          <p:attrName>style.visibility</p:attrName>
+                                        </p:attrNameLst>
+                                      </p:cBhvr>
+                                      <p:to>
+                                        <p:strVal val="visible"/>
+                                      </p:to>
+                                    </p:set>
+                                  </p:childTnLst>
+                                </p:cTn>
+                              </p:par>
+                              <p:par>
+                                <p:cTn id="9" presetID="1" presetClass="entr" presetSubtype="0" fill="hold" nodeType="withEffect">
+                                  <p:stCondLst>
+                                    <p:cond delay="0"/>
+                                  </p:stCondLst>
+                                  <p:childTnLst>
+                                    <p:set>
+                                      <p:cBhvr>
+                                        <p:cTn id="10" dur="1" fill="hold">
+                                          <p:stCondLst>
+                                            <p:cond delay="0"/>
+                                          </p:stCondLst>
+                                        </p:cTn>
+                                        <p:tgtEl>
+                                          <p:spTgt spid="3">
+                                            <p:txEl>
+                                              <p:pRg st="4" end="4"/>
+                                            </p:txEl>
+                                          </p:spTgt>
+                                        </p:tgtEl>
+                                        <p:attrNameLst>
+                                          <p:attrName>style.visibility</p:attrName>
+                                        </p:attrNameLst>
+                                      </p:cBhvr>
+                                      <p:to>
+                                        <p:strVal val="visible"/>
+                                      </p:to>
+                                    </p:set>
+                                  </p:childTnLst>
+                                </p:cTn>
+                              </p:par>
+                              <p:par>
+                                <p:cTn id="11" presetID="1" presetClass="entr" presetSubtype="0" fill="hold" nodeType="withEffect">
+                                  <p:stCondLst>
+                                    <p:cond delay="0"/>
+                                  </p:stCondLst>
+                                  <p:childTnLst>
+                                    <p:set>
+                                      <p:cBhvr>
+                                        <p:cTn id="12" dur="1" fill="hold">
+                                          <p:stCondLst>
+                                            <p:cond delay="0"/>
+                                          </p:stCondLst>
+                                        </p:cTn>
+                                        <p:tgtEl>
+                                          <p:spTgt spid="3">
+                                            <p:txEl>
+                                              <p:pRg st="5" end="5"/>
+                                            </p:txEl>
+                                          </p:spTgt>
+                                        </p:tgtEl>
+                                        <p:attrNameLst>
+                                          <p:attrName>style.visibility</p:attrName>
+                                        </p:attrNameLst>
+                                      </p:cBhvr>
+                                      <p:to>
+                                        <p:strVal val="visible"/>
+                                      </p:to>
+                                    </p:set>
+                                  </p:childTnLst>
+                                </p:cTn>
+                              </p:par>
+                            </p:childTnLst>
+                          </p:cTn>
+                        </p:par>
+                      </p:childTnLst>
+                    </p:cTn>
+                  </p:par>
+                </p:childTnLst>
+              </p:cTn>
+              <p:prevCondLst>
+                <p:cond evt="onPrev" delay="0">
+                  <p:tgtEl>
+                    <p:sldTgt/>
+                  </p:tgtEl>
+                </p:cond>
+              </p:prevCondLst>
+              <p:nextCondLst>
+                <p:cond evt="onNext" delay="0">
+                  <p:tgtEl>
+                    <p:sldTgt/>
+                  </p:tgtEl>
+                </p:cond>
+              </p:nextCondLst>
+            </p:seq>
+          </p:childTnLst>
+        </p:cTn>
+      </p:par>
+    </p:tnLst>
+  </p:timing>
+</p:sld>
+</file>
+
+<file path=ppt/slides/slide36.xml><?xml version="1.0" encoding="utf-8"?>
+<p:sld xmlns:a="http://schemas.openxmlformats.org/drawingml/2006/main" xmlns:r="http://schemas.openxmlformats.org/officeDocument/2006/relationships" xmlns:p="http://schemas.openxmlformats.org/presentationml/2006/main">
+  <p:cSld>
+    <p:bg>
+      <p:bgPr>
+        <a:solidFill>
+          <a:srgbClr val="F1F1F1"/>
+        </a:solidFill>
+        <a:effectLst/>
+      </p:bgPr>
+    </p:bg>
+    <p:spTree>
+      <p:nvGrpSpPr>
+        <p:cNvPr id="1" name=""/>
+        <p:cNvGrpSpPr/>
+        <p:nvPr/>
+      </p:nvGrpSpPr>
+      <p:grpSpPr>
+        <a:xfrm>
+          <a:off x="0" y="0"/>
+          <a:ext cx="0" cy="0"/>
+          <a:chOff x="0" y="0"/>
+          <a:chExt cx="0" cy="0"/>
+        </a:xfrm>
+      </p:grpSpPr>
+      <p:sp>
+        <p:nvSpPr>
+          <p:cNvPr id="2" name="Line 16"/>
+          <p:cNvSpPr>
+            <a:spLocks noChangeShapeType="1"/>
+          </p:cNvSpPr>
+          <p:nvPr/>
+        </p:nvSpPr>
+        <p:spPr bwMode="auto">
+          <a:xfrm flipH="1">
+            <a:off x="3724539" y="-179684"/>
+            <a:ext cx="4072921" cy="7040124"/>
+          </a:xfrm>
+          <a:prstGeom prst="line">
+            <a:avLst/>
+          </a:prstGeom>
+          <a:noFill/>
+          <a:ln w="7938" cap="flat">
+            <a:solidFill>
+              <a:srgbClr val="002B41"/>
+            </a:solidFill>
+            <a:prstDash val="solid"/>
+            <a:miter lim="800000"/>
+          </a:ln>
+          <a:extLst>
+            <a:ext uri="{909E8E84-426E-40DD-AFC4-6F175D3DCCD1}">
+              <a14:hiddenFill xmlns:a14="http://schemas.microsoft.com/office/drawing/2010/main">
+                <a:noFill/>
+              </a14:hiddenFill>
+            </a:ext>
+          </a:extLst>
+        </p:spPr>
+        <p:txBody>
+          <a:bodyPr vert="horz" wrap="square" lIns="91440" tIns="45720" rIns="91440" bIns="45720" numCol="1" anchor="t" anchorCtr="0" compatLnSpc="1"/>
+          <a:lstStyle/>
+          <a:p>
+            <a:endParaRPr lang="zh-CN" altLang="en-US">
+              <a:solidFill>
+                <a:schemeClr val="bg1">
+                  <a:lumMod val="95000"/>
+                </a:schemeClr>
+              </a:solidFill>
+            </a:endParaRPr>
+          </a:p>
+        </p:txBody>
+      </p:sp>
+      <p:sp>
+        <p:nvSpPr>
+          <p:cNvPr id="3" name="Line 18"/>
+          <p:cNvSpPr>
+            <a:spLocks noChangeShapeType="1"/>
+          </p:cNvSpPr>
+          <p:nvPr/>
+        </p:nvSpPr>
+        <p:spPr bwMode="auto">
+          <a:xfrm flipH="1" flipV="1">
+            <a:off x="1904214" y="-1"/>
+            <a:ext cx="6243498" cy="6890832"/>
+          </a:xfrm>
+          <a:prstGeom prst="line">
+            <a:avLst/>
+          </a:prstGeom>
+          <a:noFill/>
+          <a:ln w="7938" cap="flat">
+            <a:solidFill>
+              <a:srgbClr val="002B41"/>
+            </a:solidFill>
+            <a:prstDash val="solid"/>
+            <a:miter lim="800000"/>
+          </a:ln>
+          <a:extLst>
+            <a:ext uri="{909E8E84-426E-40DD-AFC4-6F175D3DCCD1}">
+              <a14:hiddenFill xmlns:a14="http://schemas.microsoft.com/office/drawing/2010/main">
+                <a:noFill/>
+              </a14:hiddenFill>
+            </a:ext>
+          </a:extLst>
+        </p:spPr>
+        <p:txBody>
+          <a:bodyPr vert="horz" wrap="square" lIns="91440" tIns="45720" rIns="91440" bIns="45720" numCol="1" anchor="t" anchorCtr="0" compatLnSpc="1"/>
+          <a:lstStyle/>
+          <a:p>
+            <a:endParaRPr lang="zh-CN" altLang="en-US">
+              <a:solidFill>
+                <a:schemeClr val="bg1">
+                  <a:lumMod val="95000"/>
+                </a:schemeClr>
+              </a:solidFill>
+            </a:endParaRPr>
+          </a:p>
+        </p:txBody>
+      </p:sp>
+      <p:sp>
+        <p:nvSpPr>
+          <p:cNvPr id="4" name="Line 17"/>
+          <p:cNvSpPr>
+            <a:spLocks noChangeShapeType="1"/>
+          </p:cNvSpPr>
+          <p:nvPr/>
+        </p:nvSpPr>
+        <p:spPr bwMode="auto">
+          <a:xfrm>
+            <a:off x="0" y="2500664"/>
+            <a:ext cx="12192000" cy="3271025"/>
+          </a:xfrm>
+          <a:prstGeom prst="line">
+            <a:avLst/>
+          </a:prstGeom>
+          <a:noFill/>
+          <a:ln w="7938" cap="flat">
+            <a:solidFill>
+              <a:srgbClr val="002B41"/>
+            </a:solidFill>
+            <a:prstDash val="solid"/>
+            <a:miter lim="800000"/>
+          </a:ln>
+          <a:extLst>
+            <a:ext uri="{909E8E84-426E-40DD-AFC4-6F175D3DCCD1}">
+              <a14:hiddenFill xmlns:a14="http://schemas.microsoft.com/office/drawing/2010/main">
+                <a:noFill/>
+              </a14:hiddenFill>
+            </a:ext>
+          </a:extLst>
+        </p:spPr>
+        <p:txBody>
+          <a:bodyPr vert="horz" wrap="square" lIns="91440" tIns="45720" rIns="91440" bIns="45720" numCol="1" anchor="t" anchorCtr="0" compatLnSpc="1"/>
+          <a:lstStyle/>
+          <a:p>
+            <a:endParaRPr lang="zh-CN" altLang="en-US">
+              <a:solidFill>
+                <a:schemeClr val="bg1">
+                  <a:lumMod val="95000"/>
+                </a:schemeClr>
+              </a:solidFill>
+            </a:endParaRPr>
+          </a:p>
+        </p:txBody>
+      </p:sp>
+      <p:sp>
+        <p:nvSpPr>
+          <p:cNvPr id="5" name="Freeform 5"/>
+          <p:cNvSpPr/>
+          <p:nvPr/>
+        </p:nvSpPr>
+        <p:spPr bwMode="auto">
+          <a:xfrm>
+            <a:off x="2335428" y="0"/>
+            <a:ext cx="7521143" cy="6890833"/>
+          </a:xfrm>
+          <a:custGeom>
+            <a:avLst/>
+            <a:gdLst>
+              <a:gd name="T0" fmla="*/ 1462 w 2332"/>
+              <a:gd name="T1" fmla="*/ 0 h 3907"/>
+              <a:gd name="T2" fmla="*/ 2332 w 2332"/>
+              <a:gd name="T3" fmla="*/ 0 h 3907"/>
+              <a:gd name="T4" fmla="*/ 2332 w 2332"/>
+              <a:gd name="T5" fmla="*/ 3907 h 3907"/>
+              <a:gd name="T6" fmla="*/ 0 w 2332"/>
+              <a:gd name="T7" fmla="*/ 2595 h 3907"/>
+              <a:gd name="T8" fmla="*/ 1462 w 2332"/>
+              <a:gd name="T9" fmla="*/ 0 h 3907"/>
+              <a:gd name="connsiteX0" fmla="*/ 4048 w 7779"/>
+              <a:gd name="connsiteY0" fmla="*/ 0 h 10000"/>
+              <a:gd name="connsiteX1" fmla="*/ 7779 w 7779"/>
+              <a:gd name="connsiteY1" fmla="*/ 0 h 10000"/>
+              <a:gd name="connsiteX2" fmla="*/ 7779 w 7779"/>
+              <a:gd name="connsiteY2" fmla="*/ 10000 h 10000"/>
+              <a:gd name="connsiteX3" fmla="*/ 0 w 7779"/>
+              <a:gd name="connsiteY3" fmla="*/ 7610 h 10000"/>
+              <a:gd name="connsiteX4" fmla="*/ 4048 w 7779"/>
+              <a:gd name="connsiteY4" fmla="*/ 0 h 10000"/>
+              <a:gd name="connsiteX0-1" fmla="*/ 5204 w 14475"/>
+              <a:gd name="connsiteY0-2" fmla="*/ 0 h 9785"/>
+              <a:gd name="connsiteX1-3" fmla="*/ 10000 w 14475"/>
+              <a:gd name="connsiteY1-4" fmla="*/ 0 h 9785"/>
+              <a:gd name="connsiteX2-5" fmla="*/ 14475 w 14475"/>
+              <a:gd name="connsiteY2-6" fmla="*/ 9785 h 9785"/>
+              <a:gd name="connsiteX3-7" fmla="*/ 0 w 14475"/>
+              <a:gd name="connsiteY3-8" fmla="*/ 7610 h 9785"/>
+              <a:gd name="connsiteX4-9" fmla="*/ 5204 w 14475"/>
+              <a:gd name="connsiteY4-10" fmla="*/ 0 h 9785"/>
+              <a:gd name="connsiteX0-11" fmla="*/ 5713 w 12118"/>
+              <a:gd name="connsiteY0-12" fmla="*/ 0 h 10000"/>
+              <a:gd name="connsiteX1-13" fmla="*/ 9026 w 12118"/>
+              <a:gd name="connsiteY1-14" fmla="*/ 0 h 10000"/>
+              <a:gd name="connsiteX2-15" fmla="*/ 12118 w 12118"/>
+              <a:gd name="connsiteY2-16" fmla="*/ 10000 h 10000"/>
+              <a:gd name="connsiteX3-17" fmla="*/ 0 w 12118"/>
+              <a:gd name="connsiteY3-18" fmla="*/ 8114 h 10000"/>
+              <a:gd name="connsiteX4-19" fmla="*/ 5713 w 12118"/>
+              <a:gd name="connsiteY4-20" fmla="*/ 0 h 10000"/>
+              <a:gd name="connsiteX0-21" fmla="*/ 6684 w 13089"/>
+              <a:gd name="connsiteY0-22" fmla="*/ 0 h 10000"/>
+              <a:gd name="connsiteX1-23" fmla="*/ 9997 w 13089"/>
+              <a:gd name="connsiteY1-24" fmla="*/ 0 h 10000"/>
+              <a:gd name="connsiteX2-25" fmla="*/ 13089 w 13089"/>
+              <a:gd name="connsiteY2-26" fmla="*/ 10000 h 10000"/>
+              <a:gd name="connsiteX3-27" fmla="*/ 0 w 13089"/>
+              <a:gd name="connsiteY3-28" fmla="*/ 8173 h 10000"/>
+              <a:gd name="connsiteX4-29" fmla="*/ 6684 w 13089"/>
+              <a:gd name="connsiteY4-30" fmla="*/ 0 h 10000"/>
+              <a:gd name="connsiteX0-31" fmla="*/ 2369 w 8774"/>
+              <a:gd name="connsiteY0-32" fmla="*/ 0 h 10000"/>
+              <a:gd name="connsiteX1-33" fmla="*/ 5682 w 8774"/>
+              <a:gd name="connsiteY1-34" fmla="*/ 0 h 10000"/>
+              <a:gd name="connsiteX2-35" fmla="*/ 8774 w 8774"/>
+              <a:gd name="connsiteY2-36" fmla="*/ 10000 h 10000"/>
+              <a:gd name="connsiteX3-37" fmla="*/ 0 w 8774"/>
+              <a:gd name="connsiteY3-38" fmla="*/ 7222 h 10000"/>
+              <a:gd name="connsiteX4-39" fmla="*/ 2369 w 8774"/>
+              <a:gd name="connsiteY4-40" fmla="*/ 0 h 10000"/>
+            </a:gdLst>
+            <a:ahLst/>
+            <a:cxnLst>
+              <a:cxn ang="0">
+                <a:pos x="connsiteX0-1" y="connsiteY0-2"/>
+              </a:cxn>
+              <a:cxn ang="0">
+                <a:pos x="connsiteX1-3" y="connsiteY1-4"/>
+              </a:cxn>
+              <a:cxn ang="0">
+                <a:pos x="connsiteX2-5" y="connsiteY2-6"/>
+              </a:cxn>
+              <a:cxn ang="0">
+                <a:pos x="connsiteX3-7" y="connsiteY3-8"/>
+              </a:cxn>
+              <a:cxn ang="0">
+                <a:pos x="connsiteX4-9" y="connsiteY4-10"/>
+              </a:cxn>
+            </a:cxnLst>
+            <a:rect l="l" t="t" r="r" b="b"/>
+            <a:pathLst>
+              <a:path w="8774" h="10000">
+                <a:moveTo>
+                  <a:pt x="2369" y="0"/>
+                </a:moveTo>
+                <a:lnTo>
+                  <a:pt x="5682" y="0"/>
+                </a:lnTo>
+                <a:lnTo>
+                  <a:pt x="8774" y="10000"/>
+                </a:lnTo>
+                <a:lnTo>
+                  <a:pt x="0" y="7222"/>
+                </a:lnTo>
+                <a:lnTo>
+                  <a:pt x="2369" y="0"/>
+                </a:lnTo>
+                <a:close/>
+              </a:path>
+            </a:pathLst>
+          </a:custGeom>
+          <a:solidFill>
+            <a:srgbClr val="002B41"/>
+          </a:solidFill>
+          <a:ln w="28575">
+            <a:noFill/>
+          </a:ln>
+          <a:effectLst>
+            <a:outerShdw blurRad="254000" dist="127000" dir="2700000" algn="tl" rotWithShape="0">
+              <a:prstClr val="black">
+                <a:alpha val="40000"/>
+              </a:prstClr>
+            </a:outerShdw>
+          </a:effectLst>
+        </p:spPr>
+        <p:txBody>
+          <a:bodyPr anchor="ctr"/>
+          <a:lstStyle/>
+          <a:p>
+            <a:pPr algn="ctr"/>
+            <a:endParaRPr lang="zh-CN" altLang="en-US" sz="2000">
+              <a:solidFill>
+                <a:schemeClr val="bg1">
+                  <a:lumMod val="95000"/>
+                </a:schemeClr>
+              </a:solidFill>
+              <a:latin typeface="Calibri" panose="020F0502020204030204" pitchFamily="34" charset="0"/>
+              <a:ea typeface="宋体" panose="02010600030101010101" pitchFamily="2" charset="-122"/>
+            </a:endParaRPr>
+          </a:p>
+        </p:txBody>
+      </p:sp>
       <p:sp>
         <p:nvSpPr>
           <p:cNvPr id="6" name="TextBox 76"/>
@@ -14732,8 +17570,8 @@
         </p:nvSpPr>
         <p:spPr>
           <a:xfrm>
-            <a:off x="4480560" y="1992830"/>
-            <a:ext cx="3230880" cy="1014730"/>
+            <a:off x="4464784" y="1992830"/>
+            <a:ext cx="3262433" cy="1015663"/>
           </a:xfrm>
           <a:prstGeom prst="rect">
             <a:avLst/>
@@ -14758,7 +17596,7 @@
                 <a:latin typeface="微软雅黑" panose="020B0503020204020204" pitchFamily="34" charset="-122"/>
                 <a:ea typeface="微软雅黑" panose="020B0503020204020204" pitchFamily="34" charset="-122"/>
               </a:rPr>
-              <a:t>第六部分</a:t>
+              <a:t>第七部分</a:t>
             </a:r>
           </a:p>
         </p:txBody>
@@ -14819,7 +17657,7 @@
 </p:sld>
 </file>
 
-<file path=ppt/slides/slide32.xml><?xml version="1.0" encoding="utf-8"?>
+<file path=ppt/slides/slide37.xml><?xml version="1.0" encoding="utf-8"?>
 <p:sld xmlns:a="http://schemas.openxmlformats.org/drawingml/2006/main" xmlns:r="http://schemas.openxmlformats.org/officeDocument/2006/relationships" xmlns:p="http://schemas.openxmlformats.org/presentationml/2006/main">
   <p:cSld>
     <p:bg>
@@ -15082,7 +17920,7 @@
 </p:sld>
 </file>
 
-<file path=ppt/slides/slide33.xml><?xml version="1.0" encoding="utf-8"?>
+<file path=ppt/slides/slide38.xml><?xml version="1.0" encoding="utf-8"?>
 <p:sld xmlns:a="http://schemas.openxmlformats.org/drawingml/2006/main" xmlns:r="http://schemas.openxmlformats.org/officeDocument/2006/relationships" xmlns:p="http://schemas.openxmlformats.org/presentationml/2006/main">
   <p:cSld>
     <p:bg>
@@ -15361,7 +18199,7 @@
 </p:sld>
 </file>
 
-<file path=ppt/slides/slide34.xml><?xml version="1.0" encoding="utf-8"?>
+<file path=ppt/slides/slide39.xml><?xml version="1.0" encoding="utf-8"?>
 <p:sld xmlns:a="http://schemas.openxmlformats.org/drawingml/2006/main" xmlns:r="http://schemas.openxmlformats.org/officeDocument/2006/relationships" xmlns:p="http://schemas.openxmlformats.org/presentationml/2006/main">
   <p:cSld>
     <p:bg>
@@ -15549,7 +18387,7 @@
 </p:sld>
 </file>
 
-<file path=ppt/slides/slide35.xml><?xml version="1.0" encoding="utf-8"?>
+<file path=ppt/slides/slide4.xml><?xml version="1.0" encoding="utf-8"?>
 <p:sld xmlns:a="http://schemas.openxmlformats.org/drawingml/2006/main" xmlns:r="http://schemas.openxmlformats.org/officeDocument/2006/relationships" xmlns:p="http://schemas.openxmlformats.org/presentationml/2006/main">
   <p:cSld>
     <p:bg>
@@ -15586,6 +18424,191 @@
         </p:nvSpPr>
         <p:spPr>
           <a:xfrm>
+            <a:off x="838200" y="818515"/>
+            <a:ext cx="10515600" cy="5358765"/>
+          </a:xfrm>
+        </p:spPr>
+        <p:txBody>
+          <a:bodyPr/>
+          <a:lstStyle/>
+          <a:p>
+            <a:r>
+              <a:rPr lang="zh-CN" altLang="en-US" dirty="0"/>
+              <a:t>面向对象的软件建模工具应对软件系统的模型进行</a:t>
+            </a:r>
+            <a:r>
+              <a:rPr lang="zh-CN" altLang="en-US" dirty="0">
+                <a:solidFill>
+                  <a:srgbClr val="FF0000"/>
+                </a:solidFill>
+              </a:rPr>
+              <a:t>可视化</a:t>
+            </a:r>
+            <a:r>
+              <a:rPr lang="zh-CN" altLang="en-US" dirty="0"/>
+              <a:t>、</a:t>
+            </a:r>
+            <a:r>
+              <a:rPr lang="zh-CN" altLang="en-US" dirty="0">
+                <a:solidFill>
+                  <a:srgbClr val="FF0000"/>
+                </a:solidFill>
+              </a:rPr>
+              <a:t>构造和文档化</a:t>
+            </a:r>
+            <a:r>
+              <a:rPr lang="zh-CN" altLang="en-US" dirty="0"/>
+              <a:t>。一套面向对象的软件建模工具应该给予特定的概念和表示方法，通过对建模人员进行过程性支持、辅助进行建模外，还要安装规范生产相应的开发文档，尽可能多地生成代码。</a:t>
+            </a:r>
+            <a:r>
+              <a:rPr lang="en-US" altLang="zh-CN" dirty="0"/>
+              <a:t>【1】</a:t>
+            </a:r>
+            <a:endParaRPr lang="zh-CN" altLang="en-US" dirty="0"/>
+          </a:p>
+        </p:txBody>
+      </p:sp>
+      <p:sp>
+        <p:nvSpPr>
+          <p:cNvPr id="4" name="Freeform 5"/>
+          <p:cNvSpPr/>
+          <p:nvPr/>
+        </p:nvSpPr>
+        <p:spPr bwMode="auto">
+          <a:xfrm flipH="1">
+            <a:off x="0" y="-13281"/>
+            <a:ext cx="409433" cy="832147"/>
+          </a:xfrm>
+          <a:custGeom>
+            <a:avLst/>
+            <a:gdLst>
+              <a:gd name="T0" fmla="*/ 1462 w 2332"/>
+              <a:gd name="T1" fmla="*/ 0 h 3907"/>
+              <a:gd name="T2" fmla="*/ 2332 w 2332"/>
+              <a:gd name="T3" fmla="*/ 0 h 3907"/>
+              <a:gd name="T4" fmla="*/ 2332 w 2332"/>
+              <a:gd name="T5" fmla="*/ 3907 h 3907"/>
+              <a:gd name="T6" fmla="*/ 0 w 2332"/>
+              <a:gd name="T7" fmla="*/ 2595 h 3907"/>
+              <a:gd name="T8" fmla="*/ 1462 w 2332"/>
+              <a:gd name="T9" fmla="*/ 0 h 3907"/>
+            </a:gdLst>
+            <a:ahLst/>
+            <a:cxnLst>
+              <a:cxn ang="0">
+                <a:pos x="T0" y="T1"/>
+              </a:cxn>
+              <a:cxn ang="0">
+                <a:pos x="T2" y="T3"/>
+              </a:cxn>
+              <a:cxn ang="0">
+                <a:pos x="T4" y="T5"/>
+              </a:cxn>
+              <a:cxn ang="0">
+                <a:pos x="T6" y="T7"/>
+              </a:cxn>
+              <a:cxn ang="0">
+                <a:pos x="T8" y="T9"/>
+              </a:cxn>
+            </a:cxnLst>
+            <a:rect l="0" t="0" r="r" b="b"/>
+            <a:pathLst>
+              <a:path w="2332" h="3907">
+                <a:moveTo>
+                  <a:pt x="1462" y="0"/>
+                </a:moveTo>
+                <a:lnTo>
+                  <a:pt x="2332" y="0"/>
+                </a:lnTo>
+                <a:lnTo>
+                  <a:pt x="2332" y="3907"/>
+                </a:lnTo>
+                <a:lnTo>
+                  <a:pt x="0" y="2595"/>
+                </a:lnTo>
+                <a:lnTo>
+                  <a:pt x="1462" y="0"/>
+                </a:lnTo>
+                <a:close/>
+              </a:path>
+            </a:pathLst>
+          </a:custGeom>
+          <a:solidFill>
+            <a:srgbClr val="002B41"/>
+          </a:solidFill>
+          <a:ln w="28575">
+            <a:noFill/>
+          </a:ln>
+          <a:effectLst>
+            <a:outerShdw blurRad="254000" dist="127000" dir="2700000" algn="tl" rotWithShape="0">
+              <a:prstClr val="black">
+                <a:alpha val="40000"/>
+              </a:prstClr>
+            </a:outerShdw>
+          </a:effectLst>
+        </p:spPr>
+        <p:txBody>
+          <a:bodyPr anchor="ctr"/>
+          <a:lstStyle/>
+          <a:p>
+            <a:pPr algn="ctr"/>
+            <a:endParaRPr lang="zh-CN" altLang="en-US" sz="2000">
+              <a:solidFill>
+                <a:schemeClr val="bg1">
+                  <a:lumMod val="95000"/>
+                </a:schemeClr>
+              </a:solidFill>
+              <a:latin typeface="Calibri" panose="020F0502020204030204" pitchFamily="34" charset="0"/>
+              <a:ea typeface="宋体" panose="02010600030101010101" pitchFamily="2" charset="-122"/>
+            </a:endParaRPr>
+          </a:p>
+        </p:txBody>
+      </p:sp>
+    </p:spTree>
+  </p:cSld>
+  <p:clrMapOvr>
+    <a:masterClrMapping/>
+  </p:clrMapOvr>
+</p:sld>
+</file>
+
+<file path=ppt/slides/slide40.xml><?xml version="1.0" encoding="utf-8"?>
+<p:sld xmlns:a="http://schemas.openxmlformats.org/drawingml/2006/main" xmlns:r="http://schemas.openxmlformats.org/officeDocument/2006/relationships" xmlns:p="http://schemas.openxmlformats.org/presentationml/2006/main">
+  <p:cSld>
+    <p:bg>
+      <p:bgPr>
+        <a:solidFill>
+          <a:srgbClr val="F1F1F1"/>
+        </a:solidFill>
+        <a:effectLst/>
+      </p:bgPr>
+    </p:bg>
+    <p:spTree>
+      <p:nvGrpSpPr>
+        <p:cNvPr id="1" name=""/>
+        <p:cNvGrpSpPr/>
+        <p:nvPr/>
+      </p:nvGrpSpPr>
+      <p:grpSpPr>
+        <a:xfrm>
+          <a:off x="0" y="0"/>
+          <a:ext cx="0" cy="0"/>
+          <a:chOff x="0" y="0"/>
+          <a:chExt cx="0" cy="0"/>
+        </a:xfrm>
+      </p:grpSpPr>
+      <p:sp>
+        <p:nvSpPr>
+          <p:cNvPr id="3" name="内容占位符 2"/>
+          <p:cNvSpPr>
+            <a:spLocks noGrp="1"/>
+          </p:cNvSpPr>
+          <p:nvPr>
+            <p:ph idx="1"/>
+          </p:nvPr>
+        </p:nvSpPr>
+        <p:spPr>
+          <a:xfrm>
             <a:off x="635000" y="1796415"/>
             <a:ext cx="7193915" cy="4380865"/>
           </a:xfrm>
@@ -15595,34 +18618,34 @@
           <a:lstStyle/>
           <a:p>
             <a:r>
-              <a:rPr lang="zh-CN" altLang="en-US"/>
+              <a:rPr lang="zh-CN" altLang="en-US" dirty="0"/>
               <a:t>自定义快速访问工具栏可以选择一些功能显示在左上角，从而可以快速地使用这些功能。</a:t>
             </a:r>
           </a:p>
           <a:p>
-            <a:endParaRPr lang="zh-CN" altLang="en-US"/>
-          </a:p>
-          <a:p>
-            <a:endParaRPr lang="zh-CN" altLang="en-US"/>
-          </a:p>
-          <a:p>
-            <a:endParaRPr lang="zh-CN" altLang="en-US"/>
-          </a:p>
-          <a:p>
-            <a:r>
-              <a:rPr lang="zh-CN" altLang="en-US"/>
+            <a:endParaRPr lang="zh-CN" altLang="en-US" dirty="0"/>
+          </a:p>
+          <a:p>
+            <a:endParaRPr lang="zh-CN" altLang="en-US" dirty="0"/>
+          </a:p>
+          <a:p>
+            <a:endParaRPr lang="zh-CN" altLang="en-US" dirty="0"/>
+          </a:p>
+          <a:p>
+            <a:r>
+              <a:rPr lang="zh-CN" altLang="en-US" dirty="0"/>
               <a:t>点击</a:t>
             </a:r>
             <a:r>
-              <a:rPr lang="en-US" altLang="zh-CN"/>
+              <a:rPr lang="en-US" altLang="zh-CN" dirty="0"/>
               <a:t>“</a:t>
             </a:r>
             <a:r>
-              <a:rPr lang="zh-CN" altLang="en-US"/>
+              <a:rPr lang="zh-CN" altLang="en-US" dirty="0"/>
               <a:t>文件</a:t>
             </a:r>
             <a:r>
-              <a:rPr lang="en-US" altLang="zh-CN"/>
+              <a:rPr lang="en-US" altLang="zh-CN" dirty="0"/>
               <a:t>”</a:t>
             </a:r>
           </a:p>
@@ -15766,932 +18789,6 @@
           <a:xfrm>
             <a:off x="8890635" y="1796415"/>
             <a:ext cx="1921510" cy="3705225"/>
-          </a:xfrm>
-          <a:prstGeom prst="rect">
-            <a:avLst/>
-          </a:prstGeom>
-        </p:spPr>
-      </p:pic>
-    </p:spTree>
-  </p:cSld>
-  <p:clrMapOvr>
-    <a:masterClrMapping/>
-  </p:clrMapOvr>
-</p:sld>
-</file>
-
-<file path=ppt/slides/slide36.xml><?xml version="1.0" encoding="utf-8"?>
-<p:sld xmlns:a="http://schemas.openxmlformats.org/drawingml/2006/main" xmlns:r="http://schemas.openxmlformats.org/officeDocument/2006/relationships" xmlns:p="http://schemas.openxmlformats.org/presentationml/2006/main">
-  <p:cSld>
-    <p:bg>
-      <p:bgPr>
-        <a:solidFill>
-          <a:srgbClr val="F1F1F1"/>
-        </a:solidFill>
-        <a:effectLst/>
-      </p:bgPr>
-    </p:bg>
-    <p:spTree>
-      <p:nvGrpSpPr>
-        <p:cNvPr id="1" name=""/>
-        <p:cNvGrpSpPr/>
-        <p:nvPr/>
-      </p:nvGrpSpPr>
-      <p:grpSpPr>
-        <a:xfrm>
-          <a:off x="0" y="0"/>
-          <a:ext cx="0" cy="0"/>
-          <a:chOff x="0" y="0"/>
-          <a:chExt cx="0" cy="0"/>
-        </a:xfrm>
-      </p:grpSpPr>
-      <p:sp>
-        <p:nvSpPr>
-          <p:cNvPr id="4" name="Freeform 5"/>
-          <p:cNvSpPr/>
-          <p:nvPr/>
-        </p:nvSpPr>
-        <p:spPr bwMode="auto">
-          <a:xfrm flipH="1">
-            <a:off x="0" y="-13281"/>
-            <a:ext cx="409433" cy="832147"/>
-          </a:xfrm>
-          <a:custGeom>
-            <a:avLst/>
-            <a:gdLst>
-              <a:gd name="T0" fmla="*/ 1462 w 2332"/>
-              <a:gd name="T1" fmla="*/ 0 h 3907"/>
-              <a:gd name="T2" fmla="*/ 2332 w 2332"/>
-              <a:gd name="T3" fmla="*/ 0 h 3907"/>
-              <a:gd name="T4" fmla="*/ 2332 w 2332"/>
-              <a:gd name="T5" fmla="*/ 3907 h 3907"/>
-              <a:gd name="T6" fmla="*/ 0 w 2332"/>
-              <a:gd name="T7" fmla="*/ 2595 h 3907"/>
-              <a:gd name="T8" fmla="*/ 1462 w 2332"/>
-              <a:gd name="T9" fmla="*/ 0 h 3907"/>
-            </a:gdLst>
-            <a:ahLst/>
-            <a:cxnLst>
-              <a:cxn ang="0">
-                <a:pos x="T0" y="T1"/>
-              </a:cxn>
-              <a:cxn ang="0">
-                <a:pos x="T2" y="T3"/>
-              </a:cxn>
-              <a:cxn ang="0">
-                <a:pos x="T4" y="T5"/>
-              </a:cxn>
-              <a:cxn ang="0">
-                <a:pos x="T6" y="T7"/>
-              </a:cxn>
-              <a:cxn ang="0">
-                <a:pos x="T8" y="T9"/>
-              </a:cxn>
-            </a:cxnLst>
-            <a:rect l="0" t="0" r="r" b="b"/>
-            <a:pathLst>
-              <a:path w="2332" h="3907">
-                <a:moveTo>
-                  <a:pt x="1462" y="0"/>
-                </a:moveTo>
-                <a:lnTo>
-                  <a:pt x="2332" y="0"/>
-                </a:lnTo>
-                <a:lnTo>
-                  <a:pt x="2332" y="3907"/>
-                </a:lnTo>
-                <a:lnTo>
-                  <a:pt x="0" y="2595"/>
-                </a:lnTo>
-                <a:lnTo>
-                  <a:pt x="1462" y="0"/>
-                </a:lnTo>
-                <a:close/>
-              </a:path>
-            </a:pathLst>
-          </a:custGeom>
-          <a:solidFill>
-            <a:srgbClr val="002B41"/>
-          </a:solidFill>
-          <a:ln w="28575">
-            <a:noFill/>
-          </a:ln>
-          <a:effectLst>
-            <a:outerShdw blurRad="254000" dist="127000" dir="2700000" algn="tl" rotWithShape="0">
-              <a:prstClr val="black">
-                <a:alpha val="40000"/>
-              </a:prstClr>
-            </a:outerShdw>
-          </a:effectLst>
-        </p:spPr>
-        <p:txBody>
-          <a:bodyPr anchor="ctr"/>
-          <a:lstStyle/>
-          <a:p>
-            <a:pPr algn="ctr"/>
-            <a:endParaRPr lang="zh-CN" altLang="en-US" sz="2000">
-              <a:solidFill>
-                <a:schemeClr val="bg1">
-                  <a:lumMod val="95000"/>
-                </a:schemeClr>
-              </a:solidFill>
-              <a:latin typeface="Calibri" panose="020F0502020204030204" pitchFamily="34" charset="0"/>
-              <a:ea typeface="宋体" panose="02010600030101010101" pitchFamily="2" charset="-122"/>
-            </a:endParaRPr>
-          </a:p>
-        </p:txBody>
-      </p:sp>
-      <p:pic>
-        <p:nvPicPr>
-          <p:cNvPr id="2" name="图片 1" descr="搜狗截图20181020204917"/>
-          <p:cNvPicPr>
-            <a:picLocks noChangeAspect="1"/>
-          </p:cNvPicPr>
-          <p:nvPr/>
-        </p:nvPicPr>
-        <p:blipFill>
-          <a:blip r:embed="rId2"/>
-          <a:stretch>
-            <a:fillRect/>
-          </a:stretch>
-        </p:blipFill>
-        <p:spPr>
-          <a:xfrm>
-            <a:off x="720090" y="546735"/>
-            <a:ext cx="10751820" cy="5765165"/>
-          </a:xfrm>
-          <a:prstGeom prst="rect">
-            <a:avLst/>
-          </a:prstGeom>
-        </p:spPr>
-      </p:pic>
-    </p:spTree>
-  </p:cSld>
-  <p:clrMapOvr>
-    <a:masterClrMapping/>
-  </p:clrMapOvr>
-</p:sld>
-</file>
-
-<file path=ppt/slides/slide37.xml><?xml version="1.0" encoding="utf-8"?>
-<p:sld xmlns:a="http://schemas.openxmlformats.org/drawingml/2006/main" xmlns:r="http://schemas.openxmlformats.org/officeDocument/2006/relationships" xmlns:p="http://schemas.openxmlformats.org/presentationml/2006/main">
-  <p:cSld>
-    <p:bg>
-      <p:bgPr>
-        <a:solidFill>
-          <a:srgbClr val="F1F1F1"/>
-        </a:solidFill>
-        <a:effectLst/>
-      </p:bgPr>
-    </p:bg>
-    <p:spTree>
-      <p:nvGrpSpPr>
-        <p:cNvPr id="1" name=""/>
-        <p:cNvGrpSpPr/>
-        <p:nvPr/>
-      </p:nvGrpSpPr>
-      <p:grpSpPr>
-        <a:xfrm>
-          <a:off x="0" y="0"/>
-          <a:ext cx="0" cy="0"/>
-          <a:chOff x="0" y="0"/>
-          <a:chExt cx="0" cy="0"/>
-        </a:xfrm>
-      </p:grpSpPr>
-      <p:sp>
-        <p:nvSpPr>
-          <p:cNvPr id="4" name="Freeform 5"/>
-          <p:cNvSpPr/>
-          <p:nvPr/>
-        </p:nvSpPr>
-        <p:spPr bwMode="auto">
-          <a:xfrm flipH="1">
-            <a:off x="0" y="-13281"/>
-            <a:ext cx="409433" cy="832147"/>
-          </a:xfrm>
-          <a:custGeom>
-            <a:avLst/>
-            <a:gdLst>
-              <a:gd name="T0" fmla="*/ 1462 w 2332"/>
-              <a:gd name="T1" fmla="*/ 0 h 3907"/>
-              <a:gd name="T2" fmla="*/ 2332 w 2332"/>
-              <a:gd name="T3" fmla="*/ 0 h 3907"/>
-              <a:gd name="T4" fmla="*/ 2332 w 2332"/>
-              <a:gd name="T5" fmla="*/ 3907 h 3907"/>
-              <a:gd name="T6" fmla="*/ 0 w 2332"/>
-              <a:gd name="T7" fmla="*/ 2595 h 3907"/>
-              <a:gd name="T8" fmla="*/ 1462 w 2332"/>
-              <a:gd name="T9" fmla="*/ 0 h 3907"/>
-            </a:gdLst>
-            <a:ahLst/>
-            <a:cxnLst>
-              <a:cxn ang="0">
-                <a:pos x="T0" y="T1"/>
-              </a:cxn>
-              <a:cxn ang="0">
-                <a:pos x="T2" y="T3"/>
-              </a:cxn>
-              <a:cxn ang="0">
-                <a:pos x="T4" y="T5"/>
-              </a:cxn>
-              <a:cxn ang="0">
-                <a:pos x="T6" y="T7"/>
-              </a:cxn>
-              <a:cxn ang="0">
-                <a:pos x="T8" y="T9"/>
-              </a:cxn>
-            </a:cxnLst>
-            <a:rect l="0" t="0" r="r" b="b"/>
-            <a:pathLst>
-              <a:path w="2332" h="3907">
-                <a:moveTo>
-                  <a:pt x="1462" y="0"/>
-                </a:moveTo>
-                <a:lnTo>
-                  <a:pt x="2332" y="0"/>
-                </a:lnTo>
-                <a:lnTo>
-                  <a:pt x="2332" y="3907"/>
-                </a:lnTo>
-                <a:lnTo>
-                  <a:pt x="0" y="2595"/>
-                </a:lnTo>
-                <a:lnTo>
-                  <a:pt x="1462" y="0"/>
-                </a:lnTo>
-                <a:close/>
-              </a:path>
-            </a:pathLst>
-          </a:custGeom>
-          <a:solidFill>
-            <a:srgbClr val="002B41"/>
-          </a:solidFill>
-          <a:ln w="28575">
-            <a:noFill/>
-          </a:ln>
-          <a:effectLst>
-            <a:outerShdw blurRad="254000" dist="127000" dir="2700000" algn="tl" rotWithShape="0">
-              <a:prstClr val="black">
-                <a:alpha val="40000"/>
-              </a:prstClr>
-            </a:outerShdw>
-          </a:effectLst>
-        </p:spPr>
-        <p:txBody>
-          <a:bodyPr anchor="ctr"/>
-          <a:lstStyle/>
-          <a:p>
-            <a:pPr algn="ctr"/>
-            <a:endParaRPr lang="zh-CN" altLang="en-US" sz="2000">
-              <a:solidFill>
-                <a:schemeClr val="bg1">
-                  <a:lumMod val="95000"/>
-                </a:schemeClr>
-              </a:solidFill>
-              <a:latin typeface="Calibri" panose="020F0502020204030204" pitchFamily="34" charset="0"/>
-              <a:ea typeface="宋体" panose="02010600030101010101" pitchFamily="2" charset="-122"/>
-            </a:endParaRPr>
-          </a:p>
-        </p:txBody>
-      </p:sp>
-      <p:pic>
-        <p:nvPicPr>
-          <p:cNvPr id="2" name="图片 1" descr="搜狗截图20181020205342"/>
-          <p:cNvPicPr>
-            <a:picLocks noChangeAspect="1"/>
-          </p:cNvPicPr>
-          <p:nvPr/>
-        </p:nvPicPr>
-        <p:blipFill>
-          <a:blip r:embed="rId2"/>
-          <a:stretch>
-            <a:fillRect/>
-          </a:stretch>
-        </p:blipFill>
-        <p:spPr>
-          <a:xfrm>
-            <a:off x="1295400" y="1042035"/>
-            <a:ext cx="10058400" cy="4773930"/>
-          </a:xfrm>
-          <a:prstGeom prst="rect">
-            <a:avLst/>
-          </a:prstGeom>
-        </p:spPr>
-      </p:pic>
-    </p:spTree>
-  </p:cSld>
-  <p:clrMapOvr>
-    <a:masterClrMapping/>
-  </p:clrMapOvr>
-</p:sld>
-</file>
-
-<file path=ppt/slides/slide38.xml><?xml version="1.0" encoding="utf-8"?>
-<p:sld xmlns:a="http://schemas.openxmlformats.org/drawingml/2006/main" xmlns:r="http://schemas.openxmlformats.org/officeDocument/2006/relationships" xmlns:p="http://schemas.openxmlformats.org/presentationml/2006/main">
-  <p:cSld>
-    <p:bg>
-      <p:bgPr>
-        <a:solidFill>
-          <a:srgbClr val="F1F1F1"/>
-        </a:solidFill>
-        <a:effectLst/>
-      </p:bgPr>
-    </p:bg>
-    <p:spTree>
-      <p:nvGrpSpPr>
-        <p:cNvPr id="1" name=""/>
-        <p:cNvGrpSpPr/>
-        <p:nvPr/>
-      </p:nvGrpSpPr>
-      <p:grpSpPr>
-        <a:xfrm>
-          <a:off x="0" y="0"/>
-          <a:ext cx="0" cy="0"/>
-          <a:chOff x="0" y="0"/>
-          <a:chExt cx="0" cy="0"/>
-        </a:xfrm>
-      </p:grpSpPr>
-      <p:sp>
-        <p:nvSpPr>
-          <p:cNvPr id="4" name="Freeform 5"/>
-          <p:cNvSpPr/>
-          <p:nvPr/>
-        </p:nvSpPr>
-        <p:spPr bwMode="auto">
-          <a:xfrm flipH="1">
-            <a:off x="0" y="-13281"/>
-            <a:ext cx="409433" cy="832147"/>
-          </a:xfrm>
-          <a:custGeom>
-            <a:avLst/>
-            <a:gdLst>
-              <a:gd name="T0" fmla="*/ 1462 w 2332"/>
-              <a:gd name="T1" fmla="*/ 0 h 3907"/>
-              <a:gd name="T2" fmla="*/ 2332 w 2332"/>
-              <a:gd name="T3" fmla="*/ 0 h 3907"/>
-              <a:gd name="T4" fmla="*/ 2332 w 2332"/>
-              <a:gd name="T5" fmla="*/ 3907 h 3907"/>
-              <a:gd name="T6" fmla="*/ 0 w 2332"/>
-              <a:gd name="T7" fmla="*/ 2595 h 3907"/>
-              <a:gd name="T8" fmla="*/ 1462 w 2332"/>
-              <a:gd name="T9" fmla="*/ 0 h 3907"/>
-            </a:gdLst>
-            <a:ahLst/>
-            <a:cxnLst>
-              <a:cxn ang="0">
-                <a:pos x="T0" y="T1"/>
-              </a:cxn>
-              <a:cxn ang="0">
-                <a:pos x="T2" y="T3"/>
-              </a:cxn>
-              <a:cxn ang="0">
-                <a:pos x="T4" y="T5"/>
-              </a:cxn>
-              <a:cxn ang="0">
-                <a:pos x="T6" y="T7"/>
-              </a:cxn>
-              <a:cxn ang="0">
-                <a:pos x="T8" y="T9"/>
-              </a:cxn>
-            </a:cxnLst>
-            <a:rect l="0" t="0" r="r" b="b"/>
-            <a:pathLst>
-              <a:path w="2332" h="3907">
-                <a:moveTo>
-                  <a:pt x="1462" y="0"/>
-                </a:moveTo>
-                <a:lnTo>
-                  <a:pt x="2332" y="0"/>
-                </a:lnTo>
-                <a:lnTo>
-                  <a:pt x="2332" y="3907"/>
-                </a:lnTo>
-                <a:lnTo>
-                  <a:pt x="0" y="2595"/>
-                </a:lnTo>
-                <a:lnTo>
-                  <a:pt x="1462" y="0"/>
-                </a:lnTo>
-                <a:close/>
-              </a:path>
-            </a:pathLst>
-          </a:custGeom>
-          <a:solidFill>
-            <a:srgbClr val="002B41"/>
-          </a:solidFill>
-          <a:ln w="28575">
-            <a:noFill/>
-          </a:ln>
-          <a:effectLst>
-            <a:outerShdw blurRad="254000" dist="127000" dir="2700000" algn="tl" rotWithShape="0">
-              <a:prstClr val="black">
-                <a:alpha val="40000"/>
-              </a:prstClr>
-            </a:outerShdw>
-          </a:effectLst>
-        </p:spPr>
-        <p:txBody>
-          <a:bodyPr anchor="ctr"/>
-          <a:lstStyle/>
-          <a:p>
-            <a:pPr algn="ctr"/>
-            <a:endParaRPr lang="zh-CN" altLang="en-US" sz="2000">
-              <a:solidFill>
-                <a:schemeClr val="bg1">
-                  <a:lumMod val="95000"/>
-                </a:schemeClr>
-              </a:solidFill>
-              <a:latin typeface="Calibri" panose="020F0502020204030204" pitchFamily="34" charset="0"/>
-              <a:ea typeface="宋体" panose="02010600030101010101" pitchFamily="2" charset="-122"/>
-            </a:endParaRPr>
-          </a:p>
-        </p:txBody>
-      </p:sp>
-      <p:pic>
-        <p:nvPicPr>
-          <p:cNvPr id="2" name="图片 1" descr="搜狗截图20181020205355"/>
-          <p:cNvPicPr>
-            <a:picLocks noChangeAspect="1"/>
-          </p:cNvPicPr>
-          <p:nvPr/>
-        </p:nvPicPr>
-        <p:blipFill>
-          <a:blip r:embed="rId2"/>
-          <a:stretch>
-            <a:fillRect/>
-          </a:stretch>
-        </p:blipFill>
-        <p:spPr>
-          <a:xfrm>
-            <a:off x="2769870" y="1698625"/>
-            <a:ext cx="6652895" cy="3649980"/>
-          </a:xfrm>
-          <a:prstGeom prst="rect">
-            <a:avLst/>
-          </a:prstGeom>
-        </p:spPr>
-      </p:pic>
-    </p:spTree>
-  </p:cSld>
-  <p:clrMapOvr>
-    <a:masterClrMapping/>
-  </p:clrMapOvr>
-</p:sld>
-</file>
-
-<file path=ppt/slides/slide39.xml><?xml version="1.0" encoding="utf-8"?>
-<p:sld xmlns:a="http://schemas.openxmlformats.org/drawingml/2006/main" xmlns:r="http://schemas.openxmlformats.org/officeDocument/2006/relationships" xmlns:p="http://schemas.openxmlformats.org/presentationml/2006/main">
-  <p:cSld>
-    <p:bg>
-      <p:bgPr>
-        <a:solidFill>
-          <a:srgbClr val="F1F1F1"/>
-        </a:solidFill>
-        <a:effectLst/>
-      </p:bgPr>
-    </p:bg>
-    <p:spTree>
-      <p:nvGrpSpPr>
-        <p:cNvPr id="1" name=""/>
-        <p:cNvGrpSpPr/>
-        <p:nvPr/>
-      </p:nvGrpSpPr>
-      <p:grpSpPr>
-        <a:xfrm>
-          <a:off x="0" y="0"/>
-          <a:ext cx="0" cy="0"/>
-          <a:chOff x="0" y="0"/>
-          <a:chExt cx="0" cy="0"/>
-        </a:xfrm>
-      </p:grpSpPr>
-      <p:sp>
-        <p:nvSpPr>
-          <p:cNvPr id="4" name="Freeform 5"/>
-          <p:cNvSpPr/>
-          <p:nvPr/>
-        </p:nvSpPr>
-        <p:spPr bwMode="auto">
-          <a:xfrm flipH="1">
-            <a:off x="0" y="-13281"/>
-            <a:ext cx="409433" cy="832147"/>
-          </a:xfrm>
-          <a:custGeom>
-            <a:avLst/>
-            <a:gdLst>
-              <a:gd name="T0" fmla="*/ 1462 w 2332"/>
-              <a:gd name="T1" fmla="*/ 0 h 3907"/>
-              <a:gd name="T2" fmla="*/ 2332 w 2332"/>
-              <a:gd name="T3" fmla="*/ 0 h 3907"/>
-              <a:gd name="T4" fmla="*/ 2332 w 2332"/>
-              <a:gd name="T5" fmla="*/ 3907 h 3907"/>
-              <a:gd name="T6" fmla="*/ 0 w 2332"/>
-              <a:gd name="T7" fmla="*/ 2595 h 3907"/>
-              <a:gd name="T8" fmla="*/ 1462 w 2332"/>
-              <a:gd name="T9" fmla="*/ 0 h 3907"/>
-            </a:gdLst>
-            <a:ahLst/>
-            <a:cxnLst>
-              <a:cxn ang="0">
-                <a:pos x="T0" y="T1"/>
-              </a:cxn>
-              <a:cxn ang="0">
-                <a:pos x="T2" y="T3"/>
-              </a:cxn>
-              <a:cxn ang="0">
-                <a:pos x="T4" y="T5"/>
-              </a:cxn>
-              <a:cxn ang="0">
-                <a:pos x="T6" y="T7"/>
-              </a:cxn>
-              <a:cxn ang="0">
-                <a:pos x="T8" y="T9"/>
-              </a:cxn>
-            </a:cxnLst>
-            <a:rect l="0" t="0" r="r" b="b"/>
-            <a:pathLst>
-              <a:path w="2332" h="3907">
-                <a:moveTo>
-                  <a:pt x="1462" y="0"/>
-                </a:moveTo>
-                <a:lnTo>
-                  <a:pt x="2332" y="0"/>
-                </a:lnTo>
-                <a:lnTo>
-                  <a:pt x="2332" y="3907"/>
-                </a:lnTo>
-                <a:lnTo>
-                  <a:pt x="0" y="2595"/>
-                </a:lnTo>
-                <a:lnTo>
-                  <a:pt x="1462" y="0"/>
-                </a:lnTo>
-                <a:close/>
-              </a:path>
-            </a:pathLst>
-          </a:custGeom>
-          <a:solidFill>
-            <a:srgbClr val="002B41"/>
-          </a:solidFill>
-          <a:ln w="28575">
-            <a:noFill/>
-          </a:ln>
-          <a:effectLst>
-            <a:outerShdw blurRad="254000" dist="127000" dir="2700000" algn="tl" rotWithShape="0">
-              <a:prstClr val="black">
-                <a:alpha val="40000"/>
-              </a:prstClr>
-            </a:outerShdw>
-          </a:effectLst>
-        </p:spPr>
-        <p:txBody>
-          <a:bodyPr anchor="ctr"/>
-          <a:lstStyle/>
-          <a:p>
-            <a:pPr algn="ctr"/>
-            <a:endParaRPr lang="zh-CN" altLang="en-US" sz="2000">
-              <a:solidFill>
-                <a:schemeClr val="bg1">
-                  <a:lumMod val="95000"/>
-                </a:schemeClr>
-              </a:solidFill>
-              <a:latin typeface="Calibri" panose="020F0502020204030204" pitchFamily="34" charset="0"/>
-              <a:ea typeface="宋体" panose="02010600030101010101" pitchFamily="2" charset="-122"/>
-            </a:endParaRPr>
-          </a:p>
-        </p:txBody>
-      </p:sp>
-      <p:pic>
-        <p:nvPicPr>
-          <p:cNvPr id="2" name="图片 1" descr="搜狗截图20181020205406"/>
-          <p:cNvPicPr>
-            <a:picLocks noChangeAspect="1"/>
-          </p:cNvPicPr>
-          <p:nvPr/>
-        </p:nvPicPr>
-        <p:blipFill>
-          <a:blip r:embed="rId2"/>
-          <a:stretch>
-            <a:fillRect/>
-          </a:stretch>
-        </p:blipFill>
-        <p:spPr>
-          <a:xfrm>
-            <a:off x="2747010" y="2068195"/>
-            <a:ext cx="6698615" cy="3634740"/>
-          </a:xfrm>
-          <a:prstGeom prst="rect">
-            <a:avLst/>
-          </a:prstGeom>
-        </p:spPr>
-      </p:pic>
-    </p:spTree>
-  </p:cSld>
-  <p:clrMapOvr>
-    <a:masterClrMapping/>
-  </p:clrMapOvr>
-</p:sld>
-</file>
-
-<file path=ppt/slides/slide4.xml><?xml version="1.0" encoding="utf-8"?>
-<p:sld xmlns:a="http://schemas.openxmlformats.org/drawingml/2006/main" xmlns:r="http://schemas.openxmlformats.org/officeDocument/2006/relationships" xmlns:p="http://schemas.openxmlformats.org/presentationml/2006/main">
-  <p:cSld>
-    <p:bg>
-      <p:bgPr>
-        <a:solidFill>
-          <a:srgbClr val="F1F1F1"/>
-        </a:solidFill>
-        <a:effectLst/>
-      </p:bgPr>
-    </p:bg>
-    <p:spTree>
-      <p:nvGrpSpPr>
-        <p:cNvPr id="1" name=""/>
-        <p:cNvGrpSpPr/>
-        <p:nvPr/>
-      </p:nvGrpSpPr>
-      <p:grpSpPr>
-        <a:xfrm>
-          <a:off x="0" y="0"/>
-          <a:ext cx="0" cy="0"/>
-          <a:chOff x="0" y="0"/>
-          <a:chExt cx="0" cy="0"/>
-        </a:xfrm>
-      </p:grpSpPr>
-      <p:sp>
-        <p:nvSpPr>
-          <p:cNvPr id="3" name="内容占位符 2"/>
-          <p:cNvSpPr>
-            <a:spLocks noGrp="1"/>
-          </p:cNvSpPr>
-          <p:nvPr>
-            <p:ph idx="1"/>
-          </p:nvPr>
-        </p:nvSpPr>
-        <p:spPr>
-          <a:xfrm>
-            <a:off x="838200" y="818515"/>
-            <a:ext cx="10515600" cy="5358765"/>
-          </a:xfrm>
-        </p:spPr>
-        <p:txBody>
-          <a:bodyPr/>
-          <a:lstStyle/>
-          <a:p>
-            <a:r>
-              <a:rPr lang="zh-CN" altLang="en-US" dirty="0"/>
-              <a:t>面向对象的软件建模工具应对软件系统的模型进行可视化、构造和文档化。一套面向对象的软件建模工具应该给予特定的概念和表示方法，通过对建模人员进行过程性支持、辅助进行建模外，还要安装规范生产相应的开发文档，尽可能多地生成代码。</a:t>
-            </a:r>
-            <a:r>
-              <a:rPr lang="en-US" altLang="zh-CN" dirty="0"/>
-              <a:t>【1】</a:t>
-            </a:r>
-            <a:endParaRPr lang="zh-CN" altLang="en-US" dirty="0"/>
-          </a:p>
-        </p:txBody>
-      </p:sp>
-      <p:sp>
-        <p:nvSpPr>
-          <p:cNvPr id="4" name="Freeform 5"/>
-          <p:cNvSpPr/>
-          <p:nvPr/>
-        </p:nvSpPr>
-        <p:spPr bwMode="auto">
-          <a:xfrm flipH="1">
-            <a:off x="0" y="-13281"/>
-            <a:ext cx="409433" cy="832147"/>
-          </a:xfrm>
-          <a:custGeom>
-            <a:avLst/>
-            <a:gdLst>
-              <a:gd name="T0" fmla="*/ 1462 w 2332"/>
-              <a:gd name="T1" fmla="*/ 0 h 3907"/>
-              <a:gd name="T2" fmla="*/ 2332 w 2332"/>
-              <a:gd name="T3" fmla="*/ 0 h 3907"/>
-              <a:gd name="T4" fmla="*/ 2332 w 2332"/>
-              <a:gd name="T5" fmla="*/ 3907 h 3907"/>
-              <a:gd name="T6" fmla="*/ 0 w 2332"/>
-              <a:gd name="T7" fmla="*/ 2595 h 3907"/>
-              <a:gd name="T8" fmla="*/ 1462 w 2332"/>
-              <a:gd name="T9" fmla="*/ 0 h 3907"/>
-            </a:gdLst>
-            <a:ahLst/>
-            <a:cxnLst>
-              <a:cxn ang="0">
-                <a:pos x="T0" y="T1"/>
-              </a:cxn>
-              <a:cxn ang="0">
-                <a:pos x="T2" y="T3"/>
-              </a:cxn>
-              <a:cxn ang="0">
-                <a:pos x="T4" y="T5"/>
-              </a:cxn>
-              <a:cxn ang="0">
-                <a:pos x="T6" y="T7"/>
-              </a:cxn>
-              <a:cxn ang="0">
-                <a:pos x="T8" y="T9"/>
-              </a:cxn>
-            </a:cxnLst>
-            <a:rect l="0" t="0" r="r" b="b"/>
-            <a:pathLst>
-              <a:path w="2332" h="3907">
-                <a:moveTo>
-                  <a:pt x="1462" y="0"/>
-                </a:moveTo>
-                <a:lnTo>
-                  <a:pt x="2332" y="0"/>
-                </a:lnTo>
-                <a:lnTo>
-                  <a:pt x="2332" y="3907"/>
-                </a:lnTo>
-                <a:lnTo>
-                  <a:pt x="0" y="2595"/>
-                </a:lnTo>
-                <a:lnTo>
-                  <a:pt x="1462" y="0"/>
-                </a:lnTo>
-                <a:close/>
-              </a:path>
-            </a:pathLst>
-          </a:custGeom>
-          <a:solidFill>
-            <a:srgbClr val="002B41"/>
-          </a:solidFill>
-          <a:ln w="28575">
-            <a:noFill/>
-          </a:ln>
-          <a:effectLst>
-            <a:outerShdw blurRad="254000" dist="127000" dir="2700000" algn="tl" rotWithShape="0">
-              <a:prstClr val="black">
-                <a:alpha val="40000"/>
-              </a:prstClr>
-            </a:outerShdw>
-          </a:effectLst>
-        </p:spPr>
-        <p:txBody>
-          <a:bodyPr anchor="ctr"/>
-          <a:lstStyle/>
-          <a:p>
-            <a:pPr algn="ctr"/>
-            <a:endParaRPr lang="zh-CN" altLang="en-US" sz="2000">
-              <a:solidFill>
-                <a:schemeClr val="bg1">
-                  <a:lumMod val="95000"/>
-                </a:schemeClr>
-              </a:solidFill>
-              <a:latin typeface="Calibri" panose="020F0502020204030204" pitchFamily="34" charset="0"/>
-              <a:ea typeface="宋体" panose="02010600030101010101" pitchFamily="2" charset="-122"/>
-            </a:endParaRPr>
-          </a:p>
-        </p:txBody>
-      </p:sp>
-    </p:spTree>
-  </p:cSld>
-  <p:clrMapOvr>
-    <a:masterClrMapping/>
-  </p:clrMapOvr>
-</p:sld>
-</file>
-
-<file path=ppt/slides/slide40.xml><?xml version="1.0" encoding="utf-8"?>
-<p:sld xmlns:a="http://schemas.openxmlformats.org/drawingml/2006/main" xmlns:r="http://schemas.openxmlformats.org/officeDocument/2006/relationships" xmlns:p="http://schemas.openxmlformats.org/presentationml/2006/main">
-  <p:cSld>
-    <p:bg>
-      <p:bgPr>
-        <a:solidFill>
-          <a:srgbClr val="F1F1F1"/>
-        </a:solidFill>
-        <a:effectLst/>
-      </p:bgPr>
-    </p:bg>
-    <p:spTree>
-      <p:nvGrpSpPr>
-        <p:cNvPr id="1" name=""/>
-        <p:cNvGrpSpPr/>
-        <p:nvPr/>
-      </p:nvGrpSpPr>
-      <p:grpSpPr>
-        <a:xfrm>
-          <a:off x="0" y="0"/>
-          <a:ext cx="0" cy="0"/>
-          <a:chOff x="0" y="0"/>
-          <a:chExt cx="0" cy="0"/>
-        </a:xfrm>
-      </p:grpSpPr>
-      <p:sp>
-        <p:nvSpPr>
-          <p:cNvPr id="4" name="Freeform 5"/>
-          <p:cNvSpPr/>
-          <p:nvPr/>
-        </p:nvSpPr>
-        <p:spPr bwMode="auto">
-          <a:xfrm flipH="1">
-            <a:off x="0" y="-13281"/>
-            <a:ext cx="409433" cy="832147"/>
-          </a:xfrm>
-          <a:custGeom>
-            <a:avLst/>
-            <a:gdLst>
-              <a:gd name="T0" fmla="*/ 1462 w 2332"/>
-              <a:gd name="T1" fmla="*/ 0 h 3907"/>
-              <a:gd name="T2" fmla="*/ 2332 w 2332"/>
-              <a:gd name="T3" fmla="*/ 0 h 3907"/>
-              <a:gd name="T4" fmla="*/ 2332 w 2332"/>
-              <a:gd name="T5" fmla="*/ 3907 h 3907"/>
-              <a:gd name="T6" fmla="*/ 0 w 2332"/>
-              <a:gd name="T7" fmla="*/ 2595 h 3907"/>
-              <a:gd name="T8" fmla="*/ 1462 w 2332"/>
-              <a:gd name="T9" fmla="*/ 0 h 3907"/>
-            </a:gdLst>
-            <a:ahLst/>
-            <a:cxnLst>
-              <a:cxn ang="0">
-                <a:pos x="T0" y="T1"/>
-              </a:cxn>
-              <a:cxn ang="0">
-                <a:pos x="T2" y="T3"/>
-              </a:cxn>
-              <a:cxn ang="0">
-                <a:pos x="T4" y="T5"/>
-              </a:cxn>
-              <a:cxn ang="0">
-                <a:pos x="T6" y="T7"/>
-              </a:cxn>
-              <a:cxn ang="0">
-                <a:pos x="T8" y="T9"/>
-              </a:cxn>
-            </a:cxnLst>
-            <a:rect l="0" t="0" r="r" b="b"/>
-            <a:pathLst>
-              <a:path w="2332" h="3907">
-                <a:moveTo>
-                  <a:pt x="1462" y="0"/>
-                </a:moveTo>
-                <a:lnTo>
-                  <a:pt x="2332" y="0"/>
-                </a:lnTo>
-                <a:lnTo>
-                  <a:pt x="2332" y="3907"/>
-                </a:lnTo>
-                <a:lnTo>
-                  <a:pt x="0" y="2595"/>
-                </a:lnTo>
-                <a:lnTo>
-                  <a:pt x="1462" y="0"/>
-                </a:lnTo>
-                <a:close/>
-              </a:path>
-            </a:pathLst>
-          </a:custGeom>
-          <a:solidFill>
-            <a:srgbClr val="002B41"/>
-          </a:solidFill>
-          <a:ln w="28575">
-            <a:noFill/>
-          </a:ln>
-          <a:effectLst>
-            <a:outerShdw blurRad="254000" dist="127000" dir="2700000" algn="tl" rotWithShape="0">
-              <a:prstClr val="black">
-                <a:alpha val="40000"/>
-              </a:prstClr>
-            </a:outerShdw>
-          </a:effectLst>
-        </p:spPr>
-        <p:txBody>
-          <a:bodyPr anchor="ctr"/>
-          <a:lstStyle/>
-          <a:p>
-            <a:pPr algn="ctr"/>
-            <a:endParaRPr lang="zh-CN" altLang="en-US" sz="2000">
-              <a:solidFill>
-                <a:schemeClr val="bg1">
-                  <a:lumMod val="95000"/>
-                </a:schemeClr>
-              </a:solidFill>
-              <a:latin typeface="Calibri" panose="020F0502020204030204" pitchFamily="34" charset="0"/>
-              <a:ea typeface="宋体" panose="02010600030101010101" pitchFamily="2" charset="-122"/>
-            </a:endParaRPr>
-          </a:p>
-        </p:txBody>
-      </p:sp>
-      <p:pic>
-        <p:nvPicPr>
-          <p:cNvPr id="2" name="图片 1" descr="搜狗截图20181020205419"/>
-          <p:cNvPicPr>
-            <a:picLocks noChangeAspect="1"/>
-          </p:cNvPicPr>
-          <p:nvPr/>
-        </p:nvPicPr>
-        <p:blipFill>
-          <a:blip r:embed="rId2"/>
-          <a:stretch>
-            <a:fillRect/>
-          </a:stretch>
-        </p:blipFill>
-        <p:spPr>
-          <a:xfrm>
-            <a:off x="1295400" y="990600"/>
-            <a:ext cx="10058400" cy="5490210"/>
           </a:xfrm>
           <a:prstGeom prst="rect">
             <a:avLst/>
@@ -17383,2853 +19480,6 @@
 </file>
 
 <file path=ppt/slides/slide45.xml><?xml version="1.0" encoding="utf-8"?>
-<p:sld xmlns:a="http://schemas.openxmlformats.org/drawingml/2006/main" xmlns:r="http://schemas.openxmlformats.org/officeDocument/2006/relationships" xmlns:p="http://schemas.openxmlformats.org/presentationml/2006/main">
-  <p:cSld>
-    <p:bg>
-      <p:bgPr>
-        <a:solidFill>
-          <a:srgbClr val="F1F1F1"/>
-        </a:solidFill>
-        <a:effectLst/>
-      </p:bgPr>
-    </p:bg>
-    <p:spTree>
-      <p:nvGrpSpPr>
-        <p:cNvPr id="1" name=""/>
-        <p:cNvGrpSpPr/>
-        <p:nvPr/>
-      </p:nvGrpSpPr>
-      <p:grpSpPr>
-        <a:xfrm>
-          <a:off x="0" y="0"/>
-          <a:ext cx="0" cy="0"/>
-          <a:chOff x="0" y="0"/>
-          <a:chExt cx="0" cy="0"/>
-        </a:xfrm>
-      </p:grpSpPr>
-      <p:sp>
-        <p:nvSpPr>
-          <p:cNvPr id="4" name="Freeform 5"/>
-          <p:cNvSpPr/>
-          <p:nvPr/>
-        </p:nvSpPr>
-        <p:spPr bwMode="auto">
-          <a:xfrm flipH="1">
-            <a:off x="0" y="-13281"/>
-            <a:ext cx="409433" cy="832147"/>
-          </a:xfrm>
-          <a:custGeom>
-            <a:avLst/>
-            <a:gdLst>
-              <a:gd name="T0" fmla="*/ 1462 w 2332"/>
-              <a:gd name="T1" fmla="*/ 0 h 3907"/>
-              <a:gd name="T2" fmla="*/ 2332 w 2332"/>
-              <a:gd name="T3" fmla="*/ 0 h 3907"/>
-              <a:gd name="T4" fmla="*/ 2332 w 2332"/>
-              <a:gd name="T5" fmla="*/ 3907 h 3907"/>
-              <a:gd name="T6" fmla="*/ 0 w 2332"/>
-              <a:gd name="T7" fmla="*/ 2595 h 3907"/>
-              <a:gd name="T8" fmla="*/ 1462 w 2332"/>
-              <a:gd name="T9" fmla="*/ 0 h 3907"/>
-            </a:gdLst>
-            <a:ahLst/>
-            <a:cxnLst>
-              <a:cxn ang="0">
-                <a:pos x="T0" y="T1"/>
-              </a:cxn>
-              <a:cxn ang="0">
-                <a:pos x="T2" y="T3"/>
-              </a:cxn>
-              <a:cxn ang="0">
-                <a:pos x="T4" y="T5"/>
-              </a:cxn>
-              <a:cxn ang="0">
-                <a:pos x="T6" y="T7"/>
-              </a:cxn>
-              <a:cxn ang="0">
-                <a:pos x="T8" y="T9"/>
-              </a:cxn>
-            </a:cxnLst>
-            <a:rect l="0" t="0" r="r" b="b"/>
-            <a:pathLst>
-              <a:path w="2332" h="3907">
-                <a:moveTo>
-                  <a:pt x="1462" y="0"/>
-                </a:moveTo>
-                <a:lnTo>
-                  <a:pt x="2332" y="0"/>
-                </a:lnTo>
-                <a:lnTo>
-                  <a:pt x="2332" y="3907"/>
-                </a:lnTo>
-                <a:lnTo>
-                  <a:pt x="0" y="2595"/>
-                </a:lnTo>
-                <a:lnTo>
-                  <a:pt x="1462" y="0"/>
-                </a:lnTo>
-                <a:close/>
-              </a:path>
-            </a:pathLst>
-          </a:custGeom>
-          <a:solidFill>
-            <a:srgbClr val="002B41"/>
-          </a:solidFill>
-          <a:ln w="28575">
-            <a:noFill/>
-          </a:ln>
-          <a:effectLst>
-            <a:outerShdw blurRad="254000" dist="127000" dir="2700000" algn="tl" rotWithShape="0">
-              <a:prstClr val="black">
-                <a:alpha val="40000"/>
-              </a:prstClr>
-            </a:outerShdw>
-          </a:effectLst>
-        </p:spPr>
-        <p:txBody>
-          <a:bodyPr anchor="ctr"/>
-          <a:lstStyle/>
-          <a:p>
-            <a:pPr algn="ctr"/>
-            <a:endParaRPr lang="zh-CN" altLang="en-US" sz="2000">
-              <a:solidFill>
-                <a:schemeClr val="bg1">
-                  <a:lumMod val="95000"/>
-                </a:schemeClr>
-              </a:solidFill>
-              <a:latin typeface="Calibri" panose="020F0502020204030204" pitchFamily="34" charset="0"/>
-              <a:ea typeface="宋体" panose="02010600030101010101" pitchFamily="2" charset="-122"/>
-            </a:endParaRPr>
-          </a:p>
-        </p:txBody>
-      </p:sp>
-      <p:pic>
-        <p:nvPicPr>
-          <p:cNvPr id="2" name="图片 1" descr="搜狗截图20181020205548"/>
-          <p:cNvPicPr>
-            <a:picLocks noChangeAspect="1"/>
-          </p:cNvPicPr>
-          <p:nvPr/>
-        </p:nvPicPr>
-        <p:blipFill>
-          <a:blip r:embed="rId2"/>
-          <a:stretch>
-            <a:fillRect/>
-          </a:stretch>
-        </p:blipFill>
-        <p:spPr>
-          <a:xfrm>
-            <a:off x="1752600" y="1676400"/>
-            <a:ext cx="8687435" cy="3505200"/>
-          </a:xfrm>
-          <a:prstGeom prst="rect">
-            <a:avLst/>
-          </a:prstGeom>
-        </p:spPr>
-      </p:pic>
-    </p:spTree>
-  </p:cSld>
-  <p:clrMapOvr>
-    <a:masterClrMapping/>
-  </p:clrMapOvr>
-</p:sld>
-</file>
-
-<file path=ppt/slides/slide46.xml><?xml version="1.0" encoding="utf-8"?>
-<p:sld xmlns:a="http://schemas.openxmlformats.org/drawingml/2006/main" xmlns:r="http://schemas.openxmlformats.org/officeDocument/2006/relationships" xmlns:p="http://schemas.openxmlformats.org/presentationml/2006/main">
-  <p:cSld>
-    <p:bg>
-      <p:bgPr>
-        <a:solidFill>
-          <a:srgbClr val="F1F1F1"/>
-        </a:solidFill>
-        <a:effectLst/>
-      </p:bgPr>
-    </p:bg>
-    <p:spTree>
-      <p:nvGrpSpPr>
-        <p:cNvPr id="1" name=""/>
-        <p:cNvGrpSpPr/>
-        <p:nvPr/>
-      </p:nvGrpSpPr>
-      <p:grpSpPr>
-        <a:xfrm>
-          <a:off x="0" y="0"/>
-          <a:ext cx="0" cy="0"/>
-          <a:chOff x="0" y="0"/>
-          <a:chExt cx="0" cy="0"/>
-        </a:xfrm>
-      </p:grpSpPr>
-      <p:sp>
-        <p:nvSpPr>
-          <p:cNvPr id="4" name="Freeform 5"/>
-          <p:cNvSpPr/>
-          <p:nvPr/>
-        </p:nvSpPr>
-        <p:spPr bwMode="auto">
-          <a:xfrm flipH="1">
-            <a:off x="0" y="-13281"/>
-            <a:ext cx="409433" cy="832147"/>
-          </a:xfrm>
-          <a:custGeom>
-            <a:avLst/>
-            <a:gdLst>
-              <a:gd name="T0" fmla="*/ 1462 w 2332"/>
-              <a:gd name="T1" fmla="*/ 0 h 3907"/>
-              <a:gd name="T2" fmla="*/ 2332 w 2332"/>
-              <a:gd name="T3" fmla="*/ 0 h 3907"/>
-              <a:gd name="T4" fmla="*/ 2332 w 2332"/>
-              <a:gd name="T5" fmla="*/ 3907 h 3907"/>
-              <a:gd name="T6" fmla="*/ 0 w 2332"/>
-              <a:gd name="T7" fmla="*/ 2595 h 3907"/>
-              <a:gd name="T8" fmla="*/ 1462 w 2332"/>
-              <a:gd name="T9" fmla="*/ 0 h 3907"/>
-            </a:gdLst>
-            <a:ahLst/>
-            <a:cxnLst>
-              <a:cxn ang="0">
-                <a:pos x="T0" y="T1"/>
-              </a:cxn>
-              <a:cxn ang="0">
-                <a:pos x="T2" y="T3"/>
-              </a:cxn>
-              <a:cxn ang="0">
-                <a:pos x="T4" y="T5"/>
-              </a:cxn>
-              <a:cxn ang="0">
-                <a:pos x="T6" y="T7"/>
-              </a:cxn>
-              <a:cxn ang="0">
-                <a:pos x="T8" y="T9"/>
-              </a:cxn>
-            </a:cxnLst>
-            <a:rect l="0" t="0" r="r" b="b"/>
-            <a:pathLst>
-              <a:path w="2332" h="3907">
-                <a:moveTo>
-                  <a:pt x="1462" y="0"/>
-                </a:moveTo>
-                <a:lnTo>
-                  <a:pt x="2332" y="0"/>
-                </a:lnTo>
-                <a:lnTo>
-                  <a:pt x="2332" y="3907"/>
-                </a:lnTo>
-                <a:lnTo>
-                  <a:pt x="0" y="2595"/>
-                </a:lnTo>
-                <a:lnTo>
-                  <a:pt x="1462" y="0"/>
-                </a:lnTo>
-                <a:close/>
-              </a:path>
-            </a:pathLst>
-          </a:custGeom>
-          <a:solidFill>
-            <a:srgbClr val="002B41"/>
-          </a:solidFill>
-          <a:ln w="28575">
-            <a:noFill/>
-          </a:ln>
-          <a:effectLst>
-            <a:outerShdw blurRad="254000" dist="127000" dir="2700000" algn="tl" rotWithShape="0">
-              <a:prstClr val="black">
-                <a:alpha val="40000"/>
-              </a:prstClr>
-            </a:outerShdw>
-          </a:effectLst>
-        </p:spPr>
-        <p:txBody>
-          <a:bodyPr anchor="ctr"/>
-          <a:lstStyle/>
-          <a:p>
-            <a:pPr algn="ctr"/>
-            <a:endParaRPr lang="zh-CN" altLang="en-US" sz="2000">
-              <a:solidFill>
-                <a:schemeClr val="bg1">
-                  <a:lumMod val="95000"/>
-                </a:schemeClr>
-              </a:solidFill>
-              <a:latin typeface="Calibri" panose="020F0502020204030204" pitchFamily="34" charset="0"/>
-              <a:ea typeface="宋体" panose="02010600030101010101" pitchFamily="2" charset="-122"/>
-            </a:endParaRPr>
-          </a:p>
-        </p:txBody>
-      </p:sp>
-      <p:pic>
-        <p:nvPicPr>
-          <p:cNvPr id="2" name="图片 1" descr="搜狗截图20181020205617"/>
-          <p:cNvPicPr>
-            <a:picLocks noChangeAspect="1"/>
-          </p:cNvPicPr>
-          <p:nvPr/>
-        </p:nvPicPr>
-        <p:blipFill>
-          <a:blip r:embed="rId2"/>
-          <a:stretch>
-            <a:fillRect/>
-          </a:stretch>
-        </p:blipFill>
-        <p:spPr>
-          <a:xfrm>
-            <a:off x="2114550" y="201295"/>
-            <a:ext cx="7963535" cy="6454775"/>
-          </a:xfrm>
-          <a:prstGeom prst="rect">
-            <a:avLst/>
-          </a:prstGeom>
-        </p:spPr>
-      </p:pic>
-    </p:spTree>
-  </p:cSld>
-  <p:clrMapOvr>
-    <a:masterClrMapping/>
-  </p:clrMapOvr>
-</p:sld>
-</file>
-
-<file path=ppt/slides/slide47.xml><?xml version="1.0" encoding="utf-8"?>
-<p:sld xmlns:a="http://schemas.openxmlformats.org/drawingml/2006/main" xmlns:r="http://schemas.openxmlformats.org/officeDocument/2006/relationships" xmlns:p="http://schemas.openxmlformats.org/presentationml/2006/main">
-  <p:cSld>
-    <p:bg>
-      <p:bgPr>
-        <a:solidFill>
-          <a:srgbClr val="F1F1F1"/>
-        </a:solidFill>
-        <a:effectLst/>
-      </p:bgPr>
-    </p:bg>
-    <p:spTree>
-      <p:nvGrpSpPr>
-        <p:cNvPr id="1" name=""/>
-        <p:cNvGrpSpPr/>
-        <p:nvPr/>
-      </p:nvGrpSpPr>
-      <p:grpSpPr>
-        <a:xfrm>
-          <a:off x="0" y="0"/>
-          <a:ext cx="0" cy="0"/>
-          <a:chOff x="0" y="0"/>
-          <a:chExt cx="0" cy="0"/>
-        </a:xfrm>
-      </p:grpSpPr>
-      <p:sp>
-        <p:nvSpPr>
-          <p:cNvPr id="3" name="内容占位符 2"/>
-          <p:cNvSpPr>
-            <a:spLocks noGrp="1"/>
-          </p:cNvSpPr>
-          <p:nvPr>
-            <p:ph idx="1"/>
-          </p:nvPr>
-        </p:nvSpPr>
-        <p:spPr>
-          <a:xfrm>
-            <a:off x="838200" y="354965"/>
-            <a:ext cx="10515600" cy="5822315"/>
-          </a:xfrm>
-        </p:spPr>
-        <p:txBody>
-          <a:bodyPr/>
-          <a:lstStyle/>
-          <a:p>
-            <a:r>
-              <a:rPr lang="zh-CN" altLang="en-US"/>
-              <a:t>点击</a:t>
-            </a:r>
-            <a:r>
-              <a:rPr lang="en-US" altLang="zh-CN"/>
-              <a:t>“</a:t>
-            </a:r>
-            <a:r>
-              <a:rPr lang="zh-CN" altLang="en-US"/>
-              <a:t>开始</a:t>
-            </a:r>
-            <a:r>
-              <a:rPr lang="en-US" altLang="zh-CN"/>
-              <a:t>”</a:t>
-            </a:r>
-          </a:p>
-          <a:p>
-            <a:endParaRPr lang="en-US" altLang="zh-CN"/>
-          </a:p>
-          <a:p>
-            <a:endParaRPr lang="en-US" altLang="zh-CN"/>
-          </a:p>
-          <a:p>
-            <a:endParaRPr lang="en-US" altLang="zh-CN"/>
-          </a:p>
-          <a:p>
-            <a:r>
-              <a:rPr lang="zh-CN" altLang="en-US"/>
-              <a:t>其中有剪贴板、字体、段落、工具、形状样式、排列、编辑。</a:t>
-            </a:r>
-          </a:p>
-        </p:txBody>
-      </p:sp>
-      <p:sp>
-        <p:nvSpPr>
-          <p:cNvPr id="4" name="Freeform 5"/>
-          <p:cNvSpPr/>
-          <p:nvPr/>
-        </p:nvSpPr>
-        <p:spPr bwMode="auto">
-          <a:xfrm flipH="1">
-            <a:off x="0" y="-13281"/>
-            <a:ext cx="409433" cy="832147"/>
-          </a:xfrm>
-          <a:custGeom>
-            <a:avLst/>
-            <a:gdLst>
-              <a:gd name="T0" fmla="*/ 1462 w 2332"/>
-              <a:gd name="T1" fmla="*/ 0 h 3907"/>
-              <a:gd name="T2" fmla="*/ 2332 w 2332"/>
-              <a:gd name="T3" fmla="*/ 0 h 3907"/>
-              <a:gd name="T4" fmla="*/ 2332 w 2332"/>
-              <a:gd name="T5" fmla="*/ 3907 h 3907"/>
-              <a:gd name="T6" fmla="*/ 0 w 2332"/>
-              <a:gd name="T7" fmla="*/ 2595 h 3907"/>
-              <a:gd name="T8" fmla="*/ 1462 w 2332"/>
-              <a:gd name="T9" fmla="*/ 0 h 3907"/>
-            </a:gdLst>
-            <a:ahLst/>
-            <a:cxnLst>
-              <a:cxn ang="0">
-                <a:pos x="T0" y="T1"/>
-              </a:cxn>
-              <a:cxn ang="0">
-                <a:pos x="T2" y="T3"/>
-              </a:cxn>
-              <a:cxn ang="0">
-                <a:pos x="T4" y="T5"/>
-              </a:cxn>
-              <a:cxn ang="0">
-                <a:pos x="T6" y="T7"/>
-              </a:cxn>
-              <a:cxn ang="0">
-                <a:pos x="T8" y="T9"/>
-              </a:cxn>
-            </a:cxnLst>
-            <a:rect l="0" t="0" r="r" b="b"/>
-            <a:pathLst>
-              <a:path w="2332" h="3907">
-                <a:moveTo>
-                  <a:pt x="1462" y="0"/>
-                </a:moveTo>
-                <a:lnTo>
-                  <a:pt x="2332" y="0"/>
-                </a:lnTo>
-                <a:lnTo>
-                  <a:pt x="2332" y="3907"/>
-                </a:lnTo>
-                <a:lnTo>
-                  <a:pt x="0" y="2595"/>
-                </a:lnTo>
-                <a:lnTo>
-                  <a:pt x="1462" y="0"/>
-                </a:lnTo>
-                <a:close/>
-              </a:path>
-            </a:pathLst>
-          </a:custGeom>
-          <a:solidFill>
-            <a:srgbClr val="002B41"/>
-          </a:solidFill>
-          <a:ln w="28575">
-            <a:noFill/>
-          </a:ln>
-          <a:effectLst>
-            <a:outerShdw blurRad="254000" dist="127000" dir="2700000" algn="tl" rotWithShape="0">
-              <a:prstClr val="black">
-                <a:alpha val="40000"/>
-              </a:prstClr>
-            </a:outerShdw>
-          </a:effectLst>
-        </p:spPr>
-        <p:txBody>
-          <a:bodyPr anchor="ctr"/>
-          <a:lstStyle/>
-          <a:p>
-            <a:pPr algn="ctr"/>
-            <a:endParaRPr lang="zh-CN" altLang="en-US" sz="2000">
-              <a:solidFill>
-                <a:schemeClr val="bg1">
-                  <a:lumMod val="95000"/>
-                </a:schemeClr>
-              </a:solidFill>
-              <a:latin typeface="Calibri" panose="020F0502020204030204" pitchFamily="34" charset="0"/>
-              <a:ea typeface="宋体" panose="02010600030101010101" pitchFamily="2" charset="-122"/>
-            </a:endParaRPr>
-          </a:p>
-        </p:txBody>
-      </p:sp>
-      <p:pic>
-        <p:nvPicPr>
-          <p:cNvPr id="2" name="图片 1" descr="搜狗截图20181020212316"/>
-          <p:cNvPicPr>
-            <a:picLocks noChangeAspect="1"/>
-          </p:cNvPicPr>
-          <p:nvPr/>
-        </p:nvPicPr>
-        <p:blipFill>
-          <a:blip r:embed="rId2"/>
-          <a:stretch>
-            <a:fillRect/>
-          </a:stretch>
-        </p:blipFill>
-        <p:spPr>
-          <a:xfrm>
-            <a:off x="579755" y="1014730"/>
-            <a:ext cx="11032490" cy="1115695"/>
-          </a:xfrm>
-          <a:prstGeom prst="rect">
-            <a:avLst/>
-          </a:prstGeom>
-        </p:spPr>
-      </p:pic>
-    </p:spTree>
-  </p:cSld>
-  <p:clrMapOvr>
-    <a:masterClrMapping/>
-  </p:clrMapOvr>
-</p:sld>
-</file>
-
-<file path=ppt/slides/slide48.xml><?xml version="1.0" encoding="utf-8"?>
-<p:sld xmlns:a="http://schemas.openxmlformats.org/drawingml/2006/main" xmlns:r="http://schemas.openxmlformats.org/officeDocument/2006/relationships" xmlns:p="http://schemas.openxmlformats.org/presentationml/2006/main">
-  <p:cSld>
-    <p:bg>
-      <p:bgPr>
-        <a:solidFill>
-          <a:srgbClr val="F1F1F1"/>
-        </a:solidFill>
-        <a:effectLst/>
-      </p:bgPr>
-    </p:bg>
-    <p:spTree>
-      <p:nvGrpSpPr>
-        <p:cNvPr id="1" name=""/>
-        <p:cNvGrpSpPr/>
-        <p:nvPr/>
-      </p:nvGrpSpPr>
-      <p:grpSpPr>
-        <a:xfrm>
-          <a:off x="0" y="0"/>
-          <a:ext cx="0" cy="0"/>
-          <a:chOff x="0" y="0"/>
-          <a:chExt cx="0" cy="0"/>
-        </a:xfrm>
-      </p:grpSpPr>
-      <p:sp>
-        <p:nvSpPr>
-          <p:cNvPr id="3" name="内容占位符 2"/>
-          <p:cNvSpPr>
-            <a:spLocks noGrp="1"/>
-          </p:cNvSpPr>
-          <p:nvPr>
-            <p:ph idx="1"/>
-          </p:nvPr>
-        </p:nvSpPr>
-        <p:spPr>
-          <a:xfrm>
-            <a:off x="838200" y="354965"/>
-            <a:ext cx="10515600" cy="5822315"/>
-          </a:xfrm>
-        </p:spPr>
-        <p:txBody>
-          <a:bodyPr/>
-          <a:lstStyle/>
-          <a:p>
-            <a:r>
-              <a:rPr lang="zh-CN" altLang="en-US">
-                <a:sym typeface="+mn-ea"/>
-              </a:rPr>
-              <a:t>点击</a:t>
-            </a:r>
-            <a:r>
-              <a:rPr lang="en-US" altLang="zh-CN">
-                <a:sym typeface="+mn-ea"/>
-              </a:rPr>
-              <a:t>“</a:t>
-            </a:r>
-            <a:r>
-              <a:rPr lang="zh-CN" altLang="en-US">
-                <a:sym typeface="+mn-ea"/>
-              </a:rPr>
-              <a:t>插入</a:t>
-            </a:r>
-            <a:r>
-              <a:rPr lang="en-US" altLang="zh-CN">
-                <a:sym typeface="+mn-ea"/>
-              </a:rPr>
-              <a:t>”</a:t>
-            </a:r>
-          </a:p>
-          <a:p>
-            <a:endParaRPr lang="en-US" altLang="zh-CN">
-              <a:sym typeface="+mn-ea"/>
-            </a:endParaRPr>
-          </a:p>
-          <a:p>
-            <a:endParaRPr lang="en-US" altLang="zh-CN">
-              <a:sym typeface="+mn-ea"/>
-            </a:endParaRPr>
-          </a:p>
-          <a:p>
-            <a:r>
-              <a:rPr lang="zh-CN" altLang="en-US">
-                <a:sym typeface="+mn-ea"/>
-              </a:rPr>
-              <a:t>其中有页面、插图、图部件、链接、文本。</a:t>
-            </a:r>
-            <a:endParaRPr lang="en-US" altLang="zh-CN"/>
-          </a:p>
-          <a:p>
-            <a:endParaRPr lang="zh-CN" altLang="en-US"/>
-          </a:p>
-        </p:txBody>
-      </p:sp>
-      <p:sp>
-        <p:nvSpPr>
-          <p:cNvPr id="4" name="Freeform 5"/>
-          <p:cNvSpPr/>
-          <p:nvPr/>
-        </p:nvSpPr>
-        <p:spPr bwMode="auto">
-          <a:xfrm flipH="1">
-            <a:off x="0" y="-13281"/>
-            <a:ext cx="409433" cy="832147"/>
-          </a:xfrm>
-          <a:custGeom>
-            <a:avLst/>
-            <a:gdLst>
-              <a:gd name="T0" fmla="*/ 1462 w 2332"/>
-              <a:gd name="T1" fmla="*/ 0 h 3907"/>
-              <a:gd name="T2" fmla="*/ 2332 w 2332"/>
-              <a:gd name="T3" fmla="*/ 0 h 3907"/>
-              <a:gd name="T4" fmla="*/ 2332 w 2332"/>
-              <a:gd name="T5" fmla="*/ 3907 h 3907"/>
-              <a:gd name="T6" fmla="*/ 0 w 2332"/>
-              <a:gd name="T7" fmla="*/ 2595 h 3907"/>
-              <a:gd name="T8" fmla="*/ 1462 w 2332"/>
-              <a:gd name="T9" fmla="*/ 0 h 3907"/>
-            </a:gdLst>
-            <a:ahLst/>
-            <a:cxnLst>
-              <a:cxn ang="0">
-                <a:pos x="T0" y="T1"/>
-              </a:cxn>
-              <a:cxn ang="0">
-                <a:pos x="T2" y="T3"/>
-              </a:cxn>
-              <a:cxn ang="0">
-                <a:pos x="T4" y="T5"/>
-              </a:cxn>
-              <a:cxn ang="0">
-                <a:pos x="T6" y="T7"/>
-              </a:cxn>
-              <a:cxn ang="0">
-                <a:pos x="T8" y="T9"/>
-              </a:cxn>
-            </a:cxnLst>
-            <a:rect l="0" t="0" r="r" b="b"/>
-            <a:pathLst>
-              <a:path w="2332" h="3907">
-                <a:moveTo>
-                  <a:pt x="1462" y="0"/>
-                </a:moveTo>
-                <a:lnTo>
-                  <a:pt x="2332" y="0"/>
-                </a:lnTo>
-                <a:lnTo>
-                  <a:pt x="2332" y="3907"/>
-                </a:lnTo>
-                <a:lnTo>
-                  <a:pt x="0" y="2595"/>
-                </a:lnTo>
-                <a:lnTo>
-                  <a:pt x="1462" y="0"/>
-                </a:lnTo>
-                <a:close/>
-              </a:path>
-            </a:pathLst>
-          </a:custGeom>
-          <a:solidFill>
-            <a:srgbClr val="002B41"/>
-          </a:solidFill>
-          <a:ln w="28575">
-            <a:noFill/>
-          </a:ln>
-          <a:effectLst>
-            <a:outerShdw blurRad="254000" dist="127000" dir="2700000" algn="tl" rotWithShape="0">
-              <a:prstClr val="black">
-                <a:alpha val="40000"/>
-              </a:prstClr>
-            </a:outerShdw>
-          </a:effectLst>
-        </p:spPr>
-        <p:txBody>
-          <a:bodyPr anchor="ctr"/>
-          <a:lstStyle/>
-          <a:p>
-            <a:pPr algn="ctr"/>
-            <a:endParaRPr lang="zh-CN" altLang="en-US" sz="2000">
-              <a:solidFill>
-                <a:schemeClr val="bg1">
-                  <a:lumMod val="95000"/>
-                </a:schemeClr>
-              </a:solidFill>
-              <a:latin typeface="Calibri" panose="020F0502020204030204" pitchFamily="34" charset="0"/>
-              <a:ea typeface="宋体" panose="02010600030101010101" pitchFamily="2" charset="-122"/>
-            </a:endParaRPr>
-          </a:p>
-        </p:txBody>
-      </p:sp>
-      <p:pic>
-        <p:nvPicPr>
-          <p:cNvPr id="2" name="图片 1" descr="搜狗截图20181020212329"/>
-          <p:cNvPicPr>
-            <a:picLocks noChangeAspect="1"/>
-          </p:cNvPicPr>
-          <p:nvPr/>
-        </p:nvPicPr>
-        <p:blipFill>
-          <a:blip r:embed="rId2"/>
-          <a:stretch>
-            <a:fillRect/>
-          </a:stretch>
-        </p:blipFill>
-        <p:spPr>
-          <a:xfrm>
-            <a:off x="3637915" y="354965"/>
-            <a:ext cx="7331075" cy="1326515"/>
-          </a:xfrm>
-          <a:prstGeom prst="rect">
-            <a:avLst/>
-          </a:prstGeom>
-        </p:spPr>
-      </p:pic>
-    </p:spTree>
-  </p:cSld>
-  <p:clrMapOvr>
-    <a:masterClrMapping/>
-  </p:clrMapOvr>
-</p:sld>
-</file>
-
-<file path=ppt/slides/slide49.xml><?xml version="1.0" encoding="utf-8"?>
-<p:sld xmlns:a="http://schemas.openxmlformats.org/drawingml/2006/main" xmlns:r="http://schemas.openxmlformats.org/officeDocument/2006/relationships" xmlns:p="http://schemas.openxmlformats.org/presentationml/2006/main">
-  <p:cSld>
-    <p:bg>
-      <p:bgPr>
-        <a:solidFill>
-          <a:srgbClr val="F1F1F1"/>
-        </a:solidFill>
-        <a:effectLst/>
-      </p:bgPr>
-    </p:bg>
-    <p:spTree>
-      <p:nvGrpSpPr>
-        <p:cNvPr id="1" name=""/>
-        <p:cNvGrpSpPr/>
-        <p:nvPr/>
-      </p:nvGrpSpPr>
-      <p:grpSpPr>
-        <a:xfrm>
-          <a:off x="0" y="0"/>
-          <a:ext cx="0" cy="0"/>
-          <a:chOff x="0" y="0"/>
-          <a:chExt cx="0" cy="0"/>
-        </a:xfrm>
-      </p:grpSpPr>
-      <p:sp>
-        <p:nvSpPr>
-          <p:cNvPr id="3" name="内容占位符 2"/>
-          <p:cNvSpPr>
-            <a:spLocks noGrp="1"/>
-          </p:cNvSpPr>
-          <p:nvPr>
-            <p:ph idx="1"/>
-          </p:nvPr>
-        </p:nvSpPr>
-        <p:spPr>
-          <a:xfrm>
-            <a:off x="838200" y="354965"/>
-            <a:ext cx="10515600" cy="5822315"/>
-          </a:xfrm>
-        </p:spPr>
-        <p:txBody>
-          <a:bodyPr/>
-          <a:lstStyle/>
-          <a:p>
-            <a:r>
-              <a:rPr lang="zh-CN" altLang="en-US">
-                <a:sym typeface="+mn-ea"/>
-              </a:rPr>
-              <a:t>点击</a:t>
-            </a:r>
-            <a:r>
-              <a:rPr lang="en-US" altLang="zh-CN">
-                <a:sym typeface="+mn-ea"/>
-              </a:rPr>
-              <a:t>“</a:t>
-            </a:r>
-            <a:r>
-              <a:rPr lang="zh-CN" altLang="en-US">
-                <a:sym typeface="+mn-ea"/>
-              </a:rPr>
-              <a:t>设计</a:t>
-            </a:r>
-            <a:r>
-              <a:rPr lang="en-US" altLang="zh-CN">
-                <a:sym typeface="+mn-ea"/>
-              </a:rPr>
-              <a:t>”</a:t>
-            </a:r>
-          </a:p>
-          <a:p>
-            <a:endParaRPr lang="en-US" altLang="zh-CN">
-              <a:sym typeface="+mn-ea"/>
-            </a:endParaRPr>
-          </a:p>
-          <a:p>
-            <a:endParaRPr lang="en-US" altLang="zh-CN">
-              <a:sym typeface="+mn-ea"/>
-            </a:endParaRPr>
-          </a:p>
-          <a:p>
-            <a:endParaRPr lang="en-US" altLang="zh-CN">
-              <a:sym typeface="+mn-ea"/>
-            </a:endParaRPr>
-          </a:p>
-          <a:p>
-            <a:r>
-              <a:rPr lang="zh-CN" altLang="en-US">
-                <a:sym typeface="+mn-ea"/>
-              </a:rPr>
-              <a:t>其中有页面设置、主题、变体、背景、板式。</a:t>
-            </a:r>
-            <a:endParaRPr lang="en-US" altLang="zh-CN"/>
-          </a:p>
-          <a:p>
-            <a:endParaRPr lang="zh-CN" altLang="en-US"/>
-          </a:p>
-        </p:txBody>
-      </p:sp>
-      <p:sp>
-        <p:nvSpPr>
-          <p:cNvPr id="4" name="Freeform 5"/>
-          <p:cNvSpPr/>
-          <p:nvPr/>
-        </p:nvSpPr>
-        <p:spPr bwMode="auto">
-          <a:xfrm flipH="1">
-            <a:off x="0" y="-13281"/>
-            <a:ext cx="409433" cy="832147"/>
-          </a:xfrm>
-          <a:custGeom>
-            <a:avLst/>
-            <a:gdLst>
-              <a:gd name="T0" fmla="*/ 1462 w 2332"/>
-              <a:gd name="T1" fmla="*/ 0 h 3907"/>
-              <a:gd name="T2" fmla="*/ 2332 w 2332"/>
-              <a:gd name="T3" fmla="*/ 0 h 3907"/>
-              <a:gd name="T4" fmla="*/ 2332 w 2332"/>
-              <a:gd name="T5" fmla="*/ 3907 h 3907"/>
-              <a:gd name="T6" fmla="*/ 0 w 2332"/>
-              <a:gd name="T7" fmla="*/ 2595 h 3907"/>
-              <a:gd name="T8" fmla="*/ 1462 w 2332"/>
-              <a:gd name="T9" fmla="*/ 0 h 3907"/>
-            </a:gdLst>
-            <a:ahLst/>
-            <a:cxnLst>
-              <a:cxn ang="0">
-                <a:pos x="T0" y="T1"/>
-              </a:cxn>
-              <a:cxn ang="0">
-                <a:pos x="T2" y="T3"/>
-              </a:cxn>
-              <a:cxn ang="0">
-                <a:pos x="T4" y="T5"/>
-              </a:cxn>
-              <a:cxn ang="0">
-                <a:pos x="T6" y="T7"/>
-              </a:cxn>
-              <a:cxn ang="0">
-                <a:pos x="T8" y="T9"/>
-              </a:cxn>
-            </a:cxnLst>
-            <a:rect l="0" t="0" r="r" b="b"/>
-            <a:pathLst>
-              <a:path w="2332" h="3907">
-                <a:moveTo>
-                  <a:pt x="1462" y="0"/>
-                </a:moveTo>
-                <a:lnTo>
-                  <a:pt x="2332" y="0"/>
-                </a:lnTo>
-                <a:lnTo>
-                  <a:pt x="2332" y="3907"/>
-                </a:lnTo>
-                <a:lnTo>
-                  <a:pt x="0" y="2595"/>
-                </a:lnTo>
-                <a:lnTo>
-                  <a:pt x="1462" y="0"/>
-                </a:lnTo>
-                <a:close/>
-              </a:path>
-            </a:pathLst>
-          </a:custGeom>
-          <a:solidFill>
-            <a:srgbClr val="002B41"/>
-          </a:solidFill>
-          <a:ln w="28575">
-            <a:noFill/>
-          </a:ln>
-          <a:effectLst>
-            <a:outerShdw blurRad="254000" dist="127000" dir="2700000" algn="tl" rotWithShape="0">
-              <a:prstClr val="black">
-                <a:alpha val="40000"/>
-              </a:prstClr>
-            </a:outerShdw>
-          </a:effectLst>
-        </p:spPr>
-        <p:txBody>
-          <a:bodyPr anchor="ctr"/>
-          <a:lstStyle/>
-          <a:p>
-            <a:pPr algn="ctr"/>
-            <a:endParaRPr lang="zh-CN" altLang="en-US" sz="2000">
-              <a:solidFill>
-                <a:schemeClr val="bg1">
-                  <a:lumMod val="95000"/>
-                </a:schemeClr>
-              </a:solidFill>
-              <a:latin typeface="Calibri" panose="020F0502020204030204" pitchFamily="34" charset="0"/>
-              <a:ea typeface="宋体" panose="02010600030101010101" pitchFamily="2" charset="-122"/>
-            </a:endParaRPr>
-          </a:p>
-        </p:txBody>
-      </p:sp>
-      <p:pic>
-        <p:nvPicPr>
-          <p:cNvPr id="2" name="图片 1" descr="搜狗截图20181020212805"/>
-          <p:cNvPicPr>
-            <a:picLocks noChangeAspect="1"/>
-          </p:cNvPicPr>
-          <p:nvPr/>
-        </p:nvPicPr>
-        <p:blipFill>
-          <a:blip r:embed="rId2"/>
-          <a:stretch>
-            <a:fillRect/>
-          </a:stretch>
-        </p:blipFill>
-        <p:spPr>
-          <a:xfrm>
-            <a:off x="690880" y="1040130"/>
-            <a:ext cx="10810875" cy="1125855"/>
-          </a:xfrm>
-          <a:prstGeom prst="rect">
-            <a:avLst/>
-          </a:prstGeom>
-        </p:spPr>
-      </p:pic>
-    </p:spTree>
-  </p:cSld>
-  <p:clrMapOvr>
-    <a:masterClrMapping/>
-  </p:clrMapOvr>
-</p:sld>
-</file>
-
-<file path=ppt/slides/slide5.xml><?xml version="1.0" encoding="utf-8"?>
-<p:sld xmlns:a="http://schemas.openxmlformats.org/drawingml/2006/main" xmlns:r="http://schemas.openxmlformats.org/officeDocument/2006/relationships" xmlns:p="http://schemas.openxmlformats.org/presentationml/2006/main">
-  <p:cSld>
-    <p:bg>
-      <p:bgPr>
-        <a:solidFill>
-          <a:srgbClr val="F1F1F1"/>
-        </a:solidFill>
-        <a:effectLst/>
-      </p:bgPr>
-    </p:bg>
-    <p:spTree>
-      <p:nvGrpSpPr>
-        <p:cNvPr id="1" name=""/>
-        <p:cNvGrpSpPr/>
-        <p:nvPr/>
-      </p:nvGrpSpPr>
-      <p:grpSpPr>
-        <a:xfrm>
-          <a:off x="0" y="0"/>
-          <a:ext cx="0" cy="0"/>
-          <a:chOff x="0" y="0"/>
-          <a:chExt cx="0" cy="0"/>
-        </a:xfrm>
-      </p:grpSpPr>
-      <p:sp>
-        <p:nvSpPr>
-          <p:cNvPr id="2" name="标题 1"/>
-          <p:cNvSpPr>
-            <a:spLocks noGrp="1"/>
-          </p:cNvSpPr>
-          <p:nvPr>
-            <p:ph type="title"/>
-          </p:nvPr>
-        </p:nvSpPr>
-        <p:spPr/>
-        <p:txBody>
-          <a:bodyPr/>
-          <a:lstStyle/>
-          <a:p>
-            <a:r>
-              <a:rPr lang="zh-CN" altLang="en-US"/>
-              <a:t>软件建模工具的功能</a:t>
-            </a:r>
-          </a:p>
-        </p:txBody>
-      </p:sp>
-      <p:sp>
-        <p:nvSpPr>
-          <p:cNvPr id="3" name="内容占位符 2"/>
-          <p:cNvSpPr>
-            <a:spLocks noGrp="1"/>
-          </p:cNvSpPr>
-          <p:nvPr>
-            <p:ph idx="1"/>
-          </p:nvPr>
-        </p:nvSpPr>
-        <p:spPr/>
-        <p:txBody>
-          <a:bodyPr/>
-          <a:lstStyle/>
-          <a:p>
-            <a:r>
-              <a:rPr lang="zh-CN" altLang="en-US" dirty="0"/>
-              <a:t>面向对象的软件建模工具应该具有以下功能：</a:t>
-            </a:r>
-          </a:p>
-          <a:p>
-            <a:r>
-              <a:rPr lang="zh-CN" altLang="en-US" dirty="0"/>
-              <a:t>绘图、存储、一致性检查、对模型进行组织、导航、写作支持、代码生成、逆向项目、集成、支持多种抽象层和开发过程、文档生成、脚本编程。</a:t>
-            </a:r>
-            <a:endParaRPr lang="en-US" altLang="zh-CN" dirty="0"/>
-          </a:p>
-          <a:p>
-            <a:pPr marL="0" indent="0" algn="r">
-              <a:buNone/>
-            </a:pPr>
-            <a:r>
-              <a:rPr lang="en-US" altLang="zh-CN" dirty="0"/>
-              <a:t>【1】</a:t>
-            </a:r>
-            <a:endParaRPr lang="zh-CN" altLang="en-US" dirty="0"/>
-          </a:p>
-        </p:txBody>
-      </p:sp>
-      <p:sp>
-        <p:nvSpPr>
-          <p:cNvPr id="4" name="Freeform 5"/>
-          <p:cNvSpPr/>
-          <p:nvPr/>
-        </p:nvSpPr>
-        <p:spPr bwMode="auto">
-          <a:xfrm flipH="1">
-            <a:off x="0" y="-13281"/>
-            <a:ext cx="409433" cy="832147"/>
-          </a:xfrm>
-          <a:custGeom>
-            <a:avLst/>
-            <a:gdLst>
-              <a:gd name="T0" fmla="*/ 1462 w 2332"/>
-              <a:gd name="T1" fmla="*/ 0 h 3907"/>
-              <a:gd name="T2" fmla="*/ 2332 w 2332"/>
-              <a:gd name="T3" fmla="*/ 0 h 3907"/>
-              <a:gd name="T4" fmla="*/ 2332 w 2332"/>
-              <a:gd name="T5" fmla="*/ 3907 h 3907"/>
-              <a:gd name="T6" fmla="*/ 0 w 2332"/>
-              <a:gd name="T7" fmla="*/ 2595 h 3907"/>
-              <a:gd name="T8" fmla="*/ 1462 w 2332"/>
-              <a:gd name="T9" fmla="*/ 0 h 3907"/>
-            </a:gdLst>
-            <a:ahLst/>
-            <a:cxnLst>
-              <a:cxn ang="0">
-                <a:pos x="T0" y="T1"/>
-              </a:cxn>
-              <a:cxn ang="0">
-                <a:pos x="T2" y="T3"/>
-              </a:cxn>
-              <a:cxn ang="0">
-                <a:pos x="T4" y="T5"/>
-              </a:cxn>
-              <a:cxn ang="0">
-                <a:pos x="T6" y="T7"/>
-              </a:cxn>
-              <a:cxn ang="0">
-                <a:pos x="T8" y="T9"/>
-              </a:cxn>
-            </a:cxnLst>
-            <a:rect l="0" t="0" r="r" b="b"/>
-            <a:pathLst>
-              <a:path w="2332" h="3907">
-                <a:moveTo>
-                  <a:pt x="1462" y="0"/>
-                </a:moveTo>
-                <a:lnTo>
-                  <a:pt x="2332" y="0"/>
-                </a:lnTo>
-                <a:lnTo>
-                  <a:pt x="2332" y="3907"/>
-                </a:lnTo>
-                <a:lnTo>
-                  <a:pt x="0" y="2595"/>
-                </a:lnTo>
-                <a:lnTo>
-                  <a:pt x="1462" y="0"/>
-                </a:lnTo>
-                <a:close/>
-              </a:path>
-            </a:pathLst>
-          </a:custGeom>
-          <a:solidFill>
-            <a:srgbClr val="002B41"/>
-          </a:solidFill>
-          <a:ln w="28575">
-            <a:noFill/>
-          </a:ln>
-          <a:effectLst>
-            <a:outerShdw blurRad="254000" dist="127000" dir="2700000" algn="tl" rotWithShape="0">
-              <a:prstClr val="black">
-                <a:alpha val="40000"/>
-              </a:prstClr>
-            </a:outerShdw>
-          </a:effectLst>
-        </p:spPr>
-        <p:txBody>
-          <a:bodyPr anchor="ctr"/>
-          <a:lstStyle/>
-          <a:p>
-            <a:pPr algn="ctr"/>
-            <a:endParaRPr lang="zh-CN" altLang="en-US" sz="2000">
-              <a:solidFill>
-                <a:schemeClr val="bg1">
-                  <a:lumMod val="95000"/>
-                </a:schemeClr>
-              </a:solidFill>
-              <a:latin typeface="Calibri" panose="020F0502020204030204" pitchFamily="34" charset="0"/>
-              <a:ea typeface="宋体" panose="02010600030101010101" pitchFamily="2" charset="-122"/>
-            </a:endParaRPr>
-          </a:p>
-        </p:txBody>
-      </p:sp>
-    </p:spTree>
-  </p:cSld>
-  <p:clrMapOvr>
-    <a:masterClrMapping/>
-  </p:clrMapOvr>
-  <p:timing>
-    <p:tnLst>
-      <p:par>
-        <p:cTn id="1" dur="indefinite" restart="never" nodeType="tmRoot">
-          <p:childTnLst>
-            <p:seq concurrent="1" nextAc="seek">
-              <p:cTn id="2" dur="indefinite" nodeType="mainSeq">
-                <p:childTnLst>
-                  <p:par>
-                    <p:cTn id="3" fill="hold">
-                      <p:stCondLst>
-                        <p:cond delay="indefinite"/>
-                      </p:stCondLst>
-                      <p:childTnLst>
-                        <p:par>
-                          <p:cTn id="4" fill="hold">
-                            <p:stCondLst>
-                              <p:cond delay="0"/>
-                            </p:stCondLst>
-                            <p:childTnLst>
-                              <p:par>
-                                <p:cTn id="5" presetID="1" presetClass="entr" presetSubtype="0" fill="hold" grpId="0" nodeType="clickEffect">
-                                  <p:stCondLst>
-                                    <p:cond delay="0"/>
-                                  </p:stCondLst>
-                                  <p:childTnLst>
-                                    <p:set>
-                                      <p:cBhvr>
-                                        <p:cTn id="6" dur="1" fill="hold">
-                                          <p:stCondLst>
-                                            <p:cond delay="0"/>
-                                          </p:stCondLst>
-                                        </p:cTn>
-                                        <p:tgtEl>
-                                          <p:spTgt spid="3">
-                                            <p:txEl>
-                                              <p:pRg st="0" end="0"/>
-                                            </p:txEl>
-                                          </p:spTgt>
-                                        </p:tgtEl>
-                                        <p:attrNameLst>
-                                          <p:attrName>style.visibility</p:attrName>
-                                        </p:attrNameLst>
-                                      </p:cBhvr>
-                                      <p:to>
-                                        <p:strVal val="visible"/>
-                                      </p:to>
-                                    </p:set>
-                                  </p:childTnLst>
-                                </p:cTn>
-                              </p:par>
-                            </p:childTnLst>
-                          </p:cTn>
-                        </p:par>
-                      </p:childTnLst>
-                    </p:cTn>
-                  </p:par>
-                  <p:par>
-                    <p:cTn id="7" fill="hold">
-                      <p:stCondLst>
-                        <p:cond delay="indefinite"/>
-                      </p:stCondLst>
-                      <p:childTnLst>
-                        <p:par>
-                          <p:cTn id="8" fill="hold">
-                            <p:stCondLst>
-                              <p:cond delay="0"/>
-                            </p:stCondLst>
-                            <p:childTnLst>
-                              <p:par>
-                                <p:cTn id="9" presetID="1" presetClass="entr" presetSubtype="0" fill="hold" grpId="0" nodeType="clickEffect">
-                                  <p:stCondLst>
-                                    <p:cond delay="0"/>
-                                  </p:stCondLst>
-                                  <p:childTnLst>
-                                    <p:set>
-                                      <p:cBhvr>
-                                        <p:cTn id="10" dur="1" fill="hold">
-                                          <p:stCondLst>
-                                            <p:cond delay="0"/>
-                                          </p:stCondLst>
-                                        </p:cTn>
-                                        <p:tgtEl>
-                                          <p:spTgt spid="3">
-                                            <p:txEl>
-                                              <p:pRg st="1" end="1"/>
-                                            </p:txEl>
-                                          </p:spTgt>
-                                        </p:tgtEl>
-                                        <p:attrNameLst>
-                                          <p:attrName>style.visibility</p:attrName>
-                                        </p:attrNameLst>
-                                      </p:cBhvr>
-                                      <p:to>
-                                        <p:strVal val="visible"/>
-                                      </p:to>
-                                    </p:set>
-                                  </p:childTnLst>
-                                </p:cTn>
-                              </p:par>
-                            </p:childTnLst>
-                          </p:cTn>
-                        </p:par>
-                      </p:childTnLst>
-                    </p:cTn>
-                  </p:par>
-                  <p:par>
-                    <p:cTn id="11" fill="hold">
-                      <p:stCondLst>
-                        <p:cond delay="indefinite"/>
-                      </p:stCondLst>
-                      <p:childTnLst>
-                        <p:par>
-                          <p:cTn id="12" fill="hold">
-                            <p:stCondLst>
-                              <p:cond delay="0"/>
-                            </p:stCondLst>
-                            <p:childTnLst>
-                              <p:par>
-                                <p:cTn id="13" presetID="1" presetClass="entr" presetSubtype="0" fill="hold" grpId="0" nodeType="clickEffect">
-                                  <p:stCondLst>
-                                    <p:cond delay="0"/>
-                                  </p:stCondLst>
-                                  <p:childTnLst>
-                                    <p:set>
-                                      <p:cBhvr>
-                                        <p:cTn id="14" dur="1" fill="hold">
-                                          <p:stCondLst>
-                                            <p:cond delay="0"/>
-                                          </p:stCondLst>
-                                        </p:cTn>
-                                        <p:tgtEl>
-                                          <p:spTgt spid="3">
-                                            <p:txEl>
-                                              <p:pRg st="2" end="2"/>
-                                            </p:txEl>
-                                          </p:spTgt>
-                                        </p:tgtEl>
-                                        <p:attrNameLst>
-                                          <p:attrName>style.visibility</p:attrName>
-                                        </p:attrNameLst>
-                                      </p:cBhvr>
-                                      <p:to>
-                                        <p:strVal val="visible"/>
-                                      </p:to>
-                                    </p:set>
-                                  </p:childTnLst>
-                                </p:cTn>
-                              </p:par>
-                            </p:childTnLst>
-                          </p:cTn>
-                        </p:par>
-                      </p:childTnLst>
-                    </p:cTn>
-                  </p:par>
-                </p:childTnLst>
-              </p:cTn>
-              <p:prevCondLst>
-                <p:cond evt="onPrev" delay="0">
-                  <p:tgtEl>
-                    <p:sldTgt/>
-                  </p:tgtEl>
-                </p:cond>
-              </p:prevCondLst>
-              <p:nextCondLst>
-                <p:cond evt="onNext" delay="0">
-                  <p:tgtEl>
-                    <p:sldTgt/>
-                  </p:tgtEl>
-                </p:cond>
-              </p:nextCondLst>
-            </p:seq>
-          </p:childTnLst>
-        </p:cTn>
-      </p:par>
-    </p:tnLst>
-    <p:bldLst>
-      <p:bldP spid="3" grpId="0" build="p"/>
-    </p:bldLst>
-  </p:timing>
-</p:sld>
-</file>
-
-<file path=ppt/slides/slide50.xml><?xml version="1.0" encoding="utf-8"?>
-<p:sld xmlns:a="http://schemas.openxmlformats.org/drawingml/2006/main" xmlns:r="http://schemas.openxmlformats.org/officeDocument/2006/relationships" xmlns:p="http://schemas.openxmlformats.org/presentationml/2006/main">
-  <p:cSld>
-    <p:bg>
-      <p:bgPr>
-        <a:solidFill>
-          <a:srgbClr val="F1F1F1"/>
-        </a:solidFill>
-        <a:effectLst/>
-      </p:bgPr>
-    </p:bg>
-    <p:spTree>
-      <p:nvGrpSpPr>
-        <p:cNvPr id="1" name=""/>
-        <p:cNvGrpSpPr/>
-        <p:nvPr/>
-      </p:nvGrpSpPr>
-      <p:grpSpPr>
-        <a:xfrm>
-          <a:off x="0" y="0"/>
-          <a:ext cx="0" cy="0"/>
-          <a:chOff x="0" y="0"/>
-          <a:chExt cx="0" cy="0"/>
-        </a:xfrm>
-      </p:grpSpPr>
-      <p:sp>
-        <p:nvSpPr>
-          <p:cNvPr id="3" name="内容占位符 2"/>
-          <p:cNvSpPr>
-            <a:spLocks noGrp="1"/>
-          </p:cNvSpPr>
-          <p:nvPr>
-            <p:ph idx="1"/>
-          </p:nvPr>
-        </p:nvSpPr>
-        <p:spPr>
-          <a:xfrm>
-            <a:off x="838200" y="354965"/>
-            <a:ext cx="10515600" cy="5822315"/>
-          </a:xfrm>
-        </p:spPr>
-        <p:txBody>
-          <a:bodyPr/>
-          <a:lstStyle/>
-          <a:p>
-            <a:r>
-              <a:rPr lang="zh-CN" altLang="en-US">
-                <a:sym typeface="+mn-ea"/>
-              </a:rPr>
-              <a:t>点击</a:t>
-            </a:r>
-            <a:r>
-              <a:rPr lang="en-US" altLang="zh-CN">
-                <a:sym typeface="+mn-ea"/>
-              </a:rPr>
-              <a:t>“</a:t>
-            </a:r>
-            <a:r>
-              <a:rPr lang="zh-CN" altLang="en-US">
-                <a:sym typeface="+mn-ea"/>
-              </a:rPr>
-              <a:t>数据</a:t>
-            </a:r>
-            <a:r>
-              <a:rPr lang="en-US" altLang="zh-CN">
-                <a:sym typeface="+mn-ea"/>
-              </a:rPr>
-              <a:t>”</a:t>
-            </a:r>
-          </a:p>
-          <a:p>
-            <a:endParaRPr lang="en-US" altLang="zh-CN">
-              <a:sym typeface="+mn-ea"/>
-            </a:endParaRPr>
-          </a:p>
-          <a:p>
-            <a:endParaRPr lang="en-US" altLang="zh-CN">
-              <a:sym typeface="+mn-ea"/>
-            </a:endParaRPr>
-          </a:p>
-          <a:p>
-            <a:endParaRPr lang="en-US" altLang="zh-CN">
-              <a:sym typeface="+mn-ea"/>
-            </a:endParaRPr>
-          </a:p>
-          <a:p>
-            <a:r>
-              <a:rPr lang="zh-CN" altLang="en-US">
-                <a:sym typeface="+mn-ea"/>
-              </a:rPr>
-              <a:t>其中有外部数据、数据图形、显示数据、显示</a:t>
-            </a:r>
-            <a:r>
-              <a:rPr lang="en-US" altLang="zh-CN">
-                <a:sym typeface="+mn-ea"/>
-              </a:rPr>
-              <a:t>/</a:t>
-            </a:r>
-            <a:r>
-              <a:rPr lang="zh-CN" altLang="en-US">
-                <a:sym typeface="+mn-ea"/>
-              </a:rPr>
-              <a:t>隐藏、高级的数据链接。</a:t>
-            </a:r>
-            <a:endParaRPr lang="en-US" altLang="zh-CN"/>
-          </a:p>
-          <a:p>
-            <a:endParaRPr lang="zh-CN" altLang="en-US"/>
-          </a:p>
-        </p:txBody>
-      </p:sp>
-      <p:sp>
-        <p:nvSpPr>
-          <p:cNvPr id="4" name="Freeform 5"/>
-          <p:cNvSpPr/>
-          <p:nvPr/>
-        </p:nvSpPr>
-        <p:spPr bwMode="auto">
-          <a:xfrm flipH="1">
-            <a:off x="0" y="-13281"/>
-            <a:ext cx="409433" cy="832147"/>
-          </a:xfrm>
-          <a:custGeom>
-            <a:avLst/>
-            <a:gdLst>
-              <a:gd name="T0" fmla="*/ 1462 w 2332"/>
-              <a:gd name="T1" fmla="*/ 0 h 3907"/>
-              <a:gd name="T2" fmla="*/ 2332 w 2332"/>
-              <a:gd name="T3" fmla="*/ 0 h 3907"/>
-              <a:gd name="T4" fmla="*/ 2332 w 2332"/>
-              <a:gd name="T5" fmla="*/ 3907 h 3907"/>
-              <a:gd name="T6" fmla="*/ 0 w 2332"/>
-              <a:gd name="T7" fmla="*/ 2595 h 3907"/>
-              <a:gd name="T8" fmla="*/ 1462 w 2332"/>
-              <a:gd name="T9" fmla="*/ 0 h 3907"/>
-            </a:gdLst>
-            <a:ahLst/>
-            <a:cxnLst>
-              <a:cxn ang="0">
-                <a:pos x="T0" y="T1"/>
-              </a:cxn>
-              <a:cxn ang="0">
-                <a:pos x="T2" y="T3"/>
-              </a:cxn>
-              <a:cxn ang="0">
-                <a:pos x="T4" y="T5"/>
-              </a:cxn>
-              <a:cxn ang="0">
-                <a:pos x="T6" y="T7"/>
-              </a:cxn>
-              <a:cxn ang="0">
-                <a:pos x="T8" y="T9"/>
-              </a:cxn>
-            </a:cxnLst>
-            <a:rect l="0" t="0" r="r" b="b"/>
-            <a:pathLst>
-              <a:path w="2332" h="3907">
-                <a:moveTo>
-                  <a:pt x="1462" y="0"/>
-                </a:moveTo>
-                <a:lnTo>
-                  <a:pt x="2332" y="0"/>
-                </a:lnTo>
-                <a:lnTo>
-                  <a:pt x="2332" y="3907"/>
-                </a:lnTo>
-                <a:lnTo>
-                  <a:pt x="0" y="2595"/>
-                </a:lnTo>
-                <a:lnTo>
-                  <a:pt x="1462" y="0"/>
-                </a:lnTo>
-                <a:close/>
-              </a:path>
-            </a:pathLst>
-          </a:custGeom>
-          <a:solidFill>
-            <a:srgbClr val="002B41"/>
-          </a:solidFill>
-          <a:ln w="28575">
-            <a:noFill/>
-          </a:ln>
-          <a:effectLst>
-            <a:outerShdw blurRad="254000" dist="127000" dir="2700000" algn="tl" rotWithShape="0">
-              <a:prstClr val="black">
-                <a:alpha val="40000"/>
-              </a:prstClr>
-            </a:outerShdw>
-          </a:effectLst>
-        </p:spPr>
-        <p:txBody>
-          <a:bodyPr anchor="ctr"/>
-          <a:lstStyle/>
-          <a:p>
-            <a:pPr algn="ctr"/>
-            <a:endParaRPr lang="zh-CN" altLang="en-US" sz="2000">
-              <a:solidFill>
-                <a:schemeClr val="bg1">
-                  <a:lumMod val="95000"/>
-                </a:schemeClr>
-              </a:solidFill>
-              <a:latin typeface="Calibri" panose="020F0502020204030204" pitchFamily="34" charset="0"/>
-              <a:ea typeface="宋体" panose="02010600030101010101" pitchFamily="2" charset="-122"/>
-            </a:endParaRPr>
-          </a:p>
-        </p:txBody>
-      </p:sp>
-      <p:pic>
-        <p:nvPicPr>
-          <p:cNvPr id="2" name="图片 1" descr="搜狗截图20181020212822"/>
-          <p:cNvPicPr>
-            <a:picLocks noChangeAspect="1"/>
-          </p:cNvPicPr>
-          <p:nvPr/>
-        </p:nvPicPr>
-        <p:blipFill>
-          <a:blip r:embed="rId2"/>
-          <a:stretch>
-            <a:fillRect/>
-          </a:stretch>
-        </p:blipFill>
-        <p:spPr>
-          <a:xfrm>
-            <a:off x="1330960" y="953135"/>
-            <a:ext cx="9529445" cy="1292225"/>
-          </a:xfrm>
-          <a:prstGeom prst="rect">
-            <a:avLst/>
-          </a:prstGeom>
-        </p:spPr>
-      </p:pic>
-    </p:spTree>
-  </p:cSld>
-  <p:clrMapOvr>
-    <a:masterClrMapping/>
-  </p:clrMapOvr>
-</p:sld>
-</file>
-
-<file path=ppt/slides/slide51.xml><?xml version="1.0" encoding="utf-8"?>
-<p:sld xmlns:a="http://schemas.openxmlformats.org/drawingml/2006/main" xmlns:r="http://schemas.openxmlformats.org/officeDocument/2006/relationships" xmlns:p="http://schemas.openxmlformats.org/presentationml/2006/main">
-  <p:cSld>
-    <p:bg>
-      <p:bgPr>
-        <a:solidFill>
-          <a:srgbClr val="F1F1F1"/>
-        </a:solidFill>
-        <a:effectLst/>
-      </p:bgPr>
-    </p:bg>
-    <p:spTree>
-      <p:nvGrpSpPr>
-        <p:cNvPr id="1" name=""/>
-        <p:cNvGrpSpPr/>
-        <p:nvPr/>
-      </p:nvGrpSpPr>
-      <p:grpSpPr>
-        <a:xfrm>
-          <a:off x="0" y="0"/>
-          <a:ext cx="0" cy="0"/>
-          <a:chOff x="0" y="0"/>
-          <a:chExt cx="0" cy="0"/>
-        </a:xfrm>
-      </p:grpSpPr>
-      <p:sp>
-        <p:nvSpPr>
-          <p:cNvPr id="3" name="内容占位符 2"/>
-          <p:cNvSpPr>
-            <a:spLocks noGrp="1"/>
-          </p:cNvSpPr>
-          <p:nvPr>
-            <p:ph idx="1"/>
-          </p:nvPr>
-        </p:nvSpPr>
-        <p:spPr>
-          <a:xfrm>
-            <a:off x="838200" y="354965"/>
-            <a:ext cx="10515600" cy="5822315"/>
-          </a:xfrm>
-        </p:spPr>
-        <p:txBody>
-          <a:bodyPr/>
-          <a:lstStyle/>
-          <a:p>
-            <a:r>
-              <a:rPr lang="zh-CN" altLang="en-US">
-                <a:sym typeface="+mn-ea"/>
-              </a:rPr>
-              <a:t>点击</a:t>
-            </a:r>
-            <a:r>
-              <a:rPr lang="en-US" altLang="zh-CN">
-                <a:sym typeface="+mn-ea"/>
-              </a:rPr>
-              <a:t>“</a:t>
-            </a:r>
-            <a:r>
-              <a:rPr lang="zh-CN" altLang="en-US">
-                <a:sym typeface="+mn-ea"/>
-              </a:rPr>
-              <a:t>流程</a:t>
-            </a:r>
-            <a:r>
-              <a:rPr lang="en-US" altLang="zh-CN">
-                <a:sym typeface="+mn-ea"/>
-              </a:rPr>
-              <a:t>”</a:t>
-            </a:r>
-          </a:p>
-          <a:p>
-            <a:endParaRPr lang="en-US" altLang="zh-CN">
-              <a:sym typeface="+mn-ea"/>
-            </a:endParaRPr>
-          </a:p>
-          <a:p>
-            <a:endParaRPr lang="en-US" altLang="zh-CN">
-              <a:sym typeface="+mn-ea"/>
-            </a:endParaRPr>
-          </a:p>
-          <a:p>
-            <a:r>
-              <a:rPr lang="zh-CN" altLang="en-US">
-                <a:sym typeface="+mn-ea"/>
-              </a:rPr>
-              <a:t>其中有子进程、图表验证、</a:t>
-            </a:r>
-            <a:r>
-              <a:rPr lang="en-US" altLang="zh-CN">
-                <a:sym typeface="+mn-ea"/>
-              </a:rPr>
-              <a:t>SharePoint </a:t>
-            </a:r>
-            <a:r>
-              <a:rPr lang="zh-CN" altLang="en-US">
-                <a:sym typeface="+mn-ea"/>
-              </a:rPr>
-              <a:t>工作流。</a:t>
-            </a:r>
-            <a:endParaRPr lang="en-US" altLang="zh-CN"/>
-          </a:p>
-          <a:p>
-            <a:endParaRPr lang="zh-CN" altLang="en-US"/>
-          </a:p>
-        </p:txBody>
-      </p:sp>
-      <p:sp>
-        <p:nvSpPr>
-          <p:cNvPr id="4" name="Freeform 5"/>
-          <p:cNvSpPr/>
-          <p:nvPr/>
-        </p:nvSpPr>
-        <p:spPr bwMode="auto">
-          <a:xfrm flipH="1">
-            <a:off x="0" y="-13281"/>
-            <a:ext cx="409433" cy="832147"/>
-          </a:xfrm>
-          <a:custGeom>
-            <a:avLst/>
-            <a:gdLst>
-              <a:gd name="T0" fmla="*/ 1462 w 2332"/>
-              <a:gd name="T1" fmla="*/ 0 h 3907"/>
-              <a:gd name="T2" fmla="*/ 2332 w 2332"/>
-              <a:gd name="T3" fmla="*/ 0 h 3907"/>
-              <a:gd name="T4" fmla="*/ 2332 w 2332"/>
-              <a:gd name="T5" fmla="*/ 3907 h 3907"/>
-              <a:gd name="T6" fmla="*/ 0 w 2332"/>
-              <a:gd name="T7" fmla="*/ 2595 h 3907"/>
-              <a:gd name="T8" fmla="*/ 1462 w 2332"/>
-              <a:gd name="T9" fmla="*/ 0 h 3907"/>
-            </a:gdLst>
-            <a:ahLst/>
-            <a:cxnLst>
-              <a:cxn ang="0">
-                <a:pos x="T0" y="T1"/>
-              </a:cxn>
-              <a:cxn ang="0">
-                <a:pos x="T2" y="T3"/>
-              </a:cxn>
-              <a:cxn ang="0">
-                <a:pos x="T4" y="T5"/>
-              </a:cxn>
-              <a:cxn ang="0">
-                <a:pos x="T6" y="T7"/>
-              </a:cxn>
-              <a:cxn ang="0">
-                <a:pos x="T8" y="T9"/>
-              </a:cxn>
-            </a:cxnLst>
-            <a:rect l="0" t="0" r="r" b="b"/>
-            <a:pathLst>
-              <a:path w="2332" h="3907">
-                <a:moveTo>
-                  <a:pt x="1462" y="0"/>
-                </a:moveTo>
-                <a:lnTo>
-                  <a:pt x="2332" y="0"/>
-                </a:lnTo>
-                <a:lnTo>
-                  <a:pt x="2332" y="3907"/>
-                </a:lnTo>
-                <a:lnTo>
-                  <a:pt x="0" y="2595"/>
-                </a:lnTo>
-                <a:lnTo>
-                  <a:pt x="1462" y="0"/>
-                </a:lnTo>
-                <a:close/>
-              </a:path>
-            </a:pathLst>
-          </a:custGeom>
-          <a:solidFill>
-            <a:srgbClr val="002B41"/>
-          </a:solidFill>
-          <a:ln w="28575">
-            <a:noFill/>
-          </a:ln>
-          <a:effectLst>
-            <a:outerShdw blurRad="254000" dist="127000" dir="2700000" algn="tl" rotWithShape="0">
-              <a:prstClr val="black">
-                <a:alpha val="40000"/>
-              </a:prstClr>
-            </a:outerShdw>
-          </a:effectLst>
-        </p:spPr>
-        <p:txBody>
-          <a:bodyPr anchor="ctr"/>
-          <a:lstStyle/>
-          <a:p>
-            <a:pPr algn="ctr"/>
-            <a:endParaRPr lang="zh-CN" altLang="en-US" sz="2000">
-              <a:solidFill>
-                <a:schemeClr val="bg1">
-                  <a:lumMod val="95000"/>
-                </a:schemeClr>
-              </a:solidFill>
-              <a:latin typeface="Calibri" panose="020F0502020204030204" pitchFamily="34" charset="0"/>
-              <a:ea typeface="宋体" panose="02010600030101010101" pitchFamily="2" charset="-122"/>
-            </a:endParaRPr>
-          </a:p>
-        </p:txBody>
-      </p:sp>
-      <p:pic>
-        <p:nvPicPr>
-          <p:cNvPr id="2" name="图片 1" descr="搜狗截图20181020212837"/>
-          <p:cNvPicPr>
-            <a:picLocks noChangeAspect="1"/>
-          </p:cNvPicPr>
-          <p:nvPr/>
-        </p:nvPicPr>
-        <p:blipFill>
-          <a:blip r:embed="rId2"/>
-          <a:stretch>
-            <a:fillRect/>
-          </a:stretch>
-        </p:blipFill>
-        <p:spPr>
-          <a:xfrm>
-            <a:off x="4266565" y="510540"/>
-            <a:ext cx="5875655" cy="1299845"/>
-          </a:xfrm>
-          <a:prstGeom prst="rect">
-            <a:avLst/>
-          </a:prstGeom>
-        </p:spPr>
-      </p:pic>
-    </p:spTree>
-  </p:cSld>
-  <p:clrMapOvr>
-    <a:masterClrMapping/>
-  </p:clrMapOvr>
-</p:sld>
-</file>
-
-<file path=ppt/slides/slide52.xml><?xml version="1.0" encoding="utf-8"?>
-<p:sld xmlns:a="http://schemas.openxmlformats.org/drawingml/2006/main" xmlns:r="http://schemas.openxmlformats.org/officeDocument/2006/relationships" xmlns:p="http://schemas.openxmlformats.org/presentationml/2006/main">
-  <p:cSld>
-    <p:bg>
-      <p:bgPr>
-        <a:solidFill>
-          <a:srgbClr val="F1F1F1"/>
-        </a:solidFill>
-        <a:effectLst/>
-      </p:bgPr>
-    </p:bg>
-    <p:spTree>
-      <p:nvGrpSpPr>
-        <p:cNvPr id="1" name=""/>
-        <p:cNvGrpSpPr/>
-        <p:nvPr/>
-      </p:nvGrpSpPr>
-      <p:grpSpPr>
-        <a:xfrm>
-          <a:off x="0" y="0"/>
-          <a:ext cx="0" cy="0"/>
-          <a:chOff x="0" y="0"/>
-          <a:chExt cx="0" cy="0"/>
-        </a:xfrm>
-      </p:grpSpPr>
-      <p:sp>
-        <p:nvSpPr>
-          <p:cNvPr id="3" name="内容占位符 2"/>
-          <p:cNvSpPr>
-            <a:spLocks noGrp="1"/>
-          </p:cNvSpPr>
-          <p:nvPr>
-            <p:ph idx="1"/>
-          </p:nvPr>
-        </p:nvSpPr>
-        <p:spPr>
-          <a:xfrm>
-            <a:off x="838200" y="354965"/>
-            <a:ext cx="10515600" cy="5822315"/>
-          </a:xfrm>
-        </p:spPr>
-        <p:txBody>
-          <a:bodyPr/>
-          <a:lstStyle/>
-          <a:p>
-            <a:r>
-              <a:rPr lang="zh-CN" altLang="en-US">
-                <a:sym typeface="+mn-ea"/>
-              </a:rPr>
-              <a:t>点击</a:t>
-            </a:r>
-            <a:r>
-              <a:rPr lang="en-US" altLang="zh-CN">
-                <a:sym typeface="+mn-ea"/>
-              </a:rPr>
-              <a:t>“</a:t>
-            </a:r>
-            <a:r>
-              <a:rPr lang="zh-CN" altLang="en-US">
-                <a:sym typeface="+mn-ea"/>
-              </a:rPr>
-              <a:t>审阅</a:t>
-            </a:r>
-            <a:r>
-              <a:rPr lang="en-US" altLang="zh-CN">
-                <a:sym typeface="+mn-ea"/>
-              </a:rPr>
-              <a:t>”</a:t>
-            </a:r>
-          </a:p>
-          <a:p>
-            <a:endParaRPr lang="en-US" altLang="zh-CN">
-              <a:sym typeface="+mn-ea"/>
-            </a:endParaRPr>
-          </a:p>
-          <a:p>
-            <a:endParaRPr lang="en-US" altLang="zh-CN">
-              <a:sym typeface="+mn-ea"/>
-            </a:endParaRPr>
-          </a:p>
-          <a:p>
-            <a:endParaRPr lang="en-US" altLang="zh-CN">
-              <a:sym typeface="+mn-ea"/>
-            </a:endParaRPr>
-          </a:p>
-          <a:p>
-            <a:r>
-              <a:rPr lang="zh-CN" altLang="en-US">
-                <a:sym typeface="+mn-ea"/>
-              </a:rPr>
-              <a:t>其中有校对、语言、批注、报表。</a:t>
-            </a:r>
-            <a:endParaRPr lang="en-US" altLang="zh-CN"/>
-          </a:p>
-          <a:p>
-            <a:endParaRPr lang="zh-CN" altLang="en-US"/>
-          </a:p>
-        </p:txBody>
-      </p:sp>
-      <p:sp>
-        <p:nvSpPr>
-          <p:cNvPr id="4" name="Freeform 5"/>
-          <p:cNvSpPr/>
-          <p:nvPr/>
-        </p:nvSpPr>
-        <p:spPr bwMode="auto">
-          <a:xfrm flipH="1">
-            <a:off x="0" y="-13281"/>
-            <a:ext cx="409433" cy="832147"/>
-          </a:xfrm>
-          <a:custGeom>
-            <a:avLst/>
-            <a:gdLst>
-              <a:gd name="T0" fmla="*/ 1462 w 2332"/>
-              <a:gd name="T1" fmla="*/ 0 h 3907"/>
-              <a:gd name="T2" fmla="*/ 2332 w 2332"/>
-              <a:gd name="T3" fmla="*/ 0 h 3907"/>
-              <a:gd name="T4" fmla="*/ 2332 w 2332"/>
-              <a:gd name="T5" fmla="*/ 3907 h 3907"/>
-              <a:gd name="T6" fmla="*/ 0 w 2332"/>
-              <a:gd name="T7" fmla="*/ 2595 h 3907"/>
-              <a:gd name="T8" fmla="*/ 1462 w 2332"/>
-              <a:gd name="T9" fmla="*/ 0 h 3907"/>
-            </a:gdLst>
-            <a:ahLst/>
-            <a:cxnLst>
-              <a:cxn ang="0">
-                <a:pos x="T0" y="T1"/>
-              </a:cxn>
-              <a:cxn ang="0">
-                <a:pos x="T2" y="T3"/>
-              </a:cxn>
-              <a:cxn ang="0">
-                <a:pos x="T4" y="T5"/>
-              </a:cxn>
-              <a:cxn ang="0">
-                <a:pos x="T6" y="T7"/>
-              </a:cxn>
-              <a:cxn ang="0">
-                <a:pos x="T8" y="T9"/>
-              </a:cxn>
-            </a:cxnLst>
-            <a:rect l="0" t="0" r="r" b="b"/>
-            <a:pathLst>
-              <a:path w="2332" h="3907">
-                <a:moveTo>
-                  <a:pt x="1462" y="0"/>
-                </a:moveTo>
-                <a:lnTo>
-                  <a:pt x="2332" y="0"/>
-                </a:lnTo>
-                <a:lnTo>
-                  <a:pt x="2332" y="3907"/>
-                </a:lnTo>
-                <a:lnTo>
-                  <a:pt x="0" y="2595"/>
-                </a:lnTo>
-                <a:lnTo>
-                  <a:pt x="1462" y="0"/>
-                </a:lnTo>
-                <a:close/>
-              </a:path>
-            </a:pathLst>
-          </a:custGeom>
-          <a:solidFill>
-            <a:srgbClr val="002B41"/>
-          </a:solidFill>
-          <a:ln w="28575">
-            <a:noFill/>
-          </a:ln>
-          <a:effectLst>
-            <a:outerShdw blurRad="254000" dist="127000" dir="2700000" algn="tl" rotWithShape="0">
-              <a:prstClr val="black">
-                <a:alpha val="40000"/>
-              </a:prstClr>
-            </a:outerShdw>
-          </a:effectLst>
-        </p:spPr>
-        <p:txBody>
-          <a:bodyPr anchor="ctr"/>
-          <a:lstStyle/>
-          <a:p>
-            <a:pPr algn="ctr"/>
-            <a:endParaRPr lang="zh-CN" altLang="en-US" sz="2000">
-              <a:solidFill>
-                <a:schemeClr val="bg1">
-                  <a:lumMod val="95000"/>
-                </a:schemeClr>
-              </a:solidFill>
-              <a:latin typeface="Calibri" panose="020F0502020204030204" pitchFamily="34" charset="0"/>
-              <a:ea typeface="宋体" panose="02010600030101010101" pitchFamily="2" charset="-122"/>
-            </a:endParaRPr>
-          </a:p>
-        </p:txBody>
-      </p:sp>
-      <p:pic>
-        <p:nvPicPr>
-          <p:cNvPr id="2" name="图片 1" descr="搜狗截图20181020212851"/>
-          <p:cNvPicPr>
-            <a:picLocks noChangeAspect="1"/>
-          </p:cNvPicPr>
-          <p:nvPr/>
-        </p:nvPicPr>
-        <p:blipFill>
-          <a:blip r:embed="rId2"/>
-          <a:stretch>
-            <a:fillRect/>
-          </a:stretch>
-        </p:blipFill>
-        <p:spPr>
-          <a:xfrm>
-            <a:off x="4324350" y="766445"/>
-            <a:ext cx="5785485" cy="1262380"/>
-          </a:xfrm>
-          <a:prstGeom prst="rect">
-            <a:avLst/>
-          </a:prstGeom>
-        </p:spPr>
-      </p:pic>
-    </p:spTree>
-  </p:cSld>
-  <p:clrMapOvr>
-    <a:masterClrMapping/>
-  </p:clrMapOvr>
-</p:sld>
-</file>
-
-<file path=ppt/slides/slide53.xml><?xml version="1.0" encoding="utf-8"?>
-<p:sld xmlns:a="http://schemas.openxmlformats.org/drawingml/2006/main" xmlns:r="http://schemas.openxmlformats.org/officeDocument/2006/relationships" xmlns:p="http://schemas.openxmlformats.org/presentationml/2006/main">
-  <p:cSld>
-    <p:bg>
-      <p:bgPr>
-        <a:solidFill>
-          <a:srgbClr val="F1F1F1"/>
-        </a:solidFill>
-        <a:effectLst/>
-      </p:bgPr>
-    </p:bg>
-    <p:spTree>
-      <p:nvGrpSpPr>
-        <p:cNvPr id="1" name=""/>
-        <p:cNvGrpSpPr/>
-        <p:nvPr/>
-      </p:nvGrpSpPr>
-      <p:grpSpPr>
-        <a:xfrm>
-          <a:off x="0" y="0"/>
-          <a:ext cx="0" cy="0"/>
-          <a:chOff x="0" y="0"/>
-          <a:chExt cx="0" cy="0"/>
-        </a:xfrm>
-      </p:grpSpPr>
-      <p:sp>
-        <p:nvSpPr>
-          <p:cNvPr id="3" name="内容占位符 2"/>
-          <p:cNvSpPr>
-            <a:spLocks noGrp="1"/>
-          </p:cNvSpPr>
-          <p:nvPr>
-            <p:ph idx="1"/>
-          </p:nvPr>
-        </p:nvSpPr>
-        <p:spPr>
-          <a:xfrm>
-            <a:off x="838200" y="354965"/>
-            <a:ext cx="10515600" cy="5822315"/>
-          </a:xfrm>
-        </p:spPr>
-        <p:txBody>
-          <a:bodyPr/>
-          <a:lstStyle/>
-          <a:p>
-            <a:r>
-              <a:rPr lang="zh-CN" altLang="en-US">
-                <a:sym typeface="+mn-ea"/>
-              </a:rPr>
-              <a:t>点击</a:t>
-            </a:r>
-            <a:r>
-              <a:rPr lang="en-US" altLang="zh-CN">
-                <a:sym typeface="+mn-ea"/>
-              </a:rPr>
-              <a:t>“</a:t>
-            </a:r>
-            <a:r>
-              <a:rPr lang="zh-CN" altLang="en-US">
-                <a:sym typeface="+mn-ea"/>
-              </a:rPr>
-              <a:t>视图</a:t>
-            </a:r>
-            <a:r>
-              <a:rPr lang="en-US" altLang="zh-CN">
-                <a:sym typeface="+mn-ea"/>
-              </a:rPr>
-              <a:t>”</a:t>
-            </a:r>
-          </a:p>
-          <a:p>
-            <a:endParaRPr lang="en-US" altLang="zh-CN">
-              <a:sym typeface="+mn-ea"/>
-            </a:endParaRPr>
-          </a:p>
-          <a:p>
-            <a:endParaRPr lang="en-US" altLang="zh-CN">
-              <a:sym typeface="+mn-ea"/>
-            </a:endParaRPr>
-          </a:p>
-          <a:p>
-            <a:endParaRPr lang="en-US" altLang="zh-CN">
-              <a:sym typeface="+mn-ea"/>
-            </a:endParaRPr>
-          </a:p>
-          <a:p>
-            <a:r>
-              <a:rPr lang="zh-CN" altLang="en-US">
-                <a:sym typeface="+mn-ea"/>
-              </a:rPr>
-              <a:t>其中有视图、显示、显示比例、视觉帮助、窗口、宏。</a:t>
-            </a:r>
-            <a:endParaRPr lang="en-US" altLang="zh-CN"/>
-          </a:p>
-          <a:p>
-            <a:endParaRPr lang="zh-CN" altLang="en-US"/>
-          </a:p>
-        </p:txBody>
-      </p:sp>
-      <p:sp>
-        <p:nvSpPr>
-          <p:cNvPr id="4" name="Freeform 5"/>
-          <p:cNvSpPr/>
-          <p:nvPr/>
-        </p:nvSpPr>
-        <p:spPr bwMode="auto">
-          <a:xfrm flipH="1">
-            <a:off x="0" y="-13281"/>
-            <a:ext cx="409433" cy="832147"/>
-          </a:xfrm>
-          <a:custGeom>
-            <a:avLst/>
-            <a:gdLst>
-              <a:gd name="T0" fmla="*/ 1462 w 2332"/>
-              <a:gd name="T1" fmla="*/ 0 h 3907"/>
-              <a:gd name="T2" fmla="*/ 2332 w 2332"/>
-              <a:gd name="T3" fmla="*/ 0 h 3907"/>
-              <a:gd name="T4" fmla="*/ 2332 w 2332"/>
-              <a:gd name="T5" fmla="*/ 3907 h 3907"/>
-              <a:gd name="T6" fmla="*/ 0 w 2332"/>
-              <a:gd name="T7" fmla="*/ 2595 h 3907"/>
-              <a:gd name="T8" fmla="*/ 1462 w 2332"/>
-              <a:gd name="T9" fmla="*/ 0 h 3907"/>
-            </a:gdLst>
-            <a:ahLst/>
-            <a:cxnLst>
-              <a:cxn ang="0">
-                <a:pos x="T0" y="T1"/>
-              </a:cxn>
-              <a:cxn ang="0">
-                <a:pos x="T2" y="T3"/>
-              </a:cxn>
-              <a:cxn ang="0">
-                <a:pos x="T4" y="T5"/>
-              </a:cxn>
-              <a:cxn ang="0">
-                <a:pos x="T6" y="T7"/>
-              </a:cxn>
-              <a:cxn ang="0">
-                <a:pos x="T8" y="T9"/>
-              </a:cxn>
-            </a:cxnLst>
-            <a:rect l="0" t="0" r="r" b="b"/>
-            <a:pathLst>
-              <a:path w="2332" h="3907">
-                <a:moveTo>
-                  <a:pt x="1462" y="0"/>
-                </a:moveTo>
-                <a:lnTo>
-                  <a:pt x="2332" y="0"/>
-                </a:lnTo>
-                <a:lnTo>
-                  <a:pt x="2332" y="3907"/>
-                </a:lnTo>
-                <a:lnTo>
-                  <a:pt x="0" y="2595"/>
-                </a:lnTo>
-                <a:lnTo>
-                  <a:pt x="1462" y="0"/>
-                </a:lnTo>
-                <a:close/>
-              </a:path>
-            </a:pathLst>
-          </a:custGeom>
-          <a:solidFill>
-            <a:srgbClr val="002B41"/>
-          </a:solidFill>
-          <a:ln w="28575">
-            <a:noFill/>
-          </a:ln>
-          <a:effectLst>
-            <a:outerShdw blurRad="254000" dist="127000" dir="2700000" algn="tl" rotWithShape="0">
-              <a:prstClr val="black">
-                <a:alpha val="40000"/>
-              </a:prstClr>
-            </a:outerShdw>
-          </a:effectLst>
-        </p:spPr>
-        <p:txBody>
-          <a:bodyPr anchor="ctr"/>
-          <a:lstStyle/>
-          <a:p>
-            <a:pPr algn="ctr"/>
-            <a:endParaRPr lang="zh-CN" altLang="en-US" sz="2000">
-              <a:solidFill>
-                <a:schemeClr val="bg1">
-                  <a:lumMod val="95000"/>
-                </a:schemeClr>
-              </a:solidFill>
-              <a:latin typeface="Calibri" panose="020F0502020204030204" pitchFamily="34" charset="0"/>
-              <a:ea typeface="宋体" panose="02010600030101010101" pitchFamily="2" charset="-122"/>
-            </a:endParaRPr>
-          </a:p>
-        </p:txBody>
-      </p:sp>
-      <p:pic>
-        <p:nvPicPr>
-          <p:cNvPr id="2" name="图片 1" descr="搜狗截图20181020212905"/>
-          <p:cNvPicPr>
-            <a:picLocks noChangeAspect="1"/>
-          </p:cNvPicPr>
-          <p:nvPr/>
-        </p:nvPicPr>
-        <p:blipFill>
-          <a:blip r:embed="rId2"/>
-          <a:stretch>
-            <a:fillRect/>
-          </a:stretch>
-        </p:blipFill>
-        <p:spPr>
-          <a:xfrm>
-            <a:off x="2166620" y="1016635"/>
-            <a:ext cx="7859395" cy="1252220"/>
-          </a:xfrm>
-          <a:prstGeom prst="rect">
-            <a:avLst/>
-          </a:prstGeom>
-        </p:spPr>
-      </p:pic>
-    </p:spTree>
-  </p:cSld>
-  <p:clrMapOvr>
-    <a:masterClrMapping/>
-  </p:clrMapOvr>
-</p:sld>
-</file>
-
-<file path=ppt/slides/slide54.xml><?xml version="1.0" encoding="utf-8"?>
-<p:sld xmlns:a="http://schemas.openxmlformats.org/drawingml/2006/main" xmlns:r="http://schemas.openxmlformats.org/officeDocument/2006/relationships" xmlns:p="http://schemas.openxmlformats.org/presentationml/2006/main">
-  <p:cSld>
-    <p:bg>
-      <p:bgPr>
-        <a:solidFill>
-          <a:srgbClr val="F1F1F1"/>
-        </a:solidFill>
-        <a:effectLst/>
-      </p:bgPr>
-    </p:bg>
-    <p:spTree>
-      <p:nvGrpSpPr>
-        <p:cNvPr id="1" name=""/>
-        <p:cNvGrpSpPr/>
-        <p:nvPr/>
-      </p:nvGrpSpPr>
-      <p:grpSpPr>
-        <a:xfrm>
-          <a:off x="0" y="0"/>
-          <a:ext cx="0" cy="0"/>
-          <a:chOff x="0" y="0"/>
-          <a:chExt cx="0" cy="0"/>
-        </a:xfrm>
-      </p:grpSpPr>
-      <p:sp>
-        <p:nvSpPr>
-          <p:cNvPr id="3" name="内容占位符 2"/>
-          <p:cNvSpPr>
-            <a:spLocks noGrp="1"/>
-          </p:cNvSpPr>
-          <p:nvPr>
-            <p:ph idx="1"/>
-          </p:nvPr>
-        </p:nvSpPr>
-        <p:spPr>
-          <a:xfrm>
-            <a:off x="838200" y="354965"/>
-            <a:ext cx="10515600" cy="5822315"/>
-          </a:xfrm>
-        </p:spPr>
-        <p:txBody>
-          <a:bodyPr/>
-          <a:lstStyle/>
-          <a:p>
-            <a:endParaRPr lang="zh-CN" altLang="en-US"/>
-          </a:p>
-          <a:p>
-            <a:endParaRPr lang="zh-CN" altLang="en-US"/>
-          </a:p>
-          <a:p>
-            <a:r>
-              <a:rPr lang="zh-CN" altLang="en-US"/>
-              <a:t>               插入页</a:t>
-            </a:r>
-          </a:p>
-          <a:p>
-            <a:endParaRPr lang="zh-CN" altLang="en-US"/>
-          </a:p>
-          <a:p>
-            <a:endParaRPr lang="zh-CN" altLang="en-US"/>
-          </a:p>
-          <a:p>
-            <a:endParaRPr lang="zh-CN" altLang="en-US"/>
-          </a:p>
-          <a:p>
-            <a:r>
-              <a:rPr lang="zh-CN" altLang="en-US"/>
-              <a:t>                演示模式</a:t>
-            </a:r>
-          </a:p>
-          <a:p>
-            <a:endParaRPr lang="zh-CN" altLang="en-US"/>
-          </a:p>
-          <a:p>
-            <a:r>
-              <a:rPr lang="zh-CN" altLang="en-US"/>
-              <a:t>                 调整页面以适合当前窗口</a:t>
-            </a:r>
-          </a:p>
-          <a:p>
-            <a:endParaRPr lang="zh-CN" altLang="en-US"/>
-          </a:p>
-          <a:p>
-            <a:r>
-              <a:rPr lang="zh-CN" altLang="en-US"/>
-              <a:t>                  切换窗口</a:t>
-            </a:r>
-          </a:p>
-        </p:txBody>
-      </p:sp>
-      <p:sp>
-        <p:nvSpPr>
-          <p:cNvPr id="4" name="Freeform 5"/>
-          <p:cNvSpPr/>
-          <p:nvPr/>
-        </p:nvSpPr>
-        <p:spPr bwMode="auto">
-          <a:xfrm flipH="1">
-            <a:off x="0" y="-13281"/>
-            <a:ext cx="409433" cy="832147"/>
-          </a:xfrm>
-          <a:custGeom>
-            <a:avLst/>
-            <a:gdLst>
-              <a:gd name="T0" fmla="*/ 1462 w 2332"/>
-              <a:gd name="T1" fmla="*/ 0 h 3907"/>
-              <a:gd name="T2" fmla="*/ 2332 w 2332"/>
-              <a:gd name="T3" fmla="*/ 0 h 3907"/>
-              <a:gd name="T4" fmla="*/ 2332 w 2332"/>
-              <a:gd name="T5" fmla="*/ 3907 h 3907"/>
-              <a:gd name="T6" fmla="*/ 0 w 2332"/>
-              <a:gd name="T7" fmla="*/ 2595 h 3907"/>
-              <a:gd name="T8" fmla="*/ 1462 w 2332"/>
-              <a:gd name="T9" fmla="*/ 0 h 3907"/>
-            </a:gdLst>
-            <a:ahLst/>
-            <a:cxnLst>
-              <a:cxn ang="0">
-                <a:pos x="T0" y="T1"/>
-              </a:cxn>
-              <a:cxn ang="0">
-                <a:pos x="T2" y="T3"/>
-              </a:cxn>
-              <a:cxn ang="0">
-                <a:pos x="T4" y="T5"/>
-              </a:cxn>
-              <a:cxn ang="0">
-                <a:pos x="T6" y="T7"/>
-              </a:cxn>
-              <a:cxn ang="0">
-                <a:pos x="T8" y="T9"/>
-              </a:cxn>
-            </a:cxnLst>
-            <a:rect l="0" t="0" r="r" b="b"/>
-            <a:pathLst>
-              <a:path w="2332" h="3907">
-                <a:moveTo>
-                  <a:pt x="1462" y="0"/>
-                </a:moveTo>
-                <a:lnTo>
-                  <a:pt x="2332" y="0"/>
-                </a:lnTo>
-                <a:lnTo>
-                  <a:pt x="2332" y="3907"/>
-                </a:lnTo>
-                <a:lnTo>
-                  <a:pt x="0" y="2595"/>
-                </a:lnTo>
-                <a:lnTo>
-                  <a:pt x="1462" y="0"/>
-                </a:lnTo>
-                <a:close/>
-              </a:path>
-            </a:pathLst>
-          </a:custGeom>
-          <a:solidFill>
-            <a:srgbClr val="002B41"/>
-          </a:solidFill>
-          <a:ln w="28575">
-            <a:noFill/>
-          </a:ln>
-          <a:effectLst>
-            <a:outerShdw blurRad="254000" dist="127000" dir="2700000" algn="tl" rotWithShape="0">
-              <a:prstClr val="black">
-                <a:alpha val="40000"/>
-              </a:prstClr>
-            </a:outerShdw>
-          </a:effectLst>
-        </p:spPr>
-        <p:txBody>
-          <a:bodyPr anchor="ctr"/>
-          <a:lstStyle/>
-          <a:p>
-            <a:pPr algn="ctr"/>
-            <a:endParaRPr lang="zh-CN" altLang="en-US" sz="2000">
-              <a:solidFill>
-                <a:schemeClr val="bg1">
-                  <a:lumMod val="95000"/>
-                </a:schemeClr>
-              </a:solidFill>
-              <a:latin typeface="Calibri" panose="020F0502020204030204" pitchFamily="34" charset="0"/>
-              <a:ea typeface="宋体" panose="02010600030101010101" pitchFamily="2" charset="-122"/>
-            </a:endParaRPr>
-          </a:p>
-        </p:txBody>
-      </p:sp>
-      <p:pic>
-        <p:nvPicPr>
-          <p:cNvPr id="2" name="图片 1" descr="搜狗截图20181020214230"/>
-          <p:cNvPicPr>
-            <a:picLocks noChangeAspect="1"/>
-          </p:cNvPicPr>
-          <p:nvPr/>
-        </p:nvPicPr>
-        <p:blipFill>
-          <a:blip r:embed="rId2"/>
-          <a:stretch>
-            <a:fillRect/>
-          </a:stretch>
-        </p:blipFill>
-        <p:spPr>
-          <a:xfrm>
-            <a:off x="1366520" y="354965"/>
-            <a:ext cx="5304155" cy="742950"/>
-          </a:xfrm>
-          <a:prstGeom prst="rect">
-            <a:avLst/>
-          </a:prstGeom>
-        </p:spPr>
-      </p:pic>
-      <p:pic>
-        <p:nvPicPr>
-          <p:cNvPr id="5" name="图片 4" descr="搜狗截图20181020214250"/>
-          <p:cNvPicPr>
-            <a:picLocks noChangeAspect="1"/>
-          </p:cNvPicPr>
-          <p:nvPr/>
-        </p:nvPicPr>
-        <p:blipFill>
-          <a:blip r:embed="rId3"/>
-          <a:stretch>
-            <a:fillRect/>
-          </a:stretch>
-        </p:blipFill>
-        <p:spPr>
-          <a:xfrm>
-            <a:off x="1366520" y="2195830"/>
-            <a:ext cx="8168640" cy="704215"/>
-          </a:xfrm>
-          <a:prstGeom prst="rect">
-            <a:avLst/>
-          </a:prstGeom>
-        </p:spPr>
-      </p:pic>
-      <p:pic>
-        <p:nvPicPr>
-          <p:cNvPr id="6" name="图片 5" descr="搜狗截图20181020225017"/>
-          <p:cNvPicPr>
-            <a:picLocks noChangeAspect="1"/>
-          </p:cNvPicPr>
-          <p:nvPr/>
-        </p:nvPicPr>
-        <p:blipFill>
-          <a:blip r:embed="rId4"/>
-          <a:stretch>
-            <a:fillRect/>
-          </a:stretch>
-        </p:blipFill>
-        <p:spPr>
-          <a:xfrm>
-            <a:off x="1366520" y="1402715"/>
-            <a:ext cx="632460" cy="487680"/>
-          </a:xfrm>
-          <a:prstGeom prst="rect">
-            <a:avLst/>
-          </a:prstGeom>
-        </p:spPr>
-      </p:pic>
-      <p:pic>
-        <p:nvPicPr>
-          <p:cNvPr id="7" name="图片 6" descr="搜狗截图20181020225036"/>
-          <p:cNvPicPr>
-            <a:picLocks noChangeAspect="1"/>
-          </p:cNvPicPr>
-          <p:nvPr/>
-        </p:nvPicPr>
-        <p:blipFill>
-          <a:blip r:embed="rId5"/>
-          <a:stretch>
-            <a:fillRect/>
-          </a:stretch>
-        </p:blipFill>
-        <p:spPr>
-          <a:xfrm>
-            <a:off x="1253490" y="4466590"/>
-            <a:ext cx="737870" cy="558165"/>
-          </a:xfrm>
-          <a:prstGeom prst="rect">
-            <a:avLst/>
-          </a:prstGeom>
-        </p:spPr>
-      </p:pic>
-      <p:pic>
-        <p:nvPicPr>
-          <p:cNvPr id="8" name="图片 7" descr="搜狗截图20181020225045"/>
-          <p:cNvPicPr>
-            <a:picLocks noChangeAspect="1"/>
-          </p:cNvPicPr>
-          <p:nvPr/>
-        </p:nvPicPr>
-        <p:blipFill>
-          <a:blip r:embed="rId6"/>
-          <a:stretch>
-            <a:fillRect/>
-          </a:stretch>
-        </p:blipFill>
-        <p:spPr>
-          <a:xfrm>
-            <a:off x="1253490" y="5441950"/>
-            <a:ext cx="684530" cy="547370"/>
-          </a:xfrm>
-          <a:prstGeom prst="rect">
-            <a:avLst/>
-          </a:prstGeom>
-        </p:spPr>
-      </p:pic>
-      <p:pic>
-        <p:nvPicPr>
-          <p:cNvPr id="9" name="图片 8" descr="搜狗截图20181020225028"/>
-          <p:cNvPicPr>
-            <a:picLocks noChangeAspect="1"/>
-          </p:cNvPicPr>
-          <p:nvPr/>
-        </p:nvPicPr>
-        <p:blipFill>
-          <a:blip r:embed="rId7"/>
-          <a:stretch>
-            <a:fillRect/>
-          </a:stretch>
-        </p:blipFill>
-        <p:spPr>
-          <a:xfrm>
-            <a:off x="1254125" y="3462655"/>
-            <a:ext cx="767715" cy="527050"/>
-          </a:xfrm>
-          <a:prstGeom prst="rect">
-            <a:avLst/>
-          </a:prstGeom>
-        </p:spPr>
-      </p:pic>
-    </p:spTree>
-  </p:cSld>
-  <p:clrMapOvr>
-    <a:masterClrMapping/>
-  </p:clrMapOvr>
-  <p:timing>
-    <p:tnLst>
-      <p:par>
-        <p:cTn id="1" dur="indefinite" restart="never" nodeType="tmRoot">
-          <p:childTnLst>
-            <p:seq concurrent="1" nextAc="seek">
-              <p:cTn id="2" dur="indefinite" nodeType="mainSeq">
-                <p:childTnLst>
-                  <p:par>
-                    <p:cTn id="3" fill="hold">
-                      <p:stCondLst>
-                        <p:cond delay="indefinite"/>
-                      </p:stCondLst>
-                      <p:childTnLst>
-                        <p:par>
-                          <p:cTn id="4" fill="hold">
-                            <p:stCondLst>
-                              <p:cond delay="0"/>
-                            </p:stCondLst>
-                            <p:childTnLst>
-                              <p:par>
-                                <p:cTn id="5" presetID="1" presetClass="entr" presetSubtype="0" fill="hold" nodeType="clickEffect">
-                                  <p:stCondLst>
-                                    <p:cond delay="0"/>
-                                  </p:stCondLst>
-                                  <p:childTnLst>
-                                    <p:set>
-                                      <p:cBhvr>
-                                        <p:cTn id="6" dur="1" fill="hold">
-                                          <p:stCondLst>
-                                            <p:cond delay="0"/>
-                                          </p:stCondLst>
-                                        </p:cTn>
-                                        <p:tgtEl>
-                                          <p:spTgt spid="5"/>
-                                        </p:tgtEl>
-                                        <p:attrNameLst>
-                                          <p:attrName>style.visibility</p:attrName>
-                                        </p:attrNameLst>
-                                      </p:cBhvr>
-                                      <p:to>
-                                        <p:strVal val="visible"/>
-                                      </p:to>
-                                    </p:set>
-                                  </p:childTnLst>
-                                </p:cTn>
-                              </p:par>
-                              <p:par>
-                                <p:cTn id="7" presetID="1" presetClass="entr" presetSubtype="0" fill="hold" nodeType="withEffect">
-                                  <p:stCondLst>
-                                    <p:cond delay="0"/>
-                                  </p:stCondLst>
-                                  <p:childTnLst>
-                                    <p:set>
-                                      <p:cBhvr>
-                                        <p:cTn id="8" dur="1" fill="hold">
-                                          <p:stCondLst>
-                                            <p:cond delay="0"/>
-                                          </p:stCondLst>
-                                        </p:cTn>
-                                        <p:tgtEl>
-                                          <p:spTgt spid="9"/>
-                                        </p:tgtEl>
-                                        <p:attrNameLst>
-                                          <p:attrName>style.visibility</p:attrName>
-                                        </p:attrNameLst>
-                                      </p:cBhvr>
-                                      <p:to>
-                                        <p:strVal val="visible"/>
-                                      </p:to>
-                                    </p:set>
-                                  </p:childTnLst>
-                                </p:cTn>
-                              </p:par>
-                              <p:par>
-                                <p:cTn id="9" presetID="1" presetClass="entr" presetSubtype="0" fill="hold" nodeType="withEffect">
-                                  <p:stCondLst>
-                                    <p:cond delay="0"/>
-                                  </p:stCondLst>
-                                  <p:childTnLst>
-                                    <p:set>
-                                      <p:cBhvr>
-                                        <p:cTn id="10" dur="1" fill="hold">
-                                          <p:stCondLst>
-                                            <p:cond delay="0"/>
-                                          </p:stCondLst>
-                                        </p:cTn>
-                                        <p:tgtEl>
-                                          <p:spTgt spid="7"/>
-                                        </p:tgtEl>
-                                        <p:attrNameLst>
-                                          <p:attrName>style.visibility</p:attrName>
-                                        </p:attrNameLst>
-                                      </p:cBhvr>
-                                      <p:to>
-                                        <p:strVal val="visible"/>
-                                      </p:to>
-                                    </p:set>
-                                  </p:childTnLst>
-                                </p:cTn>
-                              </p:par>
-                              <p:par>
-                                <p:cTn id="11" presetID="1" presetClass="entr" presetSubtype="0" fill="hold" nodeType="withEffect">
-                                  <p:stCondLst>
-                                    <p:cond delay="0"/>
-                                  </p:stCondLst>
-                                  <p:childTnLst>
-                                    <p:set>
-                                      <p:cBhvr>
-                                        <p:cTn id="12" dur="1" fill="hold">
-                                          <p:stCondLst>
-                                            <p:cond delay="0"/>
-                                          </p:stCondLst>
-                                        </p:cTn>
-                                        <p:tgtEl>
-                                          <p:spTgt spid="8"/>
-                                        </p:tgtEl>
-                                        <p:attrNameLst>
-                                          <p:attrName>style.visibility</p:attrName>
-                                        </p:attrNameLst>
-                                      </p:cBhvr>
-                                      <p:to>
-                                        <p:strVal val="visible"/>
-                                      </p:to>
-                                    </p:set>
-                                  </p:childTnLst>
-                                </p:cTn>
-                              </p:par>
-                              <p:par>
-                                <p:cTn id="13" presetID="1" presetClass="entr" presetSubtype="0" fill="hold" nodeType="withEffect">
-                                  <p:stCondLst>
-                                    <p:cond delay="0"/>
-                                  </p:stCondLst>
-                                  <p:childTnLst>
-                                    <p:set>
-                                      <p:cBhvr>
-                                        <p:cTn id="14" dur="1" fill="hold">
-                                          <p:stCondLst>
-                                            <p:cond delay="0"/>
-                                          </p:stCondLst>
-                                        </p:cTn>
-                                        <p:tgtEl>
-                                          <p:spTgt spid="3">
-                                            <p:txEl>
-                                              <p:pRg st="6" end="6"/>
-                                            </p:txEl>
-                                          </p:spTgt>
-                                        </p:tgtEl>
-                                        <p:attrNameLst>
-                                          <p:attrName>style.visibility</p:attrName>
-                                        </p:attrNameLst>
-                                      </p:cBhvr>
-                                      <p:to>
-                                        <p:strVal val="visible"/>
-                                      </p:to>
-                                    </p:set>
-                                  </p:childTnLst>
-                                </p:cTn>
-                              </p:par>
-                              <p:par>
-                                <p:cTn id="15" presetID="1" presetClass="entr" presetSubtype="0" fill="hold" nodeType="withEffect">
-                                  <p:stCondLst>
-                                    <p:cond delay="0"/>
-                                  </p:stCondLst>
-                                  <p:childTnLst>
-                                    <p:set>
-                                      <p:cBhvr>
-                                        <p:cTn id="16" dur="1" fill="hold">
-                                          <p:stCondLst>
-                                            <p:cond delay="0"/>
-                                          </p:stCondLst>
-                                        </p:cTn>
-                                        <p:tgtEl>
-                                          <p:spTgt spid="3">
-                                            <p:txEl>
-                                              <p:pRg st="8" end="8"/>
-                                            </p:txEl>
-                                          </p:spTgt>
-                                        </p:tgtEl>
-                                        <p:attrNameLst>
-                                          <p:attrName>style.visibility</p:attrName>
-                                        </p:attrNameLst>
-                                      </p:cBhvr>
-                                      <p:to>
-                                        <p:strVal val="visible"/>
-                                      </p:to>
-                                    </p:set>
-                                  </p:childTnLst>
-                                </p:cTn>
-                              </p:par>
-                              <p:par>
-                                <p:cTn id="17" presetID="1" presetClass="entr" presetSubtype="0" fill="hold" nodeType="withEffect">
-                                  <p:stCondLst>
-                                    <p:cond delay="0"/>
-                                  </p:stCondLst>
-                                  <p:childTnLst>
-                                    <p:set>
-                                      <p:cBhvr>
-                                        <p:cTn id="18" dur="1" fill="hold">
-                                          <p:stCondLst>
-                                            <p:cond delay="0"/>
-                                          </p:stCondLst>
-                                        </p:cTn>
-                                        <p:tgtEl>
-                                          <p:spTgt spid="3">
-                                            <p:txEl>
-                                              <p:pRg st="10" end="10"/>
-                                            </p:txEl>
-                                          </p:spTgt>
-                                        </p:tgtEl>
-                                        <p:attrNameLst>
-                                          <p:attrName>style.visibility</p:attrName>
-                                        </p:attrNameLst>
-                                      </p:cBhvr>
-                                      <p:to>
-                                        <p:strVal val="visible"/>
-                                      </p:to>
-                                    </p:set>
-                                  </p:childTnLst>
-                                </p:cTn>
-                              </p:par>
-                            </p:childTnLst>
-                          </p:cTn>
-                        </p:par>
-                      </p:childTnLst>
-                    </p:cTn>
-                  </p:par>
-                </p:childTnLst>
-              </p:cTn>
-              <p:prevCondLst>
-                <p:cond evt="onPrev" delay="0">
-                  <p:tgtEl>
-                    <p:sldTgt/>
-                  </p:tgtEl>
-                </p:cond>
-              </p:prevCondLst>
-              <p:nextCondLst>
-                <p:cond evt="onNext" delay="0">
-                  <p:tgtEl>
-                    <p:sldTgt/>
-                  </p:tgtEl>
-                </p:cond>
-              </p:nextCondLst>
-            </p:seq>
-          </p:childTnLst>
-        </p:cTn>
-      </p:par>
-    </p:tnLst>
-  </p:timing>
-</p:sld>
-</file>
-
-<file path=ppt/slides/slide55.xml><?xml version="1.0" encoding="utf-8"?>
 <p:sld xmlns:a="http://schemas.openxmlformats.org/drawingml/2006/main" xmlns:r="http://schemas.openxmlformats.org/officeDocument/2006/relationships" xmlns:p="http://schemas.openxmlformats.org/presentationml/2006/main">
   <p:cSld>
     <p:bg>
@@ -20546,8 +19796,8 @@
         </p:nvSpPr>
         <p:spPr>
           <a:xfrm>
-            <a:off x="4480560" y="1992830"/>
-            <a:ext cx="3230880" cy="1014730"/>
+            <a:off x="4464784" y="1992830"/>
+            <a:ext cx="3262432" cy="1015663"/>
           </a:xfrm>
           <a:prstGeom prst="rect">
             <a:avLst/>
@@ -20572,7 +19822,7 @@
                 <a:latin typeface="微软雅黑" panose="020B0503020204020204" pitchFamily="34" charset="-122"/>
                 <a:ea typeface="微软雅黑" panose="020B0503020204020204" pitchFamily="34" charset="-122"/>
               </a:rPr>
-              <a:t>第七部分</a:t>
+              <a:t>第八部分</a:t>
             </a:r>
           </a:p>
         </p:txBody>
@@ -20624,7 +19874,7 @@
 </p:sld>
 </file>
 
-<file path=ppt/slides/slide56.xml><?xml version="1.0" encoding="utf-8"?>
+<file path=ppt/slides/slide46.xml><?xml version="1.0" encoding="utf-8"?>
 <p:sld xmlns:a="http://schemas.openxmlformats.org/drawingml/2006/main" xmlns:r="http://schemas.openxmlformats.org/officeDocument/2006/relationships" xmlns:p="http://schemas.openxmlformats.org/presentationml/2006/main">
   <p:cSld>
     <p:bg>
@@ -21038,7 +20288,7 @@
 </p:sld>
 </file>
 
-<file path=ppt/slides/slide57.xml><?xml version="1.0" encoding="utf-8"?>
+<file path=ppt/slides/slide47.xml><?xml version="1.0" encoding="utf-8"?>
 <p:sld xmlns:a="http://schemas.openxmlformats.org/drawingml/2006/main" xmlns:r="http://schemas.openxmlformats.org/officeDocument/2006/relationships" xmlns:p="http://schemas.openxmlformats.org/presentationml/2006/main">
   <p:cSld>
     <p:spTree>
@@ -21585,7 +20835,7 @@
 </p:sld>
 </file>
 
-<file path=ppt/slides/slide58.xml><?xml version="1.0" encoding="utf-8"?>
+<file path=ppt/slides/slide48.xml><?xml version="1.0" encoding="utf-8"?>
 <p:sld xmlns:a="http://schemas.openxmlformats.org/drawingml/2006/main" xmlns:r="http://schemas.openxmlformats.org/officeDocument/2006/relationships" xmlns:p="http://schemas.openxmlformats.org/presentationml/2006/main">
   <p:cSld>
     <p:bg>
@@ -21663,6 +20913,71 @@
               <a:rPr lang="zh-CN" altLang="en-US" dirty="0"/>
               <a:t>基础、建模与设计教程》</a:t>
             </a:r>
+            <a:endParaRPr lang="en-US" altLang="zh-CN" dirty="0"/>
+          </a:p>
+          <a:p>
+            <a:r>
+              <a:rPr lang="en-US" altLang="zh-CN" dirty="0"/>
+              <a:t>【2】</a:t>
+            </a:r>
+            <a:r>
+              <a:rPr lang="en-US" altLang="zh-CN" dirty="0">
+                <a:hlinkClick r:id="rId2"/>
+              </a:rPr>
+              <a:t>https://blog.csdn.net/liuwenbiao1203/article/details/52955658</a:t>
+            </a:r>
+            <a:r>
+              <a:rPr lang="en-US" altLang="zh-CN" dirty="0"/>
+              <a:t>2018</a:t>
+            </a:r>
+            <a:r>
+              <a:rPr lang="zh-CN" altLang="en-US" dirty="0"/>
+              <a:t>年</a:t>
+            </a:r>
+            <a:r>
+              <a:rPr lang="en-US" altLang="zh-CN" dirty="0"/>
+              <a:t>10</a:t>
+            </a:r>
+            <a:r>
+              <a:rPr lang="zh-CN" altLang="en-US" dirty="0"/>
+              <a:t>月</a:t>
+            </a:r>
+            <a:r>
+              <a:rPr lang="en-US" altLang="zh-CN" dirty="0"/>
+              <a:t>18</a:t>
+            </a:r>
+            <a:r>
+              <a:rPr lang="zh-CN" altLang="en-US" dirty="0"/>
+              <a:t>日</a:t>
+            </a:r>
+            <a:endParaRPr lang="en-US" altLang="zh-CN" dirty="0"/>
+          </a:p>
+          <a:p>
+            <a:r>
+              <a:rPr lang="en-US" altLang="zh-CN" dirty="0"/>
+              <a:t>【3】https://blog.csdn.net/zengxy3407/article/details/52700750?locationNum=2&amp;fps=12018</a:t>
+            </a:r>
+            <a:r>
+              <a:rPr lang="zh-CN" altLang="en-US" dirty="0"/>
+              <a:t>年</a:t>
+            </a:r>
+            <a:r>
+              <a:rPr lang="en-US" altLang="zh-CN" dirty="0"/>
+              <a:t>10</a:t>
+            </a:r>
+            <a:r>
+              <a:rPr lang="zh-CN" altLang="en-US" dirty="0"/>
+              <a:t>月</a:t>
+            </a:r>
+            <a:r>
+              <a:rPr lang="en-US" altLang="zh-CN" dirty="0"/>
+              <a:t>8</a:t>
+            </a:r>
+            <a:r>
+              <a:rPr lang="zh-CN" altLang="en-US" dirty="0"/>
+              <a:t>日</a:t>
+            </a:r>
+            <a:endParaRPr lang="en-US" altLang="zh-CN" dirty="0"/>
           </a:p>
         </p:txBody>
       </p:sp>
@@ -21770,7 +21085,7 @@
 </p:sld>
 </file>
 
-<file path=ppt/slides/slide59.xml><?xml version="1.0" encoding="utf-8"?>
+<file path=ppt/slides/slide49.xml><?xml version="1.0" encoding="utf-8"?>
 <p:sld xmlns:a="http://schemas.openxmlformats.org/drawingml/2006/main" xmlns:r="http://schemas.openxmlformats.org/officeDocument/2006/relationships" xmlns:p="http://schemas.openxmlformats.org/presentationml/2006/main">
   <p:cSld>
     <p:bg>
@@ -21840,21 +21155,42 @@
                 <a:latin typeface="+mn-ea"/>
                 <a:cs typeface="+mn-ea"/>
               </a:rPr>
-              <a:t>陈妍蓝：项目工程计划的修改，需求工程文档的修改，甘特图，</a:t>
+              <a:t>陈妍蓝：项目工程计划的修改，需求工程文档的修改，</a:t>
             </a:r>
             <a:r>
               <a:rPr lang="en-US" altLang="zh-CN" dirty="0">
                 <a:latin typeface="+mn-ea"/>
                 <a:cs typeface="+mn-ea"/>
               </a:rPr>
-              <a:t>WBS,OBS</a:t>
+              <a:t>,</a:t>
+            </a:r>
+            <a:r>
+              <a:rPr lang="en-US" altLang="zh-CN" dirty="0" err="1">
+                <a:latin typeface="+mn-ea"/>
+                <a:cs typeface="+mn-ea"/>
+              </a:rPr>
+              <a:t>uml</a:t>
             </a:r>
             <a:r>
               <a:rPr lang="zh-CN" altLang="en-US" dirty="0">
                 <a:latin typeface="+mn-ea"/>
                 <a:cs typeface="+mn-ea"/>
               </a:rPr>
-              <a:t>图的修改；</a:t>
+              <a:t>工具</a:t>
+            </a:r>
+            <a:r>
+              <a:rPr lang="en-US" altLang="zh-CN" dirty="0">
+                <a:latin typeface="+mn-ea"/>
+                <a:cs typeface="+mn-ea"/>
+              </a:rPr>
+              <a:t>PPT</a:t>
+            </a:r>
+            <a:r>
+              <a:rPr lang="zh-CN" altLang="en-US" dirty="0">
+                <a:latin typeface="+mn-ea"/>
+                <a:cs typeface="+mn-ea"/>
+              </a:rPr>
+              <a:t>的审核和修改；</a:t>
             </a:r>
             <a:r>
               <a:rPr lang="en-US" altLang="zh-CN" dirty="0">
@@ -22000,7 +21336,21 @@
                 <a:latin typeface="+mn-ea"/>
                 <a:cs typeface="+mn-ea"/>
               </a:rPr>
-              <a:t>郑巧雁：编写项目章程，编写愿景与范围，搜集整理资料。</a:t>
+              <a:t>郑巧雁：编写</a:t>
+            </a:r>
+            <a:r>
+              <a:rPr lang="en-US" altLang="zh-CN" dirty="0">
+                <a:latin typeface="+mn-ea"/>
+                <a:cs typeface="+mn-ea"/>
+              </a:rPr>
+              <a:t>QA</a:t>
+            </a:r>
+            <a:r>
+              <a:rPr lang="zh-CN" altLang="en-US" dirty="0">
+                <a:latin typeface="+mn-ea"/>
+                <a:cs typeface="+mn-ea"/>
+              </a:rPr>
+              <a:t>计划编写愿景与范围，搜集整理资料。</a:t>
             </a:r>
             <a:r>
               <a:rPr lang="en-US" altLang="zh-CN" dirty="0">
@@ -22030,7 +21380,21 @@
                 <a:latin typeface="+mn-ea"/>
                 <a:cs typeface="+mn-ea"/>
               </a:rPr>
-              <a:t>张琪：编写愿景与范围文档，搜集整理资料。</a:t>
+              <a:t>张琪：编写愿景与范围文档</a:t>
+            </a:r>
+            <a:r>
+              <a:rPr lang="en-US" altLang="zh-CN" dirty="0">
+                <a:latin typeface="+mn-ea"/>
+                <a:cs typeface="+mn-ea"/>
+              </a:rPr>
+              <a:t>-</a:t>
+            </a:r>
+            <a:r>
+              <a:rPr lang="zh-CN" altLang="en-US" dirty="0">
+                <a:latin typeface="+mn-ea"/>
+                <a:cs typeface="+mn-ea"/>
+              </a:rPr>
+              <a:t>初步，搜集整理资料。</a:t>
             </a:r>
             <a:r>
               <a:rPr lang="en-US" altLang="zh-CN" dirty="0">
@@ -22149,6 +21513,849 @@
               <a:latin typeface="Calibri" panose="020F0502020204030204" pitchFamily="34" charset="0"/>
               <a:ea typeface="宋体" panose="02010600030101010101" pitchFamily="2" charset="-122"/>
             </a:endParaRPr>
+          </a:p>
+        </p:txBody>
+      </p:sp>
+    </p:spTree>
+  </p:cSld>
+  <p:clrMapOvr>
+    <a:masterClrMapping/>
+  </p:clrMapOvr>
+</p:sld>
+</file>
+
+<file path=ppt/slides/slide5.xml><?xml version="1.0" encoding="utf-8"?>
+<p:sld xmlns:a="http://schemas.openxmlformats.org/drawingml/2006/main" xmlns:r="http://schemas.openxmlformats.org/officeDocument/2006/relationships" xmlns:p="http://schemas.openxmlformats.org/presentationml/2006/main">
+  <p:cSld>
+    <p:bg>
+      <p:bgPr>
+        <a:solidFill>
+          <a:srgbClr val="F1F1F1"/>
+        </a:solidFill>
+        <a:effectLst/>
+      </p:bgPr>
+    </p:bg>
+    <p:spTree>
+      <p:nvGrpSpPr>
+        <p:cNvPr id="1" name=""/>
+        <p:cNvGrpSpPr/>
+        <p:nvPr/>
+      </p:nvGrpSpPr>
+      <p:grpSpPr>
+        <a:xfrm>
+          <a:off x="0" y="0"/>
+          <a:ext cx="0" cy="0"/>
+          <a:chOff x="0" y="0"/>
+          <a:chExt cx="0" cy="0"/>
+        </a:xfrm>
+      </p:grpSpPr>
+      <p:sp>
+        <p:nvSpPr>
+          <p:cNvPr id="2" name="标题 1"/>
+          <p:cNvSpPr>
+            <a:spLocks noGrp="1"/>
+          </p:cNvSpPr>
+          <p:nvPr>
+            <p:ph type="title"/>
+          </p:nvPr>
+        </p:nvSpPr>
+        <p:spPr/>
+        <p:txBody>
+          <a:bodyPr/>
+          <a:lstStyle/>
+          <a:p>
+            <a:r>
+              <a:rPr lang="zh-CN" altLang="en-US"/>
+              <a:t>软件建模工具的功能</a:t>
+            </a:r>
+          </a:p>
+        </p:txBody>
+      </p:sp>
+      <p:sp>
+        <p:nvSpPr>
+          <p:cNvPr id="3" name="内容占位符 2"/>
+          <p:cNvSpPr>
+            <a:spLocks noGrp="1"/>
+          </p:cNvSpPr>
+          <p:nvPr>
+            <p:ph idx="1"/>
+          </p:nvPr>
+        </p:nvSpPr>
+        <p:spPr/>
+        <p:txBody>
+          <a:bodyPr/>
+          <a:lstStyle/>
+          <a:p>
+            <a:r>
+              <a:rPr lang="zh-CN" altLang="en-US" dirty="0"/>
+              <a:t>面向对象的软件建模工具应该具有以下功能：</a:t>
+            </a:r>
+          </a:p>
+          <a:p>
+            <a:r>
+              <a:rPr lang="zh-CN" altLang="en-US" dirty="0"/>
+              <a:t>绘图、存储、一致性检查、对模型进行组织、导航、写作支持、代码生成、逆向项目、集成、支持多种抽象层和开发过程、文档生成、脚本编程。</a:t>
+            </a:r>
+            <a:endParaRPr lang="en-US" altLang="zh-CN" dirty="0"/>
+          </a:p>
+          <a:p>
+            <a:pPr marL="0" indent="0" algn="r">
+              <a:buNone/>
+            </a:pPr>
+            <a:r>
+              <a:rPr lang="en-US" altLang="zh-CN" dirty="0"/>
+              <a:t>【1】</a:t>
+            </a:r>
+            <a:endParaRPr lang="zh-CN" altLang="en-US" dirty="0"/>
+          </a:p>
+        </p:txBody>
+      </p:sp>
+      <p:sp>
+        <p:nvSpPr>
+          <p:cNvPr id="4" name="Freeform 5"/>
+          <p:cNvSpPr/>
+          <p:nvPr/>
+        </p:nvSpPr>
+        <p:spPr bwMode="auto">
+          <a:xfrm flipH="1">
+            <a:off x="0" y="-13281"/>
+            <a:ext cx="409433" cy="832147"/>
+          </a:xfrm>
+          <a:custGeom>
+            <a:avLst/>
+            <a:gdLst>
+              <a:gd name="T0" fmla="*/ 1462 w 2332"/>
+              <a:gd name="T1" fmla="*/ 0 h 3907"/>
+              <a:gd name="T2" fmla="*/ 2332 w 2332"/>
+              <a:gd name="T3" fmla="*/ 0 h 3907"/>
+              <a:gd name="T4" fmla="*/ 2332 w 2332"/>
+              <a:gd name="T5" fmla="*/ 3907 h 3907"/>
+              <a:gd name="T6" fmla="*/ 0 w 2332"/>
+              <a:gd name="T7" fmla="*/ 2595 h 3907"/>
+              <a:gd name="T8" fmla="*/ 1462 w 2332"/>
+              <a:gd name="T9" fmla="*/ 0 h 3907"/>
+            </a:gdLst>
+            <a:ahLst/>
+            <a:cxnLst>
+              <a:cxn ang="0">
+                <a:pos x="T0" y="T1"/>
+              </a:cxn>
+              <a:cxn ang="0">
+                <a:pos x="T2" y="T3"/>
+              </a:cxn>
+              <a:cxn ang="0">
+                <a:pos x="T4" y="T5"/>
+              </a:cxn>
+              <a:cxn ang="0">
+                <a:pos x="T6" y="T7"/>
+              </a:cxn>
+              <a:cxn ang="0">
+                <a:pos x="T8" y="T9"/>
+              </a:cxn>
+            </a:cxnLst>
+            <a:rect l="0" t="0" r="r" b="b"/>
+            <a:pathLst>
+              <a:path w="2332" h="3907">
+                <a:moveTo>
+                  <a:pt x="1462" y="0"/>
+                </a:moveTo>
+                <a:lnTo>
+                  <a:pt x="2332" y="0"/>
+                </a:lnTo>
+                <a:lnTo>
+                  <a:pt x="2332" y="3907"/>
+                </a:lnTo>
+                <a:lnTo>
+                  <a:pt x="0" y="2595"/>
+                </a:lnTo>
+                <a:lnTo>
+                  <a:pt x="1462" y="0"/>
+                </a:lnTo>
+                <a:close/>
+              </a:path>
+            </a:pathLst>
+          </a:custGeom>
+          <a:solidFill>
+            <a:srgbClr val="002B41"/>
+          </a:solidFill>
+          <a:ln w="28575">
+            <a:noFill/>
+          </a:ln>
+          <a:effectLst>
+            <a:outerShdw blurRad="254000" dist="127000" dir="2700000" algn="tl" rotWithShape="0">
+              <a:prstClr val="black">
+                <a:alpha val="40000"/>
+              </a:prstClr>
+            </a:outerShdw>
+          </a:effectLst>
+        </p:spPr>
+        <p:txBody>
+          <a:bodyPr anchor="ctr"/>
+          <a:lstStyle/>
+          <a:p>
+            <a:pPr algn="ctr"/>
+            <a:endParaRPr lang="zh-CN" altLang="en-US" sz="2000">
+              <a:solidFill>
+                <a:schemeClr val="bg1">
+                  <a:lumMod val="95000"/>
+                </a:schemeClr>
+              </a:solidFill>
+              <a:latin typeface="Calibri" panose="020F0502020204030204" pitchFamily="34" charset="0"/>
+              <a:ea typeface="宋体" panose="02010600030101010101" pitchFamily="2" charset="-122"/>
+            </a:endParaRPr>
+          </a:p>
+        </p:txBody>
+      </p:sp>
+    </p:spTree>
+  </p:cSld>
+  <p:clrMapOvr>
+    <a:masterClrMapping/>
+  </p:clrMapOvr>
+  <p:timing>
+    <p:tnLst>
+      <p:par>
+        <p:cTn id="1" dur="indefinite" restart="never" nodeType="tmRoot">
+          <p:childTnLst>
+            <p:seq concurrent="1" nextAc="seek">
+              <p:cTn id="2" dur="indefinite" nodeType="mainSeq">
+                <p:childTnLst>
+                  <p:par>
+                    <p:cTn id="3" fill="hold">
+                      <p:stCondLst>
+                        <p:cond delay="indefinite"/>
+                      </p:stCondLst>
+                      <p:childTnLst>
+                        <p:par>
+                          <p:cTn id="4" fill="hold">
+                            <p:stCondLst>
+                              <p:cond delay="0"/>
+                            </p:stCondLst>
+                            <p:childTnLst>
+                              <p:par>
+                                <p:cTn id="5" presetID="1" presetClass="entr" presetSubtype="0" fill="hold" grpId="0" nodeType="clickEffect">
+                                  <p:stCondLst>
+                                    <p:cond delay="0"/>
+                                  </p:stCondLst>
+                                  <p:childTnLst>
+                                    <p:set>
+                                      <p:cBhvr>
+                                        <p:cTn id="6" dur="1" fill="hold">
+                                          <p:stCondLst>
+                                            <p:cond delay="0"/>
+                                          </p:stCondLst>
+                                        </p:cTn>
+                                        <p:tgtEl>
+                                          <p:spTgt spid="3">
+                                            <p:txEl>
+                                              <p:pRg st="0" end="0"/>
+                                            </p:txEl>
+                                          </p:spTgt>
+                                        </p:tgtEl>
+                                        <p:attrNameLst>
+                                          <p:attrName>style.visibility</p:attrName>
+                                        </p:attrNameLst>
+                                      </p:cBhvr>
+                                      <p:to>
+                                        <p:strVal val="visible"/>
+                                      </p:to>
+                                    </p:set>
+                                  </p:childTnLst>
+                                </p:cTn>
+                              </p:par>
+                            </p:childTnLst>
+                          </p:cTn>
+                        </p:par>
+                      </p:childTnLst>
+                    </p:cTn>
+                  </p:par>
+                  <p:par>
+                    <p:cTn id="7" fill="hold">
+                      <p:stCondLst>
+                        <p:cond delay="indefinite"/>
+                      </p:stCondLst>
+                      <p:childTnLst>
+                        <p:par>
+                          <p:cTn id="8" fill="hold">
+                            <p:stCondLst>
+                              <p:cond delay="0"/>
+                            </p:stCondLst>
+                            <p:childTnLst>
+                              <p:par>
+                                <p:cTn id="9" presetID="1" presetClass="entr" presetSubtype="0" fill="hold" grpId="0" nodeType="clickEffect">
+                                  <p:stCondLst>
+                                    <p:cond delay="0"/>
+                                  </p:stCondLst>
+                                  <p:childTnLst>
+                                    <p:set>
+                                      <p:cBhvr>
+                                        <p:cTn id="10" dur="1" fill="hold">
+                                          <p:stCondLst>
+                                            <p:cond delay="0"/>
+                                          </p:stCondLst>
+                                        </p:cTn>
+                                        <p:tgtEl>
+                                          <p:spTgt spid="3">
+                                            <p:txEl>
+                                              <p:pRg st="1" end="1"/>
+                                            </p:txEl>
+                                          </p:spTgt>
+                                        </p:tgtEl>
+                                        <p:attrNameLst>
+                                          <p:attrName>style.visibility</p:attrName>
+                                        </p:attrNameLst>
+                                      </p:cBhvr>
+                                      <p:to>
+                                        <p:strVal val="visible"/>
+                                      </p:to>
+                                    </p:set>
+                                  </p:childTnLst>
+                                </p:cTn>
+                              </p:par>
+                            </p:childTnLst>
+                          </p:cTn>
+                        </p:par>
+                      </p:childTnLst>
+                    </p:cTn>
+                  </p:par>
+                  <p:par>
+                    <p:cTn id="11" fill="hold">
+                      <p:stCondLst>
+                        <p:cond delay="indefinite"/>
+                      </p:stCondLst>
+                      <p:childTnLst>
+                        <p:par>
+                          <p:cTn id="12" fill="hold">
+                            <p:stCondLst>
+                              <p:cond delay="0"/>
+                            </p:stCondLst>
+                            <p:childTnLst>
+                              <p:par>
+                                <p:cTn id="13" presetID="1" presetClass="entr" presetSubtype="0" fill="hold" grpId="0" nodeType="clickEffect">
+                                  <p:stCondLst>
+                                    <p:cond delay="0"/>
+                                  </p:stCondLst>
+                                  <p:childTnLst>
+                                    <p:set>
+                                      <p:cBhvr>
+                                        <p:cTn id="14" dur="1" fill="hold">
+                                          <p:stCondLst>
+                                            <p:cond delay="0"/>
+                                          </p:stCondLst>
+                                        </p:cTn>
+                                        <p:tgtEl>
+                                          <p:spTgt spid="3">
+                                            <p:txEl>
+                                              <p:pRg st="2" end="2"/>
+                                            </p:txEl>
+                                          </p:spTgt>
+                                        </p:tgtEl>
+                                        <p:attrNameLst>
+                                          <p:attrName>style.visibility</p:attrName>
+                                        </p:attrNameLst>
+                                      </p:cBhvr>
+                                      <p:to>
+                                        <p:strVal val="visible"/>
+                                      </p:to>
+                                    </p:set>
+                                  </p:childTnLst>
+                                </p:cTn>
+                              </p:par>
+                            </p:childTnLst>
+                          </p:cTn>
+                        </p:par>
+                      </p:childTnLst>
+                    </p:cTn>
+                  </p:par>
+                </p:childTnLst>
+              </p:cTn>
+              <p:prevCondLst>
+                <p:cond evt="onPrev" delay="0">
+                  <p:tgtEl>
+                    <p:sldTgt/>
+                  </p:tgtEl>
+                </p:cond>
+              </p:prevCondLst>
+              <p:nextCondLst>
+                <p:cond evt="onNext" delay="0">
+                  <p:tgtEl>
+                    <p:sldTgt/>
+                  </p:tgtEl>
+                </p:cond>
+              </p:nextCondLst>
+            </p:seq>
+          </p:childTnLst>
+        </p:cTn>
+      </p:par>
+    </p:tnLst>
+    <p:bldLst>
+      <p:bldP spid="3" grpId="0" build="p"/>
+    </p:bldLst>
+  </p:timing>
+</p:sld>
+</file>
+
+<file path=ppt/slides/slide50.xml><?xml version="1.0" encoding="utf-8"?>
+<p:sld xmlns:a="http://schemas.openxmlformats.org/drawingml/2006/main" xmlns:r="http://schemas.openxmlformats.org/officeDocument/2006/relationships" xmlns:p="http://schemas.openxmlformats.org/presentationml/2006/main">
+  <p:cSld>
+    <p:bg>
+      <p:bgPr>
+        <a:solidFill>
+          <a:srgbClr val="F1F1F1"/>
+        </a:solidFill>
+        <a:effectLst/>
+      </p:bgPr>
+    </p:bg>
+    <p:spTree>
+      <p:nvGrpSpPr>
+        <p:cNvPr id="1" name=""/>
+        <p:cNvGrpSpPr/>
+        <p:nvPr/>
+      </p:nvGrpSpPr>
+      <p:grpSpPr>
+        <a:xfrm>
+          <a:off x="0" y="0"/>
+          <a:ext cx="0" cy="0"/>
+          <a:chOff x="0" y="0"/>
+          <a:chExt cx="0" cy="0"/>
+        </a:xfrm>
+      </p:grpSpPr>
+      <p:sp>
+        <p:nvSpPr>
+          <p:cNvPr id="8" name="PA_Line 15"/>
+          <p:cNvSpPr>
+            <a:spLocks noChangeShapeType="1"/>
+          </p:cNvSpPr>
+          <p:nvPr>
+            <p:custDataLst>
+              <p:tags r:id="rId1"/>
+            </p:custDataLst>
+          </p:nvPr>
+        </p:nvSpPr>
+        <p:spPr bwMode="auto">
+          <a:xfrm flipV="1">
+            <a:off x="3459637" y="0"/>
+            <a:ext cx="7651028" cy="6860440"/>
+          </a:xfrm>
+          <a:prstGeom prst="line">
+            <a:avLst/>
+          </a:prstGeom>
+          <a:noFill/>
+          <a:ln w="7938" cap="flat">
+            <a:solidFill>
+              <a:srgbClr val="002B41"/>
+            </a:solidFill>
+            <a:prstDash val="solid"/>
+            <a:miter lim="800000"/>
+          </a:ln>
+          <a:extLst>
+            <a:ext uri="{909E8E84-426E-40DD-AFC4-6F175D3DCCD1}">
+              <a14:hiddenFill xmlns:a14="http://schemas.microsoft.com/office/drawing/2010/main">
+                <a:noFill/>
+              </a14:hiddenFill>
+            </a:ext>
+          </a:extLst>
+        </p:spPr>
+        <p:txBody>
+          <a:bodyPr vert="horz" wrap="square" lIns="91440" tIns="45720" rIns="91440" bIns="45720" numCol="1" anchor="t" anchorCtr="0" compatLnSpc="1"/>
+          <a:lstStyle/>
+          <a:p>
+            <a:endParaRPr lang="zh-CN" altLang="en-US">
+              <a:solidFill>
+                <a:prstClr val="black"/>
+              </a:solidFill>
+            </a:endParaRPr>
+          </a:p>
+        </p:txBody>
+      </p:sp>
+      <p:sp>
+        <p:nvSpPr>
+          <p:cNvPr id="9" name="PA_Line 16"/>
+          <p:cNvSpPr>
+            <a:spLocks noChangeShapeType="1"/>
+          </p:cNvSpPr>
+          <p:nvPr>
+            <p:custDataLst>
+              <p:tags r:id="rId2"/>
+            </p:custDataLst>
+          </p:nvPr>
+        </p:nvSpPr>
+        <p:spPr bwMode="auto">
+          <a:xfrm>
+            <a:off x="8045145" y="-179684"/>
+            <a:ext cx="4011737" cy="7040124"/>
+          </a:xfrm>
+          <a:prstGeom prst="line">
+            <a:avLst/>
+          </a:prstGeom>
+          <a:noFill/>
+          <a:ln w="7938" cap="flat">
+            <a:solidFill>
+              <a:srgbClr val="002B41"/>
+            </a:solidFill>
+            <a:prstDash val="solid"/>
+            <a:miter lim="800000"/>
+          </a:ln>
+          <a:extLst>
+            <a:ext uri="{909E8E84-426E-40DD-AFC4-6F175D3DCCD1}">
+              <a14:hiddenFill xmlns:a14="http://schemas.microsoft.com/office/drawing/2010/main">
+                <a:noFill/>
+              </a14:hiddenFill>
+            </a:ext>
+          </a:extLst>
+        </p:spPr>
+        <p:txBody>
+          <a:bodyPr vert="horz" wrap="square" lIns="91440" tIns="45720" rIns="91440" bIns="45720" numCol="1" anchor="t" anchorCtr="0" compatLnSpc="1"/>
+          <a:lstStyle/>
+          <a:p>
+            <a:endParaRPr lang="zh-CN" altLang="en-US">
+              <a:solidFill>
+                <a:prstClr val="black"/>
+              </a:solidFill>
+            </a:endParaRPr>
+          </a:p>
+        </p:txBody>
+      </p:sp>
+      <p:sp>
+        <p:nvSpPr>
+          <p:cNvPr id="10" name="PA_Line 17"/>
+          <p:cNvSpPr>
+            <a:spLocks noChangeShapeType="1"/>
+          </p:cNvSpPr>
+          <p:nvPr>
+            <p:custDataLst>
+              <p:tags r:id="rId3"/>
+            </p:custDataLst>
+          </p:nvPr>
+        </p:nvSpPr>
+        <p:spPr bwMode="auto">
+          <a:xfrm>
+            <a:off x="1517715" y="-37707"/>
+            <a:ext cx="10674284" cy="4949588"/>
+          </a:xfrm>
+          <a:prstGeom prst="line">
+            <a:avLst/>
+          </a:prstGeom>
+          <a:noFill/>
+          <a:ln w="7938" cap="flat">
+            <a:solidFill>
+              <a:srgbClr val="002B41"/>
+            </a:solidFill>
+            <a:prstDash val="solid"/>
+            <a:miter lim="800000"/>
+          </a:ln>
+          <a:extLst>
+            <a:ext uri="{909E8E84-426E-40DD-AFC4-6F175D3DCCD1}">
+              <a14:hiddenFill xmlns:a14="http://schemas.microsoft.com/office/drawing/2010/main">
+                <a:noFill/>
+              </a14:hiddenFill>
+            </a:ext>
+          </a:extLst>
+        </p:spPr>
+        <p:txBody>
+          <a:bodyPr vert="horz" wrap="square" lIns="91440" tIns="45720" rIns="91440" bIns="45720" numCol="1" anchor="t" anchorCtr="0" compatLnSpc="1"/>
+          <a:lstStyle/>
+          <a:p>
+            <a:endParaRPr lang="zh-CN" altLang="en-US">
+              <a:solidFill>
+                <a:prstClr val="black"/>
+              </a:solidFill>
+            </a:endParaRPr>
+          </a:p>
+        </p:txBody>
+      </p:sp>
+      <p:sp>
+        <p:nvSpPr>
+          <p:cNvPr id="11" name="PA_Line 18"/>
+          <p:cNvSpPr>
+            <a:spLocks noChangeShapeType="1"/>
+          </p:cNvSpPr>
+          <p:nvPr>
+            <p:custDataLst>
+              <p:tags r:id="rId4"/>
+            </p:custDataLst>
+          </p:nvPr>
+        </p:nvSpPr>
+        <p:spPr bwMode="auto">
+          <a:xfrm flipV="1">
+            <a:off x="9747262" y="-179684"/>
+            <a:ext cx="1891058" cy="7033554"/>
+          </a:xfrm>
+          <a:prstGeom prst="line">
+            <a:avLst/>
+          </a:prstGeom>
+          <a:noFill/>
+          <a:ln w="7938" cap="flat">
+            <a:solidFill>
+              <a:srgbClr val="002B41"/>
+            </a:solidFill>
+            <a:prstDash val="solid"/>
+            <a:miter lim="800000"/>
+          </a:ln>
+          <a:extLst>
+            <a:ext uri="{909E8E84-426E-40DD-AFC4-6F175D3DCCD1}">
+              <a14:hiddenFill xmlns:a14="http://schemas.microsoft.com/office/drawing/2010/main">
+                <a:noFill/>
+              </a14:hiddenFill>
+            </a:ext>
+          </a:extLst>
+        </p:spPr>
+        <p:txBody>
+          <a:bodyPr vert="horz" wrap="square" lIns="91440" tIns="45720" rIns="91440" bIns="45720" numCol="1" anchor="t" anchorCtr="0" compatLnSpc="1"/>
+          <a:lstStyle/>
+          <a:p>
+            <a:endParaRPr lang="zh-CN" altLang="en-US">
+              <a:solidFill>
+                <a:prstClr val="black"/>
+              </a:solidFill>
+            </a:endParaRPr>
+          </a:p>
+        </p:txBody>
+      </p:sp>
+      <p:sp>
+        <p:nvSpPr>
+          <p:cNvPr id="12" name="PA_椭圆 19"/>
+          <p:cNvSpPr>
+            <a:spLocks noChangeArrowheads="1"/>
+          </p:cNvSpPr>
+          <p:nvPr>
+            <p:custDataLst>
+              <p:tags r:id="rId5"/>
+            </p:custDataLst>
+          </p:nvPr>
+        </p:nvSpPr>
+        <p:spPr bwMode="auto">
+          <a:xfrm>
+            <a:off x="9105344" y="1710670"/>
+            <a:ext cx="100222" cy="100222"/>
+          </a:xfrm>
+          <a:prstGeom prst="ellipse">
+            <a:avLst/>
+          </a:prstGeom>
+          <a:solidFill>
+            <a:srgbClr val="002B41"/>
+          </a:solidFill>
+          <a:ln>
+            <a:noFill/>
+          </a:ln>
+        </p:spPr>
+        <p:txBody>
+          <a:bodyPr vert="horz" wrap="square" lIns="91440" tIns="45720" rIns="91440" bIns="45720" numCol="1" anchor="t" anchorCtr="0" compatLnSpc="1"/>
+          <a:lstStyle/>
+          <a:p>
+            <a:endParaRPr lang="zh-CN" altLang="en-US">
+              <a:solidFill>
+                <a:prstClr val="black"/>
+              </a:solidFill>
+            </a:endParaRPr>
+          </a:p>
+        </p:txBody>
+      </p:sp>
+      <p:sp>
+        <p:nvSpPr>
+          <p:cNvPr id="13" name="PA_椭圆 20"/>
+          <p:cNvSpPr>
+            <a:spLocks noChangeArrowheads="1"/>
+          </p:cNvSpPr>
+          <p:nvPr>
+            <p:custDataLst>
+              <p:tags r:id="rId6"/>
+            </p:custDataLst>
+          </p:nvPr>
+        </p:nvSpPr>
+        <p:spPr bwMode="auto">
+          <a:xfrm>
+            <a:off x="10435706" y="4050757"/>
+            <a:ext cx="100222" cy="100222"/>
+          </a:xfrm>
+          <a:prstGeom prst="ellipse">
+            <a:avLst/>
+          </a:prstGeom>
+          <a:solidFill>
+            <a:srgbClr val="002B41"/>
+          </a:solidFill>
+          <a:ln>
+            <a:noFill/>
+          </a:ln>
+        </p:spPr>
+        <p:txBody>
+          <a:bodyPr vert="horz" wrap="square" lIns="91440" tIns="45720" rIns="91440" bIns="45720" numCol="1" anchor="t" anchorCtr="0" compatLnSpc="1"/>
+          <a:lstStyle/>
+          <a:p>
+            <a:endParaRPr lang="zh-CN" altLang="en-US">
+              <a:solidFill>
+                <a:prstClr val="black"/>
+              </a:solidFill>
+            </a:endParaRPr>
+          </a:p>
+        </p:txBody>
+      </p:sp>
+      <p:sp>
+        <p:nvSpPr>
+          <p:cNvPr id="14" name="PA_任意多边形 5"/>
+          <p:cNvSpPr/>
+          <p:nvPr>
+            <p:custDataLst>
+              <p:tags r:id="rId7"/>
+            </p:custDataLst>
+          </p:nvPr>
+        </p:nvSpPr>
+        <p:spPr bwMode="auto">
+          <a:xfrm>
+            <a:off x="9257122" y="0"/>
+            <a:ext cx="2926691" cy="4911881"/>
+          </a:xfrm>
+          <a:custGeom>
+            <a:avLst/>
+            <a:gdLst>
+              <a:gd name="T0" fmla="*/ 1462 w 2332"/>
+              <a:gd name="T1" fmla="*/ 0 h 3907"/>
+              <a:gd name="T2" fmla="*/ 2332 w 2332"/>
+              <a:gd name="T3" fmla="*/ 0 h 3907"/>
+              <a:gd name="T4" fmla="*/ 2332 w 2332"/>
+              <a:gd name="T5" fmla="*/ 3907 h 3907"/>
+              <a:gd name="T6" fmla="*/ 0 w 2332"/>
+              <a:gd name="T7" fmla="*/ 2595 h 3907"/>
+              <a:gd name="T8" fmla="*/ 1462 w 2332"/>
+              <a:gd name="T9" fmla="*/ 0 h 3907"/>
+            </a:gdLst>
+            <a:ahLst/>
+            <a:cxnLst>
+              <a:cxn ang="0">
+                <a:pos x="T0" y="T1"/>
+              </a:cxn>
+              <a:cxn ang="0">
+                <a:pos x="T2" y="T3"/>
+              </a:cxn>
+              <a:cxn ang="0">
+                <a:pos x="T4" y="T5"/>
+              </a:cxn>
+              <a:cxn ang="0">
+                <a:pos x="T6" y="T7"/>
+              </a:cxn>
+              <a:cxn ang="0">
+                <a:pos x="T8" y="T9"/>
+              </a:cxn>
+            </a:cxnLst>
+            <a:rect l="0" t="0" r="r" b="b"/>
+            <a:pathLst>
+              <a:path w="2332" h="3907">
+                <a:moveTo>
+                  <a:pt x="1462" y="0"/>
+                </a:moveTo>
+                <a:lnTo>
+                  <a:pt x="2332" y="0"/>
+                </a:lnTo>
+                <a:lnTo>
+                  <a:pt x="2332" y="3907"/>
+                </a:lnTo>
+                <a:lnTo>
+                  <a:pt x="0" y="2595"/>
+                </a:lnTo>
+                <a:lnTo>
+                  <a:pt x="1462" y="0"/>
+                </a:lnTo>
+                <a:close/>
+              </a:path>
+            </a:pathLst>
+          </a:custGeom>
+          <a:solidFill>
+            <a:srgbClr val="002B41"/>
+          </a:solidFill>
+          <a:ln w="28575">
+            <a:noFill/>
+          </a:ln>
+          <a:effectLst>
+            <a:outerShdw blurRad="254000" dist="127000" dir="2700000" algn="tl" rotWithShape="0">
+              <a:prstClr val="black">
+                <a:alpha val="40000"/>
+              </a:prstClr>
+            </a:outerShdw>
+          </a:effectLst>
+        </p:spPr>
+        <p:txBody>
+          <a:bodyPr anchor="ctr"/>
+          <a:lstStyle/>
+          <a:p>
+            <a:pPr algn="ctr"/>
+            <a:endParaRPr lang="zh-CN" altLang="en-US" sz="2000">
+              <a:solidFill>
+                <a:srgbClr val="00183C"/>
+              </a:solidFill>
+            </a:endParaRPr>
+          </a:p>
+        </p:txBody>
+      </p:sp>
+      <p:sp>
+        <p:nvSpPr>
+          <p:cNvPr id="15" name="PA_椭圆 19"/>
+          <p:cNvSpPr>
+            <a:spLocks noChangeArrowheads="1"/>
+          </p:cNvSpPr>
+          <p:nvPr>
+            <p:custDataLst>
+              <p:tags r:id="rId8"/>
+            </p:custDataLst>
+          </p:nvPr>
+        </p:nvSpPr>
+        <p:spPr bwMode="auto">
+          <a:xfrm>
+            <a:off x="7847630" y="2860740"/>
+            <a:ext cx="100222" cy="100222"/>
+          </a:xfrm>
+          <a:prstGeom prst="ellipse">
+            <a:avLst/>
+          </a:prstGeom>
+          <a:solidFill>
+            <a:srgbClr val="002B41"/>
+          </a:solidFill>
+          <a:ln>
+            <a:noFill/>
+          </a:ln>
+        </p:spPr>
+        <p:txBody>
+          <a:bodyPr vert="horz" wrap="square" lIns="91440" tIns="45720" rIns="91440" bIns="45720" numCol="1" anchor="t" anchorCtr="0" compatLnSpc="1"/>
+          <a:lstStyle/>
+          <a:p>
+            <a:endParaRPr lang="zh-CN" altLang="en-US">
+              <a:solidFill>
+                <a:prstClr val="black"/>
+              </a:solidFill>
+            </a:endParaRPr>
+          </a:p>
+        </p:txBody>
+      </p:sp>
+      <p:sp>
+        <p:nvSpPr>
+          <p:cNvPr id="16" name="TextBox 76"/>
+          <p:cNvSpPr txBox="1"/>
+          <p:nvPr/>
+        </p:nvSpPr>
+        <p:spPr>
+          <a:xfrm>
+            <a:off x="1012190" y="2675890"/>
+            <a:ext cx="4613275" cy="1322070"/>
+          </a:xfrm>
+          <a:prstGeom prst="rect">
+            <a:avLst/>
+          </a:prstGeom>
+          <a:noFill/>
+        </p:spPr>
+        <p:txBody>
+          <a:bodyPr wrap="square" rtlCol="0">
+            <a:spAutoFit/>
+          </a:bodyPr>
+          <a:lstStyle/>
+          <a:p>
+            <a:r>
+              <a:rPr lang="zh-CN" altLang="en-US" sz="8000" dirty="0">
+                <a:solidFill>
+                  <a:srgbClr val="002B41"/>
+                </a:solidFill>
+                <a:latin typeface="微软雅黑" panose="020B0503020204020204" pitchFamily="34" charset="-122"/>
+                <a:ea typeface="微软雅黑" panose="020B0503020204020204" pitchFamily="34" charset="-122"/>
+              </a:rPr>
+              <a:t>感谢观看</a:t>
+            </a:r>
           </a:p>
         </p:txBody>
       </p:sp>
@@ -22415,479 +22622,6 @@
 </p:sld>
 </file>
 
-<file path=ppt/slides/slide60.xml><?xml version="1.0" encoding="utf-8"?>
-<p:sld xmlns:a="http://schemas.openxmlformats.org/drawingml/2006/main" xmlns:r="http://schemas.openxmlformats.org/officeDocument/2006/relationships" xmlns:p="http://schemas.openxmlformats.org/presentationml/2006/main">
-  <p:cSld>
-    <p:bg>
-      <p:bgPr>
-        <a:solidFill>
-          <a:srgbClr val="F1F1F1"/>
-        </a:solidFill>
-        <a:effectLst/>
-      </p:bgPr>
-    </p:bg>
-    <p:spTree>
-      <p:nvGrpSpPr>
-        <p:cNvPr id="1" name=""/>
-        <p:cNvGrpSpPr/>
-        <p:nvPr/>
-      </p:nvGrpSpPr>
-      <p:grpSpPr>
-        <a:xfrm>
-          <a:off x="0" y="0"/>
-          <a:ext cx="0" cy="0"/>
-          <a:chOff x="0" y="0"/>
-          <a:chExt cx="0" cy="0"/>
-        </a:xfrm>
-      </p:grpSpPr>
-      <p:sp>
-        <p:nvSpPr>
-          <p:cNvPr id="8" name="PA_Line 15"/>
-          <p:cNvSpPr>
-            <a:spLocks noChangeShapeType="1"/>
-          </p:cNvSpPr>
-          <p:nvPr>
-            <p:custDataLst>
-              <p:tags r:id="rId1"/>
-            </p:custDataLst>
-          </p:nvPr>
-        </p:nvSpPr>
-        <p:spPr bwMode="auto">
-          <a:xfrm flipV="1">
-            <a:off x="3459637" y="0"/>
-            <a:ext cx="7651028" cy="6860440"/>
-          </a:xfrm>
-          <a:prstGeom prst="line">
-            <a:avLst/>
-          </a:prstGeom>
-          <a:noFill/>
-          <a:ln w="7938" cap="flat">
-            <a:solidFill>
-              <a:srgbClr val="002B41"/>
-            </a:solidFill>
-            <a:prstDash val="solid"/>
-            <a:miter lim="800000"/>
-          </a:ln>
-          <a:extLst>
-            <a:ext uri="{909E8E84-426E-40DD-AFC4-6F175D3DCCD1}">
-              <a14:hiddenFill xmlns:a14="http://schemas.microsoft.com/office/drawing/2010/main">
-                <a:noFill/>
-              </a14:hiddenFill>
-            </a:ext>
-          </a:extLst>
-        </p:spPr>
-        <p:txBody>
-          <a:bodyPr vert="horz" wrap="square" lIns="91440" tIns="45720" rIns="91440" bIns="45720" numCol="1" anchor="t" anchorCtr="0" compatLnSpc="1"/>
-          <a:lstStyle/>
-          <a:p>
-            <a:endParaRPr lang="zh-CN" altLang="en-US">
-              <a:solidFill>
-                <a:prstClr val="black"/>
-              </a:solidFill>
-            </a:endParaRPr>
-          </a:p>
-        </p:txBody>
-      </p:sp>
-      <p:sp>
-        <p:nvSpPr>
-          <p:cNvPr id="9" name="PA_Line 16"/>
-          <p:cNvSpPr>
-            <a:spLocks noChangeShapeType="1"/>
-          </p:cNvSpPr>
-          <p:nvPr>
-            <p:custDataLst>
-              <p:tags r:id="rId2"/>
-            </p:custDataLst>
-          </p:nvPr>
-        </p:nvSpPr>
-        <p:spPr bwMode="auto">
-          <a:xfrm>
-            <a:off x="8045145" y="-179684"/>
-            <a:ext cx="4011737" cy="7040124"/>
-          </a:xfrm>
-          <a:prstGeom prst="line">
-            <a:avLst/>
-          </a:prstGeom>
-          <a:noFill/>
-          <a:ln w="7938" cap="flat">
-            <a:solidFill>
-              <a:srgbClr val="002B41"/>
-            </a:solidFill>
-            <a:prstDash val="solid"/>
-            <a:miter lim="800000"/>
-          </a:ln>
-          <a:extLst>
-            <a:ext uri="{909E8E84-426E-40DD-AFC4-6F175D3DCCD1}">
-              <a14:hiddenFill xmlns:a14="http://schemas.microsoft.com/office/drawing/2010/main">
-                <a:noFill/>
-              </a14:hiddenFill>
-            </a:ext>
-          </a:extLst>
-        </p:spPr>
-        <p:txBody>
-          <a:bodyPr vert="horz" wrap="square" lIns="91440" tIns="45720" rIns="91440" bIns="45720" numCol="1" anchor="t" anchorCtr="0" compatLnSpc="1"/>
-          <a:lstStyle/>
-          <a:p>
-            <a:endParaRPr lang="zh-CN" altLang="en-US">
-              <a:solidFill>
-                <a:prstClr val="black"/>
-              </a:solidFill>
-            </a:endParaRPr>
-          </a:p>
-        </p:txBody>
-      </p:sp>
-      <p:sp>
-        <p:nvSpPr>
-          <p:cNvPr id="10" name="PA_Line 17"/>
-          <p:cNvSpPr>
-            <a:spLocks noChangeShapeType="1"/>
-          </p:cNvSpPr>
-          <p:nvPr>
-            <p:custDataLst>
-              <p:tags r:id="rId3"/>
-            </p:custDataLst>
-          </p:nvPr>
-        </p:nvSpPr>
-        <p:spPr bwMode="auto">
-          <a:xfrm>
-            <a:off x="1517715" y="-37707"/>
-            <a:ext cx="10674284" cy="4949588"/>
-          </a:xfrm>
-          <a:prstGeom prst="line">
-            <a:avLst/>
-          </a:prstGeom>
-          <a:noFill/>
-          <a:ln w="7938" cap="flat">
-            <a:solidFill>
-              <a:srgbClr val="002B41"/>
-            </a:solidFill>
-            <a:prstDash val="solid"/>
-            <a:miter lim="800000"/>
-          </a:ln>
-          <a:extLst>
-            <a:ext uri="{909E8E84-426E-40DD-AFC4-6F175D3DCCD1}">
-              <a14:hiddenFill xmlns:a14="http://schemas.microsoft.com/office/drawing/2010/main">
-                <a:noFill/>
-              </a14:hiddenFill>
-            </a:ext>
-          </a:extLst>
-        </p:spPr>
-        <p:txBody>
-          <a:bodyPr vert="horz" wrap="square" lIns="91440" tIns="45720" rIns="91440" bIns="45720" numCol="1" anchor="t" anchorCtr="0" compatLnSpc="1"/>
-          <a:lstStyle/>
-          <a:p>
-            <a:endParaRPr lang="zh-CN" altLang="en-US">
-              <a:solidFill>
-                <a:prstClr val="black"/>
-              </a:solidFill>
-            </a:endParaRPr>
-          </a:p>
-        </p:txBody>
-      </p:sp>
-      <p:sp>
-        <p:nvSpPr>
-          <p:cNvPr id="11" name="PA_Line 18"/>
-          <p:cNvSpPr>
-            <a:spLocks noChangeShapeType="1"/>
-          </p:cNvSpPr>
-          <p:nvPr>
-            <p:custDataLst>
-              <p:tags r:id="rId4"/>
-            </p:custDataLst>
-          </p:nvPr>
-        </p:nvSpPr>
-        <p:spPr bwMode="auto">
-          <a:xfrm flipV="1">
-            <a:off x="9747262" y="-179684"/>
-            <a:ext cx="1891058" cy="7033554"/>
-          </a:xfrm>
-          <a:prstGeom prst="line">
-            <a:avLst/>
-          </a:prstGeom>
-          <a:noFill/>
-          <a:ln w="7938" cap="flat">
-            <a:solidFill>
-              <a:srgbClr val="002B41"/>
-            </a:solidFill>
-            <a:prstDash val="solid"/>
-            <a:miter lim="800000"/>
-          </a:ln>
-          <a:extLst>
-            <a:ext uri="{909E8E84-426E-40DD-AFC4-6F175D3DCCD1}">
-              <a14:hiddenFill xmlns:a14="http://schemas.microsoft.com/office/drawing/2010/main">
-                <a:noFill/>
-              </a14:hiddenFill>
-            </a:ext>
-          </a:extLst>
-        </p:spPr>
-        <p:txBody>
-          <a:bodyPr vert="horz" wrap="square" lIns="91440" tIns="45720" rIns="91440" bIns="45720" numCol="1" anchor="t" anchorCtr="0" compatLnSpc="1"/>
-          <a:lstStyle/>
-          <a:p>
-            <a:endParaRPr lang="zh-CN" altLang="en-US">
-              <a:solidFill>
-                <a:prstClr val="black"/>
-              </a:solidFill>
-            </a:endParaRPr>
-          </a:p>
-        </p:txBody>
-      </p:sp>
-      <p:sp>
-        <p:nvSpPr>
-          <p:cNvPr id="12" name="PA_椭圆 19"/>
-          <p:cNvSpPr>
-            <a:spLocks noChangeArrowheads="1"/>
-          </p:cNvSpPr>
-          <p:nvPr>
-            <p:custDataLst>
-              <p:tags r:id="rId5"/>
-            </p:custDataLst>
-          </p:nvPr>
-        </p:nvSpPr>
-        <p:spPr bwMode="auto">
-          <a:xfrm>
-            <a:off x="9105344" y="1710670"/>
-            <a:ext cx="100222" cy="100222"/>
-          </a:xfrm>
-          <a:prstGeom prst="ellipse">
-            <a:avLst/>
-          </a:prstGeom>
-          <a:solidFill>
-            <a:srgbClr val="002B41"/>
-          </a:solidFill>
-          <a:ln>
-            <a:noFill/>
-          </a:ln>
-        </p:spPr>
-        <p:txBody>
-          <a:bodyPr vert="horz" wrap="square" lIns="91440" tIns="45720" rIns="91440" bIns="45720" numCol="1" anchor="t" anchorCtr="0" compatLnSpc="1"/>
-          <a:lstStyle/>
-          <a:p>
-            <a:endParaRPr lang="zh-CN" altLang="en-US">
-              <a:solidFill>
-                <a:prstClr val="black"/>
-              </a:solidFill>
-            </a:endParaRPr>
-          </a:p>
-        </p:txBody>
-      </p:sp>
-      <p:sp>
-        <p:nvSpPr>
-          <p:cNvPr id="13" name="PA_椭圆 20"/>
-          <p:cNvSpPr>
-            <a:spLocks noChangeArrowheads="1"/>
-          </p:cNvSpPr>
-          <p:nvPr>
-            <p:custDataLst>
-              <p:tags r:id="rId6"/>
-            </p:custDataLst>
-          </p:nvPr>
-        </p:nvSpPr>
-        <p:spPr bwMode="auto">
-          <a:xfrm>
-            <a:off x="10435706" y="4050757"/>
-            <a:ext cx="100222" cy="100222"/>
-          </a:xfrm>
-          <a:prstGeom prst="ellipse">
-            <a:avLst/>
-          </a:prstGeom>
-          <a:solidFill>
-            <a:srgbClr val="002B41"/>
-          </a:solidFill>
-          <a:ln>
-            <a:noFill/>
-          </a:ln>
-        </p:spPr>
-        <p:txBody>
-          <a:bodyPr vert="horz" wrap="square" lIns="91440" tIns="45720" rIns="91440" bIns="45720" numCol="1" anchor="t" anchorCtr="0" compatLnSpc="1"/>
-          <a:lstStyle/>
-          <a:p>
-            <a:endParaRPr lang="zh-CN" altLang="en-US">
-              <a:solidFill>
-                <a:prstClr val="black"/>
-              </a:solidFill>
-            </a:endParaRPr>
-          </a:p>
-        </p:txBody>
-      </p:sp>
-      <p:sp>
-        <p:nvSpPr>
-          <p:cNvPr id="14" name="PA_任意多边形 5"/>
-          <p:cNvSpPr/>
-          <p:nvPr>
-            <p:custDataLst>
-              <p:tags r:id="rId7"/>
-            </p:custDataLst>
-          </p:nvPr>
-        </p:nvSpPr>
-        <p:spPr bwMode="auto">
-          <a:xfrm>
-            <a:off x="9257122" y="0"/>
-            <a:ext cx="2926691" cy="4911881"/>
-          </a:xfrm>
-          <a:custGeom>
-            <a:avLst/>
-            <a:gdLst>
-              <a:gd name="T0" fmla="*/ 1462 w 2332"/>
-              <a:gd name="T1" fmla="*/ 0 h 3907"/>
-              <a:gd name="T2" fmla="*/ 2332 w 2332"/>
-              <a:gd name="T3" fmla="*/ 0 h 3907"/>
-              <a:gd name="T4" fmla="*/ 2332 w 2332"/>
-              <a:gd name="T5" fmla="*/ 3907 h 3907"/>
-              <a:gd name="T6" fmla="*/ 0 w 2332"/>
-              <a:gd name="T7" fmla="*/ 2595 h 3907"/>
-              <a:gd name="T8" fmla="*/ 1462 w 2332"/>
-              <a:gd name="T9" fmla="*/ 0 h 3907"/>
-            </a:gdLst>
-            <a:ahLst/>
-            <a:cxnLst>
-              <a:cxn ang="0">
-                <a:pos x="T0" y="T1"/>
-              </a:cxn>
-              <a:cxn ang="0">
-                <a:pos x="T2" y="T3"/>
-              </a:cxn>
-              <a:cxn ang="0">
-                <a:pos x="T4" y="T5"/>
-              </a:cxn>
-              <a:cxn ang="0">
-                <a:pos x="T6" y="T7"/>
-              </a:cxn>
-              <a:cxn ang="0">
-                <a:pos x="T8" y="T9"/>
-              </a:cxn>
-            </a:cxnLst>
-            <a:rect l="0" t="0" r="r" b="b"/>
-            <a:pathLst>
-              <a:path w="2332" h="3907">
-                <a:moveTo>
-                  <a:pt x="1462" y="0"/>
-                </a:moveTo>
-                <a:lnTo>
-                  <a:pt x="2332" y="0"/>
-                </a:lnTo>
-                <a:lnTo>
-                  <a:pt x="2332" y="3907"/>
-                </a:lnTo>
-                <a:lnTo>
-                  <a:pt x="0" y="2595"/>
-                </a:lnTo>
-                <a:lnTo>
-                  <a:pt x="1462" y="0"/>
-                </a:lnTo>
-                <a:close/>
-              </a:path>
-            </a:pathLst>
-          </a:custGeom>
-          <a:solidFill>
-            <a:srgbClr val="002B41"/>
-          </a:solidFill>
-          <a:ln w="28575">
-            <a:noFill/>
-          </a:ln>
-          <a:effectLst>
-            <a:outerShdw blurRad="254000" dist="127000" dir="2700000" algn="tl" rotWithShape="0">
-              <a:prstClr val="black">
-                <a:alpha val="40000"/>
-              </a:prstClr>
-            </a:outerShdw>
-          </a:effectLst>
-        </p:spPr>
-        <p:txBody>
-          <a:bodyPr anchor="ctr"/>
-          <a:lstStyle/>
-          <a:p>
-            <a:pPr algn="ctr"/>
-            <a:endParaRPr lang="zh-CN" altLang="en-US" sz="2000">
-              <a:solidFill>
-                <a:srgbClr val="00183C"/>
-              </a:solidFill>
-            </a:endParaRPr>
-          </a:p>
-        </p:txBody>
-      </p:sp>
-      <p:sp>
-        <p:nvSpPr>
-          <p:cNvPr id="15" name="PA_椭圆 19"/>
-          <p:cNvSpPr>
-            <a:spLocks noChangeArrowheads="1"/>
-          </p:cNvSpPr>
-          <p:nvPr>
-            <p:custDataLst>
-              <p:tags r:id="rId8"/>
-            </p:custDataLst>
-          </p:nvPr>
-        </p:nvSpPr>
-        <p:spPr bwMode="auto">
-          <a:xfrm>
-            <a:off x="7847630" y="2860740"/>
-            <a:ext cx="100222" cy="100222"/>
-          </a:xfrm>
-          <a:prstGeom prst="ellipse">
-            <a:avLst/>
-          </a:prstGeom>
-          <a:solidFill>
-            <a:srgbClr val="002B41"/>
-          </a:solidFill>
-          <a:ln>
-            <a:noFill/>
-          </a:ln>
-        </p:spPr>
-        <p:txBody>
-          <a:bodyPr vert="horz" wrap="square" lIns="91440" tIns="45720" rIns="91440" bIns="45720" numCol="1" anchor="t" anchorCtr="0" compatLnSpc="1"/>
-          <a:lstStyle/>
-          <a:p>
-            <a:endParaRPr lang="zh-CN" altLang="en-US">
-              <a:solidFill>
-                <a:prstClr val="black"/>
-              </a:solidFill>
-            </a:endParaRPr>
-          </a:p>
-        </p:txBody>
-      </p:sp>
-      <p:sp>
-        <p:nvSpPr>
-          <p:cNvPr id="16" name="TextBox 76"/>
-          <p:cNvSpPr txBox="1"/>
-          <p:nvPr/>
-        </p:nvSpPr>
-        <p:spPr>
-          <a:xfrm>
-            <a:off x="1012190" y="2675890"/>
-            <a:ext cx="4613275" cy="1322070"/>
-          </a:xfrm>
-          <a:prstGeom prst="rect">
-            <a:avLst/>
-          </a:prstGeom>
-          <a:noFill/>
-        </p:spPr>
-        <p:txBody>
-          <a:bodyPr wrap="square" rtlCol="0">
-            <a:spAutoFit/>
-          </a:bodyPr>
-          <a:lstStyle/>
-          <a:p>
-            <a:r>
-              <a:rPr lang="zh-CN" altLang="en-US" sz="8000" dirty="0">
-                <a:solidFill>
-                  <a:srgbClr val="002B41"/>
-                </a:solidFill>
-                <a:latin typeface="微软雅黑" panose="020B0503020204020204" pitchFamily="34" charset="-122"/>
-                <a:ea typeface="微软雅黑" panose="020B0503020204020204" pitchFamily="34" charset="-122"/>
-              </a:rPr>
-              <a:t>感谢观看</a:t>
-            </a:r>
-          </a:p>
-        </p:txBody>
-      </p:sp>
-    </p:spTree>
-  </p:cSld>
-  <p:clrMapOvr>
-    <a:masterClrMapping/>
-  </p:clrMapOvr>
-</p:sld>
-</file>
-
 <file path=ppt/slides/slide7.xml><?xml version="1.0" encoding="utf-8"?>
 <p:sld xmlns:a="http://schemas.openxmlformats.org/drawingml/2006/main" xmlns:r="http://schemas.openxmlformats.org/officeDocument/2006/relationships" xmlns:p="http://schemas.openxmlformats.org/presentationml/2006/main">
   <p:cSld>
@@ -23339,7 +23073,19 @@
           <a:p>
             <a:r>
               <a:rPr lang="zh-CN" altLang="en-US" dirty="0"/>
-              <a:t>Rational Rose有很强的校验功能，能检查出模型中的许多逻辑错误，还支持多种语言的双向项目，特别是对当前比较流行的Java的支持非常好。</a:t>
+              <a:t>Rational Rose有很强的校验功能，能检查出模型中的许多逻辑错误，还支持</a:t>
+            </a:r>
+            <a:r>
+              <a:rPr lang="zh-CN" altLang="en-US" dirty="0">
+                <a:solidFill>
+                  <a:srgbClr val="FF0000"/>
+                </a:solidFill>
+              </a:rPr>
+              <a:t>多种语言的双向项目</a:t>
+            </a:r>
+            <a:r>
+              <a:rPr lang="zh-CN" altLang="en-US" dirty="0"/>
+              <a:t>，特别是对当前比较流行的Java的支持非常好。</a:t>
             </a:r>
             <a:endParaRPr lang="en-US" altLang="zh-CN" dirty="0"/>
           </a:p>
@@ -23629,12 +23375,38 @@
           </a:xfrm>
         </p:spPr>
         <p:txBody>
-          <a:bodyPr/>
+          <a:bodyPr>
+            <a:normAutofit lnSpcReduction="10000"/>
+          </a:bodyPr>
           <a:lstStyle/>
           <a:p>
             <a:r>
               <a:rPr lang="zh-CN" altLang="en-US" dirty="0"/>
-              <a:t>Rational Rose包括统一建模语言（UML）、OOSE、OMT。其中，统一建模语言（UML）由Rational公司三位世界级面向对象技术专家Grady Booch、Ivar Jacobson和Jim Rumbaugh通过对早期面向对象研究和设计方法的进一步扩展得来，它为可视化建模软件奠定了坚实的理论基础。</a:t>
+              <a:t>Rational Rose包括统一建模语言（UML）、OOSE（</a:t>
+            </a:r>
+            <a:r>
+              <a:rPr lang="en-US" altLang="zh-CN" dirty="0"/>
+              <a:t>Object-oriented software engineering,</a:t>
+            </a:r>
+            <a:r>
+              <a:rPr lang="zh-CN" altLang="en-US" dirty="0"/>
+              <a:t>面向对象的软件工程）、OMT</a:t>
+            </a:r>
+            <a:r>
+              <a:rPr lang="en-US" altLang="zh-CN" dirty="0"/>
+              <a:t>(Object Modeling Technique, </a:t>
+            </a:r>
+            <a:r>
+              <a:rPr lang="zh-CN" altLang="en-US" dirty="0"/>
+              <a:t>对象建模技术</a:t>
+            </a:r>
+            <a:r>
+              <a:rPr lang="en-US" altLang="zh-CN" dirty="0"/>
+              <a:t>).</a:t>
+            </a:r>
+            <a:r>
+              <a:rPr lang="zh-CN" altLang="en-US" dirty="0"/>
+              <a:t>。其中，统一建模语言（UML）由Rational公司三位世界级面向对象技术专家Grady Booch、Ivar Jacobson和Jim Rumbaugh通过对早期面向对象研究和设计方法的进一步扩展得来，它为可视化建模软件奠定了坚实的理论基础。</a:t>
             </a:r>
           </a:p>
           <a:p>

--- a/非受控文档/过程文档/UML工具/UML工具.pptx
+++ b/非受控文档/过程文档/UML工具/UML工具.pptx
@@ -257,7 +257,7 @@
           <a:p>
             <a:fld id="{959EEDEB-74DD-4590-ADB0-3BDFBC7AA6C1}" type="datetimeFigureOut">
               <a:rPr lang="zh-CN" altLang="en-US" smtClean="0"/>
-              <a:t>2018/10/28</a:t>
+              <a:t>2018/11/2</a:t>
             </a:fld>
             <a:endParaRPr lang="zh-CN" altLang="en-US"/>
           </a:p>
@@ -648,7 +648,7 @@
           <a:p>
             <a:fld id="{698485DF-3FAB-45E9-A642-7745AB3E3AFD}" type="datetimeFigureOut">
               <a:rPr lang="zh-CN" altLang="en-US" smtClean="0"/>
-              <a:t>2018/10/28</a:t>
+              <a:t>2018/11/2</a:t>
             </a:fld>
             <a:endParaRPr lang="zh-CN" altLang="en-US"/>
           </a:p>
@@ -811,7 +811,7 @@
           <a:p>
             <a:fld id="{698485DF-3FAB-45E9-A642-7745AB3E3AFD}" type="datetimeFigureOut">
               <a:rPr lang="zh-CN" altLang="en-US" smtClean="0"/>
-              <a:t>2018/10/28</a:t>
+              <a:t>2018/11/2</a:t>
             </a:fld>
             <a:endParaRPr lang="zh-CN" altLang="en-US"/>
           </a:p>
@@ -984,7 +984,7 @@
           <a:p>
             <a:fld id="{698485DF-3FAB-45E9-A642-7745AB3E3AFD}" type="datetimeFigureOut">
               <a:rPr lang="zh-CN" altLang="en-US" smtClean="0"/>
-              <a:t>2018/10/28</a:t>
+              <a:t>2018/11/2</a:t>
             </a:fld>
             <a:endParaRPr lang="zh-CN" altLang="en-US"/>
           </a:p>
@@ -1096,7 +1096,7 @@
           <a:p>
             <a:fld id="{698485DF-3FAB-45E9-A642-7745AB3E3AFD}" type="datetimeFigureOut">
               <a:rPr lang="zh-CN" altLang="en-US" smtClean="0"/>
-              <a:t>2018/10/28</a:t>
+              <a:t>2018/11/2</a:t>
             </a:fld>
             <a:endParaRPr lang="zh-CN" altLang="en-US"/>
           </a:p>
@@ -2060,7 +2060,7 @@
           <a:p>
             <a:fld id="{698485DF-3FAB-45E9-A642-7745AB3E3AFD}" type="datetimeFigureOut">
               <a:rPr lang="zh-CN" altLang="en-US" smtClean="0"/>
-              <a:t>2018/10/28</a:t>
+              <a:t>2018/11/2</a:t>
             </a:fld>
             <a:endParaRPr lang="zh-CN" altLang="en-US"/>
           </a:p>
@@ -2300,7 +2300,7 @@
           <a:p>
             <a:fld id="{698485DF-3FAB-45E9-A642-7745AB3E3AFD}" type="datetimeFigureOut">
               <a:rPr lang="zh-CN" altLang="en-US" smtClean="0"/>
-              <a:t>2018/10/28</a:t>
+              <a:t>2018/11/2</a:t>
             </a:fld>
             <a:endParaRPr lang="zh-CN" altLang="en-US"/>
           </a:p>
@@ -2524,7 +2524,7 @@
           <a:p>
             <a:fld id="{698485DF-3FAB-45E9-A642-7745AB3E3AFD}" type="datetimeFigureOut">
               <a:rPr lang="zh-CN" altLang="en-US" smtClean="0"/>
-              <a:t>2018/10/28</a:t>
+              <a:t>2018/11/2</a:t>
             </a:fld>
             <a:endParaRPr lang="zh-CN" altLang="en-US"/>
           </a:p>
@@ -2883,7 +2883,7 @@
           <a:p>
             <a:fld id="{698485DF-3FAB-45E9-A642-7745AB3E3AFD}" type="datetimeFigureOut">
               <a:rPr lang="zh-CN" altLang="en-US" smtClean="0"/>
-              <a:t>2018/10/28</a:t>
+              <a:t>2018/11/2</a:t>
             </a:fld>
             <a:endParaRPr lang="zh-CN" altLang="en-US"/>
           </a:p>
@@ -2995,7 +2995,7 @@
           <a:p>
             <a:fld id="{698485DF-3FAB-45E9-A642-7745AB3E3AFD}" type="datetimeFigureOut">
               <a:rPr lang="zh-CN" altLang="en-US" smtClean="0"/>
-              <a:t>2018/10/28</a:t>
+              <a:t>2018/11/2</a:t>
             </a:fld>
             <a:endParaRPr lang="zh-CN" altLang="en-US"/>
           </a:p>
@@ -3085,7 +3085,7 @@
           <a:p>
             <a:fld id="{698485DF-3FAB-45E9-A642-7745AB3E3AFD}" type="datetimeFigureOut">
               <a:rPr lang="zh-CN" altLang="en-US" smtClean="0"/>
-              <a:t>2018/10/28</a:t>
+              <a:t>2018/11/2</a:t>
             </a:fld>
             <a:endParaRPr lang="zh-CN" altLang="en-US"/>
           </a:p>
@@ -3355,7 +3355,7 @@
           <a:p>
             <a:fld id="{698485DF-3FAB-45E9-A642-7745AB3E3AFD}" type="datetimeFigureOut">
               <a:rPr lang="zh-CN" altLang="en-US" smtClean="0"/>
-              <a:t>2018/10/28</a:t>
+              <a:t>2018/11/2</a:t>
             </a:fld>
             <a:endParaRPr lang="zh-CN" altLang="en-US"/>
           </a:p>
@@ -3602,7 +3602,7 @@
           <a:p>
             <a:fld id="{698485DF-3FAB-45E9-A642-7745AB3E3AFD}" type="datetimeFigureOut">
               <a:rPr lang="zh-CN" altLang="en-US" smtClean="0"/>
-              <a:t>2018/10/28</a:t>
+              <a:t>2018/11/2</a:t>
             </a:fld>
             <a:endParaRPr lang="zh-CN" altLang="en-US"/>
           </a:p>
@@ -3808,7 +3808,7 @@
           <a:p>
             <a:fld id="{698485DF-3FAB-45E9-A642-7745AB3E3AFD}" type="datetimeFigureOut">
               <a:rPr lang="zh-CN" altLang="en-US" smtClean="0"/>
-              <a:t>2018/10/28</a:t>
+              <a:t>2018/11/2</a:t>
             </a:fld>
             <a:endParaRPr lang="zh-CN" altLang="en-US"/>
           </a:p>
@@ -21155,7 +21155,7 @@
                 <a:latin typeface="+mn-ea"/>
                 <a:cs typeface="+mn-ea"/>
               </a:rPr>
-              <a:t>陈妍蓝：项目工程计划的修改，需求工程文档的修改，</a:t>
+              <a:t>陈妍蓝：项目工程计划的修改，需求工程文档的修改</a:t>
             </a:r>
             <a:r>
               <a:rPr lang="en-US" altLang="zh-CN" dirty="0">
@@ -21350,7 +21350,21 @@
                 <a:latin typeface="+mn-ea"/>
                 <a:cs typeface="+mn-ea"/>
               </a:rPr>
-              <a:t>计划编写愿景与范围，搜集整理资料。</a:t>
+              <a:t>计划</a:t>
+            </a:r>
+            <a:r>
+              <a:rPr lang="en-US" altLang="zh-CN" dirty="0">
+                <a:latin typeface="+mn-ea"/>
+                <a:cs typeface="+mn-ea"/>
+              </a:rPr>
+              <a:t>-</a:t>
+            </a:r>
+            <a:r>
+              <a:rPr lang="zh-CN" altLang="en-US" dirty="0">
+                <a:latin typeface="+mn-ea"/>
+                <a:cs typeface="+mn-ea"/>
+              </a:rPr>
+              <a:t>初步，修改愿景与范围，搜集整理资料。</a:t>
             </a:r>
             <a:r>
               <a:rPr lang="en-US" altLang="zh-CN" dirty="0">
